--- a/presentation/Présentation_1.pptx
+++ b/presentation/Présentation_1.pptx
@@ -10,6 +10,7 @@
     <p:sldId id="258" r:id="rId4"/>
     <p:sldId id="259" r:id="rId5"/>
     <p:sldId id="260" r:id="rId6"/>
+    <p:sldId id="261" r:id="rId7"/>
   </p:sldIdLst>
   <p:sldSz cx="12192000" cy="6858000"/>
   <p:notesSz cx="6858000" cy="9144000"/>
@@ -108,6 +109,11 @@
       </a:defRPr>
     </a:lvl9pPr>
   </p:defaultTextStyle>
+  <p:extLst>
+    <p:ext uri="{EFAFB233-063F-42B5-8137-9DF3F51BA10A}">
+      <p15:sldGuideLst xmlns:p15="http://schemas.microsoft.com/office/powerpoint/2012/main"/>
+    </p:ext>
+  </p:extLst>
 </p:presentation>
 </file>
 
@@ -260,7 +266,7 @@
           <a:p>
             <a:fld id="{C43A76A3-ADC8-4477-8FC1-B9DD55D84908}" type="datetime1">
               <a:rPr lang="en-US" smtClean="0"/>
-              <a:t>3/17/2022</a:t>
+              <a:t>3/18/2022</a:t>
             </a:fld>
             <a:endParaRPr lang="en-US" dirty="0"/>
           </a:p>
@@ -330,13 +336,13 @@
   <p:clrMapOvr>
     <a:masterClrMapping/>
   </p:clrMapOvr>
-  <mc:AlternateContent xmlns:mc="http://schemas.openxmlformats.org/markup-compatibility/2006">
-    <mc:Choice xmlns:p14="http://schemas.microsoft.com/office/powerpoint/2010/main" Requires="p14">
+  <mc:AlternateContent xmlns:mc="http://schemas.openxmlformats.org/markup-compatibility/2006" xmlns:p14="http://schemas.microsoft.com/office/powerpoint/2010/main">
+    <mc:Choice Requires="p14">
       <p:transition spd="med" p14:dur="700">
         <p:fade/>
       </p:transition>
     </mc:Choice>
-    <mc:Fallback>
+    <mc:Fallback xmlns="">
       <p:transition spd="med">
         <p:fade/>
       </p:transition>
@@ -470,7 +476,7 @@
           <a:p>
             <a:fld id="{D6762538-DC4D-4667-96E5-B3278DDF8B12}" type="datetime1">
               <a:rPr lang="en-US" smtClean="0"/>
-              <a:t>3/17/2022</a:t>
+              <a:t>3/18/2022</a:t>
             </a:fld>
             <a:endParaRPr lang="en-US"/>
           </a:p>
@@ -540,13 +546,13 @@
   <p:clrMapOvr>
     <a:masterClrMapping/>
   </p:clrMapOvr>
-  <mc:AlternateContent xmlns:mc="http://schemas.openxmlformats.org/markup-compatibility/2006">
-    <mc:Choice xmlns:p14="http://schemas.microsoft.com/office/powerpoint/2010/main" Requires="p14">
+  <mc:AlternateContent xmlns:mc="http://schemas.openxmlformats.org/markup-compatibility/2006" xmlns:p14="http://schemas.microsoft.com/office/powerpoint/2010/main">
+    <mc:Choice Requires="p14">
       <p:transition spd="med" p14:dur="700">
         <p:fade/>
       </p:transition>
     </mc:Choice>
-    <mc:Fallback>
+    <mc:Fallback xmlns="">
       <p:transition spd="med">
         <p:fade/>
       </p:transition>
@@ -690,7 +696,7 @@
           <a:p>
             <a:fld id="{05880548-5C08-4BE3-B63E-F2BB63B0B00C}" type="datetime1">
               <a:rPr lang="en-US" smtClean="0"/>
-              <a:t>3/17/2022</a:t>
+              <a:t>3/18/2022</a:t>
             </a:fld>
             <a:endParaRPr lang="en-US"/>
           </a:p>
@@ -760,13 +766,13 @@
   <p:clrMapOvr>
     <a:masterClrMapping/>
   </p:clrMapOvr>
-  <mc:AlternateContent xmlns:mc="http://schemas.openxmlformats.org/markup-compatibility/2006">
-    <mc:Choice xmlns:p14="http://schemas.microsoft.com/office/powerpoint/2010/main" Requires="p14">
+  <mc:AlternateContent xmlns:mc="http://schemas.openxmlformats.org/markup-compatibility/2006" xmlns:p14="http://schemas.microsoft.com/office/powerpoint/2010/main">
+    <mc:Choice Requires="p14">
       <p:transition spd="med" p14:dur="700">
         <p:fade/>
       </p:transition>
     </mc:Choice>
-    <mc:Fallback>
+    <mc:Fallback xmlns="">
       <p:transition spd="med">
         <p:fade/>
       </p:transition>
@@ -900,7 +906,7 @@
           <a:p>
             <a:fld id="{DE7F49BE-398D-479A-8A7E-5DDBCA61EDCB}" type="datetime1">
               <a:rPr lang="en-US" smtClean="0"/>
-              <a:t>3/17/2022</a:t>
+              <a:t>3/18/2022</a:t>
             </a:fld>
             <a:endParaRPr lang="en-US"/>
           </a:p>
@@ -970,13 +976,13 @@
   <p:clrMapOvr>
     <a:masterClrMapping/>
   </p:clrMapOvr>
-  <mc:AlternateContent xmlns:mc="http://schemas.openxmlformats.org/markup-compatibility/2006">
-    <mc:Choice xmlns:p14="http://schemas.microsoft.com/office/powerpoint/2010/main" Requires="p14">
+  <mc:AlternateContent xmlns:mc="http://schemas.openxmlformats.org/markup-compatibility/2006" xmlns:p14="http://schemas.microsoft.com/office/powerpoint/2010/main">
+    <mc:Choice Requires="p14">
       <p:transition spd="med" p14:dur="700">
         <p:fade/>
       </p:transition>
     </mc:Choice>
-    <mc:Fallback>
+    <mc:Fallback xmlns="">
       <p:transition spd="med">
         <p:fade/>
       </p:transition>
@@ -1188,7 +1194,7 @@
           <a:p>
             <a:fld id="{CCD0C193-4974-4A1F-9C63-07D595E30D66}" type="datetime1">
               <a:rPr lang="en-US" smtClean="0"/>
-              <a:t>3/17/2022</a:t>
+              <a:t>3/18/2022</a:t>
             </a:fld>
             <a:endParaRPr lang="en-US"/>
           </a:p>
@@ -1258,13 +1264,13 @@
   <p:clrMapOvr>
     <a:masterClrMapping/>
   </p:clrMapOvr>
-  <mc:AlternateContent xmlns:mc="http://schemas.openxmlformats.org/markup-compatibility/2006">
-    <mc:Choice xmlns:p14="http://schemas.microsoft.com/office/powerpoint/2010/main" Requires="p14">
+  <mc:AlternateContent xmlns:mc="http://schemas.openxmlformats.org/markup-compatibility/2006" xmlns:p14="http://schemas.microsoft.com/office/powerpoint/2010/main">
+    <mc:Choice Requires="p14">
       <p:transition spd="med" p14:dur="700">
         <p:fade/>
       </p:transition>
     </mc:Choice>
-    <mc:Fallback>
+    <mc:Fallback xmlns="">
       <p:transition spd="med">
         <p:fade/>
       </p:transition>
@@ -1467,7 +1473,7 @@
           <a:p>
             <a:fld id="{701AA87F-28D4-4BF0-B81F-877A89DFD5AC}" type="datetime1">
               <a:rPr lang="en-US" smtClean="0"/>
-              <a:t>3/17/2022</a:t>
+              <a:t>3/18/2022</a:t>
             </a:fld>
             <a:endParaRPr lang="en-US"/>
           </a:p>
@@ -1537,13 +1543,13 @@
   <p:clrMapOvr>
     <a:masterClrMapping/>
   </p:clrMapOvr>
-  <mc:AlternateContent xmlns:mc="http://schemas.openxmlformats.org/markup-compatibility/2006">
-    <mc:Choice xmlns:p14="http://schemas.microsoft.com/office/powerpoint/2010/main" Requires="p14">
+  <mc:AlternateContent xmlns:mc="http://schemas.openxmlformats.org/markup-compatibility/2006" xmlns:p14="http://schemas.microsoft.com/office/powerpoint/2010/main">
+    <mc:Choice Requires="p14">
       <p:transition spd="med" p14:dur="700">
         <p:fade/>
       </p:transition>
     </mc:Choice>
-    <mc:Fallback>
+    <mc:Fallback xmlns="">
       <p:transition spd="med">
         <p:fade/>
       </p:transition>
@@ -1893,7 +1899,7 @@
           <a:p>
             <a:fld id="{A8A9F1F3-208B-49A3-B337-9C8ACEB3E0E1}" type="datetime1">
               <a:rPr lang="en-US" smtClean="0"/>
-              <a:t>3/17/2022</a:t>
+              <a:t>3/18/2022</a:t>
             </a:fld>
             <a:endParaRPr lang="en-US"/>
           </a:p>
@@ -1963,13 +1969,13 @@
   <p:clrMapOvr>
     <a:masterClrMapping/>
   </p:clrMapOvr>
-  <mc:AlternateContent xmlns:mc="http://schemas.openxmlformats.org/markup-compatibility/2006">
-    <mc:Choice xmlns:p14="http://schemas.microsoft.com/office/powerpoint/2010/main" Requires="p14">
+  <mc:AlternateContent xmlns:mc="http://schemas.openxmlformats.org/markup-compatibility/2006" xmlns:p14="http://schemas.microsoft.com/office/powerpoint/2010/main">
+    <mc:Choice Requires="p14">
       <p:transition spd="med" p14:dur="700">
         <p:fade/>
       </p:transition>
     </mc:Choice>
-    <mc:Fallback>
+    <mc:Fallback xmlns="">
       <p:transition spd="med">
         <p:fade/>
       </p:transition>
@@ -2052,7 +2058,7 @@
           <a:p>
             <a:fld id="{27AF6CA6-7293-4AA2-A0E0-A3BF4416E786}" type="datetime1">
               <a:rPr lang="en-US" smtClean="0"/>
-              <a:t>3/17/2022</a:t>
+              <a:t>3/18/2022</a:t>
             </a:fld>
             <a:endParaRPr lang="en-US"/>
           </a:p>
@@ -2122,13 +2128,13 @@
   <p:clrMapOvr>
     <a:masterClrMapping/>
   </p:clrMapOvr>
-  <mc:AlternateContent xmlns:mc="http://schemas.openxmlformats.org/markup-compatibility/2006">
-    <mc:Choice xmlns:p14="http://schemas.microsoft.com/office/powerpoint/2010/main" Requires="p14">
+  <mc:AlternateContent xmlns:mc="http://schemas.openxmlformats.org/markup-compatibility/2006" xmlns:p14="http://schemas.microsoft.com/office/powerpoint/2010/main">
+    <mc:Choice Requires="p14">
       <p:transition spd="med" p14:dur="700">
         <p:fade/>
       </p:transition>
     </mc:Choice>
-    <mc:Fallback>
+    <mc:Fallback xmlns="">
       <p:transition spd="med">
         <p:fade/>
       </p:transition>
@@ -2177,7 +2183,7 @@
           <a:p>
             <a:fld id="{98D87016-7BCD-46FB-8EE3-AB6C369108B4}" type="datetime1">
               <a:rPr lang="en-US" smtClean="0"/>
-              <a:t>3/17/2022</a:t>
+              <a:t>3/18/2022</a:t>
             </a:fld>
             <a:endParaRPr lang="en-US"/>
           </a:p>
@@ -2247,13 +2253,13 @@
   <p:clrMapOvr>
     <a:masterClrMapping/>
   </p:clrMapOvr>
-  <mc:AlternateContent xmlns:mc="http://schemas.openxmlformats.org/markup-compatibility/2006">
-    <mc:Choice xmlns:p14="http://schemas.microsoft.com/office/powerpoint/2010/main" Requires="p14">
+  <mc:AlternateContent xmlns:mc="http://schemas.openxmlformats.org/markup-compatibility/2006" xmlns:p14="http://schemas.microsoft.com/office/powerpoint/2010/main">
+    <mc:Choice Requires="p14">
       <p:transition spd="med" p14:dur="700">
         <p:fade/>
       </p:transition>
     </mc:Choice>
-    <mc:Fallback>
+    <mc:Fallback xmlns="">
       <p:transition spd="med">
         <p:fade/>
       </p:transition>
@@ -2508,7 +2514,7 @@
           <a:p>
             <a:fld id="{A1547011-1FFC-4EF8-9A2E-53B4AD2ADBD4}" type="datetime1">
               <a:rPr lang="en-US" smtClean="0"/>
-              <a:t>3/17/2022</a:t>
+              <a:t>3/18/2022</a:t>
             </a:fld>
             <a:endParaRPr lang="en-US"/>
           </a:p>
@@ -2578,13 +2584,13 @@
   <p:clrMapOvr>
     <a:masterClrMapping/>
   </p:clrMapOvr>
-  <mc:AlternateContent xmlns:mc="http://schemas.openxmlformats.org/markup-compatibility/2006">
-    <mc:Choice xmlns:p14="http://schemas.microsoft.com/office/powerpoint/2010/main" Requires="p14">
+  <mc:AlternateContent xmlns:mc="http://schemas.openxmlformats.org/markup-compatibility/2006" xmlns:p14="http://schemas.microsoft.com/office/powerpoint/2010/main">
+    <mc:Choice Requires="p14">
       <p:transition spd="med" p14:dur="700">
         <p:fade/>
       </p:transition>
     </mc:Choice>
-    <mc:Fallback>
+    <mc:Fallback xmlns="">
       <p:transition spd="med">
         <p:fade/>
       </p:transition>
@@ -2815,7 +2821,7 @@
           <a:p>
             <a:fld id="{9562EB47-45B4-4EF5-A743-B4885DD2F060}" type="datetime1">
               <a:rPr lang="en-US" smtClean="0"/>
-              <a:t>3/17/2022</a:t>
+              <a:t>3/18/2022</a:t>
             </a:fld>
             <a:endParaRPr lang="en-US"/>
           </a:p>
@@ -2885,13 +2891,13 @@
   <p:clrMapOvr>
     <a:masterClrMapping/>
   </p:clrMapOvr>
-  <mc:AlternateContent xmlns:mc="http://schemas.openxmlformats.org/markup-compatibility/2006">
-    <mc:Choice xmlns:p14="http://schemas.microsoft.com/office/powerpoint/2010/main" Requires="p14">
+  <mc:AlternateContent xmlns:mc="http://schemas.openxmlformats.org/markup-compatibility/2006" xmlns:p14="http://schemas.microsoft.com/office/powerpoint/2010/main">
+    <mc:Choice Requires="p14">
       <p:transition spd="med" p14:dur="700">
         <p:fade/>
       </p:transition>
     </mc:Choice>
-    <mc:Fallback>
+    <mc:Fallback xmlns="">
       <p:transition spd="med">
         <p:fade/>
       </p:transition>
@@ -4212,7 +4218,7 @@
           <a:p>
             <a:fld id="{4A8D24A4-5FEC-4062-8995-EB21925B3B40}" type="datetime1">
               <a:rPr lang="en-US" smtClean="0"/>
-              <a:t>3/17/2022</a:t>
+              <a:t>3/18/2022</a:t>
             </a:fld>
             <a:endParaRPr lang="en-US" sz="1000" dirty="0"/>
           </a:p>
@@ -4436,13 +4442,13 @@
     <p:sldLayoutId id="2147483825" r:id="rId10"/>
     <p:sldLayoutId id="2147483826" r:id="rId11"/>
   </p:sldLayoutIdLst>
-  <mc:AlternateContent xmlns:mc="http://schemas.openxmlformats.org/markup-compatibility/2006">
-    <mc:Choice xmlns:p14="http://schemas.microsoft.com/office/powerpoint/2010/main" Requires="p14">
+  <mc:AlternateContent xmlns:mc="http://schemas.openxmlformats.org/markup-compatibility/2006" xmlns:p14="http://schemas.microsoft.com/office/powerpoint/2010/main">
+    <mc:Choice Requires="p14">
       <p:transition spd="med" p14:dur="700">
         <p:fade/>
       </p:transition>
     </mc:Choice>
-    <mc:Fallback>
+    <mc:Fallback xmlns="">
       <p:transition spd="med">
         <p:fade/>
       </p:transition>
@@ -5633,13 +5639,13 @@
   <p:clrMapOvr>
     <a:masterClrMapping/>
   </p:clrMapOvr>
-  <mc:AlternateContent xmlns:mc="http://schemas.openxmlformats.org/markup-compatibility/2006">
-    <mc:Choice xmlns:p14="http://schemas.microsoft.com/office/powerpoint/2010/main" Requires="p14">
+  <mc:AlternateContent xmlns:mc="http://schemas.openxmlformats.org/markup-compatibility/2006" xmlns:p14="http://schemas.microsoft.com/office/powerpoint/2010/main">
+    <mc:Choice Requires="p14">
       <p:transition spd="med" p14:dur="700">
         <p:fade/>
       </p:transition>
     </mc:Choice>
-    <mc:Fallback>
+    <mc:Fallback xmlns="">
       <p:transition spd="med">
         <p:fade/>
       </p:transition>
@@ -7404,7 +7410,7 @@
             <a:avLst/>
           </a:prstGeom>
           <a:noFill/>
-          <a:ln w="57150">
+          <a:ln w="28575">
             <a:solidFill>
               <a:srgbClr val="00B050"/>
             </a:solidFill>
@@ -7456,7 +7462,7 @@
             <a:avLst/>
           </a:prstGeom>
           <a:noFill/>
-          <a:ln w="57150">
+          <a:ln w="28575">
             <a:solidFill>
               <a:srgbClr val="00B050"/>
             </a:solidFill>
@@ -8352,13 +8358,13 @@
   <p:clrMapOvr>
     <a:masterClrMapping/>
   </p:clrMapOvr>
-  <mc:AlternateContent xmlns:mc="http://schemas.openxmlformats.org/markup-compatibility/2006">
-    <mc:Choice xmlns:p14="http://schemas.microsoft.com/office/powerpoint/2010/main" Requires="p14">
+  <mc:AlternateContent xmlns:mc="http://schemas.openxmlformats.org/markup-compatibility/2006" xmlns:p14="http://schemas.microsoft.com/office/powerpoint/2010/main">
+    <mc:Choice Requires="p14">
       <p:transition spd="med" p14:dur="700">
         <p:fade/>
       </p:transition>
     </mc:Choice>
-    <mc:Fallback>
+    <mc:Fallback xmlns="">
       <p:transition spd="med">
         <p:fade/>
       </p:transition>
@@ -10764,7 +10770,7 @@
         </p:nvSpPr>
         <p:spPr>
           <a:xfrm>
-            <a:off x="6589648" y="2597618"/>
+            <a:off x="6589648" y="1193692"/>
             <a:ext cx="4527279" cy="1697291"/>
           </a:xfrm>
           <a:prstGeom prst="rect">
@@ -10993,9 +10999,302 @@
             <a:pPr algn="just"/>
             <a:r>
               <a:rPr lang="en-US" i="1" dirty="0"/>
-              <a:t>Achieve a level of k-anonymity by minimizing the loss of utility during generalization’s steps (expressed by weights)</a:t>
+              <a:t>Achieve a level of k-anonymity by minimizing the loss of utility during generalization steps (expressed by weights)</a:t>
             </a:r>
             <a:endParaRPr lang="fr-CH" i="1" dirty="0"/>
+          </a:p>
+        </p:txBody>
+      </p:sp>
+      <p:sp>
+        <p:nvSpPr>
+          <p:cNvPr id="3" name="Flèche : droite 2">
+            <a:extLst>
+              <a:ext uri="{FF2B5EF4-FFF2-40B4-BE49-F238E27FC236}">
+                <a16:creationId xmlns:a16="http://schemas.microsoft.com/office/drawing/2014/main" id="{4BDCB8E2-88CA-426E-9A7B-B9451B9862F3}"/>
+              </a:ext>
+            </a:extLst>
+          </p:cNvPr>
+          <p:cNvSpPr/>
+          <p:nvPr/>
+        </p:nvSpPr>
+        <p:spPr>
+          <a:xfrm>
+            <a:off x="6870062" y="4081875"/>
+            <a:ext cx="476240" cy="270057"/>
+          </a:xfrm>
+          <a:prstGeom prst="rightArrow">
+            <a:avLst/>
+          </a:prstGeom>
+        </p:spPr>
+        <p:style>
+          <a:lnRef idx="2">
+            <a:schemeClr val="accent1">
+              <a:shade val="50000"/>
+            </a:schemeClr>
+          </a:lnRef>
+          <a:fillRef idx="1">
+            <a:schemeClr val="accent1"/>
+          </a:fillRef>
+          <a:effectRef idx="0">
+            <a:schemeClr val="accent1"/>
+          </a:effectRef>
+          <a:fontRef idx="minor">
+            <a:schemeClr val="lt1"/>
+          </a:fontRef>
+        </p:style>
+        <p:txBody>
+          <a:bodyPr rtlCol="0" anchor="ctr"/>
+          <a:lstStyle/>
+          <a:p>
+            <a:pPr algn="ctr"/>
+            <a:endParaRPr lang="fr-FR"/>
+          </a:p>
+        </p:txBody>
+      </p:sp>
+      <p:sp>
+        <p:nvSpPr>
+          <p:cNvPr id="28" name="Sous-titre 4">
+            <a:extLst>
+              <a:ext uri="{FF2B5EF4-FFF2-40B4-BE49-F238E27FC236}">
+                <a16:creationId xmlns:a16="http://schemas.microsoft.com/office/drawing/2014/main" id="{AE064535-C922-46C1-AF58-731CC854DE4D}"/>
+              </a:ext>
+            </a:extLst>
+          </p:cNvPr>
+          <p:cNvSpPr txBox="1">
+            <a:spLocks/>
+          </p:cNvSpPr>
+          <p:nvPr/>
+        </p:nvSpPr>
+        <p:spPr>
+          <a:xfrm>
+            <a:off x="7565692" y="3854320"/>
+            <a:ext cx="3101187" cy="764541"/>
+          </a:xfrm>
+          <a:prstGeom prst="rect">
+            <a:avLst/>
+          </a:prstGeom>
+          <a:ln w="38100">
+            <a:solidFill>
+              <a:srgbClr val="92D050"/>
+            </a:solidFill>
+          </a:ln>
+        </p:spPr>
+        <p:txBody>
+          <a:bodyPr vert="horz" lIns="91440" tIns="45720" rIns="91440" bIns="45720" rtlCol="0">
+            <a:normAutofit/>
+          </a:bodyPr>
+          <a:lstStyle>
+            <a:lvl1pPr marL="0" indent="0" algn="ctr" defTabSz="914400" rtl="0" eaLnBrk="1" latinLnBrk="0" hangingPunct="1">
+              <a:lnSpc>
+                <a:spcPct val="90000"/>
+              </a:lnSpc>
+              <a:spcBef>
+                <a:spcPts val="1000"/>
+              </a:spcBef>
+              <a:buClr>
+                <a:schemeClr val="tx2">
+                  <a:lumMod val="75000"/>
+                  <a:lumOff val="25000"/>
+                </a:schemeClr>
+              </a:buClr>
+              <a:buFont typeface="Arial" panose="020B0604020202020204" pitchFamily="34" charset="0"/>
+              <a:buNone/>
+              <a:defRPr sz="2400" kern="1200">
+                <a:solidFill>
+                  <a:schemeClr val="tx2"/>
+                </a:solidFill>
+                <a:latin typeface="+mn-lt"/>
+                <a:ea typeface="+mn-ea"/>
+                <a:cs typeface="+mn-cs"/>
+              </a:defRPr>
+            </a:lvl1pPr>
+            <a:lvl2pPr marL="457200" indent="0" algn="ctr" defTabSz="914400" rtl="0" eaLnBrk="1" latinLnBrk="0" hangingPunct="1">
+              <a:lnSpc>
+                <a:spcPct val="90000"/>
+              </a:lnSpc>
+              <a:spcBef>
+                <a:spcPts val="500"/>
+              </a:spcBef>
+              <a:buClr>
+                <a:schemeClr val="tx2">
+                  <a:lumMod val="75000"/>
+                  <a:lumOff val="25000"/>
+                </a:schemeClr>
+              </a:buClr>
+              <a:buFont typeface="Arial" panose="020B0604020202020204" pitchFamily="34" charset="0"/>
+              <a:buNone/>
+              <a:defRPr sz="2000" kern="1200">
+                <a:solidFill>
+                  <a:schemeClr val="tx2"/>
+                </a:solidFill>
+                <a:latin typeface="+mn-lt"/>
+                <a:ea typeface="+mn-ea"/>
+                <a:cs typeface="+mn-cs"/>
+              </a:defRPr>
+            </a:lvl2pPr>
+            <a:lvl3pPr marL="914400" indent="0" algn="ctr" defTabSz="914400" rtl="0" eaLnBrk="1" latinLnBrk="0" hangingPunct="1">
+              <a:lnSpc>
+                <a:spcPct val="90000"/>
+              </a:lnSpc>
+              <a:spcBef>
+                <a:spcPts val="500"/>
+              </a:spcBef>
+              <a:buClr>
+                <a:schemeClr val="tx2">
+                  <a:lumMod val="75000"/>
+                  <a:lumOff val="25000"/>
+                </a:schemeClr>
+              </a:buClr>
+              <a:buFont typeface="Arial" panose="020B0604020202020204" pitchFamily="34" charset="0"/>
+              <a:buNone/>
+              <a:defRPr sz="1800" kern="1200">
+                <a:solidFill>
+                  <a:schemeClr val="tx2"/>
+                </a:solidFill>
+                <a:latin typeface="+mn-lt"/>
+                <a:ea typeface="+mn-ea"/>
+                <a:cs typeface="+mn-cs"/>
+              </a:defRPr>
+            </a:lvl3pPr>
+            <a:lvl4pPr marL="1371600" indent="0" algn="ctr" defTabSz="914400" rtl="0" eaLnBrk="1" latinLnBrk="0" hangingPunct="1">
+              <a:lnSpc>
+                <a:spcPct val="90000"/>
+              </a:lnSpc>
+              <a:spcBef>
+                <a:spcPts val="500"/>
+              </a:spcBef>
+              <a:buClr>
+                <a:schemeClr val="tx2">
+                  <a:lumMod val="75000"/>
+                  <a:lumOff val="25000"/>
+                </a:schemeClr>
+              </a:buClr>
+              <a:buFont typeface="Arial" panose="020B0604020202020204" pitchFamily="34" charset="0"/>
+              <a:buNone/>
+              <a:defRPr sz="1600" kern="1200">
+                <a:solidFill>
+                  <a:schemeClr val="tx2"/>
+                </a:solidFill>
+                <a:latin typeface="+mn-lt"/>
+                <a:ea typeface="+mn-ea"/>
+                <a:cs typeface="+mn-cs"/>
+              </a:defRPr>
+            </a:lvl4pPr>
+            <a:lvl5pPr marL="1828800" indent="0" algn="ctr" defTabSz="914400" rtl="0" eaLnBrk="1" latinLnBrk="0" hangingPunct="1">
+              <a:lnSpc>
+                <a:spcPct val="90000"/>
+              </a:lnSpc>
+              <a:spcBef>
+                <a:spcPts val="500"/>
+              </a:spcBef>
+              <a:buClr>
+                <a:schemeClr val="tx2">
+                  <a:lumMod val="75000"/>
+                  <a:lumOff val="25000"/>
+                </a:schemeClr>
+              </a:buClr>
+              <a:buFont typeface="Arial" panose="020B0604020202020204" pitchFamily="34" charset="0"/>
+              <a:buNone/>
+              <a:defRPr sz="1600" kern="1200">
+                <a:solidFill>
+                  <a:schemeClr val="tx2"/>
+                </a:solidFill>
+                <a:latin typeface="+mn-lt"/>
+                <a:ea typeface="+mn-ea"/>
+                <a:cs typeface="+mn-cs"/>
+              </a:defRPr>
+            </a:lvl5pPr>
+            <a:lvl6pPr marL="2286000" indent="0" algn="ctr" defTabSz="914400" rtl="0" eaLnBrk="1" latinLnBrk="0" hangingPunct="1">
+              <a:lnSpc>
+                <a:spcPct val="90000"/>
+              </a:lnSpc>
+              <a:spcBef>
+                <a:spcPts val="500"/>
+              </a:spcBef>
+              <a:buFont typeface="Arial" panose="020B0604020202020204" pitchFamily="34" charset="0"/>
+              <a:buNone/>
+              <a:defRPr sz="1600" kern="1200">
+                <a:solidFill>
+                  <a:schemeClr val="tx1"/>
+                </a:solidFill>
+                <a:latin typeface="+mn-lt"/>
+                <a:ea typeface="+mn-ea"/>
+                <a:cs typeface="+mn-cs"/>
+              </a:defRPr>
+            </a:lvl6pPr>
+            <a:lvl7pPr marL="2743200" indent="0" algn="ctr" defTabSz="914400" rtl="0" eaLnBrk="1" latinLnBrk="0" hangingPunct="1">
+              <a:lnSpc>
+                <a:spcPct val="90000"/>
+              </a:lnSpc>
+              <a:spcBef>
+                <a:spcPts val="500"/>
+              </a:spcBef>
+              <a:buFont typeface="Arial" panose="020B0604020202020204" pitchFamily="34" charset="0"/>
+              <a:buNone/>
+              <a:defRPr sz="1600" kern="1200">
+                <a:solidFill>
+                  <a:schemeClr val="tx1"/>
+                </a:solidFill>
+                <a:latin typeface="+mn-lt"/>
+                <a:ea typeface="+mn-ea"/>
+                <a:cs typeface="+mn-cs"/>
+              </a:defRPr>
+            </a:lvl7pPr>
+            <a:lvl8pPr marL="3200400" indent="0" algn="ctr" defTabSz="914400" rtl="0" eaLnBrk="1" latinLnBrk="0" hangingPunct="1">
+              <a:lnSpc>
+                <a:spcPct val="90000"/>
+              </a:lnSpc>
+              <a:spcBef>
+                <a:spcPts val="500"/>
+              </a:spcBef>
+              <a:buFont typeface="Arial" panose="020B0604020202020204" pitchFamily="34" charset="0"/>
+              <a:buNone/>
+              <a:defRPr sz="1600" kern="1200">
+                <a:solidFill>
+                  <a:schemeClr val="tx1"/>
+                </a:solidFill>
+                <a:latin typeface="+mn-lt"/>
+                <a:ea typeface="+mn-ea"/>
+                <a:cs typeface="+mn-cs"/>
+              </a:defRPr>
+            </a:lvl8pPr>
+            <a:lvl9pPr marL="3657600" indent="0" algn="ctr" defTabSz="914400" rtl="0" eaLnBrk="1" latinLnBrk="0" hangingPunct="1">
+              <a:lnSpc>
+                <a:spcPct val="90000"/>
+              </a:lnSpc>
+              <a:spcBef>
+                <a:spcPts val="500"/>
+              </a:spcBef>
+              <a:buFont typeface="Arial" panose="020B0604020202020204" pitchFamily="34" charset="0"/>
+              <a:buNone/>
+              <a:defRPr sz="1600" kern="1200">
+                <a:solidFill>
+                  <a:schemeClr val="tx1"/>
+                </a:solidFill>
+                <a:latin typeface="+mn-lt"/>
+                <a:ea typeface="+mn-ea"/>
+                <a:cs typeface="+mn-cs"/>
+              </a:defRPr>
+            </a:lvl9pPr>
+          </a:lstStyle>
+          <a:p>
+            <a:r>
+              <a:rPr lang="fr-CH" b="1" dirty="0" err="1"/>
+              <a:t>Weighted</a:t>
+            </a:r>
+            <a:r>
+              <a:rPr lang="fr-CH" b="1" dirty="0"/>
+              <a:t> </a:t>
+            </a:r>
+            <a:r>
+              <a:rPr lang="fr-CH" b="1" dirty="0" err="1"/>
+              <a:t>Hierarchical</a:t>
+            </a:r>
+            <a:r>
+              <a:rPr lang="fr-CH" b="1" dirty="0"/>
+              <a:t> Distance</a:t>
+            </a:r>
+            <a:endParaRPr lang="fr-FR" b="1" dirty="0"/>
           </a:p>
         </p:txBody>
       </p:sp>
@@ -11009,13 +11308,13 @@
   <p:clrMapOvr>
     <a:masterClrMapping/>
   </p:clrMapOvr>
-  <mc:AlternateContent xmlns:mc="http://schemas.openxmlformats.org/markup-compatibility/2006">
-    <mc:Choice xmlns:p14="http://schemas.microsoft.com/office/powerpoint/2010/main" Requires="p14">
+  <mc:AlternateContent xmlns:mc="http://schemas.openxmlformats.org/markup-compatibility/2006" xmlns:p14="http://schemas.microsoft.com/office/powerpoint/2010/main">
+    <mc:Choice Requires="p14">
       <p:transition spd="med" p14:dur="700">
         <p:fade/>
       </p:transition>
     </mc:Choice>
-    <mc:Fallback>
+    <mc:Fallback xmlns="">
       <p:transition spd="med">
         <p:fade/>
       </p:transition>
@@ -11702,6 +12001,94 @@
                       </p:childTnLst>
                     </p:cTn>
                   </p:par>
+                  <p:par>
+                    <p:cTn id="62" fill="hold">
+                      <p:stCondLst>
+                        <p:cond delay="indefinite"/>
+                      </p:stCondLst>
+                      <p:childTnLst>
+                        <p:par>
+                          <p:cTn id="63" fill="hold">
+                            <p:stCondLst>
+                              <p:cond delay="0"/>
+                            </p:stCondLst>
+                            <p:childTnLst>
+                              <p:par>
+                                <p:cTn id="64" presetID="10" presetClass="entr" presetSubtype="0" fill="hold" grpId="0" nodeType="clickEffect">
+                                  <p:stCondLst>
+                                    <p:cond delay="0"/>
+                                  </p:stCondLst>
+                                  <p:childTnLst>
+                                    <p:set>
+                                      <p:cBhvr>
+                                        <p:cTn id="65" dur="1" fill="hold">
+                                          <p:stCondLst>
+                                            <p:cond delay="0"/>
+                                          </p:stCondLst>
+                                        </p:cTn>
+                                        <p:tgtEl>
+                                          <p:spTgt spid="28"/>
+                                        </p:tgtEl>
+                                        <p:attrNameLst>
+                                          <p:attrName>style.visibility</p:attrName>
+                                        </p:attrNameLst>
+                                      </p:cBhvr>
+                                      <p:to>
+                                        <p:strVal val="visible"/>
+                                      </p:to>
+                                    </p:set>
+                                    <p:animEffect transition="in" filter="fade">
+                                      <p:cBhvr>
+                                        <p:cTn id="66" dur="500"/>
+                                        <p:tgtEl>
+                                          <p:spTgt spid="28"/>
+                                        </p:tgtEl>
+                                      </p:cBhvr>
+                                    </p:animEffect>
+                                  </p:childTnLst>
+                                </p:cTn>
+                              </p:par>
+                              <p:par>
+                                <p:cTn id="67" presetID="10" presetClass="entr" presetSubtype="0" fill="hold" grpId="0" nodeType="withEffect">
+                                  <p:stCondLst>
+                                    <p:cond delay="0"/>
+                                  </p:stCondLst>
+                                  <p:childTnLst>
+                                    <p:set>
+                                      <p:cBhvr>
+                                        <p:cTn id="68" dur="1" fill="hold">
+                                          <p:stCondLst>
+                                            <p:cond delay="0"/>
+                                          </p:stCondLst>
+                                        </p:cTn>
+                                        <p:tgtEl>
+                                          <p:spTgt spid="3"/>
+                                        </p:tgtEl>
+                                        <p:attrNameLst>
+                                          <p:attrName>style.visibility</p:attrName>
+                                        </p:attrNameLst>
+                                      </p:cBhvr>
+                                      <p:to>
+                                        <p:strVal val="visible"/>
+                                      </p:to>
+                                    </p:set>
+                                    <p:animEffect transition="in" filter="fade">
+                                      <p:cBhvr>
+                                        <p:cTn id="69" dur="500"/>
+                                        <p:tgtEl>
+                                          <p:spTgt spid="3"/>
+                                        </p:tgtEl>
+                                      </p:cBhvr>
+                                    </p:animEffect>
+                                  </p:childTnLst>
+                                </p:cTn>
+                              </p:par>
+                            </p:childTnLst>
+                          </p:cTn>
+                        </p:par>
+                      </p:childTnLst>
+                    </p:cTn>
+                  </p:par>
                 </p:childTnLst>
               </p:cTn>
               <p:prevCondLst>
@@ -11734,6 +12121,8 @@
       <p:bldP spid="27" grpId="0"/>
       <p:bldP spid="88" grpId="0"/>
       <p:bldP spid="89" grpId="0" animBg="1"/>
+      <p:bldP spid="3" grpId="0" animBg="1"/>
+      <p:bldP spid="28" grpId="0" animBg="1"/>
     </p:bldLst>
   </p:timing>
 </p:sld>
@@ -11913,20 +12302,24 @@
         </p:nvSpPr>
         <p:spPr>
           <a:xfrm>
-            <a:off x="234314" y="174625"/>
-            <a:ext cx="5047488" cy="862013"/>
+            <a:off x="234313" y="174625"/>
+            <a:ext cx="6929054" cy="862013"/>
           </a:xfrm>
         </p:spPr>
         <p:txBody>
           <a:bodyPr>
-            <a:normAutofit/>
+            <a:normAutofit fontScale="90000"/>
           </a:bodyPr>
           <a:lstStyle/>
           <a:p>
             <a:pPr algn="l"/>
             <a:r>
+              <a:rPr lang="fr-CH" dirty="0"/>
+              <a:t>Interfaces </a:t>
+            </a:r>
+            <a:r>
               <a:rPr lang="fr-CH" dirty="0" err="1"/>
-              <a:t>Proposal</a:t>
+              <a:t>implementation</a:t>
             </a:r>
             <a:endParaRPr lang="fr-FR" dirty="0"/>
           </a:p>
@@ -12728,13 +13121,13 @@
   <p:clrMapOvr>
     <a:masterClrMapping/>
   </p:clrMapOvr>
-  <mc:AlternateContent xmlns:mc="http://schemas.openxmlformats.org/markup-compatibility/2006">
-    <mc:Choice xmlns:p14="http://schemas.microsoft.com/office/powerpoint/2010/main" Requires="p14">
+  <mc:AlternateContent xmlns:mc="http://schemas.openxmlformats.org/markup-compatibility/2006" xmlns:p14="http://schemas.microsoft.com/office/powerpoint/2010/main">
+    <mc:Choice Requires="p14">
       <p:transition spd="med" p14:dur="700">
         <p:fade/>
       </p:transition>
     </mc:Choice>
-    <mc:Fallback>
+    <mc:Fallback xmlns="">
       <p:transition spd="med">
         <p:fade/>
       </p:transition>
@@ -13982,7 +14375,7 @@
             </a:r>
             <a:r>
               <a:rPr lang="fr-CH" dirty="0"/>
-              <a:t> Flask</a:t>
+              <a:t> Flask (python)</a:t>
             </a:r>
           </a:p>
           <a:p>
@@ -14090,11 +14483,11 @@
             <a:pPr algn="l"/>
             <a:r>
               <a:rPr lang="fr-FR" dirty="0"/>
-              <a:t>     </a:t>
-            </a:r>
-            <a:r>
-              <a:rPr lang="fr-FR"/>
-              <a:t>- Make</a:t>
+              <a:t>     - </a:t>
+            </a:r>
+            <a:r>
+              <a:rPr lang="fr-FR" dirty="0" err="1"/>
+              <a:t>Make</a:t>
             </a:r>
             <a:r>
               <a:rPr lang="fr-FR" dirty="0"/>
@@ -14184,13 +14577,13 @@
   <p:clrMapOvr>
     <a:masterClrMapping/>
   </p:clrMapOvr>
-  <mc:AlternateContent xmlns:mc="http://schemas.openxmlformats.org/markup-compatibility/2006">
-    <mc:Choice xmlns:p14="http://schemas.microsoft.com/office/powerpoint/2010/main" Requires="p14">
+  <mc:AlternateContent xmlns:mc="http://schemas.openxmlformats.org/markup-compatibility/2006" xmlns:p14="http://schemas.microsoft.com/office/powerpoint/2010/main">
+    <mc:Choice Requires="p14">
       <p:transition spd="med" p14:dur="700">
         <p:fade/>
       </p:transition>
     </mc:Choice>
-    <mc:Fallback>
+    <mc:Fallback xmlns="">
       <p:transition spd="med">
         <p:fade/>
       </p:transition>
@@ -14997,6 +15390,863 @@
 </p:sld>
 </file>
 
+<file path=ppt/slides/slide6.xml><?xml version="1.0" encoding="utf-8"?>
+<p:sld xmlns:a="http://schemas.openxmlformats.org/drawingml/2006/main" xmlns:r="http://schemas.openxmlformats.org/officeDocument/2006/relationships" xmlns:p="http://schemas.openxmlformats.org/presentationml/2006/main">
+  <p:cSld>
+    <p:bg>
+      <p:bgPr>
+        <a:solidFill>
+          <a:schemeClr val="bg1"/>
+        </a:solidFill>
+        <a:effectLst/>
+      </p:bgPr>
+    </p:bg>
+    <p:spTree>
+      <p:nvGrpSpPr>
+        <p:cNvPr id="1" name=""/>
+        <p:cNvGrpSpPr/>
+        <p:nvPr/>
+      </p:nvGrpSpPr>
+      <p:grpSpPr>
+        <a:xfrm>
+          <a:off x="0" y="0"/>
+          <a:ext cx="0" cy="0"/>
+          <a:chOff x="0" y="0"/>
+          <a:chExt cx="0" cy="0"/>
+        </a:xfrm>
+      </p:grpSpPr>
+      <p:sp useBgFill="1">
+        <p:nvSpPr>
+          <p:cNvPr id="61" name="Rectangle 60">
+            <a:extLst>
+              <a:ext uri="{FF2B5EF4-FFF2-40B4-BE49-F238E27FC236}">
+                <a16:creationId xmlns:a16="http://schemas.microsoft.com/office/drawing/2014/main" id="{1FD5705B-63E0-4364-B909-EC902FEAAC07}"/>
+              </a:ext>
+              <a:ext uri="{C183D7F6-B498-43B3-948B-1728B52AA6E4}">
+                <adec:decorative xmlns:adec="http://schemas.microsoft.com/office/drawing/2017/decorative" val="1"/>
+              </a:ext>
+            </a:extLst>
+          </p:cNvPr>
+          <p:cNvSpPr>
+            <a:spLocks noGrp="1" noRot="1" noChangeAspect="1" noMove="1" noResize="1" noEditPoints="1" noAdjustHandles="1" noChangeArrowheads="1" noChangeShapeType="1" noTextEdit="1"/>
+          </p:cNvSpPr>
+          <p:nvPr>
+            <p:extLst>
+              <p:ext uri="{386F3935-93C4-4BCD-93E2-E3B085C9AB24}">
+                <p16:designElem xmlns:p16="http://schemas.microsoft.com/office/powerpoint/2015/main" val="1"/>
+              </p:ext>
+            </p:extLst>
+          </p:nvPr>
+        </p:nvSpPr>
+        <p:spPr>
+          <a:xfrm>
+            <a:off x="1524" y="0"/>
+            <a:ext cx="12188952" cy="6858000"/>
+          </a:xfrm>
+          <a:prstGeom prst="rect">
+            <a:avLst/>
+          </a:prstGeom>
+          <a:ln>
+            <a:noFill/>
+          </a:ln>
+        </p:spPr>
+        <p:style>
+          <a:lnRef idx="2">
+            <a:schemeClr val="accent1">
+              <a:shade val="50000"/>
+            </a:schemeClr>
+          </a:lnRef>
+          <a:fillRef idx="1">
+            <a:schemeClr val="accent1"/>
+          </a:fillRef>
+          <a:effectRef idx="0">
+            <a:schemeClr val="accent1"/>
+          </a:effectRef>
+          <a:fontRef idx="minor">
+            <a:schemeClr val="lt1"/>
+          </a:fontRef>
+        </p:style>
+        <p:txBody>
+          <a:bodyPr rtlCol="0" anchor="ctr"/>
+          <a:lstStyle/>
+          <a:p>
+            <a:pPr algn="ctr"/>
+            <a:endParaRPr lang="en-US"/>
+          </a:p>
+        </p:txBody>
+      </p:sp>
+      <p:sp>
+        <p:nvSpPr>
+          <p:cNvPr id="63" name="Rectangle 62">
+            <a:extLst>
+              <a:ext uri="{FF2B5EF4-FFF2-40B4-BE49-F238E27FC236}">
+                <a16:creationId xmlns:a16="http://schemas.microsoft.com/office/drawing/2014/main" id="{0B7E355D-DAEA-4421-B67A-FA13C0FBDCE8}"/>
+              </a:ext>
+              <a:ext uri="{C183D7F6-B498-43B3-948B-1728B52AA6E4}">
+                <adec:decorative xmlns:adec="http://schemas.microsoft.com/office/drawing/2017/decorative" val="1"/>
+              </a:ext>
+            </a:extLst>
+          </p:cNvPr>
+          <p:cNvSpPr>
+            <a:spLocks noGrp="1" noRot="1" noChangeAspect="1" noMove="1" noResize="1" noEditPoints="1" noAdjustHandles="1" noChangeArrowheads="1" noChangeShapeType="1" noTextEdit="1"/>
+          </p:cNvSpPr>
+          <p:nvPr>
+            <p:extLst>
+              <p:ext uri="{386F3935-93C4-4BCD-93E2-E3B085C9AB24}">
+                <p16:designElem xmlns:p16="http://schemas.microsoft.com/office/powerpoint/2015/main" val="1"/>
+              </p:ext>
+            </p:extLst>
+          </p:nvPr>
+        </p:nvSpPr>
+        <p:spPr>
+          <a:xfrm>
+            <a:off x="1524" y="0"/>
+            <a:ext cx="12188952" cy="6858000"/>
+          </a:xfrm>
+          <a:prstGeom prst="rect">
+            <a:avLst/>
+          </a:prstGeom>
+          <a:solidFill>
+            <a:schemeClr val="bg2">
+              <a:lumMod val="90000"/>
+              <a:alpha val="30000"/>
+            </a:schemeClr>
+          </a:solidFill>
+          <a:ln>
+            <a:noFill/>
+          </a:ln>
+        </p:spPr>
+        <p:style>
+          <a:lnRef idx="2">
+            <a:schemeClr val="accent1">
+              <a:shade val="50000"/>
+            </a:schemeClr>
+          </a:lnRef>
+          <a:fillRef idx="1">
+            <a:schemeClr val="accent1"/>
+          </a:fillRef>
+          <a:effectRef idx="0">
+            <a:schemeClr val="accent1"/>
+          </a:effectRef>
+          <a:fontRef idx="minor">
+            <a:schemeClr val="lt1"/>
+          </a:fontRef>
+        </p:style>
+        <p:txBody>
+          <a:bodyPr rtlCol="0" anchor="ctr"/>
+          <a:lstStyle/>
+          <a:p>
+            <a:pPr algn="ctr"/>
+            <a:endParaRPr lang="en-US" sz="900">
+              <a:solidFill>
+                <a:schemeClr val="bg1"/>
+              </a:solidFill>
+              <a:latin typeface="+mj-lt"/>
+            </a:endParaRPr>
+          </a:p>
+        </p:txBody>
+      </p:sp>
+      <p:sp>
+        <p:nvSpPr>
+          <p:cNvPr id="2" name="Titre 1">
+            <a:extLst>
+              <a:ext uri="{FF2B5EF4-FFF2-40B4-BE49-F238E27FC236}">
+                <a16:creationId xmlns:a16="http://schemas.microsoft.com/office/drawing/2014/main" id="{F1CB848B-7D97-4DB5-A6B4-0F990D5A8959}"/>
+              </a:ext>
+            </a:extLst>
+          </p:cNvPr>
+          <p:cNvSpPr>
+            <a:spLocks noGrp="1"/>
+          </p:cNvSpPr>
+          <p:nvPr>
+            <p:ph type="ctrTitle"/>
+          </p:nvPr>
+        </p:nvSpPr>
+        <p:spPr>
+          <a:xfrm>
+            <a:off x="1939637" y="2968064"/>
+            <a:ext cx="8312726" cy="921871"/>
+          </a:xfrm>
+        </p:spPr>
+        <p:txBody>
+          <a:bodyPr>
+            <a:normAutofit fontScale="90000"/>
+          </a:bodyPr>
+          <a:lstStyle/>
+          <a:p>
+            <a:r>
+              <a:rPr lang="fr-CH" dirty="0" err="1"/>
+              <a:t>Thank</a:t>
+            </a:r>
+            <a:r>
+              <a:rPr lang="fr-CH" dirty="0"/>
+              <a:t> </a:t>
+            </a:r>
+            <a:r>
+              <a:rPr lang="fr-CH" dirty="0" err="1"/>
+              <a:t>you</a:t>
+            </a:r>
+            <a:r>
+              <a:rPr lang="fr-CH" dirty="0"/>
+              <a:t> for </a:t>
+            </a:r>
+            <a:r>
+              <a:rPr lang="fr-CH" dirty="0" err="1"/>
+              <a:t>your</a:t>
+            </a:r>
+            <a:r>
+              <a:rPr lang="fr-CH" dirty="0"/>
+              <a:t> attention!</a:t>
+            </a:r>
+            <a:endParaRPr lang="fr-FR" dirty="0"/>
+          </a:p>
+        </p:txBody>
+      </p:sp>
+      <p:grpSp>
+        <p:nvGrpSpPr>
+          <p:cNvPr id="65" name="decorative circles">
+            <a:extLst>
+              <a:ext uri="{FF2B5EF4-FFF2-40B4-BE49-F238E27FC236}">
+                <a16:creationId xmlns:a16="http://schemas.microsoft.com/office/drawing/2014/main" id="{61D9147E-6246-4344-B99C-7E58532D8CB5}"/>
+              </a:ext>
+              <a:ext uri="{C183D7F6-B498-43B3-948B-1728B52AA6E4}">
+                <adec:decorative xmlns:adec="http://schemas.microsoft.com/office/drawing/2017/decorative" val="1"/>
+              </a:ext>
+            </a:extLst>
+          </p:cNvPr>
+          <p:cNvGrpSpPr>
+            <a:grpSpLocks noGrp="1" noUngrp="1" noRot="1" noChangeAspect="1" noMove="1" noResize="1"/>
+          </p:cNvGrpSpPr>
+          <p:nvPr>
+            <p:extLst>
+              <p:ext uri="{386F3935-93C4-4BCD-93E2-E3B085C9AB24}">
+                <p16:designElem xmlns:p16="http://schemas.microsoft.com/office/powerpoint/2015/main" val="1"/>
+              </p:ext>
+            </p:extLst>
+          </p:nvPr>
+        </p:nvGrpSpPr>
+        <p:grpSpPr>
+          <a:xfrm>
+            <a:off x="6870062" y="289695"/>
+            <a:ext cx="4971115" cy="6138399"/>
+            <a:chOff x="6870062" y="289695"/>
+            <a:chExt cx="4971115" cy="6138399"/>
+          </a:xfrm>
+        </p:grpSpPr>
+        <p:sp>
+          <p:nvSpPr>
+            <p:cNvPr id="66" name="Oval 65">
+              <a:extLst>
+                <a:ext uri="{FF2B5EF4-FFF2-40B4-BE49-F238E27FC236}">
+                  <a16:creationId xmlns:a16="http://schemas.microsoft.com/office/drawing/2014/main" id="{B9D06285-CD49-4308-BDD4-0AF48D39BE4D}"/>
+                </a:ext>
+                <a:ext uri="{C183D7F6-B498-43B3-948B-1728B52AA6E4}">
+                  <adec:decorative xmlns:adec="http://schemas.microsoft.com/office/drawing/2017/decorative" val="1"/>
+                </a:ext>
+              </a:extLst>
+            </p:cNvPr>
+            <p:cNvSpPr/>
+            <p:nvPr>
+              <p:extLst>
+                <p:ext uri="{386F3935-93C4-4BCD-93E2-E3B085C9AB24}">
+                  <p16:designElem xmlns:p16="http://schemas.microsoft.com/office/powerpoint/2015/main" val="1"/>
+                </p:ext>
+              </p:extLst>
+            </p:nvPr>
+          </p:nvSpPr>
+          <p:spPr>
+            <a:xfrm>
+              <a:off x="10543605" y="289695"/>
+              <a:ext cx="226735" cy="226735"/>
+            </a:xfrm>
+            <a:prstGeom prst="ellipse">
+              <a:avLst/>
+            </a:prstGeom>
+            <a:solidFill>
+              <a:srgbClr val="97446E"/>
+            </a:solidFill>
+            <a:ln>
+              <a:noFill/>
+            </a:ln>
+          </p:spPr>
+          <p:style>
+            <a:lnRef idx="2">
+              <a:schemeClr val="accent1">
+                <a:shade val="50000"/>
+              </a:schemeClr>
+            </a:lnRef>
+            <a:fillRef idx="1">
+              <a:schemeClr val="accent1"/>
+            </a:fillRef>
+            <a:effectRef idx="0">
+              <a:schemeClr val="accent1"/>
+            </a:effectRef>
+            <a:fontRef idx="minor">
+              <a:schemeClr val="lt1"/>
+            </a:fontRef>
+          </p:style>
+          <p:txBody>
+            <a:bodyPr rtlCol="0" anchor="ctr"/>
+            <a:lstStyle/>
+            <a:p>
+              <a:pPr algn="ctr"/>
+              <a:endParaRPr lang="en-US"/>
+            </a:p>
+          </p:txBody>
+        </p:sp>
+        <p:sp>
+          <p:nvSpPr>
+            <p:cNvPr id="67" name="Oval 66">
+              <a:extLst>
+                <a:ext uri="{FF2B5EF4-FFF2-40B4-BE49-F238E27FC236}">
+                  <a16:creationId xmlns:a16="http://schemas.microsoft.com/office/drawing/2014/main" id="{1D4A3886-A465-4577-99CE-251AA7B923AA}"/>
+                </a:ext>
+                <a:ext uri="{C183D7F6-B498-43B3-948B-1728B52AA6E4}">
+                  <adec:decorative xmlns:adec="http://schemas.microsoft.com/office/drawing/2017/decorative" val="1"/>
+                </a:ext>
+              </a:extLst>
+            </p:cNvPr>
+            <p:cNvSpPr/>
+            <p:nvPr>
+              <p:extLst>
+                <p:ext uri="{386F3935-93C4-4BCD-93E2-E3B085C9AB24}">
+                  <p16:designElem xmlns:p16="http://schemas.microsoft.com/office/powerpoint/2015/main" val="1"/>
+                </p:ext>
+              </p:extLst>
+            </p:nvPr>
+          </p:nvSpPr>
+          <p:spPr>
+            <a:xfrm>
+              <a:off x="11374736" y="5667686"/>
+              <a:ext cx="466441" cy="466441"/>
+            </a:xfrm>
+            <a:prstGeom prst="ellipse">
+              <a:avLst/>
+            </a:prstGeom>
+            <a:solidFill>
+              <a:schemeClr val="accent2">
+                <a:lumMod val="60000"/>
+                <a:lumOff val="40000"/>
+              </a:schemeClr>
+            </a:solidFill>
+            <a:ln>
+              <a:noFill/>
+            </a:ln>
+          </p:spPr>
+          <p:style>
+            <a:lnRef idx="2">
+              <a:schemeClr val="accent1">
+                <a:shade val="50000"/>
+              </a:schemeClr>
+            </a:lnRef>
+            <a:fillRef idx="1">
+              <a:schemeClr val="accent1"/>
+            </a:fillRef>
+            <a:effectRef idx="0">
+              <a:schemeClr val="accent1"/>
+            </a:effectRef>
+            <a:fontRef idx="minor">
+              <a:schemeClr val="lt1"/>
+            </a:fontRef>
+          </p:style>
+          <p:txBody>
+            <a:bodyPr rtlCol="0" anchor="ctr"/>
+            <a:lstStyle/>
+            <a:p>
+              <a:pPr algn="ctr"/>
+              <a:endParaRPr lang="en-US"/>
+            </a:p>
+          </p:txBody>
+        </p:sp>
+        <p:sp>
+          <p:nvSpPr>
+            <p:cNvPr id="68" name="Oval 67">
+              <a:extLst>
+                <a:ext uri="{FF2B5EF4-FFF2-40B4-BE49-F238E27FC236}">
+                  <a16:creationId xmlns:a16="http://schemas.microsoft.com/office/drawing/2014/main" id="{6B4A1D21-7CBB-44D9-A528-DB74C3107EBE}"/>
+                </a:ext>
+                <a:ext uri="{C183D7F6-B498-43B3-948B-1728B52AA6E4}">
+                  <adec:decorative xmlns:adec="http://schemas.microsoft.com/office/drawing/2017/decorative" val="1"/>
+                </a:ext>
+              </a:extLst>
+            </p:cNvPr>
+            <p:cNvSpPr/>
+            <p:nvPr>
+              <p:extLst>
+                <p:ext uri="{386F3935-93C4-4BCD-93E2-E3B085C9AB24}">
+                  <p16:designElem xmlns:p16="http://schemas.microsoft.com/office/powerpoint/2015/main" val="1"/>
+                </p:ext>
+              </p:extLst>
+            </p:nvPr>
+          </p:nvSpPr>
+          <p:spPr>
+            <a:xfrm>
+              <a:off x="11427805" y="5275653"/>
+              <a:ext cx="113367" cy="113367"/>
+            </a:xfrm>
+            <a:prstGeom prst="ellipse">
+              <a:avLst/>
+            </a:prstGeom>
+            <a:solidFill>
+              <a:srgbClr val="F39E29"/>
+            </a:solidFill>
+            <a:ln>
+              <a:noFill/>
+            </a:ln>
+          </p:spPr>
+          <p:style>
+            <a:lnRef idx="2">
+              <a:schemeClr val="accent1">
+                <a:shade val="50000"/>
+              </a:schemeClr>
+            </a:lnRef>
+            <a:fillRef idx="1">
+              <a:schemeClr val="accent1"/>
+            </a:fillRef>
+            <a:effectRef idx="0">
+              <a:schemeClr val="accent1"/>
+            </a:effectRef>
+            <a:fontRef idx="minor">
+              <a:schemeClr val="lt1"/>
+            </a:fontRef>
+          </p:style>
+          <p:txBody>
+            <a:bodyPr rtlCol="0" anchor="ctr"/>
+            <a:lstStyle/>
+            <a:p>
+              <a:pPr algn="ctr"/>
+              <a:endParaRPr lang="en-US"/>
+            </a:p>
+          </p:txBody>
+        </p:sp>
+        <p:sp>
+          <p:nvSpPr>
+            <p:cNvPr id="69" name="Oval 68">
+              <a:extLst>
+                <a:ext uri="{FF2B5EF4-FFF2-40B4-BE49-F238E27FC236}">
+                  <a16:creationId xmlns:a16="http://schemas.microsoft.com/office/drawing/2014/main" id="{73600DE0-90F9-4BD7-A084-ECB65A27BBDF}"/>
+                </a:ext>
+                <a:ext uri="{C183D7F6-B498-43B3-948B-1728B52AA6E4}">
+                  <adec:decorative xmlns:adec="http://schemas.microsoft.com/office/drawing/2017/decorative" val="1"/>
+                </a:ext>
+              </a:extLst>
+            </p:cNvPr>
+            <p:cNvSpPr/>
+            <p:nvPr>
+              <p:extLst>
+                <p:ext uri="{386F3935-93C4-4BCD-93E2-E3B085C9AB24}">
+                  <p16:designElem xmlns:p16="http://schemas.microsoft.com/office/powerpoint/2015/main" val="1"/>
+                </p:ext>
+              </p:extLst>
+            </p:nvPr>
+          </p:nvSpPr>
+          <p:spPr>
+            <a:xfrm>
+              <a:off x="11069847" y="5942894"/>
+              <a:ext cx="94160" cy="94160"/>
+            </a:xfrm>
+            <a:prstGeom prst="ellipse">
+              <a:avLst/>
+            </a:prstGeom>
+            <a:solidFill>
+              <a:srgbClr val="E3BEBE">
+                <a:alpha val="28000"/>
+              </a:srgbClr>
+            </a:solidFill>
+            <a:ln>
+              <a:noFill/>
+            </a:ln>
+          </p:spPr>
+          <p:style>
+            <a:lnRef idx="2">
+              <a:schemeClr val="accent1">
+                <a:shade val="50000"/>
+              </a:schemeClr>
+            </a:lnRef>
+            <a:fillRef idx="1">
+              <a:schemeClr val="accent1"/>
+            </a:fillRef>
+            <a:effectRef idx="0">
+              <a:schemeClr val="accent1"/>
+            </a:effectRef>
+            <a:fontRef idx="minor">
+              <a:schemeClr val="lt1"/>
+            </a:fontRef>
+          </p:style>
+          <p:txBody>
+            <a:bodyPr rtlCol="0" anchor="ctr"/>
+            <a:lstStyle/>
+            <a:p>
+              <a:pPr algn="ctr"/>
+              <a:endParaRPr lang="en-US"/>
+            </a:p>
+          </p:txBody>
+        </p:sp>
+        <p:sp>
+          <p:nvSpPr>
+            <p:cNvPr id="70" name="Oval 69">
+              <a:extLst>
+                <a:ext uri="{FF2B5EF4-FFF2-40B4-BE49-F238E27FC236}">
+                  <a16:creationId xmlns:a16="http://schemas.microsoft.com/office/drawing/2014/main" id="{EC243907-3995-49EB-94E9-35C68C13CFE5}"/>
+                </a:ext>
+                <a:ext uri="{C183D7F6-B498-43B3-948B-1728B52AA6E4}">
+                  <adec:decorative xmlns:adec="http://schemas.microsoft.com/office/drawing/2017/decorative" val="1"/>
+                </a:ext>
+              </a:extLst>
+            </p:cNvPr>
+            <p:cNvSpPr/>
+            <p:nvPr>
+              <p:extLst>
+                <p:ext uri="{386F3935-93C4-4BCD-93E2-E3B085C9AB24}">
+                  <p16:designElem xmlns:p16="http://schemas.microsoft.com/office/powerpoint/2015/main" val="1"/>
+                </p:ext>
+              </p:extLst>
+            </p:nvPr>
+          </p:nvSpPr>
+          <p:spPr>
+            <a:xfrm>
+              <a:off x="11181540" y="655922"/>
+              <a:ext cx="466441" cy="466441"/>
+            </a:xfrm>
+            <a:prstGeom prst="ellipse">
+              <a:avLst/>
+            </a:prstGeom>
+            <a:solidFill>
+              <a:schemeClr val="accent2">
+                <a:lumMod val="20000"/>
+                <a:lumOff val="80000"/>
+              </a:schemeClr>
+            </a:solidFill>
+            <a:ln>
+              <a:noFill/>
+            </a:ln>
+          </p:spPr>
+          <p:style>
+            <a:lnRef idx="2">
+              <a:schemeClr val="accent1">
+                <a:shade val="50000"/>
+              </a:schemeClr>
+            </a:lnRef>
+            <a:fillRef idx="1">
+              <a:schemeClr val="accent1"/>
+            </a:fillRef>
+            <a:effectRef idx="0">
+              <a:schemeClr val="accent1"/>
+            </a:effectRef>
+            <a:fontRef idx="minor">
+              <a:schemeClr val="lt1"/>
+            </a:fontRef>
+          </p:style>
+          <p:txBody>
+            <a:bodyPr rtlCol="0" anchor="ctr"/>
+            <a:lstStyle/>
+            <a:p>
+              <a:pPr algn="ctr"/>
+              <a:endParaRPr lang="en-US"/>
+            </a:p>
+          </p:txBody>
+        </p:sp>
+        <p:sp>
+          <p:nvSpPr>
+            <p:cNvPr id="71" name="Oval 70">
+              <a:extLst>
+                <a:ext uri="{FF2B5EF4-FFF2-40B4-BE49-F238E27FC236}">
+                  <a16:creationId xmlns:a16="http://schemas.microsoft.com/office/drawing/2014/main" id="{4629A2DC-7066-4487-A307-68F210722CB8}"/>
+                </a:ext>
+                <a:ext uri="{C183D7F6-B498-43B3-948B-1728B52AA6E4}">
+                  <adec:decorative xmlns:adec="http://schemas.microsoft.com/office/drawing/2017/decorative" val="1"/>
+                </a:ext>
+              </a:extLst>
+            </p:cNvPr>
+            <p:cNvSpPr/>
+            <p:nvPr>
+              <p:extLst>
+                <p:ext uri="{386F3935-93C4-4BCD-93E2-E3B085C9AB24}">
+                  <p16:designElem xmlns:p16="http://schemas.microsoft.com/office/powerpoint/2015/main" val="1"/>
+                </p:ext>
+              </p:extLst>
+            </p:nvPr>
+          </p:nvSpPr>
+          <p:spPr>
+            <a:xfrm>
+              <a:off x="11003560" y="387281"/>
+              <a:ext cx="113367" cy="113367"/>
+            </a:xfrm>
+            <a:prstGeom prst="ellipse">
+              <a:avLst/>
+            </a:prstGeom>
+            <a:solidFill>
+              <a:schemeClr val="accent3"/>
+            </a:solidFill>
+            <a:ln>
+              <a:noFill/>
+            </a:ln>
+          </p:spPr>
+          <p:style>
+            <a:lnRef idx="2">
+              <a:schemeClr val="accent1">
+                <a:shade val="50000"/>
+              </a:schemeClr>
+            </a:lnRef>
+            <a:fillRef idx="1">
+              <a:schemeClr val="accent1"/>
+            </a:fillRef>
+            <a:effectRef idx="0">
+              <a:schemeClr val="accent1"/>
+            </a:effectRef>
+            <a:fontRef idx="minor">
+              <a:schemeClr val="lt1"/>
+            </a:fontRef>
+          </p:style>
+          <p:txBody>
+            <a:bodyPr rtlCol="0" anchor="ctr"/>
+            <a:lstStyle/>
+            <a:p>
+              <a:pPr algn="ctr"/>
+              <a:endParaRPr lang="en-US"/>
+            </a:p>
+          </p:txBody>
+        </p:sp>
+        <p:sp>
+          <p:nvSpPr>
+            <p:cNvPr id="72" name="Oval 71">
+              <a:extLst>
+                <a:ext uri="{FF2B5EF4-FFF2-40B4-BE49-F238E27FC236}">
+                  <a16:creationId xmlns:a16="http://schemas.microsoft.com/office/drawing/2014/main" id="{D0508B2B-067E-421A-9C09-522CFF39FBA4}"/>
+                </a:ext>
+                <a:ext uri="{C183D7F6-B498-43B3-948B-1728B52AA6E4}">
+                  <adec:decorative xmlns:adec="http://schemas.microsoft.com/office/drawing/2017/decorative" val="1"/>
+                </a:ext>
+              </a:extLst>
+            </p:cNvPr>
+            <p:cNvSpPr/>
+            <p:nvPr>
+              <p:extLst>
+                <p:ext uri="{386F3935-93C4-4BCD-93E2-E3B085C9AB24}">
+                  <p16:designElem xmlns:p16="http://schemas.microsoft.com/office/powerpoint/2015/main" val="1"/>
+                </p:ext>
+              </p:extLst>
+            </p:nvPr>
+          </p:nvSpPr>
+          <p:spPr>
+            <a:xfrm>
+              <a:off x="7163367" y="6122314"/>
+              <a:ext cx="305780" cy="305780"/>
+            </a:xfrm>
+            <a:prstGeom prst="ellipse">
+              <a:avLst/>
+            </a:prstGeom>
+            <a:solidFill>
+              <a:schemeClr val="accent3"/>
+            </a:solidFill>
+            <a:ln>
+              <a:noFill/>
+            </a:ln>
+          </p:spPr>
+          <p:style>
+            <a:lnRef idx="2">
+              <a:schemeClr val="accent1">
+                <a:shade val="50000"/>
+              </a:schemeClr>
+            </a:lnRef>
+            <a:fillRef idx="1">
+              <a:schemeClr val="accent1"/>
+            </a:fillRef>
+            <a:effectRef idx="0">
+              <a:schemeClr val="accent1"/>
+            </a:effectRef>
+            <a:fontRef idx="minor">
+              <a:schemeClr val="lt1"/>
+            </a:fontRef>
+          </p:style>
+          <p:txBody>
+            <a:bodyPr rtlCol="0" anchor="ctr"/>
+            <a:lstStyle/>
+            <a:p>
+              <a:pPr algn="ctr"/>
+              <a:endParaRPr lang="en-US"/>
+            </a:p>
+          </p:txBody>
+        </p:sp>
+        <p:sp>
+          <p:nvSpPr>
+            <p:cNvPr id="73" name="Oval 72">
+              <a:extLst>
+                <a:ext uri="{FF2B5EF4-FFF2-40B4-BE49-F238E27FC236}">
+                  <a16:creationId xmlns:a16="http://schemas.microsoft.com/office/drawing/2014/main" id="{889BA730-4DAE-4702-A5C5-013F9CEB09F1}"/>
+                </a:ext>
+                <a:ext uri="{C183D7F6-B498-43B3-948B-1728B52AA6E4}">
+                  <adec:decorative xmlns:adec="http://schemas.microsoft.com/office/drawing/2017/decorative" val="1"/>
+                </a:ext>
+              </a:extLst>
+            </p:cNvPr>
+            <p:cNvSpPr/>
+            <p:nvPr>
+              <p:extLst>
+                <p:ext uri="{386F3935-93C4-4BCD-93E2-E3B085C9AB24}">
+                  <p16:designElem xmlns:p16="http://schemas.microsoft.com/office/powerpoint/2015/main" val="1"/>
+                </p:ext>
+              </p:extLst>
+            </p:nvPr>
+          </p:nvSpPr>
+          <p:spPr>
+            <a:xfrm>
+              <a:off x="6870062" y="5959435"/>
+              <a:ext cx="113367" cy="113367"/>
+            </a:xfrm>
+            <a:prstGeom prst="ellipse">
+              <a:avLst/>
+            </a:prstGeom>
+            <a:solidFill>
+              <a:schemeClr val="accent5"/>
+            </a:solidFill>
+            <a:ln>
+              <a:noFill/>
+            </a:ln>
+          </p:spPr>
+          <p:style>
+            <a:lnRef idx="2">
+              <a:schemeClr val="accent1">
+                <a:shade val="50000"/>
+              </a:schemeClr>
+            </a:lnRef>
+            <a:fillRef idx="1">
+              <a:schemeClr val="accent1"/>
+            </a:fillRef>
+            <a:effectRef idx="0">
+              <a:schemeClr val="accent1"/>
+            </a:effectRef>
+            <a:fontRef idx="minor">
+              <a:schemeClr val="lt1"/>
+            </a:fontRef>
+          </p:style>
+          <p:txBody>
+            <a:bodyPr rtlCol="0" anchor="ctr"/>
+            <a:lstStyle/>
+            <a:p>
+              <a:pPr algn="ctr"/>
+              <a:endParaRPr lang="en-US"/>
+            </a:p>
+          </p:txBody>
+        </p:sp>
+      </p:grpSp>
+    </p:spTree>
+    <p:extLst>
+      <p:ext uri="{BB962C8B-B14F-4D97-AF65-F5344CB8AC3E}">
+        <p14:creationId xmlns:p14="http://schemas.microsoft.com/office/powerpoint/2010/main" val="4195608624"/>
+      </p:ext>
+    </p:extLst>
+  </p:cSld>
+  <p:clrMapOvr>
+    <a:masterClrMapping/>
+  </p:clrMapOvr>
+  <mc:AlternateContent xmlns:mc="http://schemas.openxmlformats.org/markup-compatibility/2006">
+    <mc:Choice xmlns:p14="http://schemas.microsoft.com/office/powerpoint/2010/main" Requires="p14">
+      <p:transition spd="med" p14:dur="700">
+        <p:fade/>
+      </p:transition>
+    </mc:Choice>
+    <mc:Fallback>
+      <p:transition spd="med">
+        <p:fade/>
+      </p:transition>
+    </mc:Fallback>
+  </mc:AlternateContent>
+  <p:timing>
+    <p:tnLst>
+      <p:par>
+        <p:cTn id="1" dur="indefinite" restart="never" nodeType="tmRoot">
+          <p:childTnLst>
+            <p:seq concurrent="1" nextAc="seek">
+              <p:cTn id="2" dur="indefinite" nodeType="mainSeq">
+                <p:childTnLst>
+                  <p:par>
+                    <p:cTn id="3" fill="hold">
+                      <p:stCondLst>
+                        <p:cond delay="indefinite"/>
+                        <p:cond evt="onBegin" delay="0">
+                          <p:tn val="2"/>
+                        </p:cond>
+                      </p:stCondLst>
+                      <p:childTnLst>
+                        <p:par>
+                          <p:cTn id="4" fill="hold">
+                            <p:stCondLst>
+                              <p:cond delay="0"/>
+                            </p:stCondLst>
+                            <p:childTnLst>
+                              <p:par>
+                                <p:cTn id="5" presetID="10" presetClass="entr" presetSubtype="0" fill="hold" grpId="0" nodeType="withEffect">
+                                  <p:stCondLst>
+                                    <p:cond delay="0"/>
+                                  </p:stCondLst>
+                                  <p:iterate>
+                                    <p:tmPct val="10000"/>
+                                  </p:iterate>
+                                  <p:childTnLst>
+                                    <p:set>
+                                      <p:cBhvr>
+                                        <p:cTn id="6" dur="1" fill="hold">
+                                          <p:stCondLst>
+                                            <p:cond delay="0"/>
+                                          </p:stCondLst>
+                                        </p:cTn>
+                                        <p:tgtEl>
+                                          <p:spTgt spid="2"/>
+                                        </p:tgtEl>
+                                        <p:attrNameLst>
+                                          <p:attrName>style.visibility</p:attrName>
+                                        </p:attrNameLst>
+                                      </p:cBhvr>
+                                      <p:to>
+                                        <p:strVal val="visible"/>
+                                      </p:to>
+                                    </p:set>
+                                    <p:animEffect transition="in" filter="fade">
+                                      <p:cBhvr>
+                                        <p:cTn id="7" dur="700"/>
+                                        <p:tgtEl>
+                                          <p:spTgt spid="2"/>
+                                        </p:tgtEl>
+                                      </p:cBhvr>
+                                    </p:animEffect>
+                                  </p:childTnLst>
+                                </p:cTn>
+                              </p:par>
+                            </p:childTnLst>
+                          </p:cTn>
+                        </p:par>
+                      </p:childTnLst>
+                    </p:cTn>
+                  </p:par>
+                </p:childTnLst>
+              </p:cTn>
+              <p:prevCondLst>
+                <p:cond evt="onPrev" delay="0">
+                  <p:tgtEl>
+                    <p:sldTgt/>
+                  </p:tgtEl>
+                </p:cond>
+              </p:prevCondLst>
+              <p:nextCondLst>
+                <p:cond evt="onNext" delay="0">
+                  <p:tgtEl>
+                    <p:sldTgt/>
+                  </p:tgtEl>
+                </p:cond>
+              </p:nextCondLst>
+            </p:seq>
+          </p:childTnLst>
+        </p:cTn>
+      </p:par>
+    </p:tnLst>
+    <p:bldLst>
+      <p:bldP spid="2" grpId="0"/>
+    </p:bldLst>
+  </p:timing>
+</p:sld>
+</file>
+
 <file path=ppt/theme/theme1.xml><?xml version="1.0" encoding="utf-8"?>
 <a:theme xmlns:a="http://schemas.openxmlformats.org/drawingml/2006/main" name="ConfettiVTI">
   <a:themeElements>

--- a/presentation/Présentation_1.pptx
+++ b/presentation/Présentation_1.pptx
@@ -7,10 +7,12 @@
   <p:sldIdLst>
     <p:sldId id="256" r:id="rId2"/>
     <p:sldId id="257" r:id="rId3"/>
-    <p:sldId id="258" r:id="rId4"/>
-    <p:sldId id="259" r:id="rId5"/>
-    <p:sldId id="260" r:id="rId6"/>
-    <p:sldId id="261" r:id="rId7"/>
+    <p:sldId id="265" r:id="rId4"/>
+    <p:sldId id="262" r:id="rId5"/>
+    <p:sldId id="263" r:id="rId6"/>
+    <p:sldId id="266" r:id="rId7"/>
+    <p:sldId id="267" r:id="rId8"/>
+    <p:sldId id="261" r:id="rId9"/>
   </p:sldIdLst>
   <p:sldSz cx="12192000" cy="6858000"/>
   <p:notesSz cx="6858000" cy="9144000"/>
@@ -266,7 +268,7 @@
           <a:p>
             <a:fld id="{C43A76A3-ADC8-4477-8FC1-B9DD55D84908}" type="datetime1">
               <a:rPr lang="en-US" smtClean="0"/>
-              <a:t>3/18/2022</a:t>
+              <a:t>6/8/2022</a:t>
             </a:fld>
             <a:endParaRPr lang="en-US" dirty="0"/>
           </a:p>
@@ -476,7 +478,7 @@
           <a:p>
             <a:fld id="{D6762538-DC4D-4667-96E5-B3278DDF8B12}" type="datetime1">
               <a:rPr lang="en-US" smtClean="0"/>
-              <a:t>3/18/2022</a:t>
+              <a:t>6/8/2022</a:t>
             </a:fld>
             <a:endParaRPr lang="en-US"/>
           </a:p>
@@ -696,7 +698,7 @@
           <a:p>
             <a:fld id="{05880548-5C08-4BE3-B63E-F2BB63B0B00C}" type="datetime1">
               <a:rPr lang="en-US" smtClean="0"/>
-              <a:t>3/18/2022</a:t>
+              <a:t>6/8/2022</a:t>
             </a:fld>
             <a:endParaRPr lang="en-US"/>
           </a:p>
@@ -906,7 +908,7 @@
           <a:p>
             <a:fld id="{DE7F49BE-398D-479A-8A7E-5DDBCA61EDCB}" type="datetime1">
               <a:rPr lang="en-US" smtClean="0"/>
-              <a:t>3/18/2022</a:t>
+              <a:t>6/8/2022</a:t>
             </a:fld>
             <a:endParaRPr lang="en-US"/>
           </a:p>
@@ -1194,7 +1196,7 @@
           <a:p>
             <a:fld id="{CCD0C193-4974-4A1F-9C63-07D595E30D66}" type="datetime1">
               <a:rPr lang="en-US" smtClean="0"/>
-              <a:t>3/18/2022</a:t>
+              <a:t>6/8/2022</a:t>
             </a:fld>
             <a:endParaRPr lang="en-US"/>
           </a:p>
@@ -1473,7 +1475,7 @@
           <a:p>
             <a:fld id="{701AA87F-28D4-4BF0-B81F-877A89DFD5AC}" type="datetime1">
               <a:rPr lang="en-US" smtClean="0"/>
-              <a:t>3/18/2022</a:t>
+              <a:t>6/8/2022</a:t>
             </a:fld>
             <a:endParaRPr lang="en-US"/>
           </a:p>
@@ -1899,7 +1901,7 @@
           <a:p>
             <a:fld id="{A8A9F1F3-208B-49A3-B337-9C8ACEB3E0E1}" type="datetime1">
               <a:rPr lang="en-US" smtClean="0"/>
-              <a:t>3/18/2022</a:t>
+              <a:t>6/8/2022</a:t>
             </a:fld>
             <a:endParaRPr lang="en-US"/>
           </a:p>
@@ -2058,7 +2060,7 @@
           <a:p>
             <a:fld id="{27AF6CA6-7293-4AA2-A0E0-A3BF4416E786}" type="datetime1">
               <a:rPr lang="en-US" smtClean="0"/>
-              <a:t>3/18/2022</a:t>
+              <a:t>6/8/2022</a:t>
             </a:fld>
             <a:endParaRPr lang="en-US"/>
           </a:p>
@@ -2183,7 +2185,7 @@
           <a:p>
             <a:fld id="{98D87016-7BCD-46FB-8EE3-AB6C369108B4}" type="datetime1">
               <a:rPr lang="en-US" smtClean="0"/>
-              <a:t>3/18/2022</a:t>
+              <a:t>6/8/2022</a:t>
             </a:fld>
             <a:endParaRPr lang="en-US"/>
           </a:p>
@@ -2514,7 +2516,7 @@
           <a:p>
             <a:fld id="{A1547011-1FFC-4EF8-9A2E-53B4AD2ADBD4}" type="datetime1">
               <a:rPr lang="en-US" smtClean="0"/>
-              <a:t>3/18/2022</a:t>
+              <a:t>6/8/2022</a:t>
             </a:fld>
             <a:endParaRPr lang="en-US"/>
           </a:p>
@@ -2821,7 +2823,7 @@
           <a:p>
             <a:fld id="{9562EB47-45B4-4EF5-A743-B4885DD2F060}" type="datetime1">
               <a:rPr lang="en-US" smtClean="0"/>
-              <a:t>3/18/2022</a:t>
+              <a:t>6/8/2022</a:t>
             </a:fld>
             <a:endParaRPr lang="en-US"/>
           </a:p>
@@ -4218,7 +4220,7 @@
           <a:p>
             <a:fld id="{4A8D24A4-5FEC-4062-8995-EB21925B3B40}" type="datetime1">
               <a:rPr lang="en-US" smtClean="0"/>
-              <a:t>3/18/2022</a:t>
+              <a:t>6/8/2022</a:t>
             </a:fld>
             <a:endParaRPr lang="en-US" sz="1000" dirty="0"/>
           </a:p>
@@ -6438,7 +6440,7 @@
           <p:nvPr>
             <p:extLst>
               <p:ext uri="{D42A27DB-BD31-4B8C-83A1-F6EECF244321}">
-                <p14:modId xmlns:p14="http://schemas.microsoft.com/office/powerpoint/2010/main" val="1529275453"/>
+                <p14:modId xmlns:p14="http://schemas.microsoft.com/office/powerpoint/2010/main" val="2373361957"/>
               </p:ext>
             </p:extLst>
           </p:nvPr>
@@ -6545,7 +6547,7 @@
                     <a:p>
                       <a:r>
                         <a:rPr lang="fr-CH" dirty="0" err="1"/>
-                        <a:t>Problem</a:t>
+                        <a:t>Illness</a:t>
                       </a:r>
                       <a:endParaRPr lang="fr-FR" dirty="0"/>
                     </a:p>
@@ -7378,8 +7380,8 @@
               <a:t>Tree</a:t>
             </a:r>
             <a:r>
-              <a:rPr lang="fr-CH" i="1" dirty="0"/>
-              <a:t> </a:t>
+              <a:rPr lang="fr-CH" i="1"/>
+              <a:t> (VGH) </a:t>
             </a:r>
             <a:endParaRPr lang="fr-CH" dirty="0"/>
           </a:p>
@@ -9614,8 +9616,8 @@
         </p:nvSpPr>
         <p:spPr>
           <a:xfrm>
-            <a:off x="234314" y="174625"/>
-            <a:ext cx="5047488" cy="862013"/>
+            <a:off x="234313" y="174625"/>
+            <a:ext cx="5695431" cy="862013"/>
           </a:xfrm>
         </p:spPr>
         <p:txBody>
@@ -9627,7 +9629,15 @@
             <a:pPr algn="l"/>
             <a:r>
               <a:rPr lang="fr-CH" dirty="0" err="1"/>
-              <a:t>Proposal</a:t>
+              <a:t>Algorithm</a:t>
+            </a:r>
+            <a:r>
+              <a:rPr lang="fr-CH" dirty="0"/>
+              <a:t> </a:t>
+            </a:r>
+            <a:r>
+              <a:rPr lang="fr-CH" dirty="0" err="1"/>
+              <a:t>proposal</a:t>
             </a:r>
             <a:endParaRPr lang="fr-FR" dirty="0"/>
           </a:p>
@@ -10179,8 +10189,8 @@
         </p:nvSpPr>
         <p:spPr>
           <a:xfrm>
-            <a:off x="873187" y="1222534"/>
-            <a:ext cx="4697904" cy="2222808"/>
+            <a:off x="946634" y="1403316"/>
+            <a:ext cx="4697904" cy="1406270"/>
           </a:xfrm>
         </p:spPr>
         <p:txBody>
@@ -10188,13 +10198,6 @@
             <a:normAutofit/>
           </a:bodyPr>
           <a:lstStyle/>
-          <a:p>
-            <a:r>
-              <a:rPr lang="fr-CH" b="1" dirty="0"/>
-              <a:t>First part</a:t>
-            </a:r>
-            <a:endParaRPr lang="fr-FR" b="1" dirty="0"/>
-          </a:p>
           <a:p>
             <a:pPr algn="just"/>
             <a:r>
@@ -10275,7 +10278,7 @@
         </p:nvSpPr>
         <p:spPr>
           <a:xfrm>
-            <a:off x="816544" y="5380207"/>
+            <a:off x="3375020" y="5380207"/>
             <a:ext cx="1372292" cy="466440"/>
           </a:xfrm>
           <a:prstGeom prst="ellipse">
@@ -10325,7 +10328,7 @@
         </p:nvSpPr>
         <p:spPr>
           <a:xfrm>
-            <a:off x="2754077" y="4139082"/>
+            <a:off x="5312553" y="4139082"/>
             <a:ext cx="949963" cy="429590"/>
           </a:xfrm>
           <a:prstGeom prst="ellipse">
@@ -10375,7 +10378,7 @@
         </p:nvSpPr>
         <p:spPr>
           <a:xfrm>
-            <a:off x="2747158" y="3034572"/>
+            <a:off x="5305634" y="3034572"/>
             <a:ext cx="949963" cy="429590"/>
           </a:xfrm>
           <a:prstGeom prst="ellipse">
@@ -10429,7 +10432,7 @@
         </p:nvCxnSpPr>
         <p:spPr>
           <a:xfrm flipV="1">
-            <a:off x="1502690" y="4505760"/>
+            <a:off x="4061166" y="4505760"/>
             <a:ext cx="1390506" cy="874447"/>
           </a:xfrm>
           <a:prstGeom prst="straightConnector1">
@@ -10472,7 +10475,7 @@
         </p:nvCxnSpPr>
         <p:spPr>
           <a:xfrm flipV="1">
-            <a:off x="3167130" y="4568672"/>
+            <a:off x="5725606" y="4568672"/>
             <a:ext cx="61929" cy="811535"/>
           </a:xfrm>
           <a:prstGeom prst="straightConnector1">
@@ -10515,7 +10518,7 @@
         </p:nvCxnSpPr>
         <p:spPr>
           <a:xfrm flipH="1" flipV="1">
-            <a:off x="3564921" y="4505760"/>
+            <a:off x="6123397" y="4505760"/>
             <a:ext cx="1235074" cy="869431"/>
           </a:xfrm>
           <a:prstGeom prst="straightConnector1">
@@ -10557,7 +10560,7 @@
         </p:nvCxnSpPr>
         <p:spPr>
           <a:xfrm flipH="1" flipV="1">
-            <a:off x="3222140" y="3464162"/>
+            <a:off x="5780616" y="3464162"/>
             <a:ext cx="6919" cy="674920"/>
           </a:xfrm>
           <a:prstGeom prst="straightConnector1">
@@ -10596,7 +10599,7 @@
         </p:nvSpPr>
         <p:spPr>
           <a:xfrm>
-            <a:off x="2480984" y="5380207"/>
+            <a:off x="5039460" y="5380207"/>
             <a:ext cx="1372292" cy="466440"/>
           </a:xfrm>
           <a:prstGeom prst="ellipse">
@@ -10646,7 +10649,7 @@
         </p:nvSpPr>
         <p:spPr>
           <a:xfrm>
-            <a:off x="4113849" y="5375191"/>
+            <a:off x="6672325" y="5375191"/>
             <a:ext cx="1372292" cy="466440"/>
           </a:xfrm>
           <a:prstGeom prst="ellipse">
@@ -10696,7 +10699,7 @@
         </p:nvSpPr>
         <p:spPr>
           <a:xfrm>
-            <a:off x="1020082" y="4605107"/>
+            <a:off x="3578558" y="4605107"/>
             <a:ext cx="1125040" cy="369332"/>
           </a:xfrm>
           <a:prstGeom prst="rect">
@@ -10712,7 +10715,7 @@
           <a:p>
             <a:r>
               <a:rPr lang="fr-CH" dirty="0"/>
-              <a:t>W : 0.5</a:t>
+              <a:t>W : 1</a:t>
             </a:r>
             <a:endParaRPr lang="fr-FR" dirty="0"/>
           </a:p>
@@ -10732,7 +10735,7 @@
         </p:nvSpPr>
         <p:spPr>
           <a:xfrm>
-            <a:off x="1091433" y="3631238"/>
+            <a:off x="3566784" y="3631238"/>
             <a:ext cx="739684" cy="369332"/>
           </a:xfrm>
           <a:prstGeom prst="rect">
@@ -10748,7 +10751,7 @@
           <a:p>
             <a:r>
               <a:rPr lang="fr-CH" dirty="0"/>
-              <a:t>W : 2</a:t>
+              <a:t>W : 3</a:t>
             </a:r>
             <a:endParaRPr lang="fr-FR" dirty="0"/>
           </a:p>
@@ -11005,316 +11008,23 @@
           </a:p>
         </p:txBody>
       </p:sp>
-      <p:sp>
-        <p:nvSpPr>
-          <p:cNvPr id="3" name="Flèche : droite 2">
-            <a:extLst>
-              <a:ext uri="{FF2B5EF4-FFF2-40B4-BE49-F238E27FC236}">
-                <a16:creationId xmlns:a16="http://schemas.microsoft.com/office/drawing/2014/main" id="{4BDCB8E2-88CA-426E-9A7B-B9451B9862F3}"/>
-              </a:ext>
-            </a:extLst>
-          </p:cNvPr>
-          <p:cNvSpPr/>
-          <p:nvPr/>
-        </p:nvSpPr>
-        <p:spPr>
-          <a:xfrm>
-            <a:off x="6870062" y="4081875"/>
-            <a:ext cx="476240" cy="270057"/>
-          </a:xfrm>
-          <a:prstGeom prst="rightArrow">
-            <a:avLst/>
-          </a:prstGeom>
-        </p:spPr>
-        <p:style>
-          <a:lnRef idx="2">
-            <a:schemeClr val="accent1">
-              <a:shade val="50000"/>
-            </a:schemeClr>
-          </a:lnRef>
-          <a:fillRef idx="1">
-            <a:schemeClr val="accent1"/>
-          </a:fillRef>
-          <a:effectRef idx="0">
-            <a:schemeClr val="accent1"/>
-          </a:effectRef>
-          <a:fontRef idx="minor">
-            <a:schemeClr val="lt1"/>
-          </a:fontRef>
-        </p:style>
-        <p:txBody>
-          <a:bodyPr rtlCol="0" anchor="ctr"/>
-          <a:lstStyle/>
-          <a:p>
-            <a:pPr algn="ctr"/>
-            <a:endParaRPr lang="fr-FR"/>
-          </a:p>
-        </p:txBody>
-      </p:sp>
-      <p:sp>
-        <p:nvSpPr>
-          <p:cNvPr id="28" name="Sous-titre 4">
-            <a:extLst>
-              <a:ext uri="{FF2B5EF4-FFF2-40B4-BE49-F238E27FC236}">
-                <a16:creationId xmlns:a16="http://schemas.microsoft.com/office/drawing/2014/main" id="{AE064535-C922-46C1-AF58-731CC854DE4D}"/>
-              </a:ext>
-            </a:extLst>
-          </p:cNvPr>
-          <p:cNvSpPr txBox="1">
-            <a:spLocks/>
-          </p:cNvSpPr>
-          <p:nvPr/>
-        </p:nvSpPr>
-        <p:spPr>
-          <a:xfrm>
-            <a:off x="7565692" y="3854320"/>
-            <a:ext cx="3101187" cy="764541"/>
-          </a:xfrm>
-          <a:prstGeom prst="rect">
-            <a:avLst/>
-          </a:prstGeom>
-          <a:ln w="38100">
-            <a:solidFill>
-              <a:srgbClr val="92D050"/>
-            </a:solidFill>
-          </a:ln>
-        </p:spPr>
-        <p:txBody>
-          <a:bodyPr vert="horz" lIns="91440" tIns="45720" rIns="91440" bIns="45720" rtlCol="0">
-            <a:normAutofit/>
-          </a:bodyPr>
-          <a:lstStyle>
-            <a:lvl1pPr marL="0" indent="0" algn="ctr" defTabSz="914400" rtl="0" eaLnBrk="1" latinLnBrk="0" hangingPunct="1">
-              <a:lnSpc>
-                <a:spcPct val="90000"/>
-              </a:lnSpc>
-              <a:spcBef>
-                <a:spcPts val="1000"/>
-              </a:spcBef>
-              <a:buClr>
-                <a:schemeClr val="tx2">
-                  <a:lumMod val="75000"/>
-                  <a:lumOff val="25000"/>
-                </a:schemeClr>
-              </a:buClr>
-              <a:buFont typeface="Arial" panose="020B0604020202020204" pitchFamily="34" charset="0"/>
-              <a:buNone/>
-              <a:defRPr sz="2400" kern="1200">
-                <a:solidFill>
-                  <a:schemeClr val="tx2"/>
-                </a:solidFill>
-                <a:latin typeface="+mn-lt"/>
-                <a:ea typeface="+mn-ea"/>
-                <a:cs typeface="+mn-cs"/>
-              </a:defRPr>
-            </a:lvl1pPr>
-            <a:lvl2pPr marL="457200" indent="0" algn="ctr" defTabSz="914400" rtl="0" eaLnBrk="1" latinLnBrk="0" hangingPunct="1">
-              <a:lnSpc>
-                <a:spcPct val="90000"/>
-              </a:lnSpc>
-              <a:spcBef>
-                <a:spcPts val="500"/>
-              </a:spcBef>
-              <a:buClr>
-                <a:schemeClr val="tx2">
-                  <a:lumMod val="75000"/>
-                  <a:lumOff val="25000"/>
-                </a:schemeClr>
-              </a:buClr>
-              <a:buFont typeface="Arial" panose="020B0604020202020204" pitchFamily="34" charset="0"/>
-              <a:buNone/>
-              <a:defRPr sz="2000" kern="1200">
-                <a:solidFill>
-                  <a:schemeClr val="tx2"/>
-                </a:solidFill>
-                <a:latin typeface="+mn-lt"/>
-                <a:ea typeface="+mn-ea"/>
-                <a:cs typeface="+mn-cs"/>
-              </a:defRPr>
-            </a:lvl2pPr>
-            <a:lvl3pPr marL="914400" indent="0" algn="ctr" defTabSz="914400" rtl="0" eaLnBrk="1" latinLnBrk="0" hangingPunct="1">
-              <a:lnSpc>
-                <a:spcPct val="90000"/>
-              </a:lnSpc>
-              <a:spcBef>
-                <a:spcPts val="500"/>
-              </a:spcBef>
-              <a:buClr>
-                <a:schemeClr val="tx2">
-                  <a:lumMod val="75000"/>
-                  <a:lumOff val="25000"/>
-                </a:schemeClr>
-              </a:buClr>
-              <a:buFont typeface="Arial" panose="020B0604020202020204" pitchFamily="34" charset="0"/>
-              <a:buNone/>
-              <a:defRPr sz="1800" kern="1200">
-                <a:solidFill>
-                  <a:schemeClr val="tx2"/>
-                </a:solidFill>
-                <a:latin typeface="+mn-lt"/>
-                <a:ea typeface="+mn-ea"/>
-                <a:cs typeface="+mn-cs"/>
-              </a:defRPr>
-            </a:lvl3pPr>
-            <a:lvl4pPr marL="1371600" indent="0" algn="ctr" defTabSz="914400" rtl="0" eaLnBrk="1" latinLnBrk="0" hangingPunct="1">
-              <a:lnSpc>
-                <a:spcPct val="90000"/>
-              </a:lnSpc>
-              <a:spcBef>
-                <a:spcPts val="500"/>
-              </a:spcBef>
-              <a:buClr>
-                <a:schemeClr val="tx2">
-                  <a:lumMod val="75000"/>
-                  <a:lumOff val="25000"/>
-                </a:schemeClr>
-              </a:buClr>
-              <a:buFont typeface="Arial" panose="020B0604020202020204" pitchFamily="34" charset="0"/>
-              <a:buNone/>
-              <a:defRPr sz="1600" kern="1200">
-                <a:solidFill>
-                  <a:schemeClr val="tx2"/>
-                </a:solidFill>
-                <a:latin typeface="+mn-lt"/>
-                <a:ea typeface="+mn-ea"/>
-                <a:cs typeface="+mn-cs"/>
-              </a:defRPr>
-            </a:lvl4pPr>
-            <a:lvl5pPr marL="1828800" indent="0" algn="ctr" defTabSz="914400" rtl="0" eaLnBrk="1" latinLnBrk="0" hangingPunct="1">
-              <a:lnSpc>
-                <a:spcPct val="90000"/>
-              </a:lnSpc>
-              <a:spcBef>
-                <a:spcPts val="500"/>
-              </a:spcBef>
-              <a:buClr>
-                <a:schemeClr val="tx2">
-                  <a:lumMod val="75000"/>
-                  <a:lumOff val="25000"/>
-                </a:schemeClr>
-              </a:buClr>
-              <a:buFont typeface="Arial" panose="020B0604020202020204" pitchFamily="34" charset="0"/>
-              <a:buNone/>
-              <a:defRPr sz="1600" kern="1200">
-                <a:solidFill>
-                  <a:schemeClr val="tx2"/>
-                </a:solidFill>
-                <a:latin typeface="+mn-lt"/>
-                <a:ea typeface="+mn-ea"/>
-                <a:cs typeface="+mn-cs"/>
-              </a:defRPr>
-            </a:lvl5pPr>
-            <a:lvl6pPr marL="2286000" indent="0" algn="ctr" defTabSz="914400" rtl="0" eaLnBrk="1" latinLnBrk="0" hangingPunct="1">
-              <a:lnSpc>
-                <a:spcPct val="90000"/>
-              </a:lnSpc>
-              <a:spcBef>
-                <a:spcPts val="500"/>
-              </a:spcBef>
-              <a:buFont typeface="Arial" panose="020B0604020202020204" pitchFamily="34" charset="0"/>
-              <a:buNone/>
-              <a:defRPr sz="1600" kern="1200">
-                <a:solidFill>
-                  <a:schemeClr val="tx1"/>
-                </a:solidFill>
-                <a:latin typeface="+mn-lt"/>
-                <a:ea typeface="+mn-ea"/>
-                <a:cs typeface="+mn-cs"/>
-              </a:defRPr>
-            </a:lvl6pPr>
-            <a:lvl7pPr marL="2743200" indent="0" algn="ctr" defTabSz="914400" rtl="0" eaLnBrk="1" latinLnBrk="0" hangingPunct="1">
-              <a:lnSpc>
-                <a:spcPct val="90000"/>
-              </a:lnSpc>
-              <a:spcBef>
-                <a:spcPts val="500"/>
-              </a:spcBef>
-              <a:buFont typeface="Arial" panose="020B0604020202020204" pitchFamily="34" charset="0"/>
-              <a:buNone/>
-              <a:defRPr sz="1600" kern="1200">
-                <a:solidFill>
-                  <a:schemeClr val="tx1"/>
-                </a:solidFill>
-                <a:latin typeface="+mn-lt"/>
-                <a:ea typeface="+mn-ea"/>
-                <a:cs typeface="+mn-cs"/>
-              </a:defRPr>
-            </a:lvl7pPr>
-            <a:lvl8pPr marL="3200400" indent="0" algn="ctr" defTabSz="914400" rtl="0" eaLnBrk="1" latinLnBrk="0" hangingPunct="1">
-              <a:lnSpc>
-                <a:spcPct val="90000"/>
-              </a:lnSpc>
-              <a:spcBef>
-                <a:spcPts val="500"/>
-              </a:spcBef>
-              <a:buFont typeface="Arial" panose="020B0604020202020204" pitchFamily="34" charset="0"/>
-              <a:buNone/>
-              <a:defRPr sz="1600" kern="1200">
-                <a:solidFill>
-                  <a:schemeClr val="tx1"/>
-                </a:solidFill>
-                <a:latin typeface="+mn-lt"/>
-                <a:ea typeface="+mn-ea"/>
-                <a:cs typeface="+mn-cs"/>
-              </a:defRPr>
-            </a:lvl8pPr>
-            <a:lvl9pPr marL="3657600" indent="0" algn="ctr" defTabSz="914400" rtl="0" eaLnBrk="1" latinLnBrk="0" hangingPunct="1">
-              <a:lnSpc>
-                <a:spcPct val="90000"/>
-              </a:lnSpc>
-              <a:spcBef>
-                <a:spcPts val="500"/>
-              </a:spcBef>
-              <a:buFont typeface="Arial" panose="020B0604020202020204" pitchFamily="34" charset="0"/>
-              <a:buNone/>
-              <a:defRPr sz="1600" kern="1200">
-                <a:solidFill>
-                  <a:schemeClr val="tx1"/>
-                </a:solidFill>
-                <a:latin typeface="+mn-lt"/>
-                <a:ea typeface="+mn-ea"/>
-                <a:cs typeface="+mn-cs"/>
-              </a:defRPr>
-            </a:lvl9pPr>
-          </a:lstStyle>
-          <a:p>
-            <a:r>
-              <a:rPr lang="fr-CH" b="1" dirty="0" err="1"/>
-              <a:t>Weighted</a:t>
-            </a:r>
-            <a:r>
-              <a:rPr lang="fr-CH" b="1" dirty="0"/>
-              <a:t> </a:t>
-            </a:r>
-            <a:r>
-              <a:rPr lang="fr-CH" b="1" dirty="0" err="1"/>
-              <a:t>Hierarchical</a:t>
-            </a:r>
-            <a:r>
-              <a:rPr lang="fr-CH" b="1" dirty="0"/>
-              <a:t> Distance</a:t>
-            </a:r>
-            <a:endParaRPr lang="fr-FR" b="1" dirty="0"/>
-          </a:p>
-        </p:txBody>
-      </p:sp>
     </p:spTree>
     <p:extLst>
       <p:ext uri="{BB962C8B-B14F-4D97-AF65-F5344CB8AC3E}">
-        <p14:creationId xmlns:p14="http://schemas.microsoft.com/office/powerpoint/2010/main" val="2304155989"/>
+        <p14:creationId xmlns:p14="http://schemas.microsoft.com/office/powerpoint/2010/main" val="761671813"/>
       </p:ext>
     </p:extLst>
   </p:cSld>
   <p:clrMapOvr>
     <a:masterClrMapping/>
   </p:clrMapOvr>
-  <mc:AlternateContent xmlns:mc="http://schemas.openxmlformats.org/markup-compatibility/2006" xmlns:p14="http://schemas.microsoft.com/office/powerpoint/2010/main">
-    <mc:Choice Requires="p14">
+  <mc:AlternateContent xmlns:mc="http://schemas.openxmlformats.org/markup-compatibility/2006">
+    <mc:Choice xmlns:p14="http://schemas.microsoft.com/office/powerpoint/2010/main" Requires="p14">
       <p:transition spd="med" p14:dur="700">
         <p:fade/>
       </p:transition>
     </mc:Choice>
-    <mc:Fallback xmlns="">
+    <mc:Fallback>
       <p:transition spd="med">
         <p:fade/>
       </p:transition>
@@ -11474,11 +11184,7 @@
                                           </p:stCondLst>
                                         </p:cTn>
                                         <p:tgtEl>
-                                          <p:spTgt spid="5">
-                                            <p:txEl>
-                                              <p:pRg st="1" end="1"/>
-                                            </p:txEl>
-                                          </p:spTgt>
+                                          <p:spTgt spid="58"/>
                                         </p:tgtEl>
                                         <p:attrNameLst>
                                           <p:attrName>style.visibility</p:attrName>
@@ -11492,63 +11198,6 @@
                                       <p:cBhvr>
                                         <p:cTn id="17" dur="500"/>
                                         <p:tgtEl>
-                                          <p:spTgt spid="5">
-                                            <p:txEl>
-                                              <p:pRg st="1" end="1"/>
-                                            </p:txEl>
-                                          </p:spTgt>
-                                        </p:tgtEl>
-                                      </p:cBhvr>
-                                    </p:animEffect>
-                                  </p:childTnLst>
-                                </p:cTn>
-                              </p:par>
-                            </p:childTnLst>
-                          </p:cTn>
-                        </p:par>
-                      </p:childTnLst>
-                    </p:cTn>
-                  </p:par>
-                  <p:par>
-                    <p:cTn id="18" fill="hold">
-                      <p:stCondLst>
-                        <p:cond delay="indefinite"/>
-                      </p:stCondLst>
-                      <p:childTnLst>
-                        <p:par>
-                          <p:cTn id="19" fill="hold">
-                            <p:stCondLst>
-                              <p:cond delay="0"/>
-                            </p:stCondLst>
-                            <p:childTnLst>
-                              <p:par>
-                                <p:cTn id="20" presetID="10" presetClass="entr" presetSubtype="0" fill="hold" grpId="0" nodeType="clickEffect">
-                                  <p:stCondLst>
-                                    <p:cond delay="0"/>
-                                  </p:stCondLst>
-                                  <p:childTnLst>
-                                    <p:set>
-                                      <p:cBhvr>
-                                        <p:cTn id="21" dur="1" fill="hold">
-                                          <p:stCondLst>
-                                            <p:cond delay="0"/>
-                                          </p:stCondLst>
-                                        </p:cTn>
-                                        <p:tgtEl>
-                                          <p:spTgt spid="58"/>
-                                        </p:tgtEl>
-                                        <p:attrNameLst>
-                                          <p:attrName>style.visibility</p:attrName>
-                                        </p:attrNameLst>
-                                      </p:cBhvr>
-                                      <p:to>
-                                        <p:strVal val="visible"/>
-                                      </p:to>
-                                    </p:set>
-                                    <p:animEffect transition="in" filter="fade">
-                                      <p:cBhvr>
-                                        <p:cTn id="22" dur="500"/>
-                                        <p:tgtEl>
                                           <p:spTgt spid="58"/>
                                         </p:tgtEl>
                                       </p:cBhvr>
@@ -11557,14 +11206,14 @@
                                 </p:cTn>
                               </p:par>
                               <p:par>
-                                <p:cTn id="23" presetID="10" presetClass="entr" presetSubtype="0" fill="hold" grpId="0" nodeType="withEffect">
+                                <p:cTn id="18" presetID="10" presetClass="entr" presetSubtype="0" fill="hold" grpId="0" nodeType="withEffect">
                                   <p:stCondLst>
                                     <p:cond delay="0"/>
                                   </p:stCondLst>
                                   <p:childTnLst>
                                     <p:set>
                                       <p:cBhvr>
-                                        <p:cTn id="24" dur="1" fill="hold">
+                                        <p:cTn id="19" dur="1" fill="hold">
                                           <p:stCondLst>
                                             <p:cond delay="0"/>
                                           </p:stCondLst>
@@ -11582,7 +11231,7 @@
                                     </p:set>
                                     <p:animEffect transition="in" filter="fade">
                                       <p:cBhvr>
-                                        <p:cTn id="25" dur="500"/>
+                                        <p:cTn id="20" dur="500"/>
                                         <p:tgtEl>
                                           <p:spTgt spid="86"/>
                                         </p:tgtEl>
@@ -11592,14 +11241,14 @@
                                 </p:cTn>
                               </p:par>
                               <p:par>
-                                <p:cTn id="26" presetID="10" presetClass="entr" presetSubtype="0" fill="hold" grpId="0" nodeType="withEffect">
+                                <p:cTn id="21" presetID="10" presetClass="entr" presetSubtype="0" fill="hold" grpId="0" nodeType="withEffect">
                                   <p:stCondLst>
                                     <p:cond delay="0"/>
                                   </p:stCondLst>
                                   <p:childTnLst>
                                     <p:set>
                                       <p:cBhvr>
-                                        <p:cTn id="27" dur="1" fill="hold">
+                                        <p:cTn id="22" dur="1" fill="hold">
                                           <p:stCondLst>
                                             <p:cond delay="0"/>
                                           </p:stCondLst>
@@ -11617,7 +11266,7 @@
                                     </p:set>
                                     <p:animEffect transition="in" filter="fade">
                                       <p:cBhvr>
-                                        <p:cTn id="28" dur="500"/>
+                                        <p:cTn id="23" dur="500"/>
                                         <p:tgtEl>
                                           <p:spTgt spid="87"/>
                                         </p:tgtEl>
@@ -11633,26 +11282,26 @@
                     </p:cTn>
                   </p:par>
                   <p:par>
-                    <p:cTn id="29" fill="hold">
+                    <p:cTn id="24" fill="hold">
                       <p:stCondLst>
                         <p:cond delay="indefinite"/>
                       </p:stCondLst>
                       <p:childTnLst>
                         <p:par>
-                          <p:cTn id="30" fill="hold">
+                          <p:cTn id="25" fill="hold">
                             <p:stCondLst>
                               <p:cond delay="0"/>
                             </p:stCondLst>
                             <p:childTnLst>
                               <p:par>
-                                <p:cTn id="31" presetID="10" presetClass="entr" presetSubtype="0" fill="hold" nodeType="clickEffect">
+                                <p:cTn id="26" presetID="10" presetClass="entr" presetSubtype="0" fill="hold" nodeType="clickEffect">
                                   <p:stCondLst>
                                     <p:cond delay="0"/>
                                   </p:stCondLst>
                                   <p:childTnLst>
                                     <p:set>
                                       <p:cBhvr>
-                                        <p:cTn id="32" dur="1" fill="hold">
+                                        <p:cTn id="27" dur="1" fill="hold">
                                           <p:stCondLst>
                                             <p:cond delay="0"/>
                                           </p:stCondLst>
@@ -11670,7 +11319,7 @@
                                     </p:set>
                                     <p:animEffect transition="in" filter="fade">
                                       <p:cBhvr>
-                                        <p:cTn id="33" dur="500"/>
+                                        <p:cTn id="28" dur="500"/>
                                         <p:tgtEl>
                                           <p:spTgt spid="78"/>
                                         </p:tgtEl>
@@ -11680,14 +11329,14 @@
                                 </p:cTn>
                               </p:par>
                               <p:par>
-                                <p:cTn id="34" presetID="10" presetClass="entr" presetSubtype="0" fill="hold" nodeType="withEffect">
+                                <p:cTn id="29" presetID="10" presetClass="entr" presetSubtype="0" fill="hold" nodeType="withEffect">
                                   <p:stCondLst>
                                     <p:cond delay="0"/>
                                   </p:stCondLst>
                                   <p:childTnLst>
                                     <p:set>
                                       <p:cBhvr>
-                                        <p:cTn id="35" dur="1" fill="hold">
+                                        <p:cTn id="30" dur="1" fill="hold">
                                           <p:stCondLst>
                                             <p:cond delay="0"/>
                                           </p:stCondLst>
@@ -11705,7 +11354,7 @@
                                     </p:set>
                                     <p:animEffect transition="in" filter="fade">
                                       <p:cBhvr>
-                                        <p:cTn id="36" dur="500"/>
+                                        <p:cTn id="31" dur="500"/>
                                         <p:tgtEl>
                                           <p:spTgt spid="79"/>
                                         </p:tgtEl>
@@ -11715,14 +11364,14 @@
                                 </p:cTn>
                               </p:par>
                               <p:par>
-                                <p:cTn id="37" presetID="10" presetClass="entr" presetSubtype="0" fill="hold" nodeType="withEffect">
+                                <p:cTn id="32" presetID="10" presetClass="entr" presetSubtype="0" fill="hold" nodeType="withEffect">
                                   <p:stCondLst>
                                     <p:cond delay="0"/>
                                   </p:stCondLst>
                                   <p:childTnLst>
                                     <p:set>
                                       <p:cBhvr>
-                                        <p:cTn id="38" dur="1" fill="hold">
+                                        <p:cTn id="33" dur="1" fill="hold">
                                           <p:stCondLst>
                                             <p:cond delay="0"/>
                                           </p:stCondLst>
@@ -11740,7 +11389,7 @@
                                     </p:set>
                                     <p:animEffect transition="in" filter="fade">
                                       <p:cBhvr>
-                                        <p:cTn id="39" dur="500"/>
+                                        <p:cTn id="34" dur="500"/>
                                         <p:tgtEl>
                                           <p:spTgt spid="80"/>
                                         </p:tgtEl>
@@ -11750,14 +11399,14 @@
                                 </p:cTn>
                               </p:par>
                               <p:par>
-                                <p:cTn id="40" presetID="10" presetClass="entr" presetSubtype="0" fill="hold" grpId="0" nodeType="withEffect">
+                                <p:cTn id="35" presetID="10" presetClass="entr" presetSubtype="0" fill="hold" grpId="0" nodeType="withEffect">
                                   <p:stCondLst>
                                     <p:cond delay="0"/>
                                   </p:stCondLst>
                                   <p:childTnLst>
                                     <p:set>
                                       <p:cBhvr>
-                                        <p:cTn id="41" dur="1" fill="hold">
+                                        <p:cTn id="36" dur="1" fill="hold">
                                           <p:stCondLst>
                                             <p:cond delay="0"/>
                                           </p:stCondLst>
@@ -11775,7 +11424,7 @@
                                     </p:set>
                                     <p:animEffect transition="in" filter="fade">
                                       <p:cBhvr>
-                                        <p:cTn id="42" dur="500"/>
+                                        <p:cTn id="37" dur="500"/>
                                         <p:tgtEl>
                                           <p:spTgt spid="76"/>
                                         </p:tgtEl>
@@ -11785,14 +11434,14 @@
                                 </p:cTn>
                               </p:par>
                               <p:par>
-                                <p:cTn id="43" presetID="10" presetClass="entr" presetSubtype="0" fill="hold" grpId="0" nodeType="withEffect">
+                                <p:cTn id="38" presetID="10" presetClass="entr" presetSubtype="0" fill="hold" grpId="0" nodeType="withEffect">
                                   <p:stCondLst>
                                     <p:cond delay="0"/>
                                   </p:stCondLst>
                                   <p:childTnLst>
                                     <p:set>
                                       <p:cBhvr>
-                                        <p:cTn id="44" dur="1" fill="hold">
+                                        <p:cTn id="39" dur="1" fill="hold">
                                           <p:stCondLst>
                                             <p:cond delay="0"/>
                                           </p:stCondLst>
@@ -11810,7 +11459,7 @@
                                     </p:set>
                                     <p:animEffect transition="in" filter="fade">
                                       <p:cBhvr>
-                                        <p:cTn id="45" dur="500"/>
+                                        <p:cTn id="40" dur="500"/>
                                         <p:tgtEl>
                                           <p:spTgt spid="27"/>
                                         </p:tgtEl>
@@ -11826,26 +11475,26 @@
                     </p:cTn>
                   </p:par>
                   <p:par>
-                    <p:cTn id="46" fill="hold">
+                    <p:cTn id="41" fill="hold">
                       <p:stCondLst>
                         <p:cond delay="indefinite"/>
                       </p:stCondLst>
                       <p:childTnLst>
                         <p:par>
-                          <p:cTn id="47" fill="hold">
+                          <p:cTn id="42" fill="hold">
                             <p:stCondLst>
                               <p:cond delay="0"/>
                             </p:stCondLst>
                             <p:childTnLst>
                               <p:par>
-                                <p:cTn id="48" presetID="10" presetClass="entr" presetSubtype="0" fill="hold" nodeType="clickEffect">
+                                <p:cTn id="43" presetID="10" presetClass="entr" presetSubtype="0" fill="hold" nodeType="clickEffect">
                                   <p:stCondLst>
                                     <p:cond delay="0"/>
                                   </p:stCondLst>
                                   <p:childTnLst>
                                     <p:set>
                                       <p:cBhvr>
-                                        <p:cTn id="49" dur="1" fill="hold">
+                                        <p:cTn id="44" dur="1" fill="hold">
                                           <p:stCondLst>
                                             <p:cond delay="0"/>
                                           </p:stCondLst>
@@ -11863,7 +11512,7 @@
                                     </p:set>
                                     <p:animEffect transition="in" filter="fade">
                                       <p:cBhvr>
-                                        <p:cTn id="50" dur="500"/>
+                                        <p:cTn id="45" dur="500"/>
                                         <p:tgtEl>
                                           <p:spTgt spid="83"/>
                                         </p:tgtEl>
@@ -11873,14 +11522,14 @@
                                 </p:cTn>
                               </p:par>
                               <p:par>
-                                <p:cTn id="51" presetID="10" presetClass="entr" presetSubtype="0" fill="hold" grpId="0" nodeType="withEffect">
+                                <p:cTn id="46" presetID="10" presetClass="entr" presetSubtype="0" fill="hold" grpId="0" nodeType="withEffect">
                                   <p:stCondLst>
                                     <p:cond delay="0"/>
                                   </p:stCondLst>
                                   <p:childTnLst>
                                     <p:set>
                                       <p:cBhvr>
-                                        <p:cTn id="52" dur="1" fill="hold">
+                                        <p:cTn id="47" dur="1" fill="hold">
                                           <p:stCondLst>
                                             <p:cond delay="0"/>
                                           </p:stCondLst>
@@ -11898,7 +11547,7 @@
                                     </p:set>
                                     <p:animEffect transition="in" filter="fade">
                                       <p:cBhvr>
-                                        <p:cTn id="53" dur="500"/>
+                                        <p:cTn id="48" dur="500"/>
                                         <p:tgtEl>
                                           <p:spTgt spid="77"/>
                                         </p:tgtEl>
@@ -11908,14 +11557,14 @@
                                 </p:cTn>
                               </p:par>
                               <p:par>
-                                <p:cTn id="54" presetID="10" presetClass="entr" presetSubtype="0" fill="hold" grpId="0" nodeType="withEffect">
+                                <p:cTn id="49" presetID="10" presetClass="entr" presetSubtype="0" fill="hold" grpId="0" nodeType="withEffect">
                                   <p:stCondLst>
                                     <p:cond delay="0"/>
                                   </p:stCondLst>
                                   <p:childTnLst>
                                     <p:set>
                                       <p:cBhvr>
-                                        <p:cTn id="55" dur="1" fill="hold">
+                                        <p:cTn id="50" dur="1" fill="hold">
                                           <p:stCondLst>
                                             <p:cond delay="0"/>
                                           </p:stCondLst>
@@ -11933,7 +11582,7 @@
                                     </p:set>
                                     <p:animEffect transition="in" filter="fade">
                                       <p:cBhvr>
-                                        <p:cTn id="56" dur="500"/>
+                                        <p:cTn id="51" dur="500"/>
                                         <p:tgtEl>
                                           <p:spTgt spid="88"/>
                                         </p:tgtEl>
@@ -11949,26 +11598,26 @@
                     </p:cTn>
                   </p:par>
                   <p:par>
-                    <p:cTn id="57" fill="hold">
+                    <p:cTn id="52" fill="hold">
                       <p:stCondLst>
                         <p:cond delay="indefinite"/>
                       </p:stCondLst>
                       <p:childTnLst>
                         <p:par>
-                          <p:cTn id="58" fill="hold">
+                          <p:cTn id="53" fill="hold">
                             <p:stCondLst>
                               <p:cond delay="0"/>
                             </p:stCondLst>
                             <p:childTnLst>
                               <p:par>
-                                <p:cTn id="59" presetID="10" presetClass="entr" presetSubtype="0" fill="hold" grpId="0" nodeType="clickEffect">
+                                <p:cTn id="54" presetID="10" presetClass="entr" presetSubtype="0" fill="hold" grpId="0" nodeType="clickEffect">
                                   <p:stCondLst>
                                     <p:cond delay="0"/>
                                   </p:stCondLst>
                                   <p:childTnLst>
                                     <p:set>
                                       <p:cBhvr>
-                                        <p:cTn id="60" dur="1" fill="hold">
+                                        <p:cTn id="55" dur="1" fill="hold">
                                           <p:stCondLst>
                                             <p:cond delay="0"/>
                                           </p:stCondLst>
@@ -11986,97 +11635,9 @@
                                     </p:set>
                                     <p:animEffect transition="in" filter="fade">
                                       <p:cBhvr>
-                                        <p:cTn id="61" dur="500"/>
+                                        <p:cTn id="56" dur="500"/>
                                         <p:tgtEl>
                                           <p:spTgt spid="89"/>
-                                        </p:tgtEl>
-                                      </p:cBhvr>
-                                    </p:animEffect>
-                                  </p:childTnLst>
-                                </p:cTn>
-                              </p:par>
-                            </p:childTnLst>
-                          </p:cTn>
-                        </p:par>
-                      </p:childTnLst>
-                    </p:cTn>
-                  </p:par>
-                  <p:par>
-                    <p:cTn id="62" fill="hold">
-                      <p:stCondLst>
-                        <p:cond delay="indefinite"/>
-                      </p:stCondLst>
-                      <p:childTnLst>
-                        <p:par>
-                          <p:cTn id="63" fill="hold">
-                            <p:stCondLst>
-                              <p:cond delay="0"/>
-                            </p:stCondLst>
-                            <p:childTnLst>
-                              <p:par>
-                                <p:cTn id="64" presetID="10" presetClass="entr" presetSubtype="0" fill="hold" grpId="0" nodeType="clickEffect">
-                                  <p:stCondLst>
-                                    <p:cond delay="0"/>
-                                  </p:stCondLst>
-                                  <p:childTnLst>
-                                    <p:set>
-                                      <p:cBhvr>
-                                        <p:cTn id="65" dur="1" fill="hold">
-                                          <p:stCondLst>
-                                            <p:cond delay="0"/>
-                                          </p:stCondLst>
-                                        </p:cTn>
-                                        <p:tgtEl>
-                                          <p:spTgt spid="28"/>
-                                        </p:tgtEl>
-                                        <p:attrNameLst>
-                                          <p:attrName>style.visibility</p:attrName>
-                                        </p:attrNameLst>
-                                      </p:cBhvr>
-                                      <p:to>
-                                        <p:strVal val="visible"/>
-                                      </p:to>
-                                    </p:set>
-                                    <p:animEffect transition="in" filter="fade">
-                                      <p:cBhvr>
-                                        <p:cTn id="66" dur="500"/>
-                                        <p:tgtEl>
-                                          <p:spTgt spid="28"/>
-                                        </p:tgtEl>
-                                      </p:cBhvr>
-                                    </p:animEffect>
-                                  </p:childTnLst>
-                                </p:cTn>
-                              </p:par>
-                              <p:par>
-                                <p:cTn id="67" presetID="10" presetClass="entr" presetSubtype="0" fill="hold" grpId="0" nodeType="withEffect">
-                                  <p:stCondLst>
-                                    <p:cond delay="0"/>
-                                  </p:stCondLst>
-                                  <p:childTnLst>
-                                    <p:set>
-                                      <p:cBhvr>
-                                        <p:cTn id="68" dur="1" fill="hold">
-                                          <p:stCondLst>
-                                            <p:cond delay="0"/>
-                                          </p:stCondLst>
-                                        </p:cTn>
-                                        <p:tgtEl>
-                                          <p:spTgt spid="3"/>
-                                        </p:tgtEl>
-                                        <p:attrNameLst>
-                                          <p:attrName>style.visibility</p:attrName>
-                                        </p:attrNameLst>
-                                      </p:cBhvr>
-                                      <p:to>
-                                        <p:strVal val="visible"/>
-                                      </p:to>
-                                    </p:set>
-                                    <p:animEffect transition="in" filter="fade">
-                                      <p:cBhvr>
-                                        <p:cTn id="69" dur="500"/>
-                                        <p:tgtEl>
-                                          <p:spTgt spid="3"/>
                                         </p:tgtEl>
                                       </p:cBhvr>
                                     </p:animEffect>
@@ -12121,14 +11682,3730 @@
       <p:bldP spid="27" grpId="0"/>
       <p:bldP spid="88" grpId="0"/>
       <p:bldP spid="89" grpId="0" animBg="1"/>
-      <p:bldP spid="3" grpId="0" animBg="1"/>
-      <p:bldP spid="28" grpId="0" animBg="1"/>
     </p:bldLst>
   </p:timing>
 </p:sld>
 </file>
 
 <file path=ppt/slides/slide4.xml><?xml version="1.0" encoding="utf-8"?>
+<p:sld xmlns:a="http://schemas.openxmlformats.org/drawingml/2006/main" xmlns:r="http://schemas.openxmlformats.org/officeDocument/2006/relationships" xmlns:p="http://schemas.openxmlformats.org/presentationml/2006/main">
+  <p:cSld>
+    <p:bg>
+      <p:bgPr>
+        <a:solidFill>
+          <a:schemeClr val="bg1"/>
+        </a:solidFill>
+        <a:effectLst/>
+      </p:bgPr>
+    </p:bg>
+    <p:spTree>
+      <p:nvGrpSpPr>
+        <p:cNvPr id="1" name=""/>
+        <p:cNvGrpSpPr/>
+        <p:nvPr/>
+      </p:nvGrpSpPr>
+      <p:grpSpPr>
+        <a:xfrm>
+          <a:off x="0" y="0"/>
+          <a:ext cx="0" cy="0"/>
+          <a:chOff x="0" y="0"/>
+          <a:chExt cx="0" cy="0"/>
+        </a:xfrm>
+      </p:grpSpPr>
+      <p:sp useBgFill="1">
+        <p:nvSpPr>
+          <p:cNvPr id="101" name="Rectangle 100">
+            <a:extLst>
+              <a:ext uri="{FF2B5EF4-FFF2-40B4-BE49-F238E27FC236}">
+                <a16:creationId xmlns:a16="http://schemas.microsoft.com/office/drawing/2014/main" id="{9D767E3F-5FD8-43EF-92CC-71463D47E1EE}"/>
+              </a:ext>
+              <a:ext uri="{C183D7F6-B498-43B3-948B-1728B52AA6E4}">
+                <adec:decorative xmlns:adec="http://schemas.microsoft.com/office/drawing/2017/decorative" val="1"/>
+              </a:ext>
+            </a:extLst>
+          </p:cNvPr>
+          <p:cNvSpPr>
+            <a:spLocks noGrp="1" noRot="1" noChangeAspect="1" noMove="1" noResize="1" noEditPoints="1" noAdjustHandles="1" noChangeArrowheads="1" noChangeShapeType="1" noTextEdit="1"/>
+          </p:cNvSpPr>
+          <p:nvPr>
+            <p:extLst>
+              <p:ext uri="{386F3935-93C4-4BCD-93E2-E3B085C9AB24}">
+                <p16:designElem xmlns:p16="http://schemas.microsoft.com/office/powerpoint/2015/main" val="1"/>
+              </p:ext>
+            </p:extLst>
+          </p:nvPr>
+        </p:nvSpPr>
+        <p:spPr>
+          <a:xfrm>
+            <a:off x="0" y="0"/>
+            <a:ext cx="12192000" cy="6858000"/>
+          </a:xfrm>
+          <a:prstGeom prst="rect">
+            <a:avLst/>
+          </a:prstGeom>
+          <a:ln>
+            <a:noFill/>
+          </a:ln>
+        </p:spPr>
+        <p:style>
+          <a:lnRef idx="2">
+            <a:schemeClr val="accent1">
+              <a:shade val="50000"/>
+            </a:schemeClr>
+          </a:lnRef>
+          <a:fillRef idx="1">
+            <a:schemeClr val="accent1"/>
+          </a:fillRef>
+          <a:effectRef idx="0">
+            <a:schemeClr val="accent1"/>
+          </a:effectRef>
+          <a:fontRef idx="minor">
+            <a:schemeClr val="lt1"/>
+          </a:fontRef>
+        </p:style>
+        <p:txBody>
+          <a:bodyPr rtlCol="0" anchor="ctr"/>
+          <a:lstStyle/>
+          <a:p>
+            <a:pPr algn="ctr"/>
+            <a:endParaRPr lang="en-US" dirty="0"/>
+          </a:p>
+        </p:txBody>
+      </p:sp>
+      <p:sp>
+        <p:nvSpPr>
+          <p:cNvPr id="103" name="Rectangle 102">
+            <a:extLst>
+              <a:ext uri="{FF2B5EF4-FFF2-40B4-BE49-F238E27FC236}">
+                <a16:creationId xmlns:a16="http://schemas.microsoft.com/office/drawing/2014/main" id="{53326BAA-9686-4D37-B702-A459A43F9B06}"/>
+              </a:ext>
+              <a:ext uri="{C183D7F6-B498-43B3-948B-1728B52AA6E4}">
+                <adec:decorative xmlns:adec="http://schemas.microsoft.com/office/drawing/2017/decorative" val="1"/>
+              </a:ext>
+            </a:extLst>
+          </p:cNvPr>
+          <p:cNvSpPr>
+            <a:spLocks noGrp="1" noRot="1" noChangeAspect="1" noMove="1" noResize="1" noEditPoints="1" noAdjustHandles="1" noChangeArrowheads="1" noChangeShapeType="1" noTextEdit="1"/>
+          </p:cNvSpPr>
+          <p:nvPr>
+            <p:extLst>
+              <p:ext uri="{386F3935-93C4-4BCD-93E2-E3B085C9AB24}">
+                <p16:designElem xmlns:p16="http://schemas.microsoft.com/office/powerpoint/2015/main" val="1"/>
+              </p:ext>
+            </p:extLst>
+          </p:nvPr>
+        </p:nvSpPr>
+        <p:spPr>
+          <a:xfrm>
+            <a:off x="0" y="0"/>
+            <a:ext cx="12192000" cy="6858000"/>
+          </a:xfrm>
+          <a:prstGeom prst="rect">
+            <a:avLst/>
+          </a:prstGeom>
+          <a:solidFill>
+            <a:schemeClr val="bg2">
+              <a:lumMod val="90000"/>
+              <a:alpha val="30000"/>
+            </a:schemeClr>
+          </a:solidFill>
+          <a:ln>
+            <a:noFill/>
+          </a:ln>
+        </p:spPr>
+        <p:style>
+          <a:lnRef idx="2">
+            <a:schemeClr val="accent1">
+              <a:shade val="50000"/>
+            </a:schemeClr>
+          </a:lnRef>
+          <a:fillRef idx="1">
+            <a:schemeClr val="accent1"/>
+          </a:fillRef>
+          <a:effectRef idx="0">
+            <a:schemeClr val="accent1"/>
+          </a:effectRef>
+          <a:fontRef idx="minor">
+            <a:schemeClr val="lt1"/>
+          </a:fontRef>
+        </p:style>
+        <p:txBody>
+          <a:bodyPr rtlCol="0" anchor="ctr"/>
+          <a:lstStyle/>
+          <a:p>
+            <a:pPr algn="ctr"/>
+            <a:endParaRPr lang="en-US" sz="900" dirty="0">
+              <a:solidFill>
+                <a:schemeClr val="bg1"/>
+              </a:solidFill>
+              <a:latin typeface="+mj-lt"/>
+            </a:endParaRPr>
+          </a:p>
+        </p:txBody>
+      </p:sp>
+      <p:sp>
+        <p:nvSpPr>
+          <p:cNvPr id="2" name="Titre 1">
+            <a:extLst>
+              <a:ext uri="{FF2B5EF4-FFF2-40B4-BE49-F238E27FC236}">
+                <a16:creationId xmlns:a16="http://schemas.microsoft.com/office/drawing/2014/main" id="{F1CB848B-7D97-4DB5-A6B4-0F990D5A8959}"/>
+              </a:ext>
+            </a:extLst>
+          </p:cNvPr>
+          <p:cNvSpPr>
+            <a:spLocks noGrp="1"/>
+          </p:cNvSpPr>
+          <p:nvPr>
+            <p:ph type="ctrTitle"/>
+          </p:nvPr>
+        </p:nvSpPr>
+        <p:spPr>
+          <a:xfrm>
+            <a:off x="157252" y="1933575"/>
+            <a:ext cx="5047488" cy="909638"/>
+          </a:xfrm>
+        </p:spPr>
+        <p:txBody>
+          <a:bodyPr>
+            <a:normAutofit/>
+          </a:bodyPr>
+          <a:lstStyle/>
+          <a:p>
+            <a:pPr algn="l"/>
+            <a:r>
+              <a:rPr lang="fr-CH" dirty="0"/>
+              <a:t>SW </a:t>
+            </a:r>
+            <a:r>
+              <a:rPr lang="fr-CH" dirty="0" err="1"/>
+              <a:t>algorithm</a:t>
+            </a:r>
+            <a:endParaRPr lang="fr-FR" dirty="0"/>
+          </a:p>
+        </p:txBody>
+      </p:sp>
+      <p:sp>
+        <p:nvSpPr>
+          <p:cNvPr id="4" name="Sous-titre 3">
+            <a:extLst>
+              <a:ext uri="{FF2B5EF4-FFF2-40B4-BE49-F238E27FC236}">
+                <a16:creationId xmlns:a16="http://schemas.microsoft.com/office/drawing/2014/main" id="{46779A2E-C228-BA2F-6709-87E460D9406E}"/>
+              </a:ext>
+            </a:extLst>
+          </p:cNvPr>
+          <p:cNvSpPr>
+            <a:spLocks noGrp="1"/>
+          </p:cNvSpPr>
+          <p:nvPr>
+            <p:ph type="subTitle" idx="1"/>
+          </p:nvPr>
+        </p:nvSpPr>
+        <p:spPr>
+          <a:xfrm>
+            <a:off x="71527" y="2843213"/>
+            <a:ext cx="6367373" cy="1655762"/>
+          </a:xfrm>
+        </p:spPr>
+        <p:txBody>
+          <a:bodyPr>
+            <a:normAutofit/>
+          </a:bodyPr>
+          <a:lstStyle/>
+          <a:p>
+            <a:pPr algn="l"/>
+            <a:r>
+              <a:rPr lang="fr-CH" dirty="0"/>
+              <a:t>First version of the </a:t>
+            </a:r>
+            <a:r>
+              <a:rPr lang="fr-CH" dirty="0" err="1"/>
+              <a:t>algorithm</a:t>
+            </a:r>
+            <a:endParaRPr lang="fr-CH" dirty="0"/>
+          </a:p>
+          <a:p>
+            <a:pPr algn="l"/>
+            <a:r>
+              <a:rPr lang="fr-CH" dirty="0" err="1"/>
+              <a:t>Problem</a:t>
+            </a:r>
+            <a:r>
+              <a:rPr lang="fr-CH" dirty="0"/>
+              <a:t> :</a:t>
+            </a:r>
+          </a:p>
+          <a:p>
+            <a:pPr algn="l"/>
+            <a:r>
+              <a:rPr lang="fr-CH" dirty="0"/>
+              <a:t>      - </a:t>
+            </a:r>
+            <a:r>
+              <a:rPr lang="fr-CH" dirty="0" err="1"/>
+              <a:t>Computational</a:t>
+            </a:r>
+            <a:r>
+              <a:rPr lang="fr-CH" dirty="0"/>
+              <a:t> time </a:t>
+            </a:r>
+            <a:r>
+              <a:rPr lang="fr-CH" dirty="0" err="1"/>
+              <a:t>increases</a:t>
+            </a:r>
+            <a:r>
+              <a:rPr lang="fr-CH" dirty="0"/>
+              <a:t> </a:t>
+            </a:r>
+            <a:r>
+              <a:rPr lang="fr-CH" dirty="0" err="1"/>
+              <a:t>exponentially</a:t>
+            </a:r>
+            <a:endParaRPr lang="fr-FR" dirty="0"/>
+          </a:p>
+        </p:txBody>
+      </p:sp>
+      <p:sp>
+        <p:nvSpPr>
+          <p:cNvPr id="105" name="Oval 1">
+            <a:extLst>
+              <a:ext uri="{FF2B5EF4-FFF2-40B4-BE49-F238E27FC236}">
+                <a16:creationId xmlns:a16="http://schemas.microsoft.com/office/drawing/2014/main" id="{AB330529-CB1E-4112-8F01-435C2E299761}"/>
+              </a:ext>
+              <a:ext uri="{C183D7F6-B498-43B3-948B-1728B52AA6E4}">
+                <adec:decorative xmlns:adec="http://schemas.microsoft.com/office/drawing/2017/decorative" val="1"/>
+              </a:ext>
+            </a:extLst>
+          </p:cNvPr>
+          <p:cNvSpPr>
+            <a:spLocks noGrp="1" noRot="1" noChangeAspect="1" noMove="1" noResize="1" noEditPoints="1" noAdjustHandles="1" noChangeArrowheads="1" noChangeShapeType="1" noTextEdit="1"/>
+          </p:cNvSpPr>
+          <p:nvPr>
+            <p:extLst>
+              <p:ext uri="{386F3935-93C4-4BCD-93E2-E3B085C9AB24}">
+                <p16:designElem xmlns:p16="http://schemas.microsoft.com/office/powerpoint/2015/main" val="1"/>
+              </p:ext>
+            </p:extLst>
+          </p:nvPr>
+        </p:nvSpPr>
+        <p:spPr>
+          <a:xfrm>
+            <a:off x="6291411" y="557332"/>
+            <a:ext cx="5743337" cy="5743337"/>
+          </a:xfrm>
+          <a:prstGeom prst="ellipse">
+            <a:avLst/>
+          </a:prstGeom>
+          <a:solidFill>
+            <a:schemeClr val="bg1"/>
+          </a:solidFill>
+          <a:ln>
+            <a:noFill/>
+          </a:ln>
+        </p:spPr>
+        <p:style>
+          <a:lnRef idx="2">
+            <a:schemeClr val="accent1">
+              <a:shade val="50000"/>
+            </a:schemeClr>
+          </a:lnRef>
+          <a:fillRef idx="1">
+            <a:schemeClr val="accent1"/>
+          </a:fillRef>
+          <a:effectRef idx="0">
+            <a:schemeClr val="accent1"/>
+          </a:effectRef>
+          <a:fontRef idx="minor">
+            <a:schemeClr val="lt1"/>
+          </a:fontRef>
+        </p:style>
+        <p:txBody>
+          <a:bodyPr rtlCol="0" anchor="ctr"/>
+          <a:lstStyle/>
+          <a:p>
+            <a:pPr algn="ctr"/>
+            <a:endParaRPr lang="en-US"/>
+          </a:p>
+        </p:txBody>
+      </p:sp>
+      <p:grpSp>
+        <p:nvGrpSpPr>
+          <p:cNvPr id="107" name="decorative circles">
+            <a:extLst>
+              <a:ext uri="{FF2B5EF4-FFF2-40B4-BE49-F238E27FC236}">
+                <a16:creationId xmlns:a16="http://schemas.microsoft.com/office/drawing/2014/main" id="{A6BAEEFE-5A15-4E44-B100-CFD7F5D6D059}"/>
+              </a:ext>
+              <a:ext uri="{C183D7F6-B498-43B3-948B-1728B52AA6E4}">
+                <adec:decorative xmlns:adec="http://schemas.microsoft.com/office/drawing/2017/decorative" val="1"/>
+              </a:ext>
+            </a:extLst>
+          </p:cNvPr>
+          <p:cNvGrpSpPr>
+            <a:grpSpLocks noGrp="1" noUngrp="1" noRot="1" noChangeAspect="1" noMove="1" noResize="1"/>
+          </p:cNvGrpSpPr>
+          <p:nvPr>
+            <p:extLst>
+              <p:ext uri="{386F3935-93C4-4BCD-93E2-E3B085C9AB24}">
+                <p16:designElem xmlns:p16="http://schemas.microsoft.com/office/powerpoint/2015/main" val="1"/>
+              </p:ext>
+            </p:extLst>
+          </p:nvPr>
+        </p:nvGrpSpPr>
+        <p:grpSpPr>
+          <a:xfrm>
+            <a:off x="6870062" y="289695"/>
+            <a:ext cx="4971115" cy="6138399"/>
+            <a:chOff x="6870062" y="289695"/>
+            <a:chExt cx="4971115" cy="6138399"/>
+          </a:xfrm>
+        </p:grpSpPr>
+        <p:sp>
+          <p:nvSpPr>
+            <p:cNvPr id="108" name="Oval 107">
+              <a:extLst>
+                <a:ext uri="{FF2B5EF4-FFF2-40B4-BE49-F238E27FC236}">
+                  <a16:creationId xmlns:a16="http://schemas.microsoft.com/office/drawing/2014/main" id="{9F653A2A-2CD3-4B8D-B1DB-0B410110ACA6}"/>
+                </a:ext>
+                <a:ext uri="{C183D7F6-B498-43B3-948B-1728B52AA6E4}">
+                  <adec:decorative xmlns:adec="http://schemas.microsoft.com/office/drawing/2017/decorative" val="1"/>
+                </a:ext>
+              </a:extLst>
+            </p:cNvPr>
+            <p:cNvSpPr/>
+            <p:nvPr>
+              <p:extLst>
+                <p:ext uri="{386F3935-93C4-4BCD-93E2-E3B085C9AB24}">
+                  <p16:designElem xmlns:p16="http://schemas.microsoft.com/office/powerpoint/2015/main" val="1"/>
+                </p:ext>
+              </p:extLst>
+            </p:nvPr>
+          </p:nvSpPr>
+          <p:spPr>
+            <a:xfrm>
+              <a:off x="10543605" y="289695"/>
+              <a:ext cx="226735" cy="226735"/>
+            </a:xfrm>
+            <a:prstGeom prst="ellipse">
+              <a:avLst/>
+            </a:prstGeom>
+            <a:solidFill>
+              <a:srgbClr val="97446E"/>
+            </a:solidFill>
+            <a:ln>
+              <a:noFill/>
+            </a:ln>
+          </p:spPr>
+          <p:style>
+            <a:lnRef idx="2">
+              <a:schemeClr val="accent1">
+                <a:shade val="50000"/>
+              </a:schemeClr>
+            </a:lnRef>
+            <a:fillRef idx="1">
+              <a:schemeClr val="accent1"/>
+            </a:fillRef>
+            <a:effectRef idx="0">
+              <a:schemeClr val="accent1"/>
+            </a:effectRef>
+            <a:fontRef idx="minor">
+              <a:schemeClr val="lt1"/>
+            </a:fontRef>
+          </p:style>
+          <p:txBody>
+            <a:bodyPr rtlCol="0" anchor="ctr"/>
+            <a:lstStyle/>
+            <a:p>
+              <a:pPr algn="ctr"/>
+              <a:endParaRPr lang="en-US"/>
+            </a:p>
+          </p:txBody>
+        </p:sp>
+        <p:sp>
+          <p:nvSpPr>
+            <p:cNvPr id="109" name="Oval 108">
+              <a:extLst>
+                <a:ext uri="{FF2B5EF4-FFF2-40B4-BE49-F238E27FC236}">
+                  <a16:creationId xmlns:a16="http://schemas.microsoft.com/office/drawing/2014/main" id="{7B14CA02-0561-4C97-8FF3-95C5A56793F9}"/>
+                </a:ext>
+                <a:ext uri="{C183D7F6-B498-43B3-948B-1728B52AA6E4}">
+                  <adec:decorative xmlns:adec="http://schemas.microsoft.com/office/drawing/2017/decorative" val="1"/>
+                </a:ext>
+              </a:extLst>
+            </p:cNvPr>
+            <p:cNvSpPr/>
+            <p:nvPr>
+              <p:extLst>
+                <p:ext uri="{386F3935-93C4-4BCD-93E2-E3B085C9AB24}">
+                  <p16:designElem xmlns:p16="http://schemas.microsoft.com/office/powerpoint/2015/main" val="1"/>
+                </p:ext>
+              </p:extLst>
+            </p:nvPr>
+          </p:nvSpPr>
+          <p:spPr>
+            <a:xfrm>
+              <a:off x="11374736" y="5667686"/>
+              <a:ext cx="466441" cy="466441"/>
+            </a:xfrm>
+            <a:prstGeom prst="ellipse">
+              <a:avLst/>
+            </a:prstGeom>
+            <a:solidFill>
+              <a:schemeClr val="accent2">
+                <a:lumMod val="60000"/>
+                <a:lumOff val="40000"/>
+              </a:schemeClr>
+            </a:solidFill>
+            <a:ln>
+              <a:noFill/>
+            </a:ln>
+          </p:spPr>
+          <p:style>
+            <a:lnRef idx="2">
+              <a:schemeClr val="accent1">
+                <a:shade val="50000"/>
+              </a:schemeClr>
+            </a:lnRef>
+            <a:fillRef idx="1">
+              <a:schemeClr val="accent1"/>
+            </a:fillRef>
+            <a:effectRef idx="0">
+              <a:schemeClr val="accent1"/>
+            </a:effectRef>
+            <a:fontRef idx="minor">
+              <a:schemeClr val="lt1"/>
+            </a:fontRef>
+          </p:style>
+          <p:txBody>
+            <a:bodyPr rtlCol="0" anchor="ctr"/>
+            <a:lstStyle/>
+            <a:p>
+              <a:pPr algn="ctr"/>
+              <a:endParaRPr lang="en-US"/>
+            </a:p>
+          </p:txBody>
+        </p:sp>
+        <p:sp>
+          <p:nvSpPr>
+            <p:cNvPr id="110" name="Oval 109">
+              <a:extLst>
+                <a:ext uri="{FF2B5EF4-FFF2-40B4-BE49-F238E27FC236}">
+                  <a16:creationId xmlns:a16="http://schemas.microsoft.com/office/drawing/2014/main" id="{5D1DCF05-9A46-4ED2-9213-6762C6975AF7}"/>
+                </a:ext>
+                <a:ext uri="{C183D7F6-B498-43B3-948B-1728B52AA6E4}">
+                  <adec:decorative xmlns:adec="http://schemas.microsoft.com/office/drawing/2017/decorative" val="1"/>
+                </a:ext>
+              </a:extLst>
+            </p:cNvPr>
+            <p:cNvSpPr/>
+            <p:nvPr>
+              <p:extLst>
+                <p:ext uri="{386F3935-93C4-4BCD-93E2-E3B085C9AB24}">
+                  <p16:designElem xmlns:p16="http://schemas.microsoft.com/office/powerpoint/2015/main" val="1"/>
+                </p:ext>
+              </p:extLst>
+            </p:nvPr>
+          </p:nvSpPr>
+          <p:spPr>
+            <a:xfrm>
+              <a:off x="11427805" y="5275653"/>
+              <a:ext cx="113367" cy="113367"/>
+            </a:xfrm>
+            <a:prstGeom prst="ellipse">
+              <a:avLst/>
+            </a:prstGeom>
+            <a:solidFill>
+              <a:srgbClr val="F39E29"/>
+            </a:solidFill>
+            <a:ln>
+              <a:noFill/>
+            </a:ln>
+          </p:spPr>
+          <p:style>
+            <a:lnRef idx="2">
+              <a:schemeClr val="accent1">
+                <a:shade val="50000"/>
+              </a:schemeClr>
+            </a:lnRef>
+            <a:fillRef idx="1">
+              <a:schemeClr val="accent1"/>
+            </a:fillRef>
+            <a:effectRef idx="0">
+              <a:schemeClr val="accent1"/>
+            </a:effectRef>
+            <a:fontRef idx="minor">
+              <a:schemeClr val="lt1"/>
+            </a:fontRef>
+          </p:style>
+          <p:txBody>
+            <a:bodyPr rtlCol="0" anchor="ctr"/>
+            <a:lstStyle/>
+            <a:p>
+              <a:pPr algn="ctr"/>
+              <a:endParaRPr lang="en-US"/>
+            </a:p>
+          </p:txBody>
+        </p:sp>
+        <p:sp>
+          <p:nvSpPr>
+            <p:cNvPr id="111" name="Oval 110">
+              <a:extLst>
+                <a:ext uri="{FF2B5EF4-FFF2-40B4-BE49-F238E27FC236}">
+                  <a16:creationId xmlns:a16="http://schemas.microsoft.com/office/drawing/2014/main" id="{7C2DFB0F-9C5B-42B4-A4C5-1C4308E5E4E5}"/>
+                </a:ext>
+                <a:ext uri="{C183D7F6-B498-43B3-948B-1728B52AA6E4}">
+                  <adec:decorative xmlns:adec="http://schemas.microsoft.com/office/drawing/2017/decorative" val="1"/>
+                </a:ext>
+              </a:extLst>
+            </p:cNvPr>
+            <p:cNvSpPr/>
+            <p:nvPr>
+              <p:extLst>
+                <p:ext uri="{386F3935-93C4-4BCD-93E2-E3B085C9AB24}">
+                  <p16:designElem xmlns:p16="http://schemas.microsoft.com/office/powerpoint/2015/main" val="1"/>
+                </p:ext>
+              </p:extLst>
+            </p:nvPr>
+          </p:nvSpPr>
+          <p:spPr>
+            <a:xfrm>
+              <a:off x="11069847" y="5942894"/>
+              <a:ext cx="94160" cy="94160"/>
+            </a:xfrm>
+            <a:prstGeom prst="ellipse">
+              <a:avLst/>
+            </a:prstGeom>
+            <a:solidFill>
+              <a:srgbClr val="E3BEBE">
+                <a:alpha val="28000"/>
+              </a:srgbClr>
+            </a:solidFill>
+            <a:ln>
+              <a:noFill/>
+            </a:ln>
+          </p:spPr>
+          <p:style>
+            <a:lnRef idx="2">
+              <a:schemeClr val="accent1">
+                <a:shade val="50000"/>
+              </a:schemeClr>
+            </a:lnRef>
+            <a:fillRef idx="1">
+              <a:schemeClr val="accent1"/>
+            </a:fillRef>
+            <a:effectRef idx="0">
+              <a:schemeClr val="accent1"/>
+            </a:effectRef>
+            <a:fontRef idx="minor">
+              <a:schemeClr val="lt1"/>
+            </a:fontRef>
+          </p:style>
+          <p:txBody>
+            <a:bodyPr rtlCol="0" anchor="ctr"/>
+            <a:lstStyle/>
+            <a:p>
+              <a:pPr algn="ctr"/>
+              <a:endParaRPr lang="en-US"/>
+            </a:p>
+          </p:txBody>
+        </p:sp>
+        <p:sp>
+          <p:nvSpPr>
+            <p:cNvPr id="112" name="Oval 111">
+              <a:extLst>
+                <a:ext uri="{FF2B5EF4-FFF2-40B4-BE49-F238E27FC236}">
+                  <a16:creationId xmlns:a16="http://schemas.microsoft.com/office/drawing/2014/main" id="{09002102-7C3F-4562-B6C9-B6662E8A2A12}"/>
+                </a:ext>
+                <a:ext uri="{C183D7F6-B498-43B3-948B-1728B52AA6E4}">
+                  <adec:decorative xmlns:adec="http://schemas.microsoft.com/office/drawing/2017/decorative" val="1"/>
+                </a:ext>
+              </a:extLst>
+            </p:cNvPr>
+            <p:cNvSpPr/>
+            <p:nvPr>
+              <p:extLst>
+                <p:ext uri="{386F3935-93C4-4BCD-93E2-E3B085C9AB24}">
+                  <p16:designElem xmlns:p16="http://schemas.microsoft.com/office/powerpoint/2015/main" val="1"/>
+                </p:ext>
+              </p:extLst>
+            </p:nvPr>
+          </p:nvSpPr>
+          <p:spPr>
+            <a:xfrm>
+              <a:off x="11181540" y="655922"/>
+              <a:ext cx="466441" cy="466441"/>
+            </a:xfrm>
+            <a:prstGeom prst="ellipse">
+              <a:avLst/>
+            </a:prstGeom>
+            <a:solidFill>
+              <a:schemeClr val="accent2">
+                <a:lumMod val="20000"/>
+                <a:lumOff val="80000"/>
+              </a:schemeClr>
+            </a:solidFill>
+            <a:ln>
+              <a:noFill/>
+            </a:ln>
+          </p:spPr>
+          <p:style>
+            <a:lnRef idx="2">
+              <a:schemeClr val="accent1">
+                <a:shade val="50000"/>
+              </a:schemeClr>
+            </a:lnRef>
+            <a:fillRef idx="1">
+              <a:schemeClr val="accent1"/>
+            </a:fillRef>
+            <a:effectRef idx="0">
+              <a:schemeClr val="accent1"/>
+            </a:effectRef>
+            <a:fontRef idx="minor">
+              <a:schemeClr val="lt1"/>
+            </a:fontRef>
+          </p:style>
+          <p:txBody>
+            <a:bodyPr rtlCol="0" anchor="ctr"/>
+            <a:lstStyle/>
+            <a:p>
+              <a:pPr algn="ctr"/>
+              <a:endParaRPr lang="en-US"/>
+            </a:p>
+          </p:txBody>
+        </p:sp>
+        <p:sp>
+          <p:nvSpPr>
+            <p:cNvPr id="113" name="Oval 112">
+              <a:extLst>
+                <a:ext uri="{FF2B5EF4-FFF2-40B4-BE49-F238E27FC236}">
+                  <a16:creationId xmlns:a16="http://schemas.microsoft.com/office/drawing/2014/main" id="{38ABC509-D5C1-4B54-88A3-76D47A1AEC2C}"/>
+                </a:ext>
+                <a:ext uri="{C183D7F6-B498-43B3-948B-1728B52AA6E4}">
+                  <adec:decorative xmlns:adec="http://schemas.microsoft.com/office/drawing/2017/decorative" val="1"/>
+                </a:ext>
+              </a:extLst>
+            </p:cNvPr>
+            <p:cNvSpPr/>
+            <p:nvPr>
+              <p:extLst>
+                <p:ext uri="{386F3935-93C4-4BCD-93E2-E3B085C9AB24}">
+                  <p16:designElem xmlns:p16="http://schemas.microsoft.com/office/powerpoint/2015/main" val="1"/>
+                </p:ext>
+              </p:extLst>
+            </p:nvPr>
+          </p:nvSpPr>
+          <p:spPr>
+            <a:xfrm>
+              <a:off x="11003560" y="387281"/>
+              <a:ext cx="113367" cy="113367"/>
+            </a:xfrm>
+            <a:prstGeom prst="ellipse">
+              <a:avLst/>
+            </a:prstGeom>
+            <a:solidFill>
+              <a:schemeClr val="accent3"/>
+            </a:solidFill>
+            <a:ln>
+              <a:noFill/>
+            </a:ln>
+          </p:spPr>
+          <p:style>
+            <a:lnRef idx="2">
+              <a:schemeClr val="accent1">
+                <a:shade val="50000"/>
+              </a:schemeClr>
+            </a:lnRef>
+            <a:fillRef idx="1">
+              <a:schemeClr val="accent1"/>
+            </a:fillRef>
+            <a:effectRef idx="0">
+              <a:schemeClr val="accent1"/>
+            </a:effectRef>
+            <a:fontRef idx="minor">
+              <a:schemeClr val="lt1"/>
+            </a:fontRef>
+          </p:style>
+          <p:txBody>
+            <a:bodyPr rtlCol="0" anchor="ctr"/>
+            <a:lstStyle/>
+            <a:p>
+              <a:pPr algn="ctr"/>
+              <a:endParaRPr lang="en-US"/>
+            </a:p>
+          </p:txBody>
+        </p:sp>
+        <p:sp>
+          <p:nvSpPr>
+            <p:cNvPr id="114" name="Oval 113">
+              <a:extLst>
+                <a:ext uri="{FF2B5EF4-FFF2-40B4-BE49-F238E27FC236}">
+                  <a16:creationId xmlns:a16="http://schemas.microsoft.com/office/drawing/2014/main" id="{69564177-4282-4F98-81F4-F758FF774D43}"/>
+                </a:ext>
+                <a:ext uri="{C183D7F6-B498-43B3-948B-1728B52AA6E4}">
+                  <adec:decorative xmlns:adec="http://schemas.microsoft.com/office/drawing/2017/decorative" val="1"/>
+                </a:ext>
+              </a:extLst>
+            </p:cNvPr>
+            <p:cNvSpPr/>
+            <p:nvPr>
+              <p:extLst>
+                <p:ext uri="{386F3935-93C4-4BCD-93E2-E3B085C9AB24}">
+                  <p16:designElem xmlns:p16="http://schemas.microsoft.com/office/powerpoint/2015/main" val="1"/>
+                </p:ext>
+              </p:extLst>
+            </p:nvPr>
+          </p:nvSpPr>
+          <p:spPr>
+            <a:xfrm>
+              <a:off x="7163367" y="6122314"/>
+              <a:ext cx="305780" cy="305780"/>
+            </a:xfrm>
+            <a:prstGeom prst="ellipse">
+              <a:avLst/>
+            </a:prstGeom>
+            <a:solidFill>
+              <a:schemeClr val="accent3"/>
+            </a:solidFill>
+            <a:ln>
+              <a:noFill/>
+            </a:ln>
+          </p:spPr>
+          <p:style>
+            <a:lnRef idx="2">
+              <a:schemeClr val="accent1">
+                <a:shade val="50000"/>
+              </a:schemeClr>
+            </a:lnRef>
+            <a:fillRef idx="1">
+              <a:schemeClr val="accent1"/>
+            </a:fillRef>
+            <a:effectRef idx="0">
+              <a:schemeClr val="accent1"/>
+            </a:effectRef>
+            <a:fontRef idx="minor">
+              <a:schemeClr val="lt1"/>
+            </a:fontRef>
+          </p:style>
+          <p:txBody>
+            <a:bodyPr rtlCol="0" anchor="ctr"/>
+            <a:lstStyle/>
+            <a:p>
+              <a:pPr algn="ctr"/>
+              <a:endParaRPr lang="en-US"/>
+            </a:p>
+          </p:txBody>
+        </p:sp>
+        <p:sp>
+          <p:nvSpPr>
+            <p:cNvPr id="115" name="Oval 114">
+              <a:extLst>
+                <a:ext uri="{FF2B5EF4-FFF2-40B4-BE49-F238E27FC236}">
+                  <a16:creationId xmlns:a16="http://schemas.microsoft.com/office/drawing/2014/main" id="{2B760430-7B8B-4E35-A89B-197E32999944}"/>
+                </a:ext>
+                <a:ext uri="{C183D7F6-B498-43B3-948B-1728B52AA6E4}">
+                  <adec:decorative xmlns:adec="http://schemas.microsoft.com/office/drawing/2017/decorative" val="1"/>
+                </a:ext>
+              </a:extLst>
+            </p:cNvPr>
+            <p:cNvSpPr/>
+            <p:nvPr>
+              <p:extLst>
+                <p:ext uri="{386F3935-93C4-4BCD-93E2-E3B085C9AB24}">
+                  <p16:designElem xmlns:p16="http://schemas.microsoft.com/office/powerpoint/2015/main" val="1"/>
+                </p:ext>
+              </p:extLst>
+            </p:nvPr>
+          </p:nvSpPr>
+          <p:spPr>
+            <a:xfrm>
+              <a:off x="6870062" y="5959435"/>
+              <a:ext cx="113367" cy="113367"/>
+            </a:xfrm>
+            <a:prstGeom prst="ellipse">
+              <a:avLst/>
+            </a:prstGeom>
+            <a:solidFill>
+              <a:schemeClr val="accent5"/>
+            </a:solidFill>
+            <a:ln>
+              <a:noFill/>
+            </a:ln>
+          </p:spPr>
+          <p:style>
+            <a:lnRef idx="2">
+              <a:schemeClr val="accent1">
+                <a:shade val="50000"/>
+              </a:schemeClr>
+            </a:lnRef>
+            <a:fillRef idx="1">
+              <a:schemeClr val="accent1"/>
+            </a:fillRef>
+            <a:effectRef idx="0">
+              <a:schemeClr val="accent1"/>
+            </a:effectRef>
+            <a:fontRef idx="minor">
+              <a:schemeClr val="lt1"/>
+            </a:fontRef>
+          </p:style>
+          <p:txBody>
+            <a:bodyPr rtlCol="0" anchor="ctr"/>
+            <a:lstStyle/>
+            <a:p>
+              <a:pPr algn="ctr"/>
+              <a:endParaRPr lang="en-US"/>
+            </a:p>
+          </p:txBody>
+        </p:sp>
+      </p:grpSp>
+      <p:pic>
+        <p:nvPicPr>
+          <p:cNvPr id="10" name="Graphique 9">
+            <a:extLst>
+              <a:ext uri="{FF2B5EF4-FFF2-40B4-BE49-F238E27FC236}">
+                <a16:creationId xmlns:a16="http://schemas.microsoft.com/office/drawing/2014/main" id="{E4D944B1-BFF4-0BD9-7AC2-E50B65A73366}"/>
+              </a:ext>
+            </a:extLst>
+          </p:cNvPr>
+          <p:cNvPicPr>
+            <a:picLocks noChangeAspect="1"/>
+          </p:cNvPicPr>
+          <p:nvPr/>
+        </p:nvPicPr>
+        <p:blipFill>
+          <a:blip r:embed="rId2">
+            <a:extLst>
+              <a:ext uri="{28A0092B-C50C-407E-A947-70E740481C1C}">
+                <a14:useLocalDpi xmlns:a14="http://schemas.microsoft.com/office/drawing/2010/main" val="0"/>
+              </a:ext>
+              <a:ext uri="{96DAC541-7B7A-43D3-8B79-37D633B846F1}">
+                <asvg:svgBlip xmlns:asvg="http://schemas.microsoft.com/office/drawing/2016/SVG/main" r:embed="rId3"/>
+              </a:ext>
+            </a:extLst>
+          </a:blip>
+          <a:stretch>
+            <a:fillRect/>
+          </a:stretch>
+        </p:blipFill>
+        <p:spPr>
+          <a:xfrm>
+            <a:off x="6296024" y="11875"/>
+            <a:ext cx="5738724" cy="6791287"/>
+          </a:xfrm>
+          <a:prstGeom prst="rect">
+            <a:avLst/>
+          </a:prstGeom>
+        </p:spPr>
+      </p:pic>
+    </p:spTree>
+    <p:extLst>
+      <p:ext uri="{BB962C8B-B14F-4D97-AF65-F5344CB8AC3E}">
+        <p14:creationId xmlns:p14="http://schemas.microsoft.com/office/powerpoint/2010/main" val="3860330549"/>
+      </p:ext>
+    </p:extLst>
+  </p:cSld>
+  <p:clrMapOvr>
+    <a:masterClrMapping/>
+  </p:clrMapOvr>
+  <mc:AlternateContent xmlns:mc="http://schemas.openxmlformats.org/markup-compatibility/2006">
+    <mc:Choice xmlns:p14="http://schemas.microsoft.com/office/powerpoint/2010/main" Requires="p14">
+      <p:transition spd="med" p14:dur="700">
+        <p:fade/>
+      </p:transition>
+    </mc:Choice>
+    <mc:Fallback>
+      <p:transition spd="med">
+        <p:fade/>
+      </p:transition>
+    </mc:Fallback>
+  </mc:AlternateContent>
+  <p:timing>
+    <p:tnLst>
+      <p:par>
+        <p:cTn id="1" dur="indefinite" restart="never" nodeType="tmRoot">
+          <p:childTnLst>
+            <p:seq concurrent="1" nextAc="seek">
+              <p:cTn id="2" dur="indefinite" nodeType="mainSeq">
+                <p:childTnLst>
+                  <p:par>
+                    <p:cTn id="3" fill="hold">
+                      <p:stCondLst>
+                        <p:cond delay="indefinite"/>
+                        <p:cond evt="onBegin" delay="0">
+                          <p:tn val="2"/>
+                        </p:cond>
+                      </p:stCondLst>
+                      <p:childTnLst>
+                        <p:par>
+                          <p:cTn id="4" fill="hold">
+                            <p:stCondLst>
+                              <p:cond delay="0"/>
+                            </p:stCondLst>
+                            <p:childTnLst>
+                              <p:par>
+                                <p:cTn id="5" presetID="10" presetClass="entr" presetSubtype="0" fill="hold" grpId="0" nodeType="withEffect">
+                                  <p:stCondLst>
+                                    <p:cond delay="0"/>
+                                  </p:stCondLst>
+                                  <p:iterate>
+                                    <p:tmPct val="10000"/>
+                                  </p:iterate>
+                                  <p:childTnLst>
+                                    <p:set>
+                                      <p:cBhvr>
+                                        <p:cTn id="6" dur="1" fill="hold">
+                                          <p:stCondLst>
+                                            <p:cond delay="0"/>
+                                          </p:stCondLst>
+                                        </p:cTn>
+                                        <p:tgtEl>
+                                          <p:spTgt spid="2"/>
+                                        </p:tgtEl>
+                                        <p:attrNameLst>
+                                          <p:attrName>style.visibility</p:attrName>
+                                        </p:attrNameLst>
+                                      </p:cBhvr>
+                                      <p:to>
+                                        <p:strVal val="visible"/>
+                                      </p:to>
+                                    </p:set>
+                                    <p:animEffect transition="in" filter="fade">
+                                      <p:cBhvr>
+                                        <p:cTn id="7" dur="700"/>
+                                        <p:tgtEl>
+                                          <p:spTgt spid="2"/>
+                                        </p:tgtEl>
+                                      </p:cBhvr>
+                                    </p:animEffect>
+                                  </p:childTnLst>
+                                </p:cTn>
+                              </p:par>
+                              <p:par>
+                                <p:cTn id="8" presetID="10" presetClass="entr" presetSubtype="0" fill="hold" grpId="0" nodeType="withEffect">
+                                  <p:stCondLst>
+                                    <p:cond delay="0"/>
+                                  </p:stCondLst>
+                                  <p:childTnLst>
+                                    <p:set>
+                                      <p:cBhvr>
+                                        <p:cTn id="9" dur="1" fill="hold">
+                                          <p:stCondLst>
+                                            <p:cond delay="0"/>
+                                          </p:stCondLst>
+                                        </p:cTn>
+                                        <p:tgtEl>
+                                          <p:spTgt spid="4">
+                                            <p:txEl>
+                                              <p:pRg st="0" end="0"/>
+                                            </p:txEl>
+                                          </p:spTgt>
+                                        </p:tgtEl>
+                                        <p:attrNameLst>
+                                          <p:attrName>style.visibility</p:attrName>
+                                        </p:attrNameLst>
+                                      </p:cBhvr>
+                                      <p:to>
+                                        <p:strVal val="visible"/>
+                                      </p:to>
+                                    </p:set>
+                                    <p:animEffect transition="in" filter="fade">
+                                      <p:cBhvr>
+                                        <p:cTn id="10" dur="500"/>
+                                        <p:tgtEl>
+                                          <p:spTgt spid="4">
+                                            <p:txEl>
+                                              <p:pRg st="0" end="0"/>
+                                            </p:txEl>
+                                          </p:spTgt>
+                                        </p:tgtEl>
+                                      </p:cBhvr>
+                                    </p:animEffect>
+                                  </p:childTnLst>
+                                </p:cTn>
+                              </p:par>
+                              <p:par>
+                                <p:cTn id="11" presetID="10" presetClass="entr" presetSubtype="0" fill="hold" grpId="0" nodeType="withEffect">
+                                  <p:stCondLst>
+                                    <p:cond delay="0"/>
+                                  </p:stCondLst>
+                                  <p:childTnLst>
+                                    <p:set>
+                                      <p:cBhvr>
+                                        <p:cTn id="12" dur="1" fill="hold">
+                                          <p:stCondLst>
+                                            <p:cond delay="0"/>
+                                          </p:stCondLst>
+                                        </p:cTn>
+                                        <p:tgtEl>
+                                          <p:spTgt spid="4">
+                                            <p:txEl>
+                                              <p:pRg st="1" end="1"/>
+                                            </p:txEl>
+                                          </p:spTgt>
+                                        </p:tgtEl>
+                                        <p:attrNameLst>
+                                          <p:attrName>style.visibility</p:attrName>
+                                        </p:attrNameLst>
+                                      </p:cBhvr>
+                                      <p:to>
+                                        <p:strVal val="visible"/>
+                                      </p:to>
+                                    </p:set>
+                                    <p:animEffect transition="in" filter="fade">
+                                      <p:cBhvr>
+                                        <p:cTn id="13" dur="500"/>
+                                        <p:tgtEl>
+                                          <p:spTgt spid="4">
+                                            <p:txEl>
+                                              <p:pRg st="1" end="1"/>
+                                            </p:txEl>
+                                          </p:spTgt>
+                                        </p:tgtEl>
+                                      </p:cBhvr>
+                                    </p:animEffect>
+                                  </p:childTnLst>
+                                </p:cTn>
+                              </p:par>
+                              <p:par>
+                                <p:cTn id="14" presetID="10" presetClass="entr" presetSubtype="0" fill="hold" grpId="0" nodeType="withEffect">
+                                  <p:stCondLst>
+                                    <p:cond delay="0"/>
+                                  </p:stCondLst>
+                                  <p:childTnLst>
+                                    <p:set>
+                                      <p:cBhvr>
+                                        <p:cTn id="15" dur="1" fill="hold">
+                                          <p:stCondLst>
+                                            <p:cond delay="0"/>
+                                          </p:stCondLst>
+                                        </p:cTn>
+                                        <p:tgtEl>
+                                          <p:spTgt spid="4">
+                                            <p:txEl>
+                                              <p:pRg st="2" end="2"/>
+                                            </p:txEl>
+                                          </p:spTgt>
+                                        </p:tgtEl>
+                                        <p:attrNameLst>
+                                          <p:attrName>style.visibility</p:attrName>
+                                        </p:attrNameLst>
+                                      </p:cBhvr>
+                                      <p:to>
+                                        <p:strVal val="visible"/>
+                                      </p:to>
+                                    </p:set>
+                                    <p:animEffect transition="in" filter="fade">
+                                      <p:cBhvr>
+                                        <p:cTn id="16" dur="500"/>
+                                        <p:tgtEl>
+                                          <p:spTgt spid="4">
+                                            <p:txEl>
+                                              <p:pRg st="2" end="2"/>
+                                            </p:txEl>
+                                          </p:spTgt>
+                                        </p:tgtEl>
+                                      </p:cBhvr>
+                                    </p:animEffect>
+                                  </p:childTnLst>
+                                </p:cTn>
+                              </p:par>
+                              <p:par>
+                                <p:cTn id="17" presetID="10" presetClass="entr" presetSubtype="0" fill="hold" nodeType="withEffect">
+                                  <p:stCondLst>
+                                    <p:cond delay="0"/>
+                                  </p:stCondLst>
+                                  <p:childTnLst>
+                                    <p:set>
+                                      <p:cBhvr>
+                                        <p:cTn id="18" dur="1" fill="hold">
+                                          <p:stCondLst>
+                                            <p:cond delay="0"/>
+                                          </p:stCondLst>
+                                        </p:cTn>
+                                        <p:tgtEl>
+                                          <p:spTgt spid="10"/>
+                                        </p:tgtEl>
+                                        <p:attrNameLst>
+                                          <p:attrName>style.visibility</p:attrName>
+                                        </p:attrNameLst>
+                                      </p:cBhvr>
+                                      <p:to>
+                                        <p:strVal val="visible"/>
+                                      </p:to>
+                                    </p:set>
+                                    <p:animEffect transition="in" filter="fade">
+                                      <p:cBhvr>
+                                        <p:cTn id="19" dur="500"/>
+                                        <p:tgtEl>
+                                          <p:spTgt spid="10"/>
+                                        </p:tgtEl>
+                                      </p:cBhvr>
+                                    </p:animEffect>
+                                  </p:childTnLst>
+                                </p:cTn>
+                              </p:par>
+                            </p:childTnLst>
+                          </p:cTn>
+                        </p:par>
+                      </p:childTnLst>
+                    </p:cTn>
+                  </p:par>
+                </p:childTnLst>
+              </p:cTn>
+              <p:prevCondLst>
+                <p:cond evt="onPrev" delay="0">
+                  <p:tgtEl>
+                    <p:sldTgt/>
+                  </p:tgtEl>
+                </p:cond>
+              </p:prevCondLst>
+              <p:nextCondLst>
+                <p:cond evt="onNext" delay="0">
+                  <p:tgtEl>
+                    <p:sldTgt/>
+                  </p:tgtEl>
+                </p:cond>
+              </p:nextCondLst>
+            </p:seq>
+          </p:childTnLst>
+        </p:cTn>
+      </p:par>
+    </p:tnLst>
+    <p:bldLst>
+      <p:bldP spid="2" grpId="0"/>
+      <p:bldP spid="4" grpId="0" build="p"/>
+    </p:bldLst>
+  </p:timing>
+</p:sld>
+</file>
+
+<file path=ppt/slides/slide5.xml><?xml version="1.0" encoding="utf-8"?>
+<p:sld xmlns:a="http://schemas.openxmlformats.org/drawingml/2006/main" xmlns:r="http://schemas.openxmlformats.org/officeDocument/2006/relationships" xmlns:p="http://schemas.openxmlformats.org/presentationml/2006/main">
+  <p:cSld>
+    <p:bg>
+      <p:bgPr>
+        <a:solidFill>
+          <a:schemeClr val="bg1"/>
+        </a:solidFill>
+        <a:effectLst/>
+      </p:bgPr>
+    </p:bg>
+    <p:spTree>
+      <p:nvGrpSpPr>
+        <p:cNvPr id="1" name=""/>
+        <p:cNvGrpSpPr/>
+        <p:nvPr/>
+      </p:nvGrpSpPr>
+      <p:grpSpPr>
+        <a:xfrm>
+          <a:off x="0" y="0"/>
+          <a:ext cx="0" cy="0"/>
+          <a:chOff x="0" y="0"/>
+          <a:chExt cx="0" cy="0"/>
+        </a:xfrm>
+      </p:grpSpPr>
+      <p:sp useBgFill="1">
+        <p:nvSpPr>
+          <p:cNvPr id="101" name="Rectangle 100">
+            <a:extLst>
+              <a:ext uri="{FF2B5EF4-FFF2-40B4-BE49-F238E27FC236}">
+                <a16:creationId xmlns:a16="http://schemas.microsoft.com/office/drawing/2014/main" id="{9D767E3F-5FD8-43EF-92CC-71463D47E1EE}"/>
+              </a:ext>
+              <a:ext uri="{C183D7F6-B498-43B3-948B-1728B52AA6E4}">
+                <adec:decorative xmlns:adec="http://schemas.microsoft.com/office/drawing/2017/decorative" val="1"/>
+              </a:ext>
+            </a:extLst>
+          </p:cNvPr>
+          <p:cNvSpPr>
+            <a:spLocks noGrp="1" noRot="1" noChangeAspect="1" noMove="1" noResize="1" noEditPoints="1" noAdjustHandles="1" noChangeArrowheads="1" noChangeShapeType="1" noTextEdit="1"/>
+          </p:cNvSpPr>
+          <p:nvPr>
+            <p:extLst>
+              <p:ext uri="{386F3935-93C4-4BCD-93E2-E3B085C9AB24}">
+                <p16:designElem xmlns:p16="http://schemas.microsoft.com/office/powerpoint/2015/main" val="1"/>
+              </p:ext>
+            </p:extLst>
+          </p:nvPr>
+        </p:nvSpPr>
+        <p:spPr>
+          <a:xfrm>
+            <a:off x="0" y="0"/>
+            <a:ext cx="12192000" cy="6858000"/>
+          </a:xfrm>
+          <a:prstGeom prst="rect">
+            <a:avLst/>
+          </a:prstGeom>
+          <a:ln>
+            <a:noFill/>
+          </a:ln>
+        </p:spPr>
+        <p:style>
+          <a:lnRef idx="2">
+            <a:schemeClr val="accent1">
+              <a:shade val="50000"/>
+            </a:schemeClr>
+          </a:lnRef>
+          <a:fillRef idx="1">
+            <a:schemeClr val="accent1"/>
+          </a:fillRef>
+          <a:effectRef idx="0">
+            <a:schemeClr val="accent1"/>
+          </a:effectRef>
+          <a:fontRef idx="minor">
+            <a:schemeClr val="lt1"/>
+          </a:fontRef>
+        </p:style>
+        <p:txBody>
+          <a:bodyPr rtlCol="0" anchor="ctr"/>
+          <a:lstStyle/>
+          <a:p>
+            <a:pPr algn="ctr"/>
+            <a:endParaRPr lang="en-US" dirty="0"/>
+          </a:p>
+        </p:txBody>
+      </p:sp>
+      <p:sp>
+        <p:nvSpPr>
+          <p:cNvPr id="103" name="Rectangle 102">
+            <a:extLst>
+              <a:ext uri="{FF2B5EF4-FFF2-40B4-BE49-F238E27FC236}">
+                <a16:creationId xmlns:a16="http://schemas.microsoft.com/office/drawing/2014/main" id="{53326BAA-9686-4D37-B702-A459A43F9B06}"/>
+              </a:ext>
+              <a:ext uri="{C183D7F6-B498-43B3-948B-1728B52AA6E4}">
+                <adec:decorative xmlns:adec="http://schemas.microsoft.com/office/drawing/2017/decorative" val="1"/>
+              </a:ext>
+            </a:extLst>
+          </p:cNvPr>
+          <p:cNvSpPr>
+            <a:spLocks noGrp="1" noRot="1" noChangeAspect="1" noMove="1" noResize="1" noEditPoints="1" noAdjustHandles="1" noChangeArrowheads="1" noChangeShapeType="1" noTextEdit="1"/>
+          </p:cNvSpPr>
+          <p:nvPr>
+            <p:extLst>
+              <p:ext uri="{386F3935-93C4-4BCD-93E2-E3B085C9AB24}">
+                <p16:designElem xmlns:p16="http://schemas.microsoft.com/office/powerpoint/2015/main" val="1"/>
+              </p:ext>
+            </p:extLst>
+          </p:nvPr>
+        </p:nvSpPr>
+        <p:spPr>
+          <a:xfrm>
+            <a:off x="0" y="0"/>
+            <a:ext cx="12192000" cy="6858000"/>
+          </a:xfrm>
+          <a:prstGeom prst="rect">
+            <a:avLst/>
+          </a:prstGeom>
+          <a:solidFill>
+            <a:schemeClr val="bg2">
+              <a:lumMod val="90000"/>
+              <a:alpha val="30000"/>
+            </a:schemeClr>
+          </a:solidFill>
+          <a:ln>
+            <a:noFill/>
+          </a:ln>
+        </p:spPr>
+        <p:style>
+          <a:lnRef idx="2">
+            <a:schemeClr val="accent1">
+              <a:shade val="50000"/>
+            </a:schemeClr>
+          </a:lnRef>
+          <a:fillRef idx="1">
+            <a:schemeClr val="accent1"/>
+          </a:fillRef>
+          <a:effectRef idx="0">
+            <a:schemeClr val="accent1"/>
+          </a:effectRef>
+          <a:fontRef idx="minor">
+            <a:schemeClr val="lt1"/>
+          </a:fontRef>
+        </p:style>
+        <p:txBody>
+          <a:bodyPr rtlCol="0" anchor="ctr"/>
+          <a:lstStyle/>
+          <a:p>
+            <a:pPr algn="ctr"/>
+            <a:endParaRPr lang="en-US" sz="900" dirty="0">
+              <a:solidFill>
+                <a:schemeClr val="bg1"/>
+              </a:solidFill>
+              <a:latin typeface="+mj-lt"/>
+            </a:endParaRPr>
+          </a:p>
+        </p:txBody>
+      </p:sp>
+      <p:sp>
+        <p:nvSpPr>
+          <p:cNvPr id="2" name="Titre 1">
+            <a:extLst>
+              <a:ext uri="{FF2B5EF4-FFF2-40B4-BE49-F238E27FC236}">
+                <a16:creationId xmlns:a16="http://schemas.microsoft.com/office/drawing/2014/main" id="{F1CB848B-7D97-4DB5-A6B4-0F990D5A8959}"/>
+              </a:ext>
+            </a:extLst>
+          </p:cNvPr>
+          <p:cNvSpPr>
+            <a:spLocks noGrp="1"/>
+          </p:cNvSpPr>
+          <p:nvPr>
+            <p:ph type="ctrTitle"/>
+          </p:nvPr>
+        </p:nvSpPr>
+        <p:spPr>
+          <a:xfrm>
+            <a:off x="157252" y="1933575"/>
+            <a:ext cx="5047488" cy="909638"/>
+          </a:xfrm>
+        </p:spPr>
+        <p:txBody>
+          <a:bodyPr>
+            <a:normAutofit/>
+          </a:bodyPr>
+          <a:lstStyle/>
+          <a:p>
+            <a:pPr algn="l"/>
+            <a:r>
+              <a:rPr lang="fr-CH" dirty="0"/>
+              <a:t>SSW </a:t>
+            </a:r>
+            <a:r>
+              <a:rPr lang="fr-CH" dirty="0" err="1"/>
+              <a:t>algorithm</a:t>
+            </a:r>
+            <a:endParaRPr lang="fr-FR" dirty="0"/>
+          </a:p>
+        </p:txBody>
+      </p:sp>
+      <p:sp>
+        <p:nvSpPr>
+          <p:cNvPr id="4" name="Sous-titre 3">
+            <a:extLst>
+              <a:ext uri="{FF2B5EF4-FFF2-40B4-BE49-F238E27FC236}">
+                <a16:creationId xmlns:a16="http://schemas.microsoft.com/office/drawing/2014/main" id="{46779A2E-C228-BA2F-6709-87E460D9406E}"/>
+              </a:ext>
+            </a:extLst>
+          </p:cNvPr>
+          <p:cNvSpPr>
+            <a:spLocks noGrp="1"/>
+          </p:cNvSpPr>
+          <p:nvPr>
+            <p:ph type="subTitle" idx="1"/>
+          </p:nvPr>
+        </p:nvSpPr>
+        <p:spPr>
+          <a:xfrm>
+            <a:off x="71527" y="2843213"/>
+            <a:ext cx="5743337" cy="1655762"/>
+          </a:xfrm>
+        </p:spPr>
+        <p:txBody>
+          <a:bodyPr>
+            <a:normAutofit/>
+          </a:bodyPr>
+          <a:lstStyle/>
+          <a:p>
+            <a:pPr algn="l"/>
+            <a:r>
+              <a:rPr lang="fr-CH" dirty="0"/>
+              <a:t>Second version of the </a:t>
+            </a:r>
+            <a:r>
+              <a:rPr lang="fr-CH" dirty="0" err="1"/>
+              <a:t>algorithm</a:t>
+            </a:r>
+            <a:endParaRPr lang="fr-CH" dirty="0"/>
+          </a:p>
+          <a:p>
+            <a:pPr algn="l"/>
+            <a:r>
+              <a:rPr lang="fr-CH" dirty="0" err="1"/>
+              <a:t>Includes</a:t>
+            </a:r>
+            <a:r>
+              <a:rPr lang="fr-CH" dirty="0"/>
+              <a:t> </a:t>
+            </a:r>
+            <a:r>
+              <a:rPr lang="fr-CH" dirty="0" err="1"/>
+              <a:t>Samarati</a:t>
+            </a:r>
+            <a:r>
+              <a:rPr lang="fr-CH" dirty="0"/>
+              <a:t> </a:t>
+            </a:r>
+            <a:r>
+              <a:rPr lang="fr-CH" dirty="0" err="1"/>
+              <a:t>binary</a:t>
+            </a:r>
+            <a:r>
+              <a:rPr lang="fr-CH" dirty="0"/>
+              <a:t> </a:t>
+            </a:r>
+            <a:r>
+              <a:rPr lang="fr-CH" dirty="0" err="1"/>
+              <a:t>search</a:t>
+            </a:r>
+            <a:r>
+              <a:rPr lang="fr-CH" dirty="0"/>
+              <a:t> </a:t>
+            </a:r>
+            <a:r>
+              <a:rPr lang="fr-CH" dirty="0" err="1"/>
+              <a:t>tree</a:t>
+            </a:r>
+            <a:endParaRPr lang="fr-CH" dirty="0"/>
+          </a:p>
+          <a:p>
+            <a:pPr algn="l"/>
+            <a:r>
+              <a:rPr lang="fr-FR" i="1" dirty="0">
+                <a:sym typeface="Wingdings" panose="05000000000000000000" pitchFamily="2" charset="2"/>
+              </a:rPr>
+              <a:t> </a:t>
+            </a:r>
+            <a:r>
+              <a:rPr lang="fr-FR" i="1" dirty="0"/>
+              <a:t>O(</a:t>
+            </a:r>
+            <a:r>
+              <a:rPr lang="fr-FR" i="1" dirty="0" err="1"/>
+              <a:t>n</a:t>
+            </a:r>
+            <a:r>
+              <a:rPr lang="fr-FR" i="1" baseline="30000" dirty="0" err="1"/>
+              <a:t>k</a:t>
+            </a:r>
+            <a:r>
+              <a:rPr lang="fr-FR" i="1" dirty="0"/>
+              <a:t> * n</a:t>
+            </a:r>
+            <a:r>
+              <a:rPr lang="fr-FR" i="1" baseline="30000" dirty="0"/>
+              <a:t>2</a:t>
+            </a:r>
+            <a:r>
+              <a:rPr lang="fr-FR" i="1" dirty="0"/>
+              <a:t>) </a:t>
+            </a:r>
+            <a:r>
+              <a:rPr lang="fr-FR" dirty="0"/>
+              <a:t>vs</a:t>
+            </a:r>
+            <a:r>
+              <a:rPr lang="fr-FR" i="1" dirty="0"/>
+              <a:t> O(k * log2(n) * n</a:t>
+            </a:r>
+            <a:r>
+              <a:rPr lang="fr-FR" i="1" baseline="30000" dirty="0"/>
+              <a:t>2</a:t>
+            </a:r>
+            <a:r>
+              <a:rPr lang="fr-FR" i="1" dirty="0"/>
+              <a:t>)</a:t>
+            </a:r>
+          </a:p>
+          <a:p>
+            <a:pPr algn="l"/>
+            <a:endParaRPr lang="fr-FR" dirty="0"/>
+          </a:p>
+        </p:txBody>
+      </p:sp>
+      <p:sp>
+        <p:nvSpPr>
+          <p:cNvPr id="105" name="Oval 1">
+            <a:extLst>
+              <a:ext uri="{FF2B5EF4-FFF2-40B4-BE49-F238E27FC236}">
+                <a16:creationId xmlns:a16="http://schemas.microsoft.com/office/drawing/2014/main" id="{AB330529-CB1E-4112-8F01-435C2E299761}"/>
+              </a:ext>
+              <a:ext uri="{C183D7F6-B498-43B3-948B-1728B52AA6E4}">
+                <adec:decorative xmlns:adec="http://schemas.microsoft.com/office/drawing/2017/decorative" val="1"/>
+              </a:ext>
+            </a:extLst>
+          </p:cNvPr>
+          <p:cNvSpPr>
+            <a:spLocks noGrp="1" noRot="1" noChangeAspect="1" noMove="1" noResize="1" noEditPoints="1" noAdjustHandles="1" noChangeArrowheads="1" noChangeShapeType="1" noTextEdit="1"/>
+          </p:cNvSpPr>
+          <p:nvPr>
+            <p:extLst>
+              <p:ext uri="{386F3935-93C4-4BCD-93E2-E3B085C9AB24}">
+                <p16:designElem xmlns:p16="http://schemas.microsoft.com/office/powerpoint/2015/main" val="1"/>
+              </p:ext>
+            </p:extLst>
+          </p:nvPr>
+        </p:nvSpPr>
+        <p:spPr>
+          <a:xfrm>
+            <a:off x="6291411" y="557332"/>
+            <a:ext cx="5743337" cy="5743337"/>
+          </a:xfrm>
+          <a:prstGeom prst="ellipse">
+            <a:avLst/>
+          </a:prstGeom>
+          <a:solidFill>
+            <a:schemeClr val="bg1"/>
+          </a:solidFill>
+          <a:ln>
+            <a:noFill/>
+          </a:ln>
+        </p:spPr>
+        <p:style>
+          <a:lnRef idx="2">
+            <a:schemeClr val="accent1">
+              <a:shade val="50000"/>
+            </a:schemeClr>
+          </a:lnRef>
+          <a:fillRef idx="1">
+            <a:schemeClr val="accent1"/>
+          </a:fillRef>
+          <a:effectRef idx="0">
+            <a:schemeClr val="accent1"/>
+          </a:effectRef>
+          <a:fontRef idx="minor">
+            <a:schemeClr val="lt1"/>
+          </a:fontRef>
+        </p:style>
+        <p:txBody>
+          <a:bodyPr rtlCol="0" anchor="ctr"/>
+          <a:lstStyle/>
+          <a:p>
+            <a:pPr algn="ctr"/>
+            <a:endParaRPr lang="en-US"/>
+          </a:p>
+        </p:txBody>
+      </p:sp>
+      <p:grpSp>
+        <p:nvGrpSpPr>
+          <p:cNvPr id="107" name="decorative circles">
+            <a:extLst>
+              <a:ext uri="{FF2B5EF4-FFF2-40B4-BE49-F238E27FC236}">
+                <a16:creationId xmlns:a16="http://schemas.microsoft.com/office/drawing/2014/main" id="{A6BAEEFE-5A15-4E44-B100-CFD7F5D6D059}"/>
+              </a:ext>
+              <a:ext uri="{C183D7F6-B498-43B3-948B-1728B52AA6E4}">
+                <adec:decorative xmlns:adec="http://schemas.microsoft.com/office/drawing/2017/decorative" val="1"/>
+              </a:ext>
+            </a:extLst>
+          </p:cNvPr>
+          <p:cNvGrpSpPr>
+            <a:grpSpLocks noGrp="1" noUngrp="1" noRot="1" noChangeAspect="1" noMove="1" noResize="1"/>
+          </p:cNvGrpSpPr>
+          <p:nvPr>
+            <p:extLst>
+              <p:ext uri="{386F3935-93C4-4BCD-93E2-E3B085C9AB24}">
+                <p16:designElem xmlns:p16="http://schemas.microsoft.com/office/powerpoint/2015/main" val="1"/>
+              </p:ext>
+            </p:extLst>
+          </p:nvPr>
+        </p:nvGrpSpPr>
+        <p:grpSpPr>
+          <a:xfrm>
+            <a:off x="6870062" y="289695"/>
+            <a:ext cx="4971115" cy="6138399"/>
+            <a:chOff x="6870062" y="289695"/>
+            <a:chExt cx="4971115" cy="6138399"/>
+          </a:xfrm>
+        </p:grpSpPr>
+        <p:sp>
+          <p:nvSpPr>
+            <p:cNvPr id="108" name="Oval 107">
+              <a:extLst>
+                <a:ext uri="{FF2B5EF4-FFF2-40B4-BE49-F238E27FC236}">
+                  <a16:creationId xmlns:a16="http://schemas.microsoft.com/office/drawing/2014/main" id="{9F653A2A-2CD3-4B8D-B1DB-0B410110ACA6}"/>
+                </a:ext>
+                <a:ext uri="{C183D7F6-B498-43B3-948B-1728B52AA6E4}">
+                  <adec:decorative xmlns:adec="http://schemas.microsoft.com/office/drawing/2017/decorative" val="1"/>
+                </a:ext>
+              </a:extLst>
+            </p:cNvPr>
+            <p:cNvSpPr/>
+            <p:nvPr>
+              <p:extLst>
+                <p:ext uri="{386F3935-93C4-4BCD-93E2-E3B085C9AB24}">
+                  <p16:designElem xmlns:p16="http://schemas.microsoft.com/office/powerpoint/2015/main" val="1"/>
+                </p:ext>
+              </p:extLst>
+            </p:nvPr>
+          </p:nvSpPr>
+          <p:spPr>
+            <a:xfrm>
+              <a:off x="10543605" y="289695"/>
+              <a:ext cx="226735" cy="226735"/>
+            </a:xfrm>
+            <a:prstGeom prst="ellipse">
+              <a:avLst/>
+            </a:prstGeom>
+            <a:solidFill>
+              <a:srgbClr val="97446E"/>
+            </a:solidFill>
+            <a:ln>
+              <a:noFill/>
+            </a:ln>
+          </p:spPr>
+          <p:style>
+            <a:lnRef idx="2">
+              <a:schemeClr val="accent1">
+                <a:shade val="50000"/>
+              </a:schemeClr>
+            </a:lnRef>
+            <a:fillRef idx="1">
+              <a:schemeClr val="accent1"/>
+            </a:fillRef>
+            <a:effectRef idx="0">
+              <a:schemeClr val="accent1"/>
+            </a:effectRef>
+            <a:fontRef idx="minor">
+              <a:schemeClr val="lt1"/>
+            </a:fontRef>
+          </p:style>
+          <p:txBody>
+            <a:bodyPr rtlCol="0" anchor="ctr"/>
+            <a:lstStyle/>
+            <a:p>
+              <a:pPr algn="ctr"/>
+              <a:endParaRPr lang="en-US"/>
+            </a:p>
+          </p:txBody>
+        </p:sp>
+        <p:sp>
+          <p:nvSpPr>
+            <p:cNvPr id="109" name="Oval 108">
+              <a:extLst>
+                <a:ext uri="{FF2B5EF4-FFF2-40B4-BE49-F238E27FC236}">
+                  <a16:creationId xmlns:a16="http://schemas.microsoft.com/office/drawing/2014/main" id="{7B14CA02-0561-4C97-8FF3-95C5A56793F9}"/>
+                </a:ext>
+                <a:ext uri="{C183D7F6-B498-43B3-948B-1728B52AA6E4}">
+                  <adec:decorative xmlns:adec="http://schemas.microsoft.com/office/drawing/2017/decorative" val="1"/>
+                </a:ext>
+              </a:extLst>
+            </p:cNvPr>
+            <p:cNvSpPr/>
+            <p:nvPr>
+              <p:extLst>
+                <p:ext uri="{386F3935-93C4-4BCD-93E2-E3B085C9AB24}">
+                  <p16:designElem xmlns:p16="http://schemas.microsoft.com/office/powerpoint/2015/main" val="1"/>
+                </p:ext>
+              </p:extLst>
+            </p:nvPr>
+          </p:nvSpPr>
+          <p:spPr>
+            <a:xfrm>
+              <a:off x="11374736" y="5667686"/>
+              <a:ext cx="466441" cy="466441"/>
+            </a:xfrm>
+            <a:prstGeom prst="ellipse">
+              <a:avLst/>
+            </a:prstGeom>
+            <a:solidFill>
+              <a:schemeClr val="accent2">
+                <a:lumMod val="60000"/>
+                <a:lumOff val="40000"/>
+              </a:schemeClr>
+            </a:solidFill>
+            <a:ln>
+              <a:noFill/>
+            </a:ln>
+          </p:spPr>
+          <p:style>
+            <a:lnRef idx="2">
+              <a:schemeClr val="accent1">
+                <a:shade val="50000"/>
+              </a:schemeClr>
+            </a:lnRef>
+            <a:fillRef idx="1">
+              <a:schemeClr val="accent1"/>
+            </a:fillRef>
+            <a:effectRef idx="0">
+              <a:schemeClr val="accent1"/>
+            </a:effectRef>
+            <a:fontRef idx="minor">
+              <a:schemeClr val="lt1"/>
+            </a:fontRef>
+          </p:style>
+          <p:txBody>
+            <a:bodyPr rtlCol="0" anchor="ctr"/>
+            <a:lstStyle/>
+            <a:p>
+              <a:pPr algn="ctr"/>
+              <a:endParaRPr lang="en-US"/>
+            </a:p>
+          </p:txBody>
+        </p:sp>
+        <p:sp>
+          <p:nvSpPr>
+            <p:cNvPr id="110" name="Oval 109">
+              <a:extLst>
+                <a:ext uri="{FF2B5EF4-FFF2-40B4-BE49-F238E27FC236}">
+                  <a16:creationId xmlns:a16="http://schemas.microsoft.com/office/drawing/2014/main" id="{5D1DCF05-9A46-4ED2-9213-6762C6975AF7}"/>
+                </a:ext>
+                <a:ext uri="{C183D7F6-B498-43B3-948B-1728B52AA6E4}">
+                  <adec:decorative xmlns:adec="http://schemas.microsoft.com/office/drawing/2017/decorative" val="1"/>
+                </a:ext>
+              </a:extLst>
+            </p:cNvPr>
+            <p:cNvSpPr/>
+            <p:nvPr>
+              <p:extLst>
+                <p:ext uri="{386F3935-93C4-4BCD-93E2-E3B085C9AB24}">
+                  <p16:designElem xmlns:p16="http://schemas.microsoft.com/office/powerpoint/2015/main" val="1"/>
+                </p:ext>
+              </p:extLst>
+            </p:nvPr>
+          </p:nvSpPr>
+          <p:spPr>
+            <a:xfrm>
+              <a:off x="11427805" y="5275653"/>
+              <a:ext cx="113367" cy="113367"/>
+            </a:xfrm>
+            <a:prstGeom prst="ellipse">
+              <a:avLst/>
+            </a:prstGeom>
+            <a:solidFill>
+              <a:srgbClr val="F39E29"/>
+            </a:solidFill>
+            <a:ln>
+              <a:noFill/>
+            </a:ln>
+          </p:spPr>
+          <p:style>
+            <a:lnRef idx="2">
+              <a:schemeClr val="accent1">
+                <a:shade val="50000"/>
+              </a:schemeClr>
+            </a:lnRef>
+            <a:fillRef idx="1">
+              <a:schemeClr val="accent1"/>
+            </a:fillRef>
+            <a:effectRef idx="0">
+              <a:schemeClr val="accent1"/>
+            </a:effectRef>
+            <a:fontRef idx="minor">
+              <a:schemeClr val="lt1"/>
+            </a:fontRef>
+          </p:style>
+          <p:txBody>
+            <a:bodyPr rtlCol="0" anchor="ctr"/>
+            <a:lstStyle/>
+            <a:p>
+              <a:pPr algn="ctr"/>
+              <a:endParaRPr lang="en-US"/>
+            </a:p>
+          </p:txBody>
+        </p:sp>
+        <p:sp>
+          <p:nvSpPr>
+            <p:cNvPr id="111" name="Oval 110">
+              <a:extLst>
+                <a:ext uri="{FF2B5EF4-FFF2-40B4-BE49-F238E27FC236}">
+                  <a16:creationId xmlns:a16="http://schemas.microsoft.com/office/drawing/2014/main" id="{7C2DFB0F-9C5B-42B4-A4C5-1C4308E5E4E5}"/>
+                </a:ext>
+                <a:ext uri="{C183D7F6-B498-43B3-948B-1728B52AA6E4}">
+                  <adec:decorative xmlns:adec="http://schemas.microsoft.com/office/drawing/2017/decorative" val="1"/>
+                </a:ext>
+              </a:extLst>
+            </p:cNvPr>
+            <p:cNvSpPr/>
+            <p:nvPr>
+              <p:extLst>
+                <p:ext uri="{386F3935-93C4-4BCD-93E2-E3B085C9AB24}">
+                  <p16:designElem xmlns:p16="http://schemas.microsoft.com/office/powerpoint/2015/main" val="1"/>
+                </p:ext>
+              </p:extLst>
+            </p:nvPr>
+          </p:nvSpPr>
+          <p:spPr>
+            <a:xfrm>
+              <a:off x="11069847" y="5942894"/>
+              <a:ext cx="94160" cy="94160"/>
+            </a:xfrm>
+            <a:prstGeom prst="ellipse">
+              <a:avLst/>
+            </a:prstGeom>
+            <a:solidFill>
+              <a:srgbClr val="E3BEBE">
+                <a:alpha val="28000"/>
+              </a:srgbClr>
+            </a:solidFill>
+            <a:ln>
+              <a:noFill/>
+            </a:ln>
+          </p:spPr>
+          <p:style>
+            <a:lnRef idx="2">
+              <a:schemeClr val="accent1">
+                <a:shade val="50000"/>
+              </a:schemeClr>
+            </a:lnRef>
+            <a:fillRef idx="1">
+              <a:schemeClr val="accent1"/>
+            </a:fillRef>
+            <a:effectRef idx="0">
+              <a:schemeClr val="accent1"/>
+            </a:effectRef>
+            <a:fontRef idx="minor">
+              <a:schemeClr val="lt1"/>
+            </a:fontRef>
+          </p:style>
+          <p:txBody>
+            <a:bodyPr rtlCol="0" anchor="ctr"/>
+            <a:lstStyle/>
+            <a:p>
+              <a:pPr algn="ctr"/>
+              <a:endParaRPr lang="en-US"/>
+            </a:p>
+          </p:txBody>
+        </p:sp>
+        <p:sp>
+          <p:nvSpPr>
+            <p:cNvPr id="112" name="Oval 111">
+              <a:extLst>
+                <a:ext uri="{FF2B5EF4-FFF2-40B4-BE49-F238E27FC236}">
+                  <a16:creationId xmlns:a16="http://schemas.microsoft.com/office/drawing/2014/main" id="{09002102-7C3F-4562-B6C9-B6662E8A2A12}"/>
+                </a:ext>
+                <a:ext uri="{C183D7F6-B498-43B3-948B-1728B52AA6E4}">
+                  <adec:decorative xmlns:adec="http://schemas.microsoft.com/office/drawing/2017/decorative" val="1"/>
+                </a:ext>
+              </a:extLst>
+            </p:cNvPr>
+            <p:cNvSpPr/>
+            <p:nvPr>
+              <p:extLst>
+                <p:ext uri="{386F3935-93C4-4BCD-93E2-E3B085C9AB24}">
+                  <p16:designElem xmlns:p16="http://schemas.microsoft.com/office/powerpoint/2015/main" val="1"/>
+                </p:ext>
+              </p:extLst>
+            </p:nvPr>
+          </p:nvSpPr>
+          <p:spPr>
+            <a:xfrm>
+              <a:off x="11181540" y="655922"/>
+              <a:ext cx="466441" cy="466441"/>
+            </a:xfrm>
+            <a:prstGeom prst="ellipse">
+              <a:avLst/>
+            </a:prstGeom>
+            <a:solidFill>
+              <a:schemeClr val="accent2">
+                <a:lumMod val="20000"/>
+                <a:lumOff val="80000"/>
+              </a:schemeClr>
+            </a:solidFill>
+            <a:ln>
+              <a:noFill/>
+            </a:ln>
+          </p:spPr>
+          <p:style>
+            <a:lnRef idx="2">
+              <a:schemeClr val="accent1">
+                <a:shade val="50000"/>
+              </a:schemeClr>
+            </a:lnRef>
+            <a:fillRef idx="1">
+              <a:schemeClr val="accent1"/>
+            </a:fillRef>
+            <a:effectRef idx="0">
+              <a:schemeClr val="accent1"/>
+            </a:effectRef>
+            <a:fontRef idx="minor">
+              <a:schemeClr val="lt1"/>
+            </a:fontRef>
+          </p:style>
+          <p:txBody>
+            <a:bodyPr rtlCol="0" anchor="ctr"/>
+            <a:lstStyle/>
+            <a:p>
+              <a:pPr algn="ctr"/>
+              <a:endParaRPr lang="en-US"/>
+            </a:p>
+          </p:txBody>
+        </p:sp>
+        <p:sp>
+          <p:nvSpPr>
+            <p:cNvPr id="113" name="Oval 112">
+              <a:extLst>
+                <a:ext uri="{FF2B5EF4-FFF2-40B4-BE49-F238E27FC236}">
+                  <a16:creationId xmlns:a16="http://schemas.microsoft.com/office/drawing/2014/main" id="{38ABC509-D5C1-4B54-88A3-76D47A1AEC2C}"/>
+                </a:ext>
+                <a:ext uri="{C183D7F6-B498-43B3-948B-1728B52AA6E4}">
+                  <adec:decorative xmlns:adec="http://schemas.microsoft.com/office/drawing/2017/decorative" val="1"/>
+                </a:ext>
+              </a:extLst>
+            </p:cNvPr>
+            <p:cNvSpPr/>
+            <p:nvPr>
+              <p:extLst>
+                <p:ext uri="{386F3935-93C4-4BCD-93E2-E3B085C9AB24}">
+                  <p16:designElem xmlns:p16="http://schemas.microsoft.com/office/powerpoint/2015/main" val="1"/>
+                </p:ext>
+              </p:extLst>
+            </p:nvPr>
+          </p:nvSpPr>
+          <p:spPr>
+            <a:xfrm>
+              <a:off x="11003560" y="387281"/>
+              <a:ext cx="113367" cy="113367"/>
+            </a:xfrm>
+            <a:prstGeom prst="ellipse">
+              <a:avLst/>
+            </a:prstGeom>
+            <a:solidFill>
+              <a:schemeClr val="accent3"/>
+            </a:solidFill>
+            <a:ln>
+              <a:noFill/>
+            </a:ln>
+          </p:spPr>
+          <p:style>
+            <a:lnRef idx="2">
+              <a:schemeClr val="accent1">
+                <a:shade val="50000"/>
+              </a:schemeClr>
+            </a:lnRef>
+            <a:fillRef idx="1">
+              <a:schemeClr val="accent1"/>
+            </a:fillRef>
+            <a:effectRef idx="0">
+              <a:schemeClr val="accent1"/>
+            </a:effectRef>
+            <a:fontRef idx="minor">
+              <a:schemeClr val="lt1"/>
+            </a:fontRef>
+          </p:style>
+          <p:txBody>
+            <a:bodyPr rtlCol="0" anchor="ctr"/>
+            <a:lstStyle/>
+            <a:p>
+              <a:pPr algn="ctr"/>
+              <a:endParaRPr lang="en-US"/>
+            </a:p>
+          </p:txBody>
+        </p:sp>
+        <p:sp>
+          <p:nvSpPr>
+            <p:cNvPr id="114" name="Oval 113">
+              <a:extLst>
+                <a:ext uri="{FF2B5EF4-FFF2-40B4-BE49-F238E27FC236}">
+                  <a16:creationId xmlns:a16="http://schemas.microsoft.com/office/drawing/2014/main" id="{69564177-4282-4F98-81F4-F758FF774D43}"/>
+                </a:ext>
+                <a:ext uri="{C183D7F6-B498-43B3-948B-1728B52AA6E4}">
+                  <adec:decorative xmlns:adec="http://schemas.microsoft.com/office/drawing/2017/decorative" val="1"/>
+                </a:ext>
+              </a:extLst>
+            </p:cNvPr>
+            <p:cNvSpPr/>
+            <p:nvPr>
+              <p:extLst>
+                <p:ext uri="{386F3935-93C4-4BCD-93E2-E3B085C9AB24}">
+                  <p16:designElem xmlns:p16="http://schemas.microsoft.com/office/powerpoint/2015/main" val="1"/>
+                </p:ext>
+              </p:extLst>
+            </p:nvPr>
+          </p:nvSpPr>
+          <p:spPr>
+            <a:xfrm>
+              <a:off x="7163367" y="6122314"/>
+              <a:ext cx="305780" cy="305780"/>
+            </a:xfrm>
+            <a:prstGeom prst="ellipse">
+              <a:avLst/>
+            </a:prstGeom>
+            <a:solidFill>
+              <a:schemeClr val="accent3"/>
+            </a:solidFill>
+            <a:ln>
+              <a:noFill/>
+            </a:ln>
+          </p:spPr>
+          <p:style>
+            <a:lnRef idx="2">
+              <a:schemeClr val="accent1">
+                <a:shade val="50000"/>
+              </a:schemeClr>
+            </a:lnRef>
+            <a:fillRef idx="1">
+              <a:schemeClr val="accent1"/>
+            </a:fillRef>
+            <a:effectRef idx="0">
+              <a:schemeClr val="accent1"/>
+            </a:effectRef>
+            <a:fontRef idx="minor">
+              <a:schemeClr val="lt1"/>
+            </a:fontRef>
+          </p:style>
+          <p:txBody>
+            <a:bodyPr rtlCol="0" anchor="ctr"/>
+            <a:lstStyle/>
+            <a:p>
+              <a:pPr algn="ctr"/>
+              <a:endParaRPr lang="en-US"/>
+            </a:p>
+          </p:txBody>
+        </p:sp>
+        <p:sp>
+          <p:nvSpPr>
+            <p:cNvPr id="115" name="Oval 114">
+              <a:extLst>
+                <a:ext uri="{FF2B5EF4-FFF2-40B4-BE49-F238E27FC236}">
+                  <a16:creationId xmlns:a16="http://schemas.microsoft.com/office/drawing/2014/main" id="{2B760430-7B8B-4E35-A89B-197E32999944}"/>
+                </a:ext>
+                <a:ext uri="{C183D7F6-B498-43B3-948B-1728B52AA6E4}">
+                  <adec:decorative xmlns:adec="http://schemas.microsoft.com/office/drawing/2017/decorative" val="1"/>
+                </a:ext>
+              </a:extLst>
+            </p:cNvPr>
+            <p:cNvSpPr/>
+            <p:nvPr>
+              <p:extLst>
+                <p:ext uri="{386F3935-93C4-4BCD-93E2-E3B085C9AB24}">
+                  <p16:designElem xmlns:p16="http://schemas.microsoft.com/office/powerpoint/2015/main" val="1"/>
+                </p:ext>
+              </p:extLst>
+            </p:nvPr>
+          </p:nvSpPr>
+          <p:spPr>
+            <a:xfrm>
+              <a:off x="6870062" y="5959435"/>
+              <a:ext cx="113367" cy="113367"/>
+            </a:xfrm>
+            <a:prstGeom prst="ellipse">
+              <a:avLst/>
+            </a:prstGeom>
+            <a:solidFill>
+              <a:schemeClr val="accent5"/>
+            </a:solidFill>
+            <a:ln>
+              <a:noFill/>
+            </a:ln>
+          </p:spPr>
+          <p:style>
+            <a:lnRef idx="2">
+              <a:schemeClr val="accent1">
+                <a:shade val="50000"/>
+              </a:schemeClr>
+            </a:lnRef>
+            <a:fillRef idx="1">
+              <a:schemeClr val="accent1"/>
+            </a:fillRef>
+            <a:effectRef idx="0">
+              <a:schemeClr val="accent1"/>
+            </a:effectRef>
+            <a:fontRef idx="minor">
+              <a:schemeClr val="lt1"/>
+            </a:fontRef>
+          </p:style>
+          <p:txBody>
+            <a:bodyPr rtlCol="0" anchor="ctr"/>
+            <a:lstStyle/>
+            <a:p>
+              <a:pPr algn="ctr"/>
+              <a:endParaRPr lang="en-US"/>
+            </a:p>
+          </p:txBody>
+        </p:sp>
+      </p:grpSp>
+      <p:pic>
+        <p:nvPicPr>
+          <p:cNvPr id="5" name="Graphique 4">
+            <a:extLst>
+              <a:ext uri="{FF2B5EF4-FFF2-40B4-BE49-F238E27FC236}">
+                <a16:creationId xmlns:a16="http://schemas.microsoft.com/office/drawing/2014/main" id="{EFB50997-03E8-9BB0-A002-411B5F5FC9F6}"/>
+              </a:ext>
+            </a:extLst>
+          </p:cNvPr>
+          <p:cNvPicPr>
+            <a:picLocks noChangeAspect="1"/>
+          </p:cNvPicPr>
+          <p:nvPr/>
+        </p:nvPicPr>
+        <p:blipFill>
+          <a:blip r:embed="rId2">
+            <a:extLst>
+              <a:ext uri="{28A0092B-C50C-407E-A947-70E740481C1C}">
+                <a14:useLocalDpi xmlns:a14="http://schemas.microsoft.com/office/drawing/2010/main" val="0"/>
+              </a:ext>
+              <a:ext uri="{96DAC541-7B7A-43D3-8B79-37D633B846F1}">
+                <asvg:svgBlip xmlns:asvg="http://schemas.microsoft.com/office/drawing/2016/SVG/main" r:embed="rId3"/>
+              </a:ext>
+            </a:extLst>
+          </a:blip>
+          <a:stretch>
+            <a:fillRect/>
+          </a:stretch>
+        </p:blipFill>
+        <p:spPr>
+          <a:xfrm>
+            <a:off x="6317126" y="19049"/>
+            <a:ext cx="5717622" cy="6803961"/>
+          </a:xfrm>
+          <a:prstGeom prst="rect">
+            <a:avLst/>
+          </a:prstGeom>
+        </p:spPr>
+      </p:pic>
+    </p:spTree>
+    <p:extLst>
+      <p:ext uri="{BB962C8B-B14F-4D97-AF65-F5344CB8AC3E}">
+        <p14:creationId xmlns:p14="http://schemas.microsoft.com/office/powerpoint/2010/main" val="1929740337"/>
+      </p:ext>
+    </p:extLst>
+  </p:cSld>
+  <p:clrMapOvr>
+    <a:masterClrMapping/>
+  </p:clrMapOvr>
+  <mc:AlternateContent xmlns:mc="http://schemas.openxmlformats.org/markup-compatibility/2006">
+    <mc:Choice xmlns:p14="http://schemas.microsoft.com/office/powerpoint/2010/main" Requires="p14">
+      <p:transition spd="med" p14:dur="700">
+        <p:fade/>
+      </p:transition>
+    </mc:Choice>
+    <mc:Fallback>
+      <p:transition spd="med">
+        <p:fade/>
+      </p:transition>
+    </mc:Fallback>
+  </mc:AlternateContent>
+  <p:timing>
+    <p:tnLst>
+      <p:par>
+        <p:cTn id="1" dur="indefinite" restart="never" nodeType="tmRoot">
+          <p:childTnLst>
+            <p:seq concurrent="1" nextAc="seek">
+              <p:cTn id="2" dur="indefinite" nodeType="mainSeq">
+                <p:childTnLst>
+                  <p:par>
+                    <p:cTn id="3" fill="hold">
+                      <p:stCondLst>
+                        <p:cond delay="indefinite"/>
+                        <p:cond evt="onBegin" delay="0">
+                          <p:tn val="2"/>
+                        </p:cond>
+                      </p:stCondLst>
+                      <p:childTnLst>
+                        <p:par>
+                          <p:cTn id="4" fill="hold">
+                            <p:stCondLst>
+                              <p:cond delay="0"/>
+                            </p:stCondLst>
+                            <p:childTnLst>
+                              <p:par>
+                                <p:cTn id="5" presetID="10" presetClass="entr" presetSubtype="0" fill="hold" grpId="0" nodeType="withEffect">
+                                  <p:stCondLst>
+                                    <p:cond delay="0"/>
+                                  </p:stCondLst>
+                                  <p:iterate>
+                                    <p:tmPct val="10000"/>
+                                  </p:iterate>
+                                  <p:childTnLst>
+                                    <p:set>
+                                      <p:cBhvr>
+                                        <p:cTn id="6" dur="1" fill="hold">
+                                          <p:stCondLst>
+                                            <p:cond delay="0"/>
+                                          </p:stCondLst>
+                                        </p:cTn>
+                                        <p:tgtEl>
+                                          <p:spTgt spid="2"/>
+                                        </p:tgtEl>
+                                        <p:attrNameLst>
+                                          <p:attrName>style.visibility</p:attrName>
+                                        </p:attrNameLst>
+                                      </p:cBhvr>
+                                      <p:to>
+                                        <p:strVal val="visible"/>
+                                      </p:to>
+                                    </p:set>
+                                    <p:animEffect transition="in" filter="fade">
+                                      <p:cBhvr>
+                                        <p:cTn id="7" dur="700"/>
+                                        <p:tgtEl>
+                                          <p:spTgt spid="2"/>
+                                        </p:tgtEl>
+                                      </p:cBhvr>
+                                    </p:animEffect>
+                                  </p:childTnLst>
+                                </p:cTn>
+                              </p:par>
+                              <p:par>
+                                <p:cTn id="8" presetID="10" presetClass="entr" presetSubtype="0" fill="hold" grpId="0" nodeType="withEffect">
+                                  <p:stCondLst>
+                                    <p:cond delay="0"/>
+                                  </p:stCondLst>
+                                  <p:childTnLst>
+                                    <p:set>
+                                      <p:cBhvr>
+                                        <p:cTn id="9" dur="1" fill="hold">
+                                          <p:stCondLst>
+                                            <p:cond delay="0"/>
+                                          </p:stCondLst>
+                                        </p:cTn>
+                                        <p:tgtEl>
+                                          <p:spTgt spid="4">
+                                            <p:txEl>
+                                              <p:pRg st="0" end="0"/>
+                                            </p:txEl>
+                                          </p:spTgt>
+                                        </p:tgtEl>
+                                        <p:attrNameLst>
+                                          <p:attrName>style.visibility</p:attrName>
+                                        </p:attrNameLst>
+                                      </p:cBhvr>
+                                      <p:to>
+                                        <p:strVal val="visible"/>
+                                      </p:to>
+                                    </p:set>
+                                    <p:animEffect transition="in" filter="fade">
+                                      <p:cBhvr>
+                                        <p:cTn id="10" dur="500"/>
+                                        <p:tgtEl>
+                                          <p:spTgt spid="4">
+                                            <p:txEl>
+                                              <p:pRg st="0" end="0"/>
+                                            </p:txEl>
+                                          </p:spTgt>
+                                        </p:tgtEl>
+                                      </p:cBhvr>
+                                    </p:animEffect>
+                                  </p:childTnLst>
+                                </p:cTn>
+                              </p:par>
+                              <p:par>
+                                <p:cTn id="11" presetID="10" presetClass="entr" presetSubtype="0" fill="hold" grpId="0" nodeType="withEffect">
+                                  <p:stCondLst>
+                                    <p:cond delay="0"/>
+                                  </p:stCondLst>
+                                  <p:childTnLst>
+                                    <p:set>
+                                      <p:cBhvr>
+                                        <p:cTn id="12" dur="1" fill="hold">
+                                          <p:stCondLst>
+                                            <p:cond delay="0"/>
+                                          </p:stCondLst>
+                                        </p:cTn>
+                                        <p:tgtEl>
+                                          <p:spTgt spid="4">
+                                            <p:txEl>
+                                              <p:pRg st="1" end="1"/>
+                                            </p:txEl>
+                                          </p:spTgt>
+                                        </p:tgtEl>
+                                        <p:attrNameLst>
+                                          <p:attrName>style.visibility</p:attrName>
+                                        </p:attrNameLst>
+                                      </p:cBhvr>
+                                      <p:to>
+                                        <p:strVal val="visible"/>
+                                      </p:to>
+                                    </p:set>
+                                    <p:animEffect transition="in" filter="fade">
+                                      <p:cBhvr>
+                                        <p:cTn id="13" dur="500"/>
+                                        <p:tgtEl>
+                                          <p:spTgt spid="4">
+                                            <p:txEl>
+                                              <p:pRg st="1" end="1"/>
+                                            </p:txEl>
+                                          </p:spTgt>
+                                        </p:tgtEl>
+                                      </p:cBhvr>
+                                    </p:animEffect>
+                                  </p:childTnLst>
+                                </p:cTn>
+                              </p:par>
+                              <p:par>
+                                <p:cTn id="14" presetID="10" presetClass="entr" presetSubtype="0" fill="hold" grpId="0" nodeType="withEffect">
+                                  <p:stCondLst>
+                                    <p:cond delay="0"/>
+                                  </p:stCondLst>
+                                  <p:childTnLst>
+                                    <p:set>
+                                      <p:cBhvr>
+                                        <p:cTn id="15" dur="1" fill="hold">
+                                          <p:stCondLst>
+                                            <p:cond delay="0"/>
+                                          </p:stCondLst>
+                                        </p:cTn>
+                                        <p:tgtEl>
+                                          <p:spTgt spid="4">
+                                            <p:txEl>
+                                              <p:pRg st="2" end="2"/>
+                                            </p:txEl>
+                                          </p:spTgt>
+                                        </p:tgtEl>
+                                        <p:attrNameLst>
+                                          <p:attrName>style.visibility</p:attrName>
+                                        </p:attrNameLst>
+                                      </p:cBhvr>
+                                      <p:to>
+                                        <p:strVal val="visible"/>
+                                      </p:to>
+                                    </p:set>
+                                    <p:animEffect transition="in" filter="fade">
+                                      <p:cBhvr>
+                                        <p:cTn id="16" dur="500"/>
+                                        <p:tgtEl>
+                                          <p:spTgt spid="4">
+                                            <p:txEl>
+                                              <p:pRg st="2" end="2"/>
+                                            </p:txEl>
+                                          </p:spTgt>
+                                        </p:tgtEl>
+                                      </p:cBhvr>
+                                    </p:animEffect>
+                                  </p:childTnLst>
+                                </p:cTn>
+                              </p:par>
+                              <p:par>
+                                <p:cTn id="17" presetID="10" presetClass="entr" presetSubtype="0" fill="hold" nodeType="withEffect">
+                                  <p:stCondLst>
+                                    <p:cond delay="0"/>
+                                  </p:stCondLst>
+                                  <p:childTnLst>
+                                    <p:set>
+                                      <p:cBhvr>
+                                        <p:cTn id="18" dur="1" fill="hold">
+                                          <p:stCondLst>
+                                            <p:cond delay="0"/>
+                                          </p:stCondLst>
+                                        </p:cTn>
+                                        <p:tgtEl>
+                                          <p:spTgt spid="5"/>
+                                        </p:tgtEl>
+                                        <p:attrNameLst>
+                                          <p:attrName>style.visibility</p:attrName>
+                                        </p:attrNameLst>
+                                      </p:cBhvr>
+                                      <p:to>
+                                        <p:strVal val="visible"/>
+                                      </p:to>
+                                    </p:set>
+                                    <p:animEffect transition="in" filter="fade">
+                                      <p:cBhvr>
+                                        <p:cTn id="19" dur="500"/>
+                                        <p:tgtEl>
+                                          <p:spTgt spid="5"/>
+                                        </p:tgtEl>
+                                      </p:cBhvr>
+                                    </p:animEffect>
+                                  </p:childTnLst>
+                                </p:cTn>
+                              </p:par>
+                            </p:childTnLst>
+                          </p:cTn>
+                        </p:par>
+                      </p:childTnLst>
+                    </p:cTn>
+                  </p:par>
+                </p:childTnLst>
+              </p:cTn>
+              <p:prevCondLst>
+                <p:cond evt="onPrev" delay="0">
+                  <p:tgtEl>
+                    <p:sldTgt/>
+                  </p:tgtEl>
+                </p:cond>
+              </p:prevCondLst>
+              <p:nextCondLst>
+                <p:cond evt="onNext" delay="0">
+                  <p:tgtEl>
+                    <p:sldTgt/>
+                  </p:tgtEl>
+                </p:cond>
+              </p:nextCondLst>
+            </p:seq>
+          </p:childTnLst>
+        </p:cTn>
+      </p:par>
+    </p:tnLst>
+    <p:bldLst>
+      <p:bldP spid="2" grpId="0"/>
+      <p:bldP spid="4" grpId="0" build="p"/>
+    </p:bldLst>
+  </p:timing>
+</p:sld>
+</file>
+
+<file path=ppt/slides/slide6.xml><?xml version="1.0" encoding="utf-8"?>
+<p:sld xmlns:a="http://schemas.openxmlformats.org/drawingml/2006/main" xmlns:r="http://schemas.openxmlformats.org/officeDocument/2006/relationships" xmlns:p="http://schemas.openxmlformats.org/presentationml/2006/main">
+  <p:cSld>
+    <p:bg>
+      <p:bgPr>
+        <a:solidFill>
+          <a:schemeClr val="bg1"/>
+        </a:solidFill>
+        <a:effectLst/>
+      </p:bgPr>
+    </p:bg>
+    <p:spTree>
+      <p:nvGrpSpPr>
+        <p:cNvPr id="1" name=""/>
+        <p:cNvGrpSpPr/>
+        <p:nvPr/>
+      </p:nvGrpSpPr>
+      <p:grpSpPr>
+        <a:xfrm>
+          <a:off x="0" y="0"/>
+          <a:ext cx="0" cy="0"/>
+          <a:chOff x="0" y="0"/>
+          <a:chExt cx="0" cy="0"/>
+        </a:xfrm>
+      </p:grpSpPr>
+      <p:sp useBgFill="1">
+        <p:nvSpPr>
+          <p:cNvPr id="93" name="Rectangle 77">
+            <a:extLst>
+              <a:ext uri="{FF2B5EF4-FFF2-40B4-BE49-F238E27FC236}">
+                <a16:creationId xmlns:a16="http://schemas.microsoft.com/office/drawing/2014/main" id="{9D767E3F-5FD8-43EF-92CC-71463D47E1EE}"/>
+              </a:ext>
+              <a:ext uri="{C183D7F6-B498-43B3-948B-1728B52AA6E4}">
+                <adec:decorative xmlns:adec="http://schemas.microsoft.com/office/drawing/2017/decorative" val="1"/>
+              </a:ext>
+            </a:extLst>
+          </p:cNvPr>
+          <p:cNvSpPr>
+            <a:spLocks noGrp="1" noRot="1" noChangeAspect="1" noMove="1" noResize="1" noEditPoints="1" noAdjustHandles="1" noChangeArrowheads="1" noChangeShapeType="1" noTextEdit="1"/>
+          </p:cNvSpPr>
+          <p:nvPr>
+            <p:extLst>
+              <p:ext uri="{386F3935-93C4-4BCD-93E2-E3B085C9AB24}">
+                <p16:designElem xmlns:p16="http://schemas.microsoft.com/office/powerpoint/2015/main" val="1"/>
+              </p:ext>
+            </p:extLst>
+          </p:nvPr>
+        </p:nvSpPr>
+        <p:spPr>
+          <a:xfrm>
+            <a:off x="0" y="0"/>
+            <a:ext cx="12192000" cy="6858000"/>
+          </a:xfrm>
+          <a:prstGeom prst="rect">
+            <a:avLst/>
+          </a:prstGeom>
+          <a:ln>
+            <a:noFill/>
+          </a:ln>
+        </p:spPr>
+        <p:style>
+          <a:lnRef idx="2">
+            <a:schemeClr val="accent1">
+              <a:shade val="50000"/>
+            </a:schemeClr>
+          </a:lnRef>
+          <a:fillRef idx="1">
+            <a:schemeClr val="accent1"/>
+          </a:fillRef>
+          <a:effectRef idx="0">
+            <a:schemeClr val="accent1"/>
+          </a:effectRef>
+          <a:fontRef idx="minor">
+            <a:schemeClr val="lt1"/>
+          </a:fontRef>
+        </p:style>
+        <p:txBody>
+          <a:bodyPr rtlCol="0" anchor="ctr"/>
+          <a:lstStyle/>
+          <a:p>
+            <a:pPr algn="ctr"/>
+            <a:endParaRPr lang="en-US" dirty="0"/>
+          </a:p>
+        </p:txBody>
+      </p:sp>
+      <p:sp>
+        <p:nvSpPr>
+          <p:cNvPr id="94" name="Rectangle 79">
+            <a:extLst>
+              <a:ext uri="{FF2B5EF4-FFF2-40B4-BE49-F238E27FC236}">
+                <a16:creationId xmlns:a16="http://schemas.microsoft.com/office/drawing/2014/main" id="{53326BAA-9686-4D37-B702-A459A43F9B06}"/>
+              </a:ext>
+              <a:ext uri="{C183D7F6-B498-43B3-948B-1728B52AA6E4}">
+                <adec:decorative xmlns:adec="http://schemas.microsoft.com/office/drawing/2017/decorative" val="1"/>
+              </a:ext>
+            </a:extLst>
+          </p:cNvPr>
+          <p:cNvSpPr>
+            <a:spLocks noGrp="1" noRot="1" noChangeAspect="1" noMove="1" noResize="1" noEditPoints="1" noAdjustHandles="1" noChangeArrowheads="1" noChangeShapeType="1" noTextEdit="1"/>
+          </p:cNvSpPr>
+          <p:nvPr>
+            <p:extLst>
+              <p:ext uri="{386F3935-93C4-4BCD-93E2-E3B085C9AB24}">
+                <p16:designElem xmlns:p16="http://schemas.microsoft.com/office/powerpoint/2015/main" val="1"/>
+              </p:ext>
+            </p:extLst>
+          </p:nvPr>
+        </p:nvSpPr>
+        <p:spPr>
+          <a:xfrm>
+            <a:off x="0" y="0"/>
+            <a:ext cx="12192000" cy="6858000"/>
+          </a:xfrm>
+          <a:prstGeom prst="rect">
+            <a:avLst/>
+          </a:prstGeom>
+          <a:solidFill>
+            <a:schemeClr val="bg2">
+              <a:lumMod val="90000"/>
+              <a:alpha val="30000"/>
+            </a:schemeClr>
+          </a:solidFill>
+          <a:ln>
+            <a:noFill/>
+          </a:ln>
+        </p:spPr>
+        <p:style>
+          <a:lnRef idx="2">
+            <a:schemeClr val="accent1">
+              <a:shade val="50000"/>
+            </a:schemeClr>
+          </a:lnRef>
+          <a:fillRef idx="1">
+            <a:schemeClr val="accent1"/>
+          </a:fillRef>
+          <a:effectRef idx="0">
+            <a:schemeClr val="accent1"/>
+          </a:effectRef>
+          <a:fontRef idx="minor">
+            <a:schemeClr val="lt1"/>
+          </a:fontRef>
+        </p:style>
+        <p:txBody>
+          <a:bodyPr rtlCol="0" anchor="ctr"/>
+          <a:lstStyle/>
+          <a:p>
+            <a:pPr algn="ctr"/>
+            <a:endParaRPr lang="en-US" sz="900" dirty="0">
+              <a:solidFill>
+                <a:schemeClr val="bg1"/>
+              </a:solidFill>
+              <a:latin typeface="+mj-lt"/>
+            </a:endParaRPr>
+          </a:p>
+        </p:txBody>
+      </p:sp>
+      <p:sp>
+        <p:nvSpPr>
+          <p:cNvPr id="2" name="Titre 1">
+            <a:extLst>
+              <a:ext uri="{FF2B5EF4-FFF2-40B4-BE49-F238E27FC236}">
+                <a16:creationId xmlns:a16="http://schemas.microsoft.com/office/drawing/2014/main" id="{F1CB848B-7D97-4DB5-A6B4-0F990D5A8959}"/>
+              </a:ext>
+            </a:extLst>
+          </p:cNvPr>
+          <p:cNvSpPr>
+            <a:spLocks noGrp="1"/>
+          </p:cNvSpPr>
+          <p:nvPr>
+            <p:ph type="ctrTitle"/>
+          </p:nvPr>
+        </p:nvSpPr>
+        <p:spPr>
+          <a:xfrm>
+            <a:off x="72389" y="579438"/>
+            <a:ext cx="5047488" cy="2387600"/>
+          </a:xfrm>
+        </p:spPr>
+        <p:txBody>
+          <a:bodyPr>
+            <a:normAutofit/>
+          </a:bodyPr>
+          <a:lstStyle/>
+          <a:p>
+            <a:pPr algn="l"/>
+            <a:r>
+              <a:rPr lang="fr-CH" dirty="0"/>
+              <a:t>Web application</a:t>
+            </a:r>
+            <a:endParaRPr lang="fr-FR" dirty="0"/>
+          </a:p>
+        </p:txBody>
+      </p:sp>
+      <p:sp>
+        <p:nvSpPr>
+          <p:cNvPr id="6" name="Sous-titre 5">
+            <a:extLst>
+              <a:ext uri="{FF2B5EF4-FFF2-40B4-BE49-F238E27FC236}">
+                <a16:creationId xmlns:a16="http://schemas.microsoft.com/office/drawing/2014/main" id="{7028C6ED-99D8-E743-D7F5-E5030B4DF2A8}"/>
+              </a:ext>
+            </a:extLst>
+          </p:cNvPr>
+          <p:cNvSpPr>
+            <a:spLocks noGrp="1"/>
+          </p:cNvSpPr>
+          <p:nvPr>
+            <p:ph type="subTitle" idx="1"/>
+          </p:nvPr>
+        </p:nvSpPr>
+        <p:spPr>
+          <a:xfrm>
+            <a:off x="72389" y="3059113"/>
+            <a:ext cx="5047488" cy="1655762"/>
+          </a:xfrm>
+        </p:spPr>
+        <p:txBody>
+          <a:bodyPr>
+            <a:normAutofit/>
+          </a:bodyPr>
+          <a:lstStyle/>
+          <a:p>
+            <a:pPr marL="342900" indent="-342900" algn="l">
+              <a:buFont typeface="Arial" panose="020B0604020202020204" pitchFamily="34" charset="0"/>
+              <a:buChar char="•"/>
+            </a:pPr>
+            <a:r>
+              <a:rPr lang="fr-CH" sz="1700" dirty="0"/>
+              <a:t>Enables </a:t>
+            </a:r>
+            <a:r>
+              <a:rPr lang="fr-CH" sz="1700" dirty="0" err="1"/>
+              <a:t>users</a:t>
+            </a:r>
+            <a:r>
+              <a:rPr lang="fr-CH" sz="1700" dirty="0"/>
+              <a:t> to use the SSW </a:t>
+            </a:r>
+            <a:r>
+              <a:rPr lang="fr-CH" sz="1700" dirty="0" err="1"/>
+              <a:t>algorithm</a:t>
+            </a:r>
+            <a:endParaRPr lang="fr-CH" sz="1700" dirty="0"/>
+          </a:p>
+          <a:p>
+            <a:pPr marL="342900" indent="-342900" algn="l">
+              <a:buFont typeface="Arial" panose="020B0604020202020204" pitchFamily="34" charset="0"/>
+              <a:buChar char="•"/>
+            </a:pPr>
+            <a:r>
+              <a:rPr lang="fr-CH" sz="1700" dirty="0" err="1"/>
+              <a:t>Contains</a:t>
+            </a:r>
+            <a:r>
+              <a:rPr lang="fr-CH" sz="1700" dirty="0"/>
+              <a:t> a user-</a:t>
+            </a:r>
+            <a:r>
+              <a:rPr lang="fr-CH" sz="1700" dirty="0" err="1"/>
+              <a:t>friendly</a:t>
+            </a:r>
+            <a:r>
+              <a:rPr lang="fr-CH" sz="1700" dirty="0"/>
+              <a:t> interface to </a:t>
+            </a:r>
+            <a:r>
+              <a:rPr lang="fr-CH" sz="1700" dirty="0" err="1"/>
+              <a:t>build</a:t>
+            </a:r>
+            <a:r>
+              <a:rPr lang="fr-CH" sz="1700" dirty="0"/>
+              <a:t> VGH </a:t>
+            </a:r>
+            <a:r>
+              <a:rPr lang="fr-CH" sz="1700" dirty="0" err="1"/>
+              <a:t>with</a:t>
+            </a:r>
+            <a:r>
+              <a:rPr lang="fr-CH" sz="1700" dirty="0"/>
+              <a:t> custom </a:t>
+            </a:r>
+            <a:r>
+              <a:rPr lang="fr-CH" sz="1700" dirty="0" err="1"/>
+              <a:t>weights</a:t>
+            </a:r>
+            <a:r>
+              <a:rPr lang="fr-CH" sz="1700" dirty="0"/>
+              <a:t> on </a:t>
+            </a:r>
+            <a:r>
+              <a:rPr lang="fr-CH" sz="1700" dirty="0" err="1"/>
+              <a:t>edges</a:t>
+            </a:r>
+            <a:r>
+              <a:rPr lang="fr-CH" sz="1700" dirty="0"/>
+              <a:t> </a:t>
+            </a:r>
+          </a:p>
+          <a:p>
+            <a:pPr marL="342900" indent="-342900" algn="l">
+              <a:buFont typeface="Arial" panose="020B0604020202020204" pitchFamily="34" charset="0"/>
+              <a:buChar char="•"/>
+            </a:pPr>
+            <a:r>
+              <a:rPr lang="fr-FR" sz="1700" dirty="0" err="1"/>
+              <a:t>Downloadable</a:t>
+            </a:r>
+            <a:r>
+              <a:rPr lang="fr-FR" sz="1700" dirty="0"/>
+              <a:t> </a:t>
+            </a:r>
+            <a:r>
+              <a:rPr lang="fr-FR" sz="1700" dirty="0" err="1"/>
+              <a:t>result</a:t>
+            </a:r>
+            <a:r>
+              <a:rPr lang="fr-FR" sz="1700" dirty="0"/>
+              <a:t> </a:t>
+            </a:r>
+            <a:r>
+              <a:rPr lang="fr-FR" sz="1700" dirty="0" err="1"/>
+              <a:t>dataset</a:t>
+            </a:r>
+            <a:endParaRPr lang="fr-FR" sz="1700" dirty="0"/>
+          </a:p>
+          <a:p>
+            <a:pPr marL="342900" indent="-342900" algn="l">
+              <a:buFont typeface="Arial" panose="020B0604020202020204" pitchFamily="34" charset="0"/>
+              <a:buChar char="•"/>
+            </a:pPr>
+            <a:r>
+              <a:rPr lang="fr-FR" sz="1700" dirty="0" err="1"/>
+              <a:t>Create</a:t>
+            </a:r>
+            <a:r>
+              <a:rPr lang="fr-FR" sz="1700" dirty="0"/>
+              <a:t> a full documentation</a:t>
+            </a:r>
+          </a:p>
+        </p:txBody>
+      </p:sp>
+      <p:sp>
+        <p:nvSpPr>
+          <p:cNvPr id="95" name="Oval 1">
+            <a:extLst>
+              <a:ext uri="{FF2B5EF4-FFF2-40B4-BE49-F238E27FC236}">
+                <a16:creationId xmlns:a16="http://schemas.microsoft.com/office/drawing/2014/main" id="{AB330529-CB1E-4112-8F01-435C2E299761}"/>
+              </a:ext>
+              <a:ext uri="{C183D7F6-B498-43B3-948B-1728B52AA6E4}">
+                <adec:decorative xmlns:adec="http://schemas.microsoft.com/office/drawing/2017/decorative" val="1"/>
+              </a:ext>
+            </a:extLst>
+          </p:cNvPr>
+          <p:cNvSpPr>
+            <a:spLocks noGrp="1" noRot="1" noChangeAspect="1" noMove="1" noResize="1" noEditPoints="1" noAdjustHandles="1" noChangeArrowheads="1" noChangeShapeType="1" noTextEdit="1"/>
+          </p:cNvSpPr>
+          <p:nvPr>
+            <p:extLst>
+              <p:ext uri="{386F3935-93C4-4BCD-93E2-E3B085C9AB24}">
+                <p16:designElem xmlns:p16="http://schemas.microsoft.com/office/powerpoint/2015/main" val="1"/>
+              </p:ext>
+            </p:extLst>
+          </p:nvPr>
+        </p:nvSpPr>
+        <p:spPr>
+          <a:xfrm>
+            <a:off x="6291411" y="557332"/>
+            <a:ext cx="5743337" cy="5743337"/>
+          </a:xfrm>
+          <a:prstGeom prst="ellipse">
+            <a:avLst/>
+          </a:prstGeom>
+          <a:solidFill>
+            <a:schemeClr val="bg1"/>
+          </a:solidFill>
+          <a:ln>
+            <a:noFill/>
+          </a:ln>
+        </p:spPr>
+        <p:style>
+          <a:lnRef idx="2">
+            <a:schemeClr val="accent1">
+              <a:shade val="50000"/>
+            </a:schemeClr>
+          </a:lnRef>
+          <a:fillRef idx="1">
+            <a:schemeClr val="accent1"/>
+          </a:fillRef>
+          <a:effectRef idx="0">
+            <a:schemeClr val="accent1"/>
+          </a:effectRef>
+          <a:fontRef idx="minor">
+            <a:schemeClr val="lt1"/>
+          </a:fontRef>
+        </p:style>
+        <p:txBody>
+          <a:bodyPr rtlCol="0" anchor="ctr"/>
+          <a:lstStyle/>
+          <a:p>
+            <a:pPr algn="ctr"/>
+            <a:endParaRPr lang="en-US"/>
+          </a:p>
+        </p:txBody>
+      </p:sp>
+      <p:grpSp>
+        <p:nvGrpSpPr>
+          <p:cNvPr id="96" name="decorative circles">
+            <a:extLst>
+              <a:ext uri="{FF2B5EF4-FFF2-40B4-BE49-F238E27FC236}">
+                <a16:creationId xmlns:a16="http://schemas.microsoft.com/office/drawing/2014/main" id="{A6BAEEFE-5A15-4E44-B100-CFD7F5D6D059}"/>
+              </a:ext>
+              <a:ext uri="{C183D7F6-B498-43B3-948B-1728B52AA6E4}">
+                <adec:decorative xmlns:adec="http://schemas.microsoft.com/office/drawing/2017/decorative" val="1"/>
+              </a:ext>
+            </a:extLst>
+          </p:cNvPr>
+          <p:cNvGrpSpPr>
+            <a:grpSpLocks noGrp="1" noUngrp="1" noRot="1" noChangeAspect="1" noMove="1" noResize="1"/>
+          </p:cNvGrpSpPr>
+          <p:nvPr>
+            <p:extLst>
+              <p:ext uri="{386F3935-93C4-4BCD-93E2-E3B085C9AB24}">
+                <p16:designElem xmlns:p16="http://schemas.microsoft.com/office/powerpoint/2015/main" val="1"/>
+              </p:ext>
+            </p:extLst>
+          </p:nvPr>
+        </p:nvGrpSpPr>
+        <p:grpSpPr>
+          <a:xfrm>
+            <a:off x="6870062" y="289695"/>
+            <a:ext cx="4971115" cy="6138399"/>
+            <a:chOff x="6870062" y="289695"/>
+            <a:chExt cx="4971115" cy="6138399"/>
+          </a:xfrm>
+        </p:grpSpPr>
+        <p:sp>
+          <p:nvSpPr>
+            <p:cNvPr id="97" name="Oval 84">
+              <a:extLst>
+                <a:ext uri="{FF2B5EF4-FFF2-40B4-BE49-F238E27FC236}">
+                  <a16:creationId xmlns:a16="http://schemas.microsoft.com/office/drawing/2014/main" id="{9F653A2A-2CD3-4B8D-B1DB-0B410110ACA6}"/>
+                </a:ext>
+                <a:ext uri="{C183D7F6-B498-43B3-948B-1728B52AA6E4}">
+                  <adec:decorative xmlns:adec="http://schemas.microsoft.com/office/drawing/2017/decorative" val="1"/>
+                </a:ext>
+              </a:extLst>
+            </p:cNvPr>
+            <p:cNvSpPr/>
+            <p:nvPr>
+              <p:extLst>
+                <p:ext uri="{386F3935-93C4-4BCD-93E2-E3B085C9AB24}">
+                  <p16:designElem xmlns:p16="http://schemas.microsoft.com/office/powerpoint/2015/main" val="1"/>
+                </p:ext>
+              </p:extLst>
+            </p:nvPr>
+          </p:nvSpPr>
+          <p:spPr>
+            <a:xfrm>
+              <a:off x="10543605" y="289695"/>
+              <a:ext cx="226735" cy="226735"/>
+            </a:xfrm>
+            <a:prstGeom prst="ellipse">
+              <a:avLst/>
+            </a:prstGeom>
+            <a:solidFill>
+              <a:srgbClr val="97446E"/>
+            </a:solidFill>
+            <a:ln>
+              <a:noFill/>
+            </a:ln>
+          </p:spPr>
+          <p:style>
+            <a:lnRef idx="2">
+              <a:schemeClr val="accent1">
+                <a:shade val="50000"/>
+              </a:schemeClr>
+            </a:lnRef>
+            <a:fillRef idx="1">
+              <a:schemeClr val="accent1"/>
+            </a:fillRef>
+            <a:effectRef idx="0">
+              <a:schemeClr val="accent1"/>
+            </a:effectRef>
+            <a:fontRef idx="minor">
+              <a:schemeClr val="lt1"/>
+            </a:fontRef>
+          </p:style>
+          <p:txBody>
+            <a:bodyPr rtlCol="0" anchor="ctr"/>
+            <a:lstStyle/>
+            <a:p>
+              <a:pPr algn="ctr"/>
+              <a:endParaRPr lang="en-US"/>
+            </a:p>
+          </p:txBody>
+        </p:sp>
+        <p:sp>
+          <p:nvSpPr>
+            <p:cNvPr id="98" name="Oval 85">
+              <a:extLst>
+                <a:ext uri="{FF2B5EF4-FFF2-40B4-BE49-F238E27FC236}">
+                  <a16:creationId xmlns:a16="http://schemas.microsoft.com/office/drawing/2014/main" id="{7B14CA02-0561-4C97-8FF3-95C5A56793F9}"/>
+                </a:ext>
+                <a:ext uri="{C183D7F6-B498-43B3-948B-1728B52AA6E4}">
+                  <adec:decorative xmlns:adec="http://schemas.microsoft.com/office/drawing/2017/decorative" val="1"/>
+                </a:ext>
+              </a:extLst>
+            </p:cNvPr>
+            <p:cNvSpPr/>
+            <p:nvPr>
+              <p:extLst>
+                <p:ext uri="{386F3935-93C4-4BCD-93E2-E3B085C9AB24}">
+                  <p16:designElem xmlns:p16="http://schemas.microsoft.com/office/powerpoint/2015/main" val="1"/>
+                </p:ext>
+              </p:extLst>
+            </p:nvPr>
+          </p:nvSpPr>
+          <p:spPr>
+            <a:xfrm>
+              <a:off x="11374736" y="5667686"/>
+              <a:ext cx="466441" cy="466441"/>
+            </a:xfrm>
+            <a:prstGeom prst="ellipse">
+              <a:avLst/>
+            </a:prstGeom>
+            <a:solidFill>
+              <a:schemeClr val="accent2">
+                <a:lumMod val="60000"/>
+                <a:lumOff val="40000"/>
+              </a:schemeClr>
+            </a:solidFill>
+            <a:ln>
+              <a:noFill/>
+            </a:ln>
+          </p:spPr>
+          <p:style>
+            <a:lnRef idx="2">
+              <a:schemeClr val="accent1">
+                <a:shade val="50000"/>
+              </a:schemeClr>
+            </a:lnRef>
+            <a:fillRef idx="1">
+              <a:schemeClr val="accent1"/>
+            </a:fillRef>
+            <a:effectRef idx="0">
+              <a:schemeClr val="accent1"/>
+            </a:effectRef>
+            <a:fontRef idx="minor">
+              <a:schemeClr val="lt1"/>
+            </a:fontRef>
+          </p:style>
+          <p:txBody>
+            <a:bodyPr rtlCol="0" anchor="ctr"/>
+            <a:lstStyle/>
+            <a:p>
+              <a:pPr algn="ctr"/>
+              <a:endParaRPr lang="en-US"/>
+            </a:p>
+          </p:txBody>
+        </p:sp>
+        <p:sp>
+          <p:nvSpPr>
+            <p:cNvPr id="99" name="Oval 86">
+              <a:extLst>
+                <a:ext uri="{FF2B5EF4-FFF2-40B4-BE49-F238E27FC236}">
+                  <a16:creationId xmlns:a16="http://schemas.microsoft.com/office/drawing/2014/main" id="{5D1DCF05-9A46-4ED2-9213-6762C6975AF7}"/>
+                </a:ext>
+                <a:ext uri="{C183D7F6-B498-43B3-948B-1728B52AA6E4}">
+                  <adec:decorative xmlns:adec="http://schemas.microsoft.com/office/drawing/2017/decorative" val="1"/>
+                </a:ext>
+              </a:extLst>
+            </p:cNvPr>
+            <p:cNvSpPr/>
+            <p:nvPr>
+              <p:extLst>
+                <p:ext uri="{386F3935-93C4-4BCD-93E2-E3B085C9AB24}">
+                  <p16:designElem xmlns:p16="http://schemas.microsoft.com/office/powerpoint/2015/main" val="1"/>
+                </p:ext>
+              </p:extLst>
+            </p:nvPr>
+          </p:nvSpPr>
+          <p:spPr>
+            <a:xfrm>
+              <a:off x="11427805" y="5275653"/>
+              <a:ext cx="113367" cy="113367"/>
+            </a:xfrm>
+            <a:prstGeom prst="ellipse">
+              <a:avLst/>
+            </a:prstGeom>
+            <a:solidFill>
+              <a:srgbClr val="F39E29"/>
+            </a:solidFill>
+            <a:ln>
+              <a:noFill/>
+            </a:ln>
+          </p:spPr>
+          <p:style>
+            <a:lnRef idx="2">
+              <a:schemeClr val="accent1">
+                <a:shade val="50000"/>
+              </a:schemeClr>
+            </a:lnRef>
+            <a:fillRef idx="1">
+              <a:schemeClr val="accent1"/>
+            </a:fillRef>
+            <a:effectRef idx="0">
+              <a:schemeClr val="accent1"/>
+            </a:effectRef>
+            <a:fontRef idx="minor">
+              <a:schemeClr val="lt1"/>
+            </a:fontRef>
+          </p:style>
+          <p:txBody>
+            <a:bodyPr rtlCol="0" anchor="ctr"/>
+            <a:lstStyle/>
+            <a:p>
+              <a:pPr algn="ctr"/>
+              <a:endParaRPr lang="en-US"/>
+            </a:p>
+          </p:txBody>
+        </p:sp>
+        <p:sp>
+          <p:nvSpPr>
+            <p:cNvPr id="100" name="Oval 87">
+              <a:extLst>
+                <a:ext uri="{FF2B5EF4-FFF2-40B4-BE49-F238E27FC236}">
+                  <a16:creationId xmlns:a16="http://schemas.microsoft.com/office/drawing/2014/main" id="{7C2DFB0F-9C5B-42B4-A4C5-1C4308E5E4E5}"/>
+                </a:ext>
+                <a:ext uri="{C183D7F6-B498-43B3-948B-1728B52AA6E4}">
+                  <adec:decorative xmlns:adec="http://schemas.microsoft.com/office/drawing/2017/decorative" val="1"/>
+                </a:ext>
+              </a:extLst>
+            </p:cNvPr>
+            <p:cNvSpPr/>
+            <p:nvPr>
+              <p:extLst>
+                <p:ext uri="{386F3935-93C4-4BCD-93E2-E3B085C9AB24}">
+                  <p16:designElem xmlns:p16="http://schemas.microsoft.com/office/powerpoint/2015/main" val="1"/>
+                </p:ext>
+              </p:extLst>
+            </p:nvPr>
+          </p:nvSpPr>
+          <p:spPr>
+            <a:xfrm>
+              <a:off x="11069847" y="5942894"/>
+              <a:ext cx="94160" cy="94160"/>
+            </a:xfrm>
+            <a:prstGeom prst="ellipse">
+              <a:avLst/>
+            </a:prstGeom>
+            <a:solidFill>
+              <a:srgbClr val="E3BEBE">
+                <a:alpha val="28000"/>
+              </a:srgbClr>
+            </a:solidFill>
+            <a:ln>
+              <a:noFill/>
+            </a:ln>
+          </p:spPr>
+          <p:style>
+            <a:lnRef idx="2">
+              <a:schemeClr val="accent1">
+                <a:shade val="50000"/>
+              </a:schemeClr>
+            </a:lnRef>
+            <a:fillRef idx="1">
+              <a:schemeClr val="accent1"/>
+            </a:fillRef>
+            <a:effectRef idx="0">
+              <a:schemeClr val="accent1"/>
+            </a:effectRef>
+            <a:fontRef idx="minor">
+              <a:schemeClr val="lt1"/>
+            </a:fontRef>
+          </p:style>
+          <p:txBody>
+            <a:bodyPr rtlCol="0" anchor="ctr"/>
+            <a:lstStyle/>
+            <a:p>
+              <a:pPr algn="ctr"/>
+              <a:endParaRPr lang="en-US"/>
+            </a:p>
+          </p:txBody>
+        </p:sp>
+        <p:sp>
+          <p:nvSpPr>
+            <p:cNvPr id="101" name="Oval 88">
+              <a:extLst>
+                <a:ext uri="{FF2B5EF4-FFF2-40B4-BE49-F238E27FC236}">
+                  <a16:creationId xmlns:a16="http://schemas.microsoft.com/office/drawing/2014/main" id="{09002102-7C3F-4562-B6C9-B6662E8A2A12}"/>
+                </a:ext>
+                <a:ext uri="{C183D7F6-B498-43B3-948B-1728B52AA6E4}">
+                  <adec:decorative xmlns:adec="http://schemas.microsoft.com/office/drawing/2017/decorative" val="1"/>
+                </a:ext>
+              </a:extLst>
+            </p:cNvPr>
+            <p:cNvSpPr/>
+            <p:nvPr>
+              <p:extLst>
+                <p:ext uri="{386F3935-93C4-4BCD-93E2-E3B085C9AB24}">
+                  <p16:designElem xmlns:p16="http://schemas.microsoft.com/office/powerpoint/2015/main" val="1"/>
+                </p:ext>
+              </p:extLst>
+            </p:nvPr>
+          </p:nvSpPr>
+          <p:spPr>
+            <a:xfrm>
+              <a:off x="11181540" y="655922"/>
+              <a:ext cx="466441" cy="466441"/>
+            </a:xfrm>
+            <a:prstGeom prst="ellipse">
+              <a:avLst/>
+            </a:prstGeom>
+            <a:solidFill>
+              <a:schemeClr val="accent2">
+                <a:lumMod val="20000"/>
+                <a:lumOff val="80000"/>
+              </a:schemeClr>
+            </a:solidFill>
+            <a:ln>
+              <a:noFill/>
+            </a:ln>
+          </p:spPr>
+          <p:style>
+            <a:lnRef idx="2">
+              <a:schemeClr val="accent1">
+                <a:shade val="50000"/>
+              </a:schemeClr>
+            </a:lnRef>
+            <a:fillRef idx="1">
+              <a:schemeClr val="accent1"/>
+            </a:fillRef>
+            <a:effectRef idx="0">
+              <a:schemeClr val="accent1"/>
+            </a:effectRef>
+            <a:fontRef idx="minor">
+              <a:schemeClr val="lt1"/>
+            </a:fontRef>
+          </p:style>
+          <p:txBody>
+            <a:bodyPr rtlCol="0" anchor="ctr"/>
+            <a:lstStyle/>
+            <a:p>
+              <a:pPr algn="ctr"/>
+              <a:endParaRPr lang="en-US"/>
+            </a:p>
+          </p:txBody>
+        </p:sp>
+        <p:sp>
+          <p:nvSpPr>
+            <p:cNvPr id="102" name="Oval 89">
+              <a:extLst>
+                <a:ext uri="{FF2B5EF4-FFF2-40B4-BE49-F238E27FC236}">
+                  <a16:creationId xmlns:a16="http://schemas.microsoft.com/office/drawing/2014/main" id="{38ABC509-D5C1-4B54-88A3-76D47A1AEC2C}"/>
+                </a:ext>
+                <a:ext uri="{C183D7F6-B498-43B3-948B-1728B52AA6E4}">
+                  <adec:decorative xmlns:adec="http://schemas.microsoft.com/office/drawing/2017/decorative" val="1"/>
+                </a:ext>
+              </a:extLst>
+            </p:cNvPr>
+            <p:cNvSpPr/>
+            <p:nvPr>
+              <p:extLst>
+                <p:ext uri="{386F3935-93C4-4BCD-93E2-E3B085C9AB24}">
+                  <p16:designElem xmlns:p16="http://schemas.microsoft.com/office/powerpoint/2015/main" val="1"/>
+                </p:ext>
+              </p:extLst>
+            </p:nvPr>
+          </p:nvSpPr>
+          <p:spPr>
+            <a:xfrm>
+              <a:off x="11003560" y="387281"/>
+              <a:ext cx="113367" cy="113367"/>
+            </a:xfrm>
+            <a:prstGeom prst="ellipse">
+              <a:avLst/>
+            </a:prstGeom>
+            <a:solidFill>
+              <a:schemeClr val="accent3"/>
+            </a:solidFill>
+            <a:ln>
+              <a:noFill/>
+            </a:ln>
+          </p:spPr>
+          <p:style>
+            <a:lnRef idx="2">
+              <a:schemeClr val="accent1">
+                <a:shade val="50000"/>
+              </a:schemeClr>
+            </a:lnRef>
+            <a:fillRef idx="1">
+              <a:schemeClr val="accent1"/>
+            </a:fillRef>
+            <a:effectRef idx="0">
+              <a:schemeClr val="accent1"/>
+            </a:effectRef>
+            <a:fontRef idx="minor">
+              <a:schemeClr val="lt1"/>
+            </a:fontRef>
+          </p:style>
+          <p:txBody>
+            <a:bodyPr rtlCol="0" anchor="ctr"/>
+            <a:lstStyle/>
+            <a:p>
+              <a:pPr algn="ctr"/>
+              <a:endParaRPr lang="en-US"/>
+            </a:p>
+          </p:txBody>
+        </p:sp>
+        <p:sp>
+          <p:nvSpPr>
+            <p:cNvPr id="91" name="Oval 90">
+              <a:extLst>
+                <a:ext uri="{FF2B5EF4-FFF2-40B4-BE49-F238E27FC236}">
+                  <a16:creationId xmlns:a16="http://schemas.microsoft.com/office/drawing/2014/main" id="{69564177-4282-4F98-81F4-F758FF774D43}"/>
+                </a:ext>
+                <a:ext uri="{C183D7F6-B498-43B3-948B-1728B52AA6E4}">
+                  <adec:decorative xmlns:adec="http://schemas.microsoft.com/office/drawing/2017/decorative" val="1"/>
+                </a:ext>
+              </a:extLst>
+            </p:cNvPr>
+            <p:cNvSpPr/>
+            <p:nvPr>
+              <p:extLst>
+                <p:ext uri="{386F3935-93C4-4BCD-93E2-E3B085C9AB24}">
+                  <p16:designElem xmlns:p16="http://schemas.microsoft.com/office/powerpoint/2015/main" val="1"/>
+                </p:ext>
+              </p:extLst>
+            </p:nvPr>
+          </p:nvSpPr>
+          <p:spPr>
+            <a:xfrm>
+              <a:off x="7163367" y="6122314"/>
+              <a:ext cx="305780" cy="305780"/>
+            </a:xfrm>
+            <a:prstGeom prst="ellipse">
+              <a:avLst/>
+            </a:prstGeom>
+            <a:solidFill>
+              <a:schemeClr val="accent3"/>
+            </a:solidFill>
+            <a:ln>
+              <a:noFill/>
+            </a:ln>
+          </p:spPr>
+          <p:style>
+            <a:lnRef idx="2">
+              <a:schemeClr val="accent1">
+                <a:shade val="50000"/>
+              </a:schemeClr>
+            </a:lnRef>
+            <a:fillRef idx="1">
+              <a:schemeClr val="accent1"/>
+            </a:fillRef>
+            <a:effectRef idx="0">
+              <a:schemeClr val="accent1"/>
+            </a:effectRef>
+            <a:fontRef idx="minor">
+              <a:schemeClr val="lt1"/>
+            </a:fontRef>
+          </p:style>
+          <p:txBody>
+            <a:bodyPr rtlCol="0" anchor="ctr"/>
+            <a:lstStyle/>
+            <a:p>
+              <a:pPr algn="ctr"/>
+              <a:endParaRPr lang="en-US"/>
+            </a:p>
+          </p:txBody>
+        </p:sp>
+        <p:sp>
+          <p:nvSpPr>
+            <p:cNvPr id="92" name="Oval 91">
+              <a:extLst>
+                <a:ext uri="{FF2B5EF4-FFF2-40B4-BE49-F238E27FC236}">
+                  <a16:creationId xmlns:a16="http://schemas.microsoft.com/office/drawing/2014/main" id="{2B760430-7B8B-4E35-A89B-197E32999944}"/>
+                </a:ext>
+                <a:ext uri="{C183D7F6-B498-43B3-948B-1728B52AA6E4}">
+                  <adec:decorative xmlns:adec="http://schemas.microsoft.com/office/drawing/2017/decorative" val="1"/>
+                </a:ext>
+              </a:extLst>
+            </p:cNvPr>
+            <p:cNvSpPr/>
+            <p:nvPr>
+              <p:extLst>
+                <p:ext uri="{386F3935-93C4-4BCD-93E2-E3B085C9AB24}">
+                  <p16:designElem xmlns:p16="http://schemas.microsoft.com/office/powerpoint/2015/main" val="1"/>
+                </p:ext>
+              </p:extLst>
+            </p:nvPr>
+          </p:nvSpPr>
+          <p:spPr>
+            <a:xfrm>
+              <a:off x="6870062" y="5959435"/>
+              <a:ext cx="113367" cy="113367"/>
+            </a:xfrm>
+            <a:prstGeom prst="ellipse">
+              <a:avLst/>
+            </a:prstGeom>
+            <a:solidFill>
+              <a:schemeClr val="accent5"/>
+            </a:solidFill>
+            <a:ln>
+              <a:noFill/>
+            </a:ln>
+          </p:spPr>
+          <p:style>
+            <a:lnRef idx="2">
+              <a:schemeClr val="accent1">
+                <a:shade val="50000"/>
+              </a:schemeClr>
+            </a:lnRef>
+            <a:fillRef idx="1">
+              <a:schemeClr val="accent1"/>
+            </a:fillRef>
+            <a:effectRef idx="0">
+              <a:schemeClr val="accent1"/>
+            </a:effectRef>
+            <a:fontRef idx="minor">
+              <a:schemeClr val="lt1"/>
+            </a:fontRef>
+          </p:style>
+          <p:txBody>
+            <a:bodyPr rtlCol="0" anchor="ctr"/>
+            <a:lstStyle/>
+            <a:p>
+              <a:pPr algn="ctr"/>
+              <a:endParaRPr lang="en-US"/>
+            </a:p>
+          </p:txBody>
+        </p:sp>
+      </p:grpSp>
+      <p:pic>
+        <p:nvPicPr>
+          <p:cNvPr id="4" name="Image 3">
+            <a:extLst>
+              <a:ext uri="{FF2B5EF4-FFF2-40B4-BE49-F238E27FC236}">
+                <a16:creationId xmlns:a16="http://schemas.microsoft.com/office/drawing/2014/main" id="{C6708BAA-8CC8-8F8A-BEB2-A9B437FC8E2C}"/>
+              </a:ext>
+            </a:extLst>
+          </p:cNvPr>
+          <p:cNvPicPr>
+            <a:picLocks noChangeAspect="1"/>
+          </p:cNvPicPr>
+          <p:nvPr/>
+        </p:nvPicPr>
+        <p:blipFill>
+          <a:blip r:embed="rId2"/>
+          <a:stretch>
+            <a:fillRect/>
+          </a:stretch>
+        </p:blipFill>
+        <p:spPr>
+          <a:xfrm>
+            <a:off x="5401087" y="714227"/>
+            <a:ext cx="6633661" cy="5356681"/>
+          </a:xfrm>
+          <a:prstGeom prst="rect">
+            <a:avLst/>
+          </a:prstGeom>
+        </p:spPr>
+      </p:pic>
+    </p:spTree>
+    <p:extLst>
+      <p:ext uri="{BB962C8B-B14F-4D97-AF65-F5344CB8AC3E}">
+        <p14:creationId xmlns:p14="http://schemas.microsoft.com/office/powerpoint/2010/main" val="3669757917"/>
+      </p:ext>
+    </p:extLst>
+  </p:cSld>
+  <p:clrMapOvr>
+    <a:masterClrMapping/>
+  </p:clrMapOvr>
+  <mc:AlternateContent xmlns:mc="http://schemas.openxmlformats.org/markup-compatibility/2006">
+    <mc:Choice xmlns:p14="http://schemas.microsoft.com/office/powerpoint/2010/main" Requires="p14">
+      <p:transition spd="med" p14:dur="700">
+        <p:fade/>
+      </p:transition>
+    </mc:Choice>
+    <mc:Fallback>
+      <p:transition spd="med">
+        <p:fade/>
+      </p:transition>
+    </mc:Fallback>
+  </mc:AlternateContent>
+  <p:timing>
+    <p:tnLst>
+      <p:par>
+        <p:cTn id="1" dur="indefinite" restart="never" nodeType="tmRoot">
+          <p:childTnLst>
+            <p:seq concurrent="1" nextAc="seek">
+              <p:cTn id="2" dur="indefinite" nodeType="mainSeq">
+                <p:childTnLst>
+                  <p:par>
+                    <p:cTn id="3" fill="hold">
+                      <p:stCondLst>
+                        <p:cond delay="indefinite"/>
+                        <p:cond evt="onBegin" delay="0">
+                          <p:tn val="2"/>
+                        </p:cond>
+                      </p:stCondLst>
+                      <p:childTnLst>
+                        <p:par>
+                          <p:cTn id="4" fill="hold">
+                            <p:stCondLst>
+                              <p:cond delay="0"/>
+                            </p:stCondLst>
+                            <p:childTnLst>
+                              <p:par>
+                                <p:cTn id="5" presetID="10" presetClass="entr" presetSubtype="0" fill="hold" grpId="0" nodeType="withEffect">
+                                  <p:stCondLst>
+                                    <p:cond delay="0"/>
+                                  </p:stCondLst>
+                                  <p:iterate>
+                                    <p:tmPct val="10000"/>
+                                  </p:iterate>
+                                  <p:childTnLst>
+                                    <p:set>
+                                      <p:cBhvr>
+                                        <p:cTn id="6" dur="1" fill="hold">
+                                          <p:stCondLst>
+                                            <p:cond delay="0"/>
+                                          </p:stCondLst>
+                                        </p:cTn>
+                                        <p:tgtEl>
+                                          <p:spTgt spid="2"/>
+                                        </p:tgtEl>
+                                        <p:attrNameLst>
+                                          <p:attrName>style.visibility</p:attrName>
+                                        </p:attrNameLst>
+                                      </p:cBhvr>
+                                      <p:to>
+                                        <p:strVal val="visible"/>
+                                      </p:to>
+                                    </p:set>
+                                    <p:animEffect transition="in" filter="fade">
+                                      <p:cBhvr>
+                                        <p:cTn id="7" dur="700"/>
+                                        <p:tgtEl>
+                                          <p:spTgt spid="2"/>
+                                        </p:tgtEl>
+                                      </p:cBhvr>
+                                    </p:animEffect>
+                                  </p:childTnLst>
+                                </p:cTn>
+                              </p:par>
+                              <p:par>
+                                <p:cTn id="8" presetID="10" presetClass="entr" presetSubtype="0" fill="hold" grpId="0" nodeType="withEffect">
+                                  <p:stCondLst>
+                                    <p:cond delay="0"/>
+                                  </p:stCondLst>
+                                  <p:childTnLst>
+                                    <p:set>
+                                      <p:cBhvr>
+                                        <p:cTn id="9" dur="1" fill="hold">
+                                          <p:stCondLst>
+                                            <p:cond delay="0"/>
+                                          </p:stCondLst>
+                                        </p:cTn>
+                                        <p:tgtEl>
+                                          <p:spTgt spid="6">
+                                            <p:txEl>
+                                              <p:pRg st="0" end="0"/>
+                                            </p:txEl>
+                                          </p:spTgt>
+                                        </p:tgtEl>
+                                        <p:attrNameLst>
+                                          <p:attrName>style.visibility</p:attrName>
+                                        </p:attrNameLst>
+                                      </p:cBhvr>
+                                      <p:to>
+                                        <p:strVal val="visible"/>
+                                      </p:to>
+                                    </p:set>
+                                    <p:animEffect transition="in" filter="fade">
+                                      <p:cBhvr>
+                                        <p:cTn id="10" dur="500"/>
+                                        <p:tgtEl>
+                                          <p:spTgt spid="6">
+                                            <p:txEl>
+                                              <p:pRg st="0" end="0"/>
+                                            </p:txEl>
+                                          </p:spTgt>
+                                        </p:tgtEl>
+                                      </p:cBhvr>
+                                    </p:animEffect>
+                                  </p:childTnLst>
+                                </p:cTn>
+                              </p:par>
+                              <p:par>
+                                <p:cTn id="11" presetID="10" presetClass="entr" presetSubtype="0" fill="hold" grpId="0" nodeType="withEffect">
+                                  <p:stCondLst>
+                                    <p:cond delay="0"/>
+                                  </p:stCondLst>
+                                  <p:childTnLst>
+                                    <p:set>
+                                      <p:cBhvr>
+                                        <p:cTn id="12" dur="1" fill="hold">
+                                          <p:stCondLst>
+                                            <p:cond delay="0"/>
+                                          </p:stCondLst>
+                                        </p:cTn>
+                                        <p:tgtEl>
+                                          <p:spTgt spid="6">
+                                            <p:txEl>
+                                              <p:pRg st="1" end="1"/>
+                                            </p:txEl>
+                                          </p:spTgt>
+                                        </p:tgtEl>
+                                        <p:attrNameLst>
+                                          <p:attrName>style.visibility</p:attrName>
+                                        </p:attrNameLst>
+                                      </p:cBhvr>
+                                      <p:to>
+                                        <p:strVal val="visible"/>
+                                      </p:to>
+                                    </p:set>
+                                    <p:animEffect transition="in" filter="fade">
+                                      <p:cBhvr>
+                                        <p:cTn id="13" dur="500"/>
+                                        <p:tgtEl>
+                                          <p:spTgt spid="6">
+                                            <p:txEl>
+                                              <p:pRg st="1" end="1"/>
+                                            </p:txEl>
+                                          </p:spTgt>
+                                        </p:tgtEl>
+                                      </p:cBhvr>
+                                    </p:animEffect>
+                                  </p:childTnLst>
+                                </p:cTn>
+                              </p:par>
+                              <p:par>
+                                <p:cTn id="14" presetID="10" presetClass="entr" presetSubtype="0" fill="hold" grpId="0" nodeType="withEffect">
+                                  <p:stCondLst>
+                                    <p:cond delay="0"/>
+                                  </p:stCondLst>
+                                  <p:childTnLst>
+                                    <p:set>
+                                      <p:cBhvr>
+                                        <p:cTn id="15" dur="1" fill="hold">
+                                          <p:stCondLst>
+                                            <p:cond delay="0"/>
+                                          </p:stCondLst>
+                                        </p:cTn>
+                                        <p:tgtEl>
+                                          <p:spTgt spid="6">
+                                            <p:txEl>
+                                              <p:pRg st="2" end="2"/>
+                                            </p:txEl>
+                                          </p:spTgt>
+                                        </p:tgtEl>
+                                        <p:attrNameLst>
+                                          <p:attrName>style.visibility</p:attrName>
+                                        </p:attrNameLst>
+                                      </p:cBhvr>
+                                      <p:to>
+                                        <p:strVal val="visible"/>
+                                      </p:to>
+                                    </p:set>
+                                    <p:animEffect transition="in" filter="fade">
+                                      <p:cBhvr>
+                                        <p:cTn id="16" dur="500"/>
+                                        <p:tgtEl>
+                                          <p:spTgt spid="6">
+                                            <p:txEl>
+                                              <p:pRg st="2" end="2"/>
+                                            </p:txEl>
+                                          </p:spTgt>
+                                        </p:tgtEl>
+                                      </p:cBhvr>
+                                    </p:animEffect>
+                                  </p:childTnLst>
+                                </p:cTn>
+                              </p:par>
+                              <p:par>
+                                <p:cTn id="17" presetID="10" presetClass="entr" presetSubtype="0" fill="hold" grpId="0" nodeType="withEffect">
+                                  <p:stCondLst>
+                                    <p:cond delay="0"/>
+                                  </p:stCondLst>
+                                  <p:childTnLst>
+                                    <p:set>
+                                      <p:cBhvr>
+                                        <p:cTn id="18" dur="1" fill="hold">
+                                          <p:stCondLst>
+                                            <p:cond delay="0"/>
+                                          </p:stCondLst>
+                                        </p:cTn>
+                                        <p:tgtEl>
+                                          <p:spTgt spid="6">
+                                            <p:txEl>
+                                              <p:pRg st="3" end="3"/>
+                                            </p:txEl>
+                                          </p:spTgt>
+                                        </p:tgtEl>
+                                        <p:attrNameLst>
+                                          <p:attrName>style.visibility</p:attrName>
+                                        </p:attrNameLst>
+                                      </p:cBhvr>
+                                      <p:to>
+                                        <p:strVal val="visible"/>
+                                      </p:to>
+                                    </p:set>
+                                    <p:animEffect transition="in" filter="fade">
+                                      <p:cBhvr>
+                                        <p:cTn id="19" dur="500"/>
+                                        <p:tgtEl>
+                                          <p:spTgt spid="6">
+                                            <p:txEl>
+                                              <p:pRg st="3" end="3"/>
+                                            </p:txEl>
+                                          </p:spTgt>
+                                        </p:tgtEl>
+                                      </p:cBhvr>
+                                    </p:animEffect>
+                                  </p:childTnLst>
+                                </p:cTn>
+                              </p:par>
+                              <p:par>
+                                <p:cTn id="20" presetID="10" presetClass="entr" presetSubtype="0" fill="hold" nodeType="withEffect">
+                                  <p:stCondLst>
+                                    <p:cond delay="0"/>
+                                  </p:stCondLst>
+                                  <p:childTnLst>
+                                    <p:set>
+                                      <p:cBhvr>
+                                        <p:cTn id="21" dur="1" fill="hold">
+                                          <p:stCondLst>
+                                            <p:cond delay="0"/>
+                                          </p:stCondLst>
+                                        </p:cTn>
+                                        <p:tgtEl>
+                                          <p:spTgt spid="4"/>
+                                        </p:tgtEl>
+                                        <p:attrNameLst>
+                                          <p:attrName>style.visibility</p:attrName>
+                                        </p:attrNameLst>
+                                      </p:cBhvr>
+                                      <p:to>
+                                        <p:strVal val="visible"/>
+                                      </p:to>
+                                    </p:set>
+                                    <p:animEffect transition="in" filter="fade">
+                                      <p:cBhvr>
+                                        <p:cTn id="22" dur="500"/>
+                                        <p:tgtEl>
+                                          <p:spTgt spid="4"/>
+                                        </p:tgtEl>
+                                      </p:cBhvr>
+                                    </p:animEffect>
+                                  </p:childTnLst>
+                                </p:cTn>
+                              </p:par>
+                            </p:childTnLst>
+                          </p:cTn>
+                        </p:par>
+                      </p:childTnLst>
+                    </p:cTn>
+                  </p:par>
+                </p:childTnLst>
+              </p:cTn>
+              <p:prevCondLst>
+                <p:cond evt="onPrev" delay="0">
+                  <p:tgtEl>
+                    <p:sldTgt/>
+                  </p:tgtEl>
+                </p:cond>
+              </p:prevCondLst>
+              <p:nextCondLst>
+                <p:cond evt="onNext" delay="0">
+                  <p:tgtEl>
+                    <p:sldTgt/>
+                  </p:tgtEl>
+                </p:cond>
+              </p:nextCondLst>
+            </p:seq>
+          </p:childTnLst>
+        </p:cTn>
+      </p:par>
+    </p:tnLst>
+    <p:bldLst>
+      <p:bldP spid="2" grpId="0"/>
+      <p:bldP spid="6" grpId="0" build="p"/>
+    </p:bldLst>
+  </p:timing>
+</p:sld>
+</file>
+
+<file path=ppt/slides/slide7.xml><?xml version="1.0" encoding="utf-8"?>
 <p:sld xmlns:a="http://schemas.openxmlformats.org/drawingml/2006/main" xmlns:r="http://schemas.openxmlformats.org/officeDocument/2006/relationships" xmlns:p="http://schemas.openxmlformats.org/presentationml/2006/main">
   <p:cSld>
     <p:bg>
@@ -12302,577 +15579,8 @@
         </p:nvSpPr>
         <p:spPr>
           <a:xfrm>
-            <a:off x="234313" y="174625"/>
-            <a:ext cx="6929054" cy="862013"/>
-          </a:xfrm>
-        </p:spPr>
-        <p:txBody>
-          <a:bodyPr>
-            <a:normAutofit fontScale="90000"/>
-          </a:bodyPr>
-          <a:lstStyle/>
-          <a:p>
-            <a:pPr algn="l"/>
-            <a:r>
-              <a:rPr lang="fr-CH" dirty="0"/>
-              <a:t>Interfaces </a:t>
-            </a:r>
-            <a:r>
-              <a:rPr lang="fr-CH" dirty="0" err="1"/>
-              <a:t>implementation</a:t>
-            </a:r>
-            <a:endParaRPr lang="fr-FR" dirty="0"/>
-          </a:p>
-        </p:txBody>
-      </p:sp>
-      <p:grpSp>
-        <p:nvGrpSpPr>
-          <p:cNvPr id="65" name="decorative circles">
-            <a:extLst>
-              <a:ext uri="{FF2B5EF4-FFF2-40B4-BE49-F238E27FC236}">
-                <a16:creationId xmlns:a16="http://schemas.microsoft.com/office/drawing/2014/main" id="{61D9147E-6246-4344-B99C-7E58532D8CB5}"/>
-              </a:ext>
-              <a:ext uri="{C183D7F6-B498-43B3-948B-1728B52AA6E4}">
-                <adec:decorative xmlns:adec="http://schemas.microsoft.com/office/drawing/2017/decorative" val="1"/>
-              </a:ext>
-            </a:extLst>
-          </p:cNvPr>
-          <p:cNvGrpSpPr>
-            <a:grpSpLocks noGrp="1" noUngrp="1" noRot="1" noChangeAspect="1" noMove="1" noResize="1"/>
-          </p:cNvGrpSpPr>
-          <p:nvPr>
-            <p:extLst>
-              <p:ext uri="{386F3935-93C4-4BCD-93E2-E3B085C9AB24}">
-                <p16:designElem xmlns:p16="http://schemas.microsoft.com/office/powerpoint/2015/main" val="1"/>
-              </p:ext>
-            </p:extLst>
-          </p:nvPr>
-        </p:nvGrpSpPr>
-        <p:grpSpPr>
-          <a:xfrm>
-            <a:off x="6870062" y="289695"/>
-            <a:ext cx="4971115" cy="6138399"/>
-            <a:chOff x="6870062" y="289695"/>
-            <a:chExt cx="4971115" cy="6138399"/>
-          </a:xfrm>
-        </p:grpSpPr>
-        <p:sp>
-          <p:nvSpPr>
-            <p:cNvPr id="66" name="Oval 65">
-              <a:extLst>
-                <a:ext uri="{FF2B5EF4-FFF2-40B4-BE49-F238E27FC236}">
-                  <a16:creationId xmlns:a16="http://schemas.microsoft.com/office/drawing/2014/main" id="{B9D06285-CD49-4308-BDD4-0AF48D39BE4D}"/>
-                </a:ext>
-                <a:ext uri="{C183D7F6-B498-43B3-948B-1728B52AA6E4}">
-                  <adec:decorative xmlns:adec="http://schemas.microsoft.com/office/drawing/2017/decorative" val="1"/>
-                </a:ext>
-              </a:extLst>
-            </p:cNvPr>
-            <p:cNvSpPr/>
-            <p:nvPr>
-              <p:extLst>
-                <p:ext uri="{386F3935-93C4-4BCD-93E2-E3B085C9AB24}">
-                  <p16:designElem xmlns:p16="http://schemas.microsoft.com/office/powerpoint/2015/main" val="1"/>
-                </p:ext>
-              </p:extLst>
-            </p:nvPr>
-          </p:nvSpPr>
-          <p:spPr>
-            <a:xfrm>
-              <a:off x="10543605" y="289695"/>
-              <a:ext cx="226735" cy="226735"/>
-            </a:xfrm>
-            <a:prstGeom prst="ellipse">
-              <a:avLst/>
-            </a:prstGeom>
-            <a:solidFill>
-              <a:srgbClr val="97446E"/>
-            </a:solidFill>
-            <a:ln>
-              <a:noFill/>
-            </a:ln>
-          </p:spPr>
-          <p:style>
-            <a:lnRef idx="2">
-              <a:schemeClr val="accent1">
-                <a:shade val="50000"/>
-              </a:schemeClr>
-            </a:lnRef>
-            <a:fillRef idx="1">
-              <a:schemeClr val="accent1"/>
-            </a:fillRef>
-            <a:effectRef idx="0">
-              <a:schemeClr val="accent1"/>
-            </a:effectRef>
-            <a:fontRef idx="minor">
-              <a:schemeClr val="lt1"/>
-            </a:fontRef>
-          </p:style>
-          <p:txBody>
-            <a:bodyPr rtlCol="0" anchor="ctr"/>
-            <a:lstStyle/>
-            <a:p>
-              <a:pPr algn="ctr"/>
-              <a:endParaRPr lang="en-US"/>
-            </a:p>
-          </p:txBody>
-        </p:sp>
-        <p:sp>
-          <p:nvSpPr>
-            <p:cNvPr id="67" name="Oval 66">
-              <a:extLst>
-                <a:ext uri="{FF2B5EF4-FFF2-40B4-BE49-F238E27FC236}">
-                  <a16:creationId xmlns:a16="http://schemas.microsoft.com/office/drawing/2014/main" id="{1D4A3886-A465-4577-99CE-251AA7B923AA}"/>
-                </a:ext>
-                <a:ext uri="{C183D7F6-B498-43B3-948B-1728B52AA6E4}">
-                  <adec:decorative xmlns:adec="http://schemas.microsoft.com/office/drawing/2017/decorative" val="1"/>
-                </a:ext>
-              </a:extLst>
-            </p:cNvPr>
-            <p:cNvSpPr/>
-            <p:nvPr>
-              <p:extLst>
-                <p:ext uri="{386F3935-93C4-4BCD-93E2-E3B085C9AB24}">
-                  <p16:designElem xmlns:p16="http://schemas.microsoft.com/office/powerpoint/2015/main" val="1"/>
-                </p:ext>
-              </p:extLst>
-            </p:nvPr>
-          </p:nvSpPr>
-          <p:spPr>
-            <a:xfrm>
-              <a:off x="11374736" y="5667686"/>
-              <a:ext cx="466441" cy="466441"/>
-            </a:xfrm>
-            <a:prstGeom prst="ellipse">
-              <a:avLst/>
-            </a:prstGeom>
-            <a:solidFill>
-              <a:schemeClr val="accent2">
-                <a:lumMod val="60000"/>
-                <a:lumOff val="40000"/>
-              </a:schemeClr>
-            </a:solidFill>
-            <a:ln>
-              <a:noFill/>
-            </a:ln>
-          </p:spPr>
-          <p:style>
-            <a:lnRef idx="2">
-              <a:schemeClr val="accent1">
-                <a:shade val="50000"/>
-              </a:schemeClr>
-            </a:lnRef>
-            <a:fillRef idx="1">
-              <a:schemeClr val="accent1"/>
-            </a:fillRef>
-            <a:effectRef idx="0">
-              <a:schemeClr val="accent1"/>
-            </a:effectRef>
-            <a:fontRef idx="minor">
-              <a:schemeClr val="lt1"/>
-            </a:fontRef>
-          </p:style>
-          <p:txBody>
-            <a:bodyPr rtlCol="0" anchor="ctr"/>
-            <a:lstStyle/>
-            <a:p>
-              <a:pPr algn="ctr"/>
-              <a:endParaRPr lang="en-US"/>
-            </a:p>
-          </p:txBody>
-        </p:sp>
-        <p:sp>
-          <p:nvSpPr>
-            <p:cNvPr id="68" name="Oval 67">
-              <a:extLst>
-                <a:ext uri="{FF2B5EF4-FFF2-40B4-BE49-F238E27FC236}">
-                  <a16:creationId xmlns:a16="http://schemas.microsoft.com/office/drawing/2014/main" id="{6B4A1D21-7CBB-44D9-A528-DB74C3107EBE}"/>
-                </a:ext>
-                <a:ext uri="{C183D7F6-B498-43B3-948B-1728B52AA6E4}">
-                  <adec:decorative xmlns:adec="http://schemas.microsoft.com/office/drawing/2017/decorative" val="1"/>
-                </a:ext>
-              </a:extLst>
-            </p:cNvPr>
-            <p:cNvSpPr/>
-            <p:nvPr>
-              <p:extLst>
-                <p:ext uri="{386F3935-93C4-4BCD-93E2-E3B085C9AB24}">
-                  <p16:designElem xmlns:p16="http://schemas.microsoft.com/office/powerpoint/2015/main" val="1"/>
-                </p:ext>
-              </p:extLst>
-            </p:nvPr>
-          </p:nvSpPr>
-          <p:spPr>
-            <a:xfrm>
-              <a:off x="11427805" y="5275653"/>
-              <a:ext cx="113367" cy="113367"/>
-            </a:xfrm>
-            <a:prstGeom prst="ellipse">
-              <a:avLst/>
-            </a:prstGeom>
-            <a:solidFill>
-              <a:srgbClr val="F39E29"/>
-            </a:solidFill>
-            <a:ln>
-              <a:noFill/>
-            </a:ln>
-          </p:spPr>
-          <p:style>
-            <a:lnRef idx="2">
-              <a:schemeClr val="accent1">
-                <a:shade val="50000"/>
-              </a:schemeClr>
-            </a:lnRef>
-            <a:fillRef idx="1">
-              <a:schemeClr val="accent1"/>
-            </a:fillRef>
-            <a:effectRef idx="0">
-              <a:schemeClr val="accent1"/>
-            </a:effectRef>
-            <a:fontRef idx="minor">
-              <a:schemeClr val="lt1"/>
-            </a:fontRef>
-          </p:style>
-          <p:txBody>
-            <a:bodyPr rtlCol="0" anchor="ctr"/>
-            <a:lstStyle/>
-            <a:p>
-              <a:pPr algn="ctr"/>
-              <a:endParaRPr lang="en-US"/>
-            </a:p>
-          </p:txBody>
-        </p:sp>
-        <p:sp>
-          <p:nvSpPr>
-            <p:cNvPr id="69" name="Oval 68">
-              <a:extLst>
-                <a:ext uri="{FF2B5EF4-FFF2-40B4-BE49-F238E27FC236}">
-                  <a16:creationId xmlns:a16="http://schemas.microsoft.com/office/drawing/2014/main" id="{73600DE0-90F9-4BD7-A084-ECB65A27BBDF}"/>
-                </a:ext>
-                <a:ext uri="{C183D7F6-B498-43B3-948B-1728B52AA6E4}">
-                  <adec:decorative xmlns:adec="http://schemas.microsoft.com/office/drawing/2017/decorative" val="1"/>
-                </a:ext>
-              </a:extLst>
-            </p:cNvPr>
-            <p:cNvSpPr/>
-            <p:nvPr>
-              <p:extLst>
-                <p:ext uri="{386F3935-93C4-4BCD-93E2-E3B085C9AB24}">
-                  <p16:designElem xmlns:p16="http://schemas.microsoft.com/office/powerpoint/2015/main" val="1"/>
-                </p:ext>
-              </p:extLst>
-            </p:nvPr>
-          </p:nvSpPr>
-          <p:spPr>
-            <a:xfrm>
-              <a:off x="11069847" y="5942894"/>
-              <a:ext cx="94160" cy="94160"/>
-            </a:xfrm>
-            <a:prstGeom prst="ellipse">
-              <a:avLst/>
-            </a:prstGeom>
-            <a:solidFill>
-              <a:srgbClr val="E3BEBE">
-                <a:alpha val="28000"/>
-              </a:srgbClr>
-            </a:solidFill>
-            <a:ln>
-              <a:noFill/>
-            </a:ln>
-          </p:spPr>
-          <p:style>
-            <a:lnRef idx="2">
-              <a:schemeClr val="accent1">
-                <a:shade val="50000"/>
-              </a:schemeClr>
-            </a:lnRef>
-            <a:fillRef idx="1">
-              <a:schemeClr val="accent1"/>
-            </a:fillRef>
-            <a:effectRef idx="0">
-              <a:schemeClr val="accent1"/>
-            </a:effectRef>
-            <a:fontRef idx="minor">
-              <a:schemeClr val="lt1"/>
-            </a:fontRef>
-          </p:style>
-          <p:txBody>
-            <a:bodyPr rtlCol="0" anchor="ctr"/>
-            <a:lstStyle/>
-            <a:p>
-              <a:pPr algn="ctr"/>
-              <a:endParaRPr lang="en-US"/>
-            </a:p>
-          </p:txBody>
-        </p:sp>
-        <p:sp>
-          <p:nvSpPr>
-            <p:cNvPr id="70" name="Oval 69">
-              <a:extLst>
-                <a:ext uri="{FF2B5EF4-FFF2-40B4-BE49-F238E27FC236}">
-                  <a16:creationId xmlns:a16="http://schemas.microsoft.com/office/drawing/2014/main" id="{EC243907-3995-49EB-94E9-35C68C13CFE5}"/>
-                </a:ext>
-                <a:ext uri="{C183D7F6-B498-43B3-948B-1728B52AA6E4}">
-                  <adec:decorative xmlns:adec="http://schemas.microsoft.com/office/drawing/2017/decorative" val="1"/>
-                </a:ext>
-              </a:extLst>
-            </p:cNvPr>
-            <p:cNvSpPr/>
-            <p:nvPr>
-              <p:extLst>
-                <p:ext uri="{386F3935-93C4-4BCD-93E2-E3B085C9AB24}">
-                  <p16:designElem xmlns:p16="http://schemas.microsoft.com/office/powerpoint/2015/main" val="1"/>
-                </p:ext>
-              </p:extLst>
-            </p:nvPr>
-          </p:nvSpPr>
-          <p:spPr>
-            <a:xfrm>
-              <a:off x="11181540" y="655922"/>
-              <a:ext cx="466441" cy="466441"/>
-            </a:xfrm>
-            <a:prstGeom prst="ellipse">
-              <a:avLst/>
-            </a:prstGeom>
-            <a:solidFill>
-              <a:schemeClr val="accent2">
-                <a:lumMod val="20000"/>
-                <a:lumOff val="80000"/>
-              </a:schemeClr>
-            </a:solidFill>
-            <a:ln>
-              <a:noFill/>
-            </a:ln>
-          </p:spPr>
-          <p:style>
-            <a:lnRef idx="2">
-              <a:schemeClr val="accent1">
-                <a:shade val="50000"/>
-              </a:schemeClr>
-            </a:lnRef>
-            <a:fillRef idx="1">
-              <a:schemeClr val="accent1"/>
-            </a:fillRef>
-            <a:effectRef idx="0">
-              <a:schemeClr val="accent1"/>
-            </a:effectRef>
-            <a:fontRef idx="minor">
-              <a:schemeClr val="lt1"/>
-            </a:fontRef>
-          </p:style>
-          <p:txBody>
-            <a:bodyPr rtlCol="0" anchor="ctr"/>
-            <a:lstStyle/>
-            <a:p>
-              <a:pPr algn="ctr"/>
-              <a:endParaRPr lang="en-US"/>
-            </a:p>
-          </p:txBody>
-        </p:sp>
-        <p:sp>
-          <p:nvSpPr>
-            <p:cNvPr id="71" name="Oval 70">
-              <a:extLst>
-                <a:ext uri="{FF2B5EF4-FFF2-40B4-BE49-F238E27FC236}">
-                  <a16:creationId xmlns:a16="http://schemas.microsoft.com/office/drawing/2014/main" id="{4629A2DC-7066-4487-A307-68F210722CB8}"/>
-                </a:ext>
-                <a:ext uri="{C183D7F6-B498-43B3-948B-1728B52AA6E4}">
-                  <adec:decorative xmlns:adec="http://schemas.microsoft.com/office/drawing/2017/decorative" val="1"/>
-                </a:ext>
-              </a:extLst>
-            </p:cNvPr>
-            <p:cNvSpPr/>
-            <p:nvPr>
-              <p:extLst>
-                <p:ext uri="{386F3935-93C4-4BCD-93E2-E3B085C9AB24}">
-                  <p16:designElem xmlns:p16="http://schemas.microsoft.com/office/powerpoint/2015/main" val="1"/>
-                </p:ext>
-              </p:extLst>
-            </p:nvPr>
-          </p:nvSpPr>
-          <p:spPr>
-            <a:xfrm>
-              <a:off x="11003560" y="387281"/>
-              <a:ext cx="113367" cy="113367"/>
-            </a:xfrm>
-            <a:prstGeom prst="ellipse">
-              <a:avLst/>
-            </a:prstGeom>
-            <a:solidFill>
-              <a:schemeClr val="accent3"/>
-            </a:solidFill>
-            <a:ln>
-              <a:noFill/>
-            </a:ln>
-          </p:spPr>
-          <p:style>
-            <a:lnRef idx="2">
-              <a:schemeClr val="accent1">
-                <a:shade val="50000"/>
-              </a:schemeClr>
-            </a:lnRef>
-            <a:fillRef idx="1">
-              <a:schemeClr val="accent1"/>
-            </a:fillRef>
-            <a:effectRef idx="0">
-              <a:schemeClr val="accent1"/>
-            </a:effectRef>
-            <a:fontRef idx="minor">
-              <a:schemeClr val="lt1"/>
-            </a:fontRef>
-          </p:style>
-          <p:txBody>
-            <a:bodyPr rtlCol="0" anchor="ctr"/>
-            <a:lstStyle/>
-            <a:p>
-              <a:pPr algn="ctr"/>
-              <a:endParaRPr lang="en-US"/>
-            </a:p>
-          </p:txBody>
-        </p:sp>
-        <p:sp>
-          <p:nvSpPr>
-            <p:cNvPr id="72" name="Oval 71">
-              <a:extLst>
-                <a:ext uri="{FF2B5EF4-FFF2-40B4-BE49-F238E27FC236}">
-                  <a16:creationId xmlns:a16="http://schemas.microsoft.com/office/drawing/2014/main" id="{D0508B2B-067E-421A-9C09-522CFF39FBA4}"/>
-                </a:ext>
-                <a:ext uri="{C183D7F6-B498-43B3-948B-1728B52AA6E4}">
-                  <adec:decorative xmlns:adec="http://schemas.microsoft.com/office/drawing/2017/decorative" val="1"/>
-                </a:ext>
-              </a:extLst>
-            </p:cNvPr>
-            <p:cNvSpPr/>
-            <p:nvPr>
-              <p:extLst>
-                <p:ext uri="{386F3935-93C4-4BCD-93E2-E3B085C9AB24}">
-                  <p16:designElem xmlns:p16="http://schemas.microsoft.com/office/powerpoint/2015/main" val="1"/>
-                </p:ext>
-              </p:extLst>
-            </p:nvPr>
-          </p:nvSpPr>
-          <p:spPr>
-            <a:xfrm>
-              <a:off x="7163367" y="6122314"/>
-              <a:ext cx="305780" cy="305780"/>
-            </a:xfrm>
-            <a:prstGeom prst="ellipse">
-              <a:avLst/>
-            </a:prstGeom>
-            <a:solidFill>
-              <a:schemeClr val="accent3"/>
-            </a:solidFill>
-            <a:ln>
-              <a:noFill/>
-            </a:ln>
-          </p:spPr>
-          <p:style>
-            <a:lnRef idx="2">
-              <a:schemeClr val="accent1">
-                <a:shade val="50000"/>
-              </a:schemeClr>
-            </a:lnRef>
-            <a:fillRef idx="1">
-              <a:schemeClr val="accent1"/>
-            </a:fillRef>
-            <a:effectRef idx="0">
-              <a:schemeClr val="accent1"/>
-            </a:effectRef>
-            <a:fontRef idx="minor">
-              <a:schemeClr val="lt1"/>
-            </a:fontRef>
-          </p:style>
-          <p:txBody>
-            <a:bodyPr rtlCol="0" anchor="ctr"/>
-            <a:lstStyle/>
-            <a:p>
-              <a:pPr algn="ctr"/>
-              <a:endParaRPr lang="en-US"/>
-            </a:p>
-          </p:txBody>
-        </p:sp>
-        <p:sp>
-          <p:nvSpPr>
-            <p:cNvPr id="73" name="Oval 72">
-              <a:extLst>
-                <a:ext uri="{FF2B5EF4-FFF2-40B4-BE49-F238E27FC236}">
-                  <a16:creationId xmlns:a16="http://schemas.microsoft.com/office/drawing/2014/main" id="{889BA730-4DAE-4702-A5C5-013F9CEB09F1}"/>
-                </a:ext>
-                <a:ext uri="{C183D7F6-B498-43B3-948B-1728B52AA6E4}">
-                  <adec:decorative xmlns:adec="http://schemas.microsoft.com/office/drawing/2017/decorative" val="1"/>
-                </a:ext>
-              </a:extLst>
-            </p:cNvPr>
-            <p:cNvSpPr/>
-            <p:nvPr>
-              <p:extLst>
-                <p:ext uri="{386F3935-93C4-4BCD-93E2-E3B085C9AB24}">
-                  <p16:designElem xmlns:p16="http://schemas.microsoft.com/office/powerpoint/2015/main" val="1"/>
-                </p:ext>
-              </p:extLst>
-            </p:nvPr>
-          </p:nvSpPr>
-          <p:spPr>
-            <a:xfrm>
-              <a:off x="6870062" y="5959435"/>
-              <a:ext cx="113367" cy="113367"/>
-            </a:xfrm>
-            <a:prstGeom prst="ellipse">
-              <a:avLst/>
-            </a:prstGeom>
-            <a:solidFill>
-              <a:schemeClr val="accent5"/>
-            </a:solidFill>
-            <a:ln>
-              <a:noFill/>
-            </a:ln>
-          </p:spPr>
-          <p:style>
-            <a:lnRef idx="2">
-              <a:schemeClr val="accent1">
-                <a:shade val="50000"/>
-              </a:schemeClr>
-            </a:lnRef>
-            <a:fillRef idx="1">
-              <a:schemeClr val="accent1"/>
-            </a:fillRef>
-            <a:effectRef idx="0">
-              <a:schemeClr val="accent1"/>
-            </a:effectRef>
-            <a:fontRef idx="minor">
-              <a:schemeClr val="lt1"/>
-            </a:fontRef>
-          </p:style>
-          <p:txBody>
-            <a:bodyPr rtlCol="0" anchor="ctr"/>
-            <a:lstStyle/>
-            <a:p>
-              <a:pPr algn="ctr"/>
-              <a:endParaRPr lang="en-US"/>
-            </a:p>
-          </p:txBody>
-        </p:sp>
-      </p:grpSp>
-      <p:sp>
-        <p:nvSpPr>
-          <p:cNvPr id="5" name="Sous-titre 4">
-            <a:extLst>
-              <a:ext uri="{FF2B5EF4-FFF2-40B4-BE49-F238E27FC236}">
-                <a16:creationId xmlns:a16="http://schemas.microsoft.com/office/drawing/2014/main" id="{1A7E73B1-06A0-4698-BA1F-CC98067BF51D}"/>
-              </a:ext>
-            </a:extLst>
-          </p:cNvPr>
-          <p:cNvSpPr>
-            <a:spLocks noGrp="1"/>
-          </p:cNvSpPr>
-          <p:nvPr>
-            <p:ph type="subTitle" idx="1"/>
-          </p:nvPr>
-        </p:nvSpPr>
-        <p:spPr>
-          <a:xfrm>
-            <a:off x="234313" y="1435662"/>
-            <a:ext cx="11193491" cy="1754368"/>
+            <a:off x="2841762" y="2997993"/>
+            <a:ext cx="6508476" cy="862013"/>
           </a:xfrm>
         </p:spPr>
         <p:txBody>
@@ -12883,2722 +15591,10 @@
           <a:p>
             <a:pPr algn="l"/>
             <a:r>
-              <a:rPr lang="fr-CH" b="1" dirty="0"/>
-              <a:t>Second part</a:t>
-            </a:r>
-          </a:p>
-          <a:p>
-            <a:pPr algn="l"/>
-            <a:r>
-              <a:rPr lang="fr-FR" b="1" dirty="0"/>
-              <a:t>     </a:t>
-            </a:r>
-            <a:r>
-              <a:rPr lang="fr-FR" dirty="0"/>
-              <a:t>1) </a:t>
-            </a:r>
-            <a:r>
-              <a:rPr lang="fr-FR" dirty="0" err="1"/>
-              <a:t>Create</a:t>
-            </a:r>
-            <a:r>
-              <a:rPr lang="fr-FR" dirty="0"/>
-              <a:t> an online </a:t>
-            </a:r>
-            <a:r>
-              <a:rPr lang="fr-FR" dirty="0" err="1"/>
-              <a:t>tool</a:t>
-            </a:r>
-            <a:r>
-              <a:rPr lang="fr-FR" dirty="0"/>
-              <a:t> to </a:t>
-            </a:r>
-            <a:r>
-              <a:rPr lang="fr-FR" dirty="0" err="1"/>
-              <a:t>provide</a:t>
-            </a:r>
-            <a:r>
-              <a:rPr lang="fr-FR" dirty="0"/>
-              <a:t> k-</a:t>
-            </a:r>
-            <a:r>
-              <a:rPr lang="fr-FR" dirty="0" err="1"/>
-              <a:t>anonymization</a:t>
-            </a:r>
-            <a:r>
-              <a:rPr lang="fr-FR" dirty="0"/>
-              <a:t> </a:t>
-            </a:r>
-            <a:r>
-              <a:rPr lang="fr-FR" dirty="0" err="1"/>
-              <a:t>with</a:t>
-            </a:r>
-            <a:r>
-              <a:rPr lang="fr-FR" dirty="0"/>
-              <a:t> the </a:t>
-            </a:r>
-            <a:r>
-              <a:rPr lang="fr-FR" dirty="0" err="1"/>
-              <a:t>proposed</a:t>
-            </a:r>
-            <a:r>
-              <a:rPr lang="fr-FR" dirty="0"/>
-              <a:t> </a:t>
-            </a:r>
-            <a:r>
-              <a:rPr lang="fr-FR" dirty="0" err="1"/>
-              <a:t>algorithm</a:t>
-            </a:r>
-            <a:endParaRPr lang="fr-FR" dirty="0"/>
-          </a:p>
-          <a:p>
-            <a:pPr algn="just"/>
-            <a:r>
-              <a:rPr lang="fr-CH" dirty="0"/>
-              <a:t>     2) </a:t>
-            </a:r>
-            <a:r>
-              <a:rPr lang="fr-CH" dirty="0" err="1"/>
-              <a:t>Create</a:t>
-            </a:r>
-            <a:r>
-              <a:rPr lang="fr-CH" dirty="0"/>
-              <a:t> a user-</a:t>
-            </a:r>
-            <a:r>
-              <a:rPr lang="fr-CH" dirty="0" err="1"/>
-              <a:t>friendly</a:t>
-            </a:r>
-            <a:r>
-              <a:rPr lang="fr-CH" dirty="0"/>
-              <a:t> interface to </a:t>
-            </a:r>
-            <a:r>
-              <a:rPr lang="fr-CH" dirty="0" err="1"/>
-              <a:t>easily</a:t>
-            </a:r>
-            <a:r>
-              <a:rPr lang="fr-CH" dirty="0"/>
-              <a:t> </a:t>
-            </a:r>
-            <a:r>
-              <a:rPr lang="fr-CH" dirty="0" err="1"/>
-              <a:t>create</a:t>
-            </a:r>
-            <a:r>
-              <a:rPr lang="fr-CH" dirty="0"/>
-              <a:t> the </a:t>
-            </a:r>
-            <a:r>
-              <a:rPr lang="fr-CH" dirty="0" err="1"/>
-              <a:t>different</a:t>
-            </a:r>
-            <a:r>
-              <a:rPr lang="fr-CH" dirty="0"/>
-              <a:t> </a:t>
-            </a:r>
-            <a:r>
-              <a:rPr lang="fr-CH" dirty="0" err="1"/>
-              <a:t>generalization</a:t>
-            </a:r>
-            <a:r>
-              <a:rPr lang="fr-CH" dirty="0"/>
-              <a:t> </a:t>
-            </a:r>
-            <a:r>
-              <a:rPr lang="fr-CH" dirty="0" err="1"/>
-              <a:t>trees</a:t>
-            </a:r>
-            <a:r>
-              <a:rPr lang="fr-CH" dirty="0"/>
-              <a:t> </a:t>
-            </a:r>
-            <a:r>
-              <a:rPr lang="fr-CH" dirty="0" err="1">
-                <a:solidFill>
-                  <a:schemeClr val="bg1"/>
-                </a:solidFill>
-              </a:rPr>
-              <a:t>asdfa</a:t>
-            </a:r>
-            <a:r>
-              <a:rPr lang="fr-CH" dirty="0" err="1"/>
-              <a:t>with</a:t>
-            </a:r>
-            <a:r>
-              <a:rPr lang="fr-CH" dirty="0"/>
-              <a:t> custom </a:t>
-            </a:r>
-            <a:r>
-              <a:rPr lang="fr-CH" dirty="0" err="1"/>
-              <a:t>weights</a:t>
-            </a:r>
-            <a:endParaRPr lang="fr-CH" dirty="0"/>
-          </a:p>
-          <a:p>
-            <a:pPr algn="just"/>
-            <a:endParaRPr lang="fr-CH" dirty="0"/>
-          </a:p>
-        </p:txBody>
-      </p:sp>
-      <p:pic>
-        <p:nvPicPr>
-          <p:cNvPr id="9" name="Image 8">
-            <a:extLst>
-              <a:ext uri="{FF2B5EF4-FFF2-40B4-BE49-F238E27FC236}">
-                <a16:creationId xmlns:a16="http://schemas.microsoft.com/office/drawing/2014/main" id="{5FD4E744-E68C-48B9-8E0B-BCB81F2592ED}"/>
-              </a:ext>
-            </a:extLst>
-          </p:cNvPr>
-          <p:cNvPicPr>
-            <a:picLocks noChangeAspect="1"/>
-          </p:cNvPicPr>
-          <p:nvPr/>
-        </p:nvPicPr>
-        <p:blipFill>
-          <a:blip r:embed="rId2"/>
-          <a:stretch>
-            <a:fillRect/>
-          </a:stretch>
-        </p:blipFill>
-        <p:spPr>
-          <a:xfrm>
-            <a:off x="-1524" y="3190030"/>
-            <a:ext cx="12192000" cy="3280689"/>
-          </a:xfrm>
-          <a:prstGeom prst="rect">
-            <a:avLst/>
-          </a:prstGeom>
-        </p:spPr>
-      </p:pic>
-      <p:sp>
-        <p:nvSpPr>
-          <p:cNvPr id="34" name="ZoneTexte 33">
-            <a:extLst>
-              <a:ext uri="{FF2B5EF4-FFF2-40B4-BE49-F238E27FC236}">
-                <a16:creationId xmlns:a16="http://schemas.microsoft.com/office/drawing/2014/main" id="{402F9D17-8E92-44F2-8A54-69344D0C1D54}"/>
-              </a:ext>
-            </a:extLst>
-          </p:cNvPr>
-          <p:cNvSpPr txBox="1"/>
-          <p:nvPr/>
-        </p:nvSpPr>
-        <p:spPr>
-          <a:xfrm>
-            <a:off x="7908955" y="4746639"/>
-            <a:ext cx="1164750" cy="369332"/>
-          </a:xfrm>
-          <a:prstGeom prst="rect">
-            <a:avLst/>
-          </a:prstGeom>
-          <a:noFill/>
-        </p:spPr>
-        <p:txBody>
-          <a:bodyPr wrap="square" rtlCol="0">
-            <a:spAutoFit/>
-          </a:bodyPr>
-          <a:lstStyle/>
-          <a:p>
-            <a:r>
-              <a:rPr lang="fr-CH" dirty="0" err="1"/>
-              <a:t>Weight</a:t>
-            </a:r>
-            <a:r>
-              <a:rPr lang="fr-CH" dirty="0"/>
-              <a:t> : 2</a:t>
-            </a:r>
-            <a:endParaRPr lang="fr-FR" dirty="0"/>
-          </a:p>
-        </p:txBody>
-      </p:sp>
-    </p:spTree>
-    <p:extLst>
-      <p:ext uri="{BB962C8B-B14F-4D97-AF65-F5344CB8AC3E}">
-        <p14:creationId xmlns:p14="http://schemas.microsoft.com/office/powerpoint/2010/main" val="452397060"/>
-      </p:ext>
-    </p:extLst>
-  </p:cSld>
-  <p:clrMapOvr>
-    <a:masterClrMapping/>
-  </p:clrMapOvr>
-  <mc:AlternateContent xmlns:mc="http://schemas.openxmlformats.org/markup-compatibility/2006" xmlns:p14="http://schemas.microsoft.com/office/powerpoint/2010/main">
-    <mc:Choice Requires="p14">
-      <p:transition spd="med" p14:dur="700">
-        <p:fade/>
-      </p:transition>
-    </mc:Choice>
-    <mc:Fallback xmlns="">
-      <p:transition spd="med">
-        <p:fade/>
-      </p:transition>
-    </mc:Fallback>
-  </mc:AlternateContent>
-  <p:timing>
-    <p:tnLst>
-      <p:par>
-        <p:cTn id="1" dur="indefinite" restart="never" nodeType="tmRoot">
-          <p:childTnLst>
-            <p:seq concurrent="1" nextAc="seek">
-              <p:cTn id="2" dur="indefinite" nodeType="mainSeq">
-                <p:childTnLst>
-                  <p:par>
-                    <p:cTn id="3" fill="hold">
-                      <p:stCondLst>
-                        <p:cond delay="indefinite"/>
-                        <p:cond evt="onBegin" delay="0">
-                          <p:tn val="2"/>
-                        </p:cond>
-                      </p:stCondLst>
-                      <p:childTnLst>
-                        <p:par>
-                          <p:cTn id="4" fill="hold">
-                            <p:stCondLst>
-                              <p:cond delay="0"/>
-                            </p:stCondLst>
-                            <p:childTnLst>
-                              <p:par>
-                                <p:cTn id="5" presetID="10" presetClass="entr" presetSubtype="0" fill="hold" grpId="0" nodeType="withEffect">
-                                  <p:stCondLst>
-                                    <p:cond delay="0"/>
-                                  </p:stCondLst>
-                                  <p:iterate>
-                                    <p:tmPct val="10000"/>
-                                  </p:iterate>
-                                  <p:childTnLst>
-                                    <p:set>
-                                      <p:cBhvr>
-                                        <p:cTn id="6" dur="1" fill="hold">
-                                          <p:stCondLst>
-                                            <p:cond delay="0"/>
-                                          </p:stCondLst>
-                                        </p:cTn>
-                                        <p:tgtEl>
-                                          <p:spTgt spid="2"/>
-                                        </p:tgtEl>
-                                        <p:attrNameLst>
-                                          <p:attrName>style.visibility</p:attrName>
-                                        </p:attrNameLst>
-                                      </p:cBhvr>
-                                      <p:to>
-                                        <p:strVal val="visible"/>
-                                      </p:to>
-                                    </p:set>
-                                    <p:animEffect transition="in" filter="fade">
-                                      <p:cBhvr>
-                                        <p:cTn id="7" dur="700"/>
-                                        <p:tgtEl>
-                                          <p:spTgt spid="2"/>
-                                        </p:tgtEl>
-                                      </p:cBhvr>
-                                    </p:animEffect>
-                                  </p:childTnLst>
-                                </p:cTn>
-                              </p:par>
-                            </p:childTnLst>
-                          </p:cTn>
-                        </p:par>
-                      </p:childTnLst>
-                    </p:cTn>
-                  </p:par>
-                  <p:par>
-                    <p:cTn id="8" fill="hold">
-                      <p:stCondLst>
-                        <p:cond delay="indefinite"/>
-                      </p:stCondLst>
-                      <p:childTnLst>
-                        <p:par>
-                          <p:cTn id="9" fill="hold">
-                            <p:stCondLst>
-                              <p:cond delay="0"/>
-                            </p:stCondLst>
-                            <p:childTnLst>
-                              <p:par>
-                                <p:cTn id="10" presetID="10" presetClass="entr" presetSubtype="0" fill="hold" grpId="0" nodeType="clickEffect">
-                                  <p:stCondLst>
-                                    <p:cond delay="0"/>
-                                  </p:stCondLst>
-                                  <p:childTnLst>
-                                    <p:set>
-                                      <p:cBhvr>
-                                        <p:cTn id="11" dur="1" fill="hold">
-                                          <p:stCondLst>
-                                            <p:cond delay="0"/>
-                                          </p:stCondLst>
-                                        </p:cTn>
-                                        <p:tgtEl>
-                                          <p:spTgt spid="5">
-                                            <p:txEl>
-                                              <p:pRg st="0" end="0"/>
-                                            </p:txEl>
-                                          </p:spTgt>
-                                        </p:tgtEl>
-                                        <p:attrNameLst>
-                                          <p:attrName>style.visibility</p:attrName>
-                                        </p:attrNameLst>
-                                      </p:cBhvr>
-                                      <p:to>
-                                        <p:strVal val="visible"/>
-                                      </p:to>
-                                    </p:set>
-                                    <p:animEffect transition="in" filter="fade">
-                                      <p:cBhvr>
-                                        <p:cTn id="12" dur="500"/>
-                                        <p:tgtEl>
-                                          <p:spTgt spid="5">
-                                            <p:txEl>
-                                              <p:pRg st="0" end="0"/>
-                                            </p:txEl>
-                                          </p:spTgt>
-                                        </p:tgtEl>
-                                      </p:cBhvr>
-                                    </p:animEffect>
-                                  </p:childTnLst>
-                                </p:cTn>
-                              </p:par>
-                            </p:childTnLst>
-                          </p:cTn>
-                        </p:par>
-                      </p:childTnLst>
-                    </p:cTn>
-                  </p:par>
-                  <p:par>
-                    <p:cTn id="13" fill="hold">
-                      <p:stCondLst>
-                        <p:cond delay="indefinite"/>
-                      </p:stCondLst>
-                      <p:childTnLst>
-                        <p:par>
-                          <p:cTn id="14" fill="hold">
-                            <p:stCondLst>
-                              <p:cond delay="0"/>
-                            </p:stCondLst>
-                            <p:childTnLst>
-                              <p:par>
-                                <p:cTn id="15" presetID="10" presetClass="entr" presetSubtype="0" fill="hold" grpId="0" nodeType="clickEffect">
-                                  <p:stCondLst>
-                                    <p:cond delay="0"/>
-                                  </p:stCondLst>
-                                  <p:childTnLst>
-                                    <p:set>
-                                      <p:cBhvr>
-                                        <p:cTn id="16" dur="1" fill="hold">
-                                          <p:stCondLst>
-                                            <p:cond delay="0"/>
-                                          </p:stCondLst>
-                                        </p:cTn>
-                                        <p:tgtEl>
-                                          <p:spTgt spid="5">
-                                            <p:txEl>
-                                              <p:pRg st="1" end="1"/>
-                                            </p:txEl>
-                                          </p:spTgt>
-                                        </p:tgtEl>
-                                        <p:attrNameLst>
-                                          <p:attrName>style.visibility</p:attrName>
-                                        </p:attrNameLst>
-                                      </p:cBhvr>
-                                      <p:to>
-                                        <p:strVal val="visible"/>
-                                      </p:to>
-                                    </p:set>
-                                    <p:animEffect transition="in" filter="fade">
-                                      <p:cBhvr>
-                                        <p:cTn id="17" dur="500"/>
-                                        <p:tgtEl>
-                                          <p:spTgt spid="5">
-                                            <p:txEl>
-                                              <p:pRg st="1" end="1"/>
-                                            </p:txEl>
-                                          </p:spTgt>
-                                        </p:tgtEl>
-                                      </p:cBhvr>
-                                    </p:animEffect>
-                                  </p:childTnLst>
-                                </p:cTn>
-                              </p:par>
-                            </p:childTnLst>
-                          </p:cTn>
-                        </p:par>
-                      </p:childTnLst>
-                    </p:cTn>
-                  </p:par>
-                  <p:par>
-                    <p:cTn id="18" fill="hold">
-                      <p:stCondLst>
-                        <p:cond delay="indefinite"/>
-                      </p:stCondLst>
-                      <p:childTnLst>
-                        <p:par>
-                          <p:cTn id="19" fill="hold">
-                            <p:stCondLst>
-                              <p:cond delay="0"/>
-                            </p:stCondLst>
-                            <p:childTnLst>
-                              <p:par>
-                                <p:cTn id="20" presetID="10" presetClass="entr" presetSubtype="0" fill="hold" grpId="0" nodeType="clickEffect">
-                                  <p:stCondLst>
-                                    <p:cond delay="0"/>
-                                  </p:stCondLst>
-                                  <p:childTnLst>
-                                    <p:set>
-                                      <p:cBhvr>
-                                        <p:cTn id="21" dur="1" fill="hold">
-                                          <p:stCondLst>
-                                            <p:cond delay="0"/>
-                                          </p:stCondLst>
-                                        </p:cTn>
-                                        <p:tgtEl>
-                                          <p:spTgt spid="5">
-                                            <p:txEl>
-                                              <p:pRg st="2" end="2"/>
-                                            </p:txEl>
-                                          </p:spTgt>
-                                        </p:tgtEl>
-                                        <p:attrNameLst>
-                                          <p:attrName>style.visibility</p:attrName>
-                                        </p:attrNameLst>
-                                      </p:cBhvr>
-                                      <p:to>
-                                        <p:strVal val="visible"/>
-                                      </p:to>
-                                    </p:set>
-                                    <p:animEffect transition="in" filter="fade">
-                                      <p:cBhvr>
-                                        <p:cTn id="22" dur="500"/>
-                                        <p:tgtEl>
-                                          <p:spTgt spid="5">
-                                            <p:txEl>
-                                              <p:pRg st="2" end="2"/>
-                                            </p:txEl>
-                                          </p:spTgt>
-                                        </p:tgtEl>
-                                      </p:cBhvr>
-                                    </p:animEffect>
-                                  </p:childTnLst>
-                                </p:cTn>
-                              </p:par>
-                            </p:childTnLst>
-                          </p:cTn>
-                        </p:par>
-                      </p:childTnLst>
-                    </p:cTn>
-                  </p:par>
-                  <p:par>
-                    <p:cTn id="23" fill="hold">
-                      <p:stCondLst>
-                        <p:cond delay="indefinite"/>
-                      </p:stCondLst>
-                      <p:childTnLst>
-                        <p:par>
-                          <p:cTn id="24" fill="hold">
-                            <p:stCondLst>
-                              <p:cond delay="0"/>
-                            </p:stCondLst>
-                            <p:childTnLst>
-                              <p:par>
-                                <p:cTn id="25" presetID="10" presetClass="entr" presetSubtype="0" fill="hold" nodeType="clickEffect">
-                                  <p:stCondLst>
-                                    <p:cond delay="0"/>
-                                  </p:stCondLst>
-                                  <p:childTnLst>
-                                    <p:set>
-                                      <p:cBhvr>
-                                        <p:cTn id="26" dur="1" fill="hold">
-                                          <p:stCondLst>
-                                            <p:cond delay="0"/>
-                                          </p:stCondLst>
-                                        </p:cTn>
-                                        <p:tgtEl>
-                                          <p:spTgt spid="9"/>
-                                        </p:tgtEl>
-                                        <p:attrNameLst>
-                                          <p:attrName>style.visibility</p:attrName>
-                                        </p:attrNameLst>
-                                      </p:cBhvr>
-                                      <p:to>
-                                        <p:strVal val="visible"/>
-                                      </p:to>
-                                    </p:set>
-                                    <p:animEffect transition="in" filter="fade">
-                                      <p:cBhvr>
-                                        <p:cTn id="27" dur="500"/>
-                                        <p:tgtEl>
-                                          <p:spTgt spid="9"/>
-                                        </p:tgtEl>
-                                      </p:cBhvr>
-                                    </p:animEffect>
-                                  </p:childTnLst>
-                                </p:cTn>
-                              </p:par>
-                              <p:par>
-                                <p:cTn id="28" presetID="10" presetClass="entr" presetSubtype="0" fill="hold" grpId="0" nodeType="withEffect">
-                                  <p:stCondLst>
-                                    <p:cond delay="0"/>
-                                  </p:stCondLst>
-                                  <p:childTnLst>
-                                    <p:set>
-                                      <p:cBhvr>
-                                        <p:cTn id="29" dur="1" fill="hold">
-                                          <p:stCondLst>
-                                            <p:cond delay="0"/>
-                                          </p:stCondLst>
-                                        </p:cTn>
-                                        <p:tgtEl>
-                                          <p:spTgt spid="34"/>
-                                        </p:tgtEl>
-                                        <p:attrNameLst>
-                                          <p:attrName>style.visibility</p:attrName>
-                                        </p:attrNameLst>
-                                      </p:cBhvr>
-                                      <p:to>
-                                        <p:strVal val="visible"/>
-                                      </p:to>
-                                    </p:set>
-                                    <p:animEffect transition="in" filter="fade">
-                                      <p:cBhvr>
-                                        <p:cTn id="30" dur="500"/>
-                                        <p:tgtEl>
-                                          <p:spTgt spid="34"/>
-                                        </p:tgtEl>
-                                      </p:cBhvr>
-                                    </p:animEffect>
-                                  </p:childTnLst>
-                                </p:cTn>
-                              </p:par>
-                            </p:childTnLst>
-                          </p:cTn>
-                        </p:par>
-                      </p:childTnLst>
-                    </p:cTn>
-                  </p:par>
-                </p:childTnLst>
-              </p:cTn>
-              <p:prevCondLst>
-                <p:cond evt="onPrev" delay="0">
-                  <p:tgtEl>
-                    <p:sldTgt/>
-                  </p:tgtEl>
-                </p:cond>
-              </p:prevCondLst>
-              <p:nextCondLst>
-                <p:cond evt="onNext" delay="0">
-                  <p:tgtEl>
-                    <p:sldTgt/>
-                  </p:tgtEl>
-                </p:cond>
-              </p:nextCondLst>
-            </p:seq>
-          </p:childTnLst>
-        </p:cTn>
-      </p:par>
-    </p:tnLst>
-    <p:bldLst>
-      <p:bldP spid="2" grpId="0"/>
-      <p:bldP spid="5" grpId="0" build="p"/>
-      <p:bldP spid="34" grpId="0"/>
-    </p:bldLst>
-  </p:timing>
-</p:sld>
-</file>
-
-<file path=ppt/slides/slide5.xml><?xml version="1.0" encoding="utf-8"?>
-<p:sld xmlns:a="http://schemas.openxmlformats.org/drawingml/2006/main" xmlns:r="http://schemas.openxmlformats.org/officeDocument/2006/relationships" xmlns:p="http://schemas.openxmlformats.org/presentationml/2006/main">
-  <p:cSld>
-    <p:bg>
-      <p:bgPr>
-        <a:solidFill>
-          <a:schemeClr val="bg1"/>
-        </a:solidFill>
-        <a:effectLst/>
-      </p:bgPr>
-    </p:bg>
-    <p:spTree>
-      <p:nvGrpSpPr>
-        <p:cNvPr id="1" name=""/>
-        <p:cNvGrpSpPr/>
-        <p:nvPr/>
-      </p:nvGrpSpPr>
-      <p:grpSpPr>
-        <a:xfrm>
-          <a:off x="0" y="0"/>
-          <a:ext cx="0" cy="0"/>
-          <a:chOff x="0" y="0"/>
-          <a:chExt cx="0" cy="0"/>
-        </a:xfrm>
-      </p:grpSpPr>
-      <p:sp useBgFill="1">
-        <p:nvSpPr>
-          <p:cNvPr id="61" name="Rectangle 60">
-            <a:extLst>
-              <a:ext uri="{FF2B5EF4-FFF2-40B4-BE49-F238E27FC236}">
-                <a16:creationId xmlns:a16="http://schemas.microsoft.com/office/drawing/2014/main" id="{1FD5705B-63E0-4364-B909-EC902FEAAC07}"/>
-              </a:ext>
-              <a:ext uri="{C183D7F6-B498-43B3-948B-1728B52AA6E4}">
-                <adec:decorative xmlns:adec="http://schemas.microsoft.com/office/drawing/2017/decorative" val="1"/>
-              </a:ext>
-            </a:extLst>
-          </p:cNvPr>
-          <p:cNvSpPr>
-            <a:spLocks noGrp="1" noRot="1" noChangeAspect="1" noMove="1" noResize="1" noEditPoints="1" noAdjustHandles="1" noChangeArrowheads="1" noChangeShapeType="1" noTextEdit="1"/>
-          </p:cNvSpPr>
-          <p:nvPr>
-            <p:extLst>
-              <p:ext uri="{386F3935-93C4-4BCD-93E2-E3B085C9AB24}">
-                <p16:designElem xmlns:p16="http://schemas.microsoft.com/office/powerpoint/2015/main" val="1"/>
-              </p:ext>
-            </p:extLst>
-          </p:nvPr>
-        </p:nvSpPr>
-        <p:spPr>
-          <a:xfrm>
-            <a:off x="1524" y="0"/>
-            <a:ext cx="12188952" cy="6858000"/>
-          </a:xfrm>
-          <a:prstGeom prst="rect">
-            <a:avLst/>
-          </a:prstGeom>
-          <a:ln>
-            <a:noFill/>
-          </a:ln>
-        </p:spPr>
-        <p:style>
-          <a:lnRef idx="2">
-            <a:schemeClr val="accent1">
-              <a:shade val="50000"/>
-            </a:schemeClr>
-          </a:lnRef>
-          <a:fillRef idx="1">
-            <a:schemeClr val="accent1"/>
-          </a:fillRef>
-          <a:effectRef idx="0">
-            <a:schemeClr val="accent1"/>
-          </a:effectRef>
-          <a:fontRef idx="minor">
-            <a:schemeClr val="lt1"/>
-          </a:fontRef>
-        </p:style>
-        <p:txBody>
-          <a:bodyPr rtlCol="0" anchor="ctr"/>
-          <a:lstStyle/>
-          <a:p>
-            <a:pPr algn="ctr"/>
-            <a:endParaRPr lang="en-US"/>
-          </a:p>
-        </p:txBody>
-      </p:sp>
-      <p:sp>
-        <p:nvSpPr>
-          <p:cNvPr id="63" name="Rectangle 62">
-            <a:extLst>
-              <a:ext uri="{FF2B5EF4-FFF2-40B4-BE49-F238E27FC236}">
-                <a16:creationId xmlns:a16="http://schemas.microsoft.com/office/drawing/2014/main" id="{0B7E355D-DAEA-4421-B67A-FA13C0FBDCE8}"/>
-              </a:ext>
-              <a:ext uri="{C183D7F6-B498-43B3-948B-1728B52AA6E4}">
-                <adec:decorative xmlns:adec="http://schemas.microsoft.com/office/drawing/2017/decorative" val="1"/>
-              </a:ext>
-            </a:extLst>
-          </p:cNvPr>
-          <p:cNvSpPr>
-            <a:spLocks noGrp="1" noRot="1" noChangeAspect="1" noMove="1" noResize="1" noEditPoints="1" noAdjustHandles="1" noChangeArrowheads="1" noChangeShapeType="1" noTextEdit="1"/>
-          </p:cNvSpPr>
-          <p:nvPr>
-            <p:extLst>
-              <p:ext uri="{386F3935-93C4-4BCD-93E2-E3B085C9AB24}">
-                <p16:designElem xmlns:p16="http://schemas.microsoft.com/office/powerpoint/2015/main" val="1"/>
-              </p:ext>
-            </p:extLst>
-          </p:nvPr>
-        </p:nvSpPr>
-        <p:spPr>
-          <a:xfrm>
-            <a:off x="1524" y="0"/>
-            <a:ext cx="12188952" cy="6858000"/>
-          </a:xfrm>
-          <a:prstGeom prst="rect">
-            <a:avLst/>
-          </a:prstGeom>
-          <a:solidFill>
-            <a:schemeClr val="bg2">
-              <a:lumMod val="90000"/>
-              <a:alpha val="30000"/>
-            </a:schemeClr>
-          </a:solidFill>
-          <a:ln>
-            <a:noFill/>
-          </a:ln>
-        </p:spPr>
-        <p:style>
-          <a:lnRef idx="2">
-            <a:schemeClr val="accent1">
-              <a:shade val="50000"/>
-            </a:schemeClr>
-          </a:lnRef>
-          <a:fillRef idx="1">
-            <a:schemeClr val="accent1"/>
-          </a:fillRef>
-          <a:effectRef idx="0">
-            <a:schemeClr val="accent1"/>
-          </a:effectRef>
-          <a:fontRef idx="minor">
-            <a:schemeClr val="lt1"/>
-          </a:fontRef>
-        </p:style>
-        <p:txBody>
-          <a:bodyPr rtlCol="0" anchor="ctr"/>
-          <a:lstStyle/>
-          <a:p>
-            <a:pPr algn="ctr"/>
-            <a:endParaRPr lang="en-US" sz="900">
-              <a:solidFill>
-                <a:schemeClr val="bg1"/>
-              </a:solidFill>
-              <a:latin typeface="+mj-lt"/>
-            </a:endParaRPr>
-          </a:p>
-        </p:txBody>
-      </p:sp>
-      <p:sp>
-        <p:nvSpPr>
-          <p:cNvPr id="2" name="Titre 1">
-            <a:extLst>
-              <a:ext uri="{FF2B5EF4-FFF2-40B4-BE49-F238E27FC236}">
-                <a16:creationId xmlns:a16="http://schemas.microsoft.com/office/drawing/2014/main" id="{F1CB848B-7D97-4DB5-A6B4-0F990D5A8959}"/>
-              </a:ext>
-            </a:extLst>
-          </p:cNvPr>
-          <p:cNvSpPr>
-            <a:spLocks noGrp="1"/>
-          </p:cNvSpPr>
-          <p:nvPr>
-            <p:ph type="ctrTitle"/>
-          </p:nvPr>
-        </p:nvSpPr>
-        <p:spPr>
-          <a:xfrm>
-            <a:off x="234314" y="174625"/>
-            <a:ext cx="5298268" cy="862013"/>
-          </a:xfrm>
-        </p:spPr>
-        <p:txBody>
-          <a:bodyPr>
-            <a:normAutofit fontScale="90000"/>
-          </a:bodyPr>
-          <a:lstStyle/>
-          <a:p>
-            <a:pPr algn="l"/>
-            <a:r>
-              <a:rPr lang="fr-CH" dirty="0"/>
-              <a:t>State of the </a:t>
-            </a:r>
-            <a:r>
-              <a:rPr lang="fr-CH" dirty="0" err="1"/>
-              <a:t>project</a:t>
-            </a:r>
-            <a:endParaRPr lang="fr-FR" dirty="0"/>
-          </a:p>
-        </p:txBody>
-      </p:sp>
-      <p:grpSp>
-        <p:nvGrpSpPr>
-          <p:cNvPr id="65" name="decorative circles">
-            <a:extLst>
-              <a:ext uri="{FF2B5EF4-FFF2-40B4-BE49-F238E27FC236}">
-                <a16:creationId xmlns:a16="http://schemas.microsoft.com/office/drawing/2014/main" id="{61D9147E-6246-4344-B99C-7E58532D8CB5}"/>
-              </a:ext>
-              <a:ext uri="{C183D7F6-B498-43B3-948B-1728B52AA6E4}">
-                <adec:decorative xmlns:adec="http://schemas.microsoft.com/office/drawing/2017/decorative" val="1"/>
-              </a:ext>
-            </a:extLst>
-          </p:cNvPr>
-          <p:cNvGrpSpPr>
-            <a:grpSpLocks noGrp="1" noUngrp="1" noRot="1" noChangeAspect="1" noMove="1" noResize="1"/>
-          </p:cNvGrpSpPr>
-          <p:nvPr>
-            <p:extLst>
-              <p:ext uri="{386F3935-93C4-4BCD-93E2-E3B085C9AB24}">
-                <p16:designElem xmlns:p16="http://schemas.microsoft.com/office/powerpoint/2015/main" val="1"/>
-              </p:ext>
-            </p:extLst>
-          </p:nvPr>
-        </p:nvGrpSpPr>
-        <p:grpSpPr>
-          <a:xfrm>
-            <a:off x="6870062" y="289695"/>
-            <a:ext cx="4971115" cy="6138399"/>
-            <a:chOff x="6870062" y="289695"/>
-            <a:chExt cx="4971115" cy="6138399"/>
-          </a:xfrm>
-        </p:grpSpPr>
-        <p:sp>
-          <p:nvSpPr>
-            <p:cNvPr id="66" name="Oval 65">
-              <a:extLst>
-                <a:ext uri="{FF2B5EF4-FFF2-40B4-BE49-F238E27FC236}">
-                  <a16:creationId xmlns:a16="http://schemas.microsoft.com/office/drawing/2014/main" id="{B9D06285-CD49-4308-BDD4-0AF48D39BE4D}"/>
-                </a:ext>
-                <a:ext uri="{C183D7F6-B498-43B3-948B-1728B52AA6E4}">
-                  <adec:decorative xmlns:adec="http://schemas.microsoft.com/office/drawing/2017/decorative" val="1"/>
-                </a:ext>
-              </a:extLst>
-            </p:cNvPr>
-            <p:cNvSpPr/>
-            <p:nvPr>
-              <p:extLst>
-                <p:ext uri="{386F3935-93C4-4BCD-93E2-E3B085C9AB24}">
-                  <p16:designElem xmlns:p16="http://schemas.microsoft.com/office/powerpoint/2015/main" val="1"/>
-                </p:ext>
-              </p:extLst>
-            </p:nvPr>
-          </p:nvSpPr>
-          <p:spPr>
-            <a:xfrm>
-              <a:off x="10543605" y="289695"/>
-              <a:ext cx="226735" cy="226735"/>
-            </a:xfrm>
-            <a:prstGeom prst="ellipse">
-              <a:avLst/>
-            </a:prstGeom>
-            <a:solidFill>
-              <a:srgbClr val="97446E"/>
-            </a:solidFill>
-            <a:ln>
-              <a:noFill/>
-            </a:ln>
-          </p:spPr>
-          <p:style>
-            <a:lnRef idx="2">
-              <a:schemeClr val="accent1">
-                <a:shade val="50000"/>
-              </a:schemeClr>
-            </a:lnRef>
-            <a:fillRef idx="1">
-              <a:schemeClr val="accent1"/>
-            </a:fillRef>
-            <a:effectRef idx="0">
-              <a:schemeClr val="accent1"/>
-            </a:effectRef>
-            <a:fontRef idx="minor">
-              <a:schemeClr val="lt1"/>
-            </a:fontRef>
-          </p:style>
-          <p:txBody>
-            <a:bodyPr rtlCol="0" anchor="ctr"/>
-            <a:lstStyle/>
-            <a:p>
-              <a:pPr algn="ctr"/>
-              <a:endParaRPr lang="en-US"/>
-            </a:p>
-          </p:txBody>
-        </p:sp>
-        <p:sp>
-          <p:nvSpPr>
-            <p:cNvPr id="67" name="Oval 66">
-              <a:extLst>
-                <a:ext uri="{FF2B5EF4-FFF2-40B4-BE49-F238E27FC236}">
-                  <a16:creationId xmlns:a16="http://schemas.microsoft.com/office/drawing/2014/main" id="{1D4A3886-A465-4577-99CE-251AA7B923AA}"/>
-                </a:ext>
-                <a:ext uri="{C183D7F6-B498-43B3-948B-1728B52AA6E4}">
-                  <adec:decorative xmlns:adec="http://schemas.microsoft.com/office/drawing/2017/decorative" val="1"/>
-                </a:ext>
-              </a:extLst>
-            </p:cNvPr>
-            <p:cNvSpPr/>
-            <p:nvPr>
-              <p:extLst>
-                <p:ext uri="{386F3935-93C4-4BCD-93E2-E3B085C9AB24}">
-                  <p16:designElem xmlns:p16="http://schemas.microsoft.com/office/powerpoint/2015/main" val="1"/>
-                </p:ext>
-              </p:extLst>
-            </p:nvPr>
-          </p:nvSpPr>
-          <p:spPr>
-            <a:xfrm>
-              <a:off x="11374736" y="5667686"/>
-              <a:ext cx="466441" cy="466441"/>
-            </a:xfrm>
-            <a:prstGeom prst="ellipse">
-              <a:avLst/>
-            </a:prstGeom>
-            <a:solidFill>
-              <a:schemeClr val="accent2">
-                <a:lumMod val="60000"/>
-                <a:lumOff val="40000"/>
-              </a:schemeClr>
-            </a:solidFill>
-            <a:ln>
-              <a:noFill/>
-            </a:ln>
-          </p:spPr>
-          <p:style>
-            <a:lnRef idx="2">
-              <a:schemeClr val="accent1">
-                <a:shade val="50000"/>
-              </a:schemeClr>
-            </a:lnRef>
-            <a:fillRef idx="1">
-              <a:schemeClr val="accent1"/>
-            </a:fillRef>
-            <a:effectRef idx="0">
-              <a:schemeClr val="accent1"/>
-            </a:effectRef>
-            <a:fontRef idx="minor">
-              <a:schemeClr val="lt1"/>
-            </a:fontRef>
-          </p:style>
-          <p:txBody>
-            <a:bodyPr rtlCol="0" anchor="ctr"/>
-            <a:lstStyle/>
-            <a:p>
-              <a:pPr algn="ctr"/>
-              <a:endParaRPr lang="en-US"/>
-            </a:p>
-          </p:txBody>
-        </p:sp>
-        <p:sp>
-          <p:nvSpPr>
-            <p:cNvPr id="68" name="Oval 67">
-              <a:extLst>
-                <a:ext uri="{FF2B5EF4-FFF2-40B4-BE49-F238E27FC236}">
-                  <a16:creationId xmlns:a16="http://schemas.microsoft.com/office/drawing/2014/main" id="{6B4A1D21-7CBB-44D9-A528-DB74C3107EBE}"/>
-                </a:ext>
-                <a:ext uri="{C183D7F6-B498-43B3-948B-1728B52AA6E4}">
-                  <adec:decorative xmlns:adec="http://schemas.microsoft.com/office/drawing/2017/decorative" val="1"/>
-                </a:ext>
-              </a:extLst>
-            </p:cNvPr>
-            <p:cNvSpPr/>
-            <p:nvPr>
-              <p:extLst>
-                <p:ext uri="{386F3935-93C4-4BCD-93E2-E3B085C9AB24}">
-                  <p16:designElem xmlns:p16="http://schemas.microsoft.com/office/powerpoint/2015/main" val="1"/>
-                </p:ext>
-              </p:extLst>
-            </p:nvPr>
-          </p:nvSpPr>
-          <p:spPr>
-            <a:xfrm>
-              <a:off x="11427805" y="5275653"/>
-              <a:ext cx="113367" cy="113367"/>
-            </a:xfrm>
-            <a:prstGeom prst="ellipse">
-              <a:avLst/>
-            </a:prstGeom>
-            <a:solidFill>
-              <a:srgbClr val="F39E29"/>
-            </a:solidFill>
-            <a:ln>
-              <a:noFill/>
-            </a:ln>
-          </p:spPr>
-          <p:style>
-            <a:lnRef idx="2">
-              <a:schemeClr val="accent1">
-                <a:shade val="50000"/>
-              </a:schemeClr>
-            </a:lnRef>
-            <a:fillRef idx="1">
-              <a:schemeClr val="accent1"/>
-            </a:fillRef>
-            <a:effectRef idx="0">
-              <a:schemeClr val="accent1"/>
-            </a:effectRef>
-            <a:fontRef idx="minor">
-              <a:schemeClr val="lt1"/>
-            </a:fontRef>
-          </p:style>
-          <p:txBody>
-            <a:bodyPr rtlCol="0" anchor="ctr"/>
-            <a:lstStyle/>
-            <a:p>
-              <a:pPr algn="ctr"/>
-              <a:endParaRPr lang="en-US"/>
-            </a:p>
-          </p:txBody>
-        </p:sp>
-        <p:sp>
-          <p:nvSpPr>
-            <p:cNvPr id="69" name="Oval 68">
-              <a:extLst>
-                <a:ext uri="{FF2B5EF4-FFF2-40B4-BE49-F238E27FC236}">
-                  <a16:creationId xmlns:a16="http://schemas.microsoft.com/office/drawing/2014/main" id="{73600DE0-90F9-4BD7-A084-ECB65A27BBDF}"/>
-                </a:ext>
-                <a:ext uri="{C183D7F6-B498-43B3-948B-1728B52AA6E4}">
-                  <adec:decorative xmlns:adec="http://schemas.microsoft.com/office/drawing/2017/decorative" val="1"/>
-                </a:ext>
-              </a:extLst>
-            </p:cNvPr>
-            <p:cNvSpPr/>
-            <p:nvPr>
-              <p:extLst>
-                <p:ext uri="{386F3935-93C4-4BCD-93E2-E3B085C9AB24}">
-                  <p16:designElem xmlns:p16="http://schemas.microsoft.com/office/powerpoint/2015/main" val="1"/>
-                </p:ext>
-              </p:extLst>
-            </p:nvPr>
-          </p:nvSpPr>
-          <p:spPr>
-            <a:xfrm>
-              <a:off x="11069847" y="5942894"/>
-              <a:ext cx="94160" cy="94160"/>
-            </a:xfrm>
-            <a:prstGeom prst="ellipse">
-              <a:avLst/>
-            </a:prstGeom>
-            <a:solidFill>
-              <a:srgbClr val="E3BEBE">
-                <a:alpha val="28000"/>
-              </a:srgbClr>
-            </a:solidFill>
-            <a:ln>
-              <a:noFill/>
-            </a:ln>
-          </p:spPr>
-          <p:style>
-            <a:lnRef idx="2">
-              <a:schemeClr val="accent1">
-                <a:shade val="50000"/>
-              </a:schemeClr>
-            </a:lnRef>
-            <a:fillRef idx="1">
-              <a:schemeClr val="accent1"/>
-            </a:fillRef>
-            <a:effectRef idx="0">
-              <a:schemeClr val="accent1"/>
-            </a:effectRef>
-            <a:fontRef idx="minor">
-              <a:schemeClr val="lt1"/>
-            </a:fontRef>
-          </p:style>
-          <p:txBody>
-            <a:bodyPr rtlCol="0" anchor="ctr"/>
-            <a:lstStyle/>
-            <a:p>
-              <a:pPr algn="ctr"/>
-              <a:endParaRPr lang="en-US"/>
-            </a:p>
-          </p:txBody>
-        </p:sp>
-        <p:sp>
-          <p:nvSpPr>
-            <p:cNvPr id="70" name="Oval 69">
-              <a:extLst>
-                <a:ext uri="{FF2B5EF4-FFF2-40B4-BE49-F238E27FC236}">
-                  <a16:creationId xmlns:a16="http://schemas.microsoft.com/office/drawing/2014/main" id="{EC243907-3995-49EB-94E9-35C68C13CFE5}"/>
-                </a:ext>
-                <a:ext uri="{C183D7F6-B498-43B3-948B-1728B52AA6E4}">
-                  <adec:decorative xmlns:adec="http://schemas.microsoft.com/office/drawing/2017/decorative" val="1"/>
-                </a:ext>
-              </a:extLst>
-            </p:cNvPr>
-            <p:cNvSpPr/>
-            <p:nvPr>
-              <p:extLst>
-                <p:ext uri="{386F3935-93C4-4BCD-93E2-E3B085C9AB24}">
-                  <p16:designElem xmlns:p16="http://schemas.microsoft.com/office/powerpoint/2015/main" val="1"/>
-                </p:ext>
-              </p:extLst>
-            </p:nvPr>
-          </p:nvSpPr>
-          <p:spPr>
-            <a:xfrm>
-              <a:off x="11181540" y="655922"/>
-              <a:ext cx="466441" cy="466441"/>
-            </a:xfrm>
-            <a:prstGeom prst="ellipse">
-              <a:avLst/>
-            </a:prstGeom>
-            <a:solidFill>
-              <a:schemeClr val="accent2">
-                <a:lumMod val="20000"/>
-                <a:lumOff val="80000"/>
-              </a:schemeClr>
-            </a:solidFill>
-            <a:ln>
-              <a:noFill/>
-            </a:ln>
-          </p:spPr>
-          <p:style>
-            <a:lnRef idx="2">
-              <a:schemeClr val="accent1">
-                <a:shade val="50000"/>
-              </a:schemeClr>
-            </a:lnRef>
-            <a:fillRef idx="1">
-              <a:schemeClr val="accent1"/>
-            </a:fillRef>
-            <a:effectRef idx="0">
-              <a:schemeClr val="accent1"/>
-            </a:effectRef>
-            <a:fontRef idx="minor">
-              <a:schemeClr val="lt1"/>
-            </a:fontRef>
-          </p:style>
-          <p:txBody>
-            <a:bodyPr rtlCol="0" anchor="ctr"/>
-            <a:lstStyle/>
-            <a:p>
-              <a:pPr algn="ctr"/>
-              <a:endParaRPr lang="en-US"/>
-            </a:p>
-          </p:txBody>
-        </p:sp>
-        <p:sp>
-          <p:nvSpPr>
-            <p:cNvPr id="71" name="Oval 70">
-              <a:extLst>
-                <a:ext uri="{FF2B5EF4-FFF2-40B4-BE49-F238E27FC236}">
-                  <a16:creationId xmlns:a16="http://schemas.microsoft.com/office/drawing/2014/main" id="{4629A2DC-7066-4487-A307-68F210722CB8}"/>
-                </a:ext>
-                <a:ext uri="{C183D7F6-B498-43B3-948B-1728B52AA6E4}">
-                  <adec:decorative xmlns:adec="http://schemas.microsoft.com/office/drawing/2017/decorative" val="1"/>
-                </a:ext>
-              </a:extLst>
-            </p:cNvPr>
-            <p:cNvSpPr/>
-            <p:nvPr>
-              <p:extLst>
-                <p:ext uri="{386F3935-93C4-4BCD-93E2-E3B085C9AB24}">
-                  <p16:designElem xmlns:p16="http://schemas.microsoft.com/office/powerpoint/2015/main" val="1"/>
-                </p:ext>
-              </p:extLst>
-            </p:nvPr>
-          </p:nvSpPr>
-          <p:spPr>
-            <a:xfrm>
-              <a:off x="11003560" y="387281"/>
-              <a:ext cx="113367" cy="113367"/>
-            </a:xfrm>
-            <a:prstGeom prst="ellipse">
-              <a:avLst/>
-            </a:prstGeom>
-            <a:solidFill>
-              <a:schemeClr val="accent3"/>
-            </a:solidFill>
-            <a:ln>
-              <a:noFill/>
-            </a:ln>
-          </p:spPr>
-          <p:style>
-            <a:lnRef idx="2">
-              <a:schemeClr val="accent1">
-                <a:shade val="50000"/>
-              </a:schemeClr>
-            </a:lnRef>
-            <a:fillRef idx="1">
-              <a:schemeClr val="accent1"/>
-            </a:fillRef>
-            <a:effectRef idx="0">
-              <a:schemeClr val="accent1"/>
-            </a:effectRef>
-            <a:fontRef idx="minor">
-              <a:schemeClr val="lt1"/>
-            </a:fontRef>
-          </p:style>
-          <p:txBody>
-            <a:bodyPr rtlCol="0" anchor="ctr"/>
-            <a:lstStyle/>
-            <a:p>
-              <a:pPr algn="ctr"/>
-              <a:endParaRPr lang="en-US"/>
-            </a:p>
-          </p:txBody>
-        </p:sp>
-        <p:sp>
-          <p:nvSpPr>
-            <p:cNvPr id="72" name="Oval 71">
-              <a:extLst>
-                <a:ext uri="{FF2B5EF4-FFF2-40B4-BE49-F238E27FC236}">
-                  <a16:creationId xmlns:a16="http://schemas.microsoft.com/office/drawing/2014/main" id="{D0508B2B-067E-421A-9C09-522CFF39FBA4}"/>
-                </a:ext>
-                <a:ext uri="{C183D7F6-B498-43B3-948B-1728B52AA6E4}">
-                  <adec:decorative xmlns:adec="http://schemas.microsoft.com/office/drawing/2017/decorative" val="1"/>
-                </a:ext>
-              </a:extLst>
-            </p:cNvPr>
-            <p:cNvSpPr/>
-            <p:nvPr>
-              <p:extLst>
-                <p:ext uri="{386F3935-93C4-4BCD-93E2-E3B085C9AB24}">
-                  <p16:designElem xmlns:p16="http://schemas.microsoft.com/office/powerpoint/2015/main" val="1"/>
-                </p:ext>
-              </p:extLst>
-            </p:nvPr>
-          </p:nvSpPr>
-          <p:spPr>
-            <a:xfrm>
-              <a:off x="7163367" y="6122314"/>
-              <a:ext cx="305780" cy="305780"/>
-            </a:xfrm>
-            <a:prstGeom prst="ellipse">
-              <a:avLst/>
-            </a:prstGeom>
-            <a:solidFill>
-              <a:schemeClr val="accent3"/>
-            </a:solidFill>
-            <a:ln>
-              <a:noFill/>
-            </a:ln>
-          </p:spPr>
-          <p:style>
-            <a:lnRef idx="2">
-              <a:schemeClr val="accent1">
-                <a:shade val="50000"/>
-              </a:schemeClr>
-            </a:lnRef>
-            <a:fillRef idx="1">
-              <a:schemeClr val="accent1"/>
-            </a:fillRef>
-            <a:effectRef idx="0">
-              <a:schemeClr val="accent1"/>
-            </a:effectRef>
-            <a:fontRef idx="minor">
-              <a:schemeClr val="lt1"/>
-            </a:fontRef>
-          </p:style>
-          <p:txBody>
-            <a:bodyPr rtlCol="0" anchor="ctr"/>
-            <a:lstStyle/>
-            <a:p>
-              <a:pPr algn="ctr"/>
-              <a:endParaRPr lang="en-US"/>
-            </a:p>
-          </p:txBody>
-        </p:sp>
-        <p:sp>
-          <p:nvSpPr>
-            <p:cNvPr id="73" name="Oval 72">
-              <a:extLst>
-                <a:ext uri="{FF2B5EF4-FFF2-40B4-BE49-F238E27FC236}">
-                  <a16:creationId xmlns:a16="http://schemas.microsoft.com/office/drawing/2014/main" id="{889BA730-4DAE-4702-A5C5-013F9CEB09F1}"/>
-                </a:ext>
-                <a:ext uri="{C183D7F6-B498-43B3-948B-1728B52AA6E4}">
-                  <adec:decorative xmlns:adec="http://schemas.microsoft.com/office/drawing/2017/decorative" val="1"/>
-                </a:ext>
-              </a:extLst>
-            </p:cNvPr>
-            <p:cNvSpPr/>
-            <p:nvPr>
-              <p:extLst>
-                <p:ext uri="{386F3935-93C4-4BCD-93E2-E3B085C9AB24}">
-                  <p16:designElem xmlns:p16="http://schemas.microsoft.com/office/powerpoint/2015/main" val="1"/>
-                </p:ext>
-              </p:extLst>
-            </p:nvPr>
-          </p:nvSpPr>
-          <p:spPr>
-            <a:xfrm>
-              <a:off x="6870062" y="5959435"/>
-              <a:ext cx="113367" cy="113367"/>
-            </a:xfrm>
-            <a:prstGeom prst="ellipse">
-              <a:avLst/>
-            </a:prstGeom>
-            <a:solidFill>
-              <a:schemeClr val="accent5"/>
-            </a:solidFill>
-            <a:ln>
-              <a:noFill/>
-            </a:ln>
-          </p:spPr>
-          <p:style>
-            <a:lnRef idx="2">
-              <a:schemeClr val="accent1">
-                <a:shade val="50000"/>
-              </a:schemeClr>
-            </a:lnRef>
-            <a:fillRef idx="1">
-              <a:schemeClr val="accent1"/>
-            </a:fillRef>
-            <a:effectRef idx="0">
-              <a:schemeClr val="accent1"/>
-            </a:effectRef>
-            <a:fontRef idx="minor">
-              <a:schemeClr val="lt1"/>
-            </a:fontRef>
-          </p:style>
-          <p:txBody>
-            <a:bodyPr rtlCol="0" anchor="ctr"/>
-            <a:lstStyle/>
-            <a:p>
-              <a:pPr algn="ctr"/>
-              <a:endParaRPr lang="en-US"/>
-            </a:p>
-          </p:txBody>
-        </p:sp>
-      </p:grpSp>
-      <p:sp>
-        <p:nvSpPr>
-          <p:cNvPr id="4" name="Sous-titre 3">
-            <a:extLst>
-              <a:ext uri="{FF2B5EF4-FFF2-40B4-BE49-F238E27FC236}">
-                <a16:creationId xmlns:a16="http://schemas.microsoft.com/office/drawing/2014/main" id="{CF40FCA2-7664-4E6A-8D1A-11373D502CB1}"/>
-              </a:ext>
-            </a:extLst>
-          </p:cNvPr>
-          <p:cNvSpPr>
-            <a:spLocks noGrp="1"/>
-          </p:cNvSpPr>
-          <p:nvPr>
-            <p:ph type="subTitle" idx="1"/>
-          </p:nvPr>
-        </p:nvSpPr>
-        <p:spPr>
-          <a:xfrm>
-            <a:off x="234314" y="1111873"/>
-            <a:ext cx="9144000" cy="5472112"/>
-          </a:xfrm>
-        </p:spPr>
-        <p:txBody>
-          <a:bodyPr/>
-          <a:lstStyle/>
-          <a:p>
-            <a:pPr algn="l"/>
-            <a:r>
-              <a:rPr lang="fr-CH" b="1" dirty="0" err="1"/>
-              <a:t>Already</a:t>
-            </a:r>
-            <a:r>
-              <a:rPr lang="fr-CH" b="1" dirty="0"/>
-              <a:t> </a:t>
-            </a:r>
-            <a:r>
-              <a:rPr lang="fr-CH" b="1" dirty="0" err="1"/>
-              <a:t>Done</a:t>
-            </a:r>
-            <a:endParaRPr lang="fr-CH" b="1" dirty="0"/>
-          </a:p>
-          <a:p>
-            <a:pPr algn="l"/>
-            <a:r>
-              <a:rPr lang="fr-CH" b="1" dirty="0"/>
-              <a:t>     -  </a:t>
-            </a:r>
-            <a:r>
-              <a:rPr lang="fr-CH" dirty="0" err="1"/>
-              <a:t>Hardcode</a:t>
-            </a:r>
-            <a:r>
-              <a:rPr lang="fr-CH" dirty="0"/>
-              <a:t> </a:t>
-            </a:r>
-            <a:r>
-              <a:rPr lang="fr-CH" dirty="0" err="1"/>
-              <a:t>implementation</a:t>
-            </a:r>
-            <a:r>
-              <a:rPr lang="fr-CH" dirty="0"/>
-              <a:t> of Incognito </a:t>
-            </a:r>
-            <a:r>
-              <a:rPr lang="fr-CH" dirty="0" err="1"/>
-              <a:t>algorithm</a:t>
-            </a:r>
-            <a:endParaRPr lang="fr-CH" dirty="0"/>
-          </a:p>
-          <a:p>
-            <a:pPr algn="l"/>
-            <a:r>
-              <a:rPr lang="fr-CH" b="1" dirty="0"/>
-              <a:t>     -  </a:t>
-            </a:r>
-            <a:r>
-              <a:rPr lang="fr-CH" dirty="0"/>
-              <a:t>First version of the </a:t>
-            </a:r>
-            <a:r>
-              <a:rPr lang="fr-CH" dirty="0" err="1"/>
-              <a:t>DataFly</a:t>
-            </a:r>
-            <a:r>
-              <a:rPr lang="fr-CH" dirty="0"/>
-              <a:t> </a:t>
-            </a:r>
-            <a:r>
-              <a:rPr lang="fr-CH" dirty="0" err="1"/>
-              <a:t>algorithm</a:t>
-            </a:r>
-            <a:endParaRPr lang="fr-CH" dirty="0"/>
-          </a:p>
-          <a:p>
-            <a:pPr algn="l"/>
-            <a:r>
-              <a:rPr lang="fr-CH" b="1" dirty="0"/>
-              <a:t>     -  </a:t>
-            </a:r>
-            <a:r>
-              <a:rPr lang="fr-CH" dirty="0" err="1"/>
-              <a:t>Proposal</a:t>
-            </a:r>
-            <a:r>
-              <a:rPr lang="fr-CH" dirty="0"/>
-              <a:t> of </a:t>
-            </a:r>
-            <a:r>
-              <a:rPr lang="fr-CH" dirty="0" err="1"/>
-              <a:t>DataFly-weighted</a:t>
-            </a:r>
-            <a:r>
-              <a:rPr lang="fr-CH" dirty="0"/>
-              <a:t> </a:t>
-            </a:r>
-            <a:r>
-              <a:rPr lang="fr-CH" dirty="0" err="1"/>
-              <a:t>algorithm</a:t>
-            </a:r>
-            <a:endParaRPr lang="fr-CH" dirty="0"/>
-          </a:p>
-          <a:p>
-            <a:pPr algn="l"/>
-            <a:r>
-              <a:rPr lang="fr-CH" dirty="0"/>
-              <a:t>     -  First </a:t>
-            </a:r>
-            <a:r>
-              <a:rPr lang="fr-CH" dirty="0" err="1"/>
-              <a:t>purified</a:t>
-            </a:r>
-            <a:r>
-              <a:rPr lang="fr-CH" dirty="0"/>
-              <a:t> version of the web </a:t>
-            </a:r>
-            <a:r>
-              <a:rPr lang="fr-CH" dirty="0" err="1"/>
-              <a:t>tool</a:t>
-            </a:r>
-            <a:r>
-              <a:rPr lang="fr-CH" dirty="0"/>
-              <a:t> </a:t>
-            </a:r>
-            <a:r>
-              <a:rPr lang="fr-CH" dirty="0" err="1"/>
-              <a:t>with</a:t>
-            </a:r>
-            <a:r>
-              <a:rPr lang="fr-CH" dirty="0"/>
-              <a:t> Flask (python)</a:t>
-            </a:r>
-          </a:p>
-          <a:p>
-            <a:pPr algn="l"/>
-            <a:r>
-              <a:rPr lang="fr-CH" dirty="0"/>
-              <a:t>     -  </a:t>
-            </a:r>
-            <a:r>
-              <a:rPr lang="fr-CH" dirty="0" err="1"/>
-              <a:t>Actualised</a:t>
-            </a:r>
-            <a:r>
-              <a:rPr lang="fr-CH" dirty="0"/>
-              <a:t> and clean GitHub Repository </a:t>
-            </a:r>
-            <a:r>
-              <a:rPr lang="fr-CH" dirty="0" err="1"/>
-              <a:t>with</a:t>
-            </a:r>
-            <a:r>
-              <a:rPr lang="fr-CH" dirty="0"/>
-              <a:t> documentation</a:t>
-            </a:r>
-          </a:p>
-          <a:p>
-            <a:pPr algn="l"/>
-            <a:endParaRPr lang="fr-CH" sz="900" dirty="0"/>
-          </a:p>
-          <a:p>
-            <a:pPr algn="l"/>
-            <a:r>
-              <a:rPr lang="fr-CH" b="1" dirty="0"/>
-              <a:t>To do</a:t>
-            </a:r>
-          </a:p>
-          <a:p>
-            <a:pPr algn="l"/>
-            <a:r>
-              <a:rPr lang="fr-FR" b="1" dirty="0"/>
-              <a:t>     - </a:t>
-            </a:r>
-            <a:r>
-              <a:rPr lang="fr-FR" dirty="0"/>
-              <a:t>New </a:t>
-            </a:r>
-            <a:r>
-              <a:rPr lang="fr-FR" dirty="0" err="1"/>
-              <a:t>algorithm’s</a:t>
-            </a:r>
-            <a:r>
-              <a:rPr lang="fr-FR" dirty="0"/>
-              <a:t> </a:t>
-            </a:r>
-            <a:r>
-              <a:rPr lang="fr-FR" dirty="0" err="1"/>
-              <a:t>proposal</a:t>
-            </a:r>
-            <a:r>
-              <a:rPr lang="fr-FR" dirty="0"/>
-              <a:t> and </a:t>
-            </a:r>
-            <a:r>
-              <a:rPr lang="fr-FR" dirty="0" err="1"/>
-              <a:t>implementation</a:t>
-            </a:r>
-            <a:endParaRPr lang="fr-FR" dirty="0"/>
-          </a:p>
-          <a:p>
-            <a:pPr algn="l"/>
-            <a:r>
-              <a:rPr lang="fr-FR" dirty="0"/>
-              <a:t>     - </a:t>
-            </a:r>
-            <a:r>
-              <a:rPr lang="fr-FR" dirty="0" err="1"/>
-              <a:t>Implementation</a:t>
-            </a:r>
-            <a:r>
-              <a:rPr lang="fr-FR" dirty="0"/>
-              <a:t> of the </a:t>
-            </a:r>
-            <a:r>
-              <a:rPr lang="fr-FR" dirty="0" err="1"/>
-              <a:t>generalization</a:t>
-            </a:r>
-            <a:r>
-              <a:rPr lang="fr-FR" dirty="0"/>
-              <a:t> interface</a:t>
-            </a:r>
-          </a:p>
-          <a:p>
-            <a:pPr algn="l"/>
-            <a:r>
-              <a:rPr lang="fr-FR" dirty="0"/>
-              <a:t>     - User </a:t>
-            </a:r>
-            <a:r>
-              <a:rPr lang="fr-FR" dirty="0" err="1"/>
-              <a:t>testing</a:t>
-            </a:r>
-            <a:endParaRPr lang="fr-FR" dirty="0"/>
-          </a:p>
-          <a:p>
-            <a:pPr algn="l"/>
-            <a:r>
-              <a:rPr lang="fr-FR" dirty="0"/>
-              <a:t>     - </a:t>
-            </a:r>
-            <a:r>
-              <a:rPr lang="fr-FR" dirty="0" err="1"/>
-              <a:t>Make</a:t>
-            </a:r>
-            <a:r>
-              <a:rPr lang="fr-FR" dirty="0"/>
-              <a:t> all </a:t>
-            </a:r>
-            <a:r>
-              <a:rPr lang="fr-FR" dirty="0" err="1"/>
-              <a:t>this</a:t>
-            </a:r>
-            <a:r>
-              <a:rPr lang="fr-FR" dirty="0"/>
-              <a:t> </a:t>
-            </a:r>
-            <a:r>
-              <a:rPr lang="fr-FR" dirty="0" err="1"/>
-              <a:t>project</a:t>
-            </a:r>
-            <a:r>
-              <a:rPr lang="fr-FR" dirty="0"/>
-              <a:t> </a:t>
-            </a:r>
-            <a:r>
-              <a:rPr lang="fr-FR" dirty="0" err="1"/>
-              <a:t>shinier</a:t>
-            </a:r>
-            <a:r>
-              <a:rPr lang="fr-FR" dirty="0"/>
-              <a:t> </a:t>
-            </a:r>
-          </a:p>
-        </p:txBody>
-      </p:sp>
-      <p:pic>
-        <p:nvPicPr>
-          <p:cNvPr id="1026" name="Picture 2" descr="🤩 Visage avec des yeux en forme d'étoile Emoji — Signification, Copier &amp;  Coller, Combinaisons">
-            <a:extLst>
-              <a:ext uri="{FF2B5EF4-FFF2-40B4-BE49-F238E27FC236}">
-                <a16:creationId xmlns:a16="http://schemas.microsoft.com/office/drawing/2014/main" id="{0857725F-B8FB-494A-876D-995DA0F45C1E}"/>
-              </a:ext>
-            </a:extLst>
-          </p:cNvPr>
-          <p:cNvPicPr>
-            <a:picLocks noChangeAspect="1" noChangeArrowheads="1"/>
-          </p:cNvPicPr>
-          <p:nvPr/>
-        </p:nvPicPr>
-        <p:blipFill>
-          <a:blip r:embed="rId2">
-            <a:extLst>
-              <a:ext uri="{28A0092B-C50C-407E-A947-70E740481C1C}">
-                <a14:useLocalDpi xmlns:a14="http://schemas.microsoft.com/office/drawing/2010/main" val="0"/>
-              </a:ext>
-            </a:extLst>
-          </a:blip>
-          <a:srcRect/>
-          <a:stretch>
-            <a:fillRect/>
-          </a:stretch>
-        </p:blipFill>
-        <p:spPr bwMode="auto">
-          <a:xfrm>
-            <a:off x="4475177" y="5867427"/>
-            <a:ext cx="533400" cy="533400"/>
-          </a:xfrm>
-          <a:prstGeom prst="rect">
-            <a:avLst/>
-          </a:prstGeom>
-          <a:noFill/>
-          <a:extLst>
-            <a:ext uri="{909E8E84-426E-40DD-AFC4-6F175D3DCCD1}">
-              <a14:hiddenFill xmlns:a14="http://schemas.microsoft.com/office/drawing/2010/main">
-                <a:solidFill>
-                  <a:srgbClr val="FFFFFF"/>
-                </a:solidFill>
-              </a14:hiddenFill>
-            </a:ext>
-          </a:extLst>
-        </p:spPr>
-      </p:pic>
-    </p:spTree>
-    <p:extLst>
-      <p:ext uri="{BB962C8B-B14F-4D97-AF65-F5344CB8AC3E}">
-        <p14:creationId xmlns:p14="http://schemas.microsoft.com/office/powerpoint/2010/main" val="258305313"/>
-      </p:ext>
-    </p:extLst>
-  </p:cSld>
-  <p:clrMapOvr>
-    <a:masterClrMapping/>
-  </p:clrMapOvr>
-  <mc:AlternateContent xmlns:mc="http://schemas.openxmlformats.org/markup-compatibility/2006" xmlns:p14="http://schemas.microsoft.com/office/powerpoint/2010/main">
-    <mc:Choice Requires="p14">
-      <p:transition spd="med" p14:dur="700">
-        <p:fade/>
-      </p:transition>
-    </mc:Choice>
-    <mc:Fallback xmlns="">
-      <p:transition spd="med">
-        <p:fade/>
-      </p:transition>
-    </mc:Fallback>
-  </mc:AlternateContent>
-  <p:timing>
-    <p:tnLst>
-      <p:par>
-        <p:cTn id="1" dur="indefinite" restart="never" nodeType="tmRoot">
-          <p:childTnLst>
-            <p:seq concurrent="1" nextAc="seek">
-              <p:cTn id="2" dur="indefinite" nodeType="mainSeq">
-                <p:childTnLst>
-                  <p:par>
-                    <p:cTn id="3" fill="hold">
-                      <p:stCondLst>
-                        <p:cond delay="indefinite"/>
-                        <p:cond evt="onBegin" delay="0">
-                          <p:tn val="2"/>
-                        </p:cond>
-                      </p:stCondLst>
-                      <p:childTnLst>
-                        <p:par>
-                          <p:cTn id="4" fill="hold">
-                            <p:stCondLst>
-                              <p:cond delay="0"/>
-                            </p:stCondLst>
-                            <p:childTnLst>
-                              <p:par>
-                                <p:cTn id="5" presetID="10" presetClass="entr" presetSubtype="0" fill="hold" grpId="0" nodeType="withEffect">
-                                  <p:stCondLst>
-                                    <p:cond delay="0"/>
-                                  </p:stCondLst>
-                                  <p:iterate>
-                                    <p:tmPct val="10000"/>
-                                  </p:iterate>
-                                  <p:childTnLst>
-                                    <p:set>
-                                      <p:cBhvr>
-                                        <p:cTn id="6" dur="1" fill="hold">
-                                          <p:stCondLst>
-                                            <p:cond delay="0"/>
-                                          </p:stCondLst>
-                                        </p:cTn>
-                                        <p:tgtEl>
-                                          <p:spTgt spid="2"/>
-                                        </p:tgtEl>
-                                        <p:attrNameLst>
-                                          <p:attrName>style.visibility</p:attrName>
-                                        </p:attrNameLst>
-                                      </p:cBhvr>
-                                      <p:to>
-                                        <p:strVal val="visible"/>
-                                      </p:to>
-                                    </p:set>
-                                    <p:animEffect transition="in" filter="fade">
-                                      <p:cBhvr>
-                                        <p:cTn id="7" dur="700"/>
-                                        <p:tgtEl>
-                                          <p:spTgt spid="2"/>
-                                        </p:tgtEl>
-                                      </p:cBhvr>
-                                    </p:animEffect>
-                                  </p:childTnLst>
-                                </p:cTn>
-                              </p:par>
-                            </p:childTnLst>
-                          </p:cTn>
-                        </p:par>
-                      </p:childTnLst>
-                    </p:cTn>
-                  </p:par>
-                  <p:par>
-                    <p:cTn id="8" fill="hold">
-                      <p:stCondLst>
-                        <p:cond delay="indefinite"/>
-                      </p:stCondLst>
-                      <p:childTnLst>
-                        <p:par>
-                          <p:cTn id="9" fill="hold">
-                            <p:stCondLst>
-                              <p:cond delay="0"/>
-                            </p:stCondLst>
-                            <p:childTnLst>
-                              <p:par>
-                                <p:cTn id="10" presetID="10" presetClass="entr" presetSubtype="0" fill="hold" nodeType="clickEffect">
-                                  <p:stCondLst>
-                                    <p:cond delay="0"/>
-                                  </p:stCondLst>
-                                  <p:childTnLst>
-                                    <p:set>
-                                      <p:cBhvr>
-                                        <p:cTn id="11" dur="1" fill="hold">
-                                          <p:stCondLst>
-                                            <p:cond delay="0"/>
-                                          </p:stCondLst>
-                                        </p:cTn>
-                                        <p:tgtEl>
-                                          <p:spTgt spid="4">
-                                            <p:txEl>
-                                              <p:pRg st="0" end="0"/>
-                                            </p:txEl>
-                                          </p:spTgt>
-                                        </p:tgtEl>
-                                        <p:attrNameLst>
-                                          <p:attrName>style.visibility</p:attrName>
-                                        </p:attrNameLst>
-                                      </p:cBhvr>
-                                      <p:to>
-                                        <p:strVal val="visible"/>
-                                      </p:to>
-                                    </p:set>
-                                    <p:animEffect transition="in" filter="fade">
-                                      <p:cBhvr>
-                                        <p:cTn id="12" dur="500"/>
-                                        <p:tgtEl>
-                                          <p:spTgt spid="4">
-                                            <p:txEl>
-                                              <p:pRg st="0" end="0"/>
-                                            </p:txEl>
-                                          </p:spTgt>
-                                        </p:tgtEl>
-                                      </p:cBhvr>
-                                    </p:animEffect>
-                                  </p:childTnLst>
-                                </p:cTn>
-                              </p:par>
-                            </p:childTnLst>
-                          </p:cTn>
-                        </p:par>
-                      </p:childTnLst>
-                    </p:cTn>
-                  </p:par>
-                  <p:par>
-                    <p:cTn id="13" fill="hold">
-                      <p:stCondLst>
-                        <p:cond delay="indefinite"/>
-                      </p:stCondLst>
-                      <p:childTnLst>
-                        <p:par>
-                          <p:cTn id="14" fill="hold">
-                            <p:stCondLst>
-                              <p:cond delay="0"/>
-                            </p:stCondLst>
-                            <p:childTnLst>
-                              <p:par>
-                                <p:cTn id="15" presetID="10" presetClass="entr" presetSubtype="0" fill="hold" nodeType="clickEffect">
-                                  <p:stCondLst>
-                                    <p:cond delay="0"/>
-                                  </p:stCondLst>
-                                  <p:childTnLst>
-                                    <p:set>
-                                      <p:cBhvr>
-                                        <p:cTn id="16" dur="1" fill="hold">
-                                          <p:stCondLst>
-                                            <p:cond delay="0"/>
-                                          </p:stCondLst>
-                                        </p:cTn>
-                                        <p:tgtEl>
-                                          <p:spTgt spid="4">
-                                            <p:txEl>
-                                              <p:pRg st="1" end="1"/>
-                                            </p:txEl>
-                                          </p:spTgt>
-                                        </p:tgtEl>
-                                        <p:attrNameLst>
-                                          <p:attrName>style.visibility</p:attrName>
-                                        </p:attrNameLst>
-                                      </p:cBhvr>
-                                      <p:to>
-                                        <p:strVal val="visible"/>
-                                      </p:to>
-                                    </p:set>
-                                    <p:animEffect transition="in" filter="fade">
-                                      <p:cBhvr>
-                                        <p:cTn id="17" dur="500"/>
-                                        <p:tgtEl>
-                                          <p:spTgt spid="4">
-                                            <p:txEl>
-                                              <p:pRg st="1" end="1"/>
-                                            </p:txEl>
-                                          </p:spTgt>
-                                        </p:tgtEl>
-                                      </p:cBhvr>
-                                    </p:animEffect>
-                                  </p:childTnLst>
-                                </p:cTn>
-                              </p:par>
-                            </p:childTnLst>
-                          </p:cTn>
-                        </p:par>
-                      </p:childTnLst>
-                    </p:cTn>
-                  </p:par>
-                  <p:par>
-                    <p:cTn id="18" fill="hold">
-                      <p:stCondLst>
-                        <p:cond delay="indefinite"/>
-                      </p:stCondLst>
-                      <p:childTnLst>
-                        <p:par>
-                          <p:cTn id="19" fill="hold">
-                            <p:stCondLst>
-                              <p:cond delay="0"/>
-                            </p:stCondLst>
-                            <p:childTnLst>
-                              <p:par>
-                                <p:cTn id="20" presetID="10" presetClass="entr" presetSubtype="0" fill="hold" nodeType="clickEffect">
-                                  <p:stCondLst>
-                                    <p:cond delay="0"/>
-                                  </p:stCondLst>
-                                  <p:childTnLst>
-                                    <p:set>
-                                      <p:cBhvr>
-                                        <p:cTn id="21" dur="1" fill="hold">
-                                          <p:stCondLst>
-                                            <p:cond delay="0"/>
-                                          </p:stCondLst>
-                                        </p:cTn>
-                                        <p:tgtEl>
-                                          <p:spTgt spid="4">
-                                            <p:txEl>
-                                              <p:pRg st="2" end="2"/>
-                                            </p:txEl>
-                                          </p:spTgt>
-                                        </p:tgtEl>
-                                        <p:attrNameLst>
-                                          <p:attrName>style.visibility</p:attrName>
-                                        </p:attrNameLst>
-                                      </p:cBhvr>
-                                      <p:to>
-                                        <p:strVal val="visible"/>
-                                      </p:to>
-                                    </p:set>
-                                    <p:animEffect transition="in" filter="fade">
-                                      <p:cBhvr>
-                                        <p:cTn id="22" dur="500"/>
-                                        <p:tgtEl>
-                                          <p:spTgt spid="4">
-                                            <p:txEl>
-                                              <p:pRg st="2" end="2"/>
-                                            </p:txEl>
-                                          </p:spTgt>
-                                        </p:tgtEl>
-                                      </p:cBhvr>
-                                    </p:animEffect>
-                                  </p:childTnLst>
-                                </p:cTn>
-                              </p:par>
-                            </p:childTnLst>
-                          </p:cTn>
-                        </p:par>
-                      </p:childTnLst>
-                    </p:cTn>
-                  </p:par>
-                  <p:par>
-                    <p:cTn id="23" fill="hold">
-                      <p:stCondLst>
-                        <p:cond delay="indefinite"/>
-                      </p:stCondLst>
-                      <p:childTnLst>
-                        <p:par>
-                          <p:cTn id="24" fill="hold">
-                            <p:stCondLst>
-                              <p:cond delay="0"/>
-                            </p:stCondLst>
-                            <p:childTnLst>
-                              <p:par>
-                                <p:cTn id="25" presetID="10" presetClass="entr" presetSubtype="0" fill="hold" nodeType="clickEffect">
-                                  <p:stCondLst>
-                                    <p:cond delay="0"/>
-                                  </p:stCondLst>
-                                  <p:childTnLst>
-                                    <p:set>
-                                      <p:cBhvr>
-                                        <p:cTn id="26" dur="1" fill="hold">
-                                          <p:stCondLst>
-                                            <p:cond delay="0"/>
-                                          </p:stCondLst>
-                                        </p:cTn>
-                                        <p:tgtEl>
-                                          <p:spTgt spid="4">
-                                            <p:txEl>
-                                              <p:pRg st="3" end="3"/>
-                                            </p:txEl>
-                                          </p:spTgt>
-                                        </p:tgtEl>
-                                        <p:attrNameLst>
-                                          <p:attrName>style.visibility</p:attrName>
-                                        </p:attrNameLst>
-                                      </p:cBhvr>
-                                      <p:to>
-                                        <p:strVal val="visible"/>
-                                      </p:to>
-                                    </p:set>
-                                    <p:animEffect transition="in" filter="fade">
-                                      <p:cBhvr>
-                                        <p:cTn id="27" dur="500"/>
-                                        <p:tgtEl>
-                                          <p:spTgt spid="4">
-                                            <p:txEl>
-                                              <p:pRg st="3" end="3"/>
-                                            </p:txEl>
-                                          </p:spTgt>
-                                        </p:tgtEl>
-                                      </p:cBhvr>
-                                    </p:animEffect>
-                                  </p:childTnLst>
-                                </p:cTn>
-                              </p:par>
-                            </p:childTnLst>
-                          </p:cTn>
-                        </p:par>
-                      </p:childTnLst>
-                    </p:cTn>
-                  </p:par>
-                  <p:par>
-                    <p:cTn id="28" fill="hold">
-                      <p:stCondLst>
-                        <p:cond delay="indefinite"/>
-                      </p:stCondLst>
-                      <p:childTnLst>
-                        <p:par>
-                          <p:cTn id="29" fill="hold">
-                            <p:stCondLst>
-                              <p:cond delay="0"/>
-                            </p:stCondLst>
-                            <p:childTnLst>
-                              <p:par>
-                                <p:cTn id="30" presetID="10" presetClass="entr" presetSubtype="0" fill="hold" nodeType="clickEffect">
-                                  <p:stCondLst>
-                                    <p:cond delay="0"/>
-                                  </p:stCondLst>
-                                  <p:childTnLst>
-                                    <p:set>
-                                      <p:cBhvr>
-                                        <p:cTn id="31" dur="1" fill="hold">
-                                          <p:stCondLst>
-                                            <p:cond delay="0"/>
-                                          </p:stCondLst>
-                                        </p:cTn>
-                                        <p:tgtEl>
-                                          <p:spTgt spid="4">
-                                            <p:txEl>
-                                              <p:pRg st="4" end="4"/>
-                                            </p:txEl>
-                                          </p:spTgt>
-                                        </p:tgtEl>
-                                        <p:attrNameLst>
-                                          <p:attrName>style.visibility</p:attrName>
-                                        </p:attrNameLst>
-                                      </p:cBhvr>
-                                      <p:to>
-                                        <p:strVal val="visible"/>
-                                      </p:to>
-                                    </p:set>
-                                    <p:animEffect transition="in" filter="fade">
-                                      <p:cBhvr>
-                                        <p:cTn id="32" dur="500"/>
-                                        <p:tgtEl>
-                                          <p:spTgt spid="4">
-                                            <p:txEl>
-                                              <p:pRg st="4" end="4"/>
-                                            </p:txEl>
-                                          </p:spTgt>
-                                        </p:tgtEl>
-                                      </p:cBhvr>
-                                    </p:animEffect>
-                                  </p:childTnLst>
-                                </p:cTn>
-                              </p:par>
-                            </p:childTnLst>
-                          </p:cTn>
-                        </p:par>
-                      </p:childTnLst>
-                    </p:cTn>
-                  </p:par>
-                  <p:par>
-                    <p:cTn id="33" fill="hold">
-                      <p:stCondLst>
-                        <p:cond delay="indefinite"/>
-                      </p:stCondLst>
-                      <p:childTnLst>
-                        <p:par>
-                          <p:cTn id="34" fill="hold">
-                            <p:stCondLst>
-                              <p:cond delay="0"/>
-                            </p:stCondLst>
-                            <p:childTnLst>
-                              <p:par>
-                                <p:cTn id="35" presetID="10" presetClass="entr" presetSubtype="0" fill="hold" nodeType="clickEffect">
-                                  <p:stCondLst>
-                                    <p:cond delay="0"/>
-                                  </p:stCondLst>
-                                  <p:childTnLst>
-                                    <p:set>
-                                      <p:cBhvr>
-                                        <p:cTn id="36" dur="1" fill="hold">
-                                          <p:stCondLst>
-                                            <p:cond delay="0"/>
-                                          </p:stCondLst>
-                                        </p:cTn>
-                                        <p:tgtEl>
-                                          <p:spTgt spid="4">
-                                            <p:txEl>
-                                              <p:pRg st="5" end="5"/>
-                                            </p:txEl>
-                                          </p:spTgt>
-                                        </p:tgtEl>
-                                        <p:attrNameLst>
-                                          <p:attrName>style.visibility</p:attrName>
-                                        </p:attrNameLst>
-                                      </p:cBhvr>
-                                      <p:to>
-                                        <p:strVal val="visible"/>
-                                      </p:to>
-                                    </p:set>
-                                    <p:animEffect transition="in" filter="fade">
-                                      <p:cBhvr>
-                                        <p:cTn id="37" dur="500"/>
-                                        <p:tgtEl>
-                                          <p:spTgt spid="4">
-                                            <p:txEl>
-                                              <p:pRg st="5" end="5"/>
-                                            </p:txEl>
-                                          </p:spTgt>
-                                        </p:tgtEl>
-                                      </p:cBhvr>
-                                    </p:animEffect>
-                                  </p:childTnLst>
-                                </p:cTn>
-                              </p:par>
-                            </p:childTnLst>
-                          </p:cTn>
-                        </p:par>
-                      </p:childTnLst>
-                    </p:cTn>
-                  </p:par>
-                  <p:par>
-                    <p:cTn id="38" fill="hold">
-                      <p:stCondLst>
-                        <p:cond delay="indefinite"/>
-                      </p:stCondLst>
-                      <p:childTnLst>
-                        <p:par>
-                          <p:cTn id="39" fill="hold">
-                            <p:stCondLst>
-                              <p:cond delay="0"/>
-                            </p:stCondLst>
-                            <p:childTnLst>
-                              <p:par>
-                                <p:cTn id="40" presetID="10" presetClass="entr" presetSubtype="0" fill="hold" nodeType="clickEffect">
-                                  <p:stCondLst>
-                                    <p:cond delay="0"/>
-                                  </p:stCondLst>
-                                  <p:childTnLst>
-                                    <p:set>
-                                      <p:cBhvr>
-                                        <p:cTn id="41" dur="1" fill="hold">
-                                          <p:stCondLst>
-                                            <p:cond delay="0"/>
-                                          </p:stCondLst>
-                                        </p:cTn>
-                                        <p:tgtEl>
-                                          <p:spTgt spid="4">
-                                            <p:txEl>
-                                              <p:pRg st="7" end="7"/>
-                                            </p:txEl>
-                                          </p:spTgt>
-                                        </p:tgtEl>
-                                        <p:attrNameLst>
-                                          <p:attrName>style.visibility</p:attrName>
-                                        </p:attrNameLst>
-                                      </p:cBhvr>
-                                      <p:to>
-                                        <p:strVal val="visible"/>
-                                      </p:to>
-                                    </p:set>
-                                    <p:animEffect transition="in" filter="fade">
-                                      <p:cBhvr>
-                                        <p:cTn id="42" dur="500"/>
-                                        <p:tgtEl>
-                                          <p:spTgt spid="4">
-                                            <p:txEl>
-                                              <p:pRg st="7" end="7"/>
-                                            </p:txEl>
-                                          </p:spTgt>
-                                        </p:tgtEl>
-                                      </p:cBhvr>
-                                    </p:animEffect>
-                                  </p:childTnLst>
-                                </p:cTn>
-                              </p:par>
-                            </p:childTnLst>
-                          </p:cTn>
-                        </p:par>
-                      </p:childTnLst>
-                    </p:cTn>
-                  </p:par>
-                  <p:par>
-                    <p:cTn id="43" fill="hold">
-                      <p:stCondLst>
-                        <p:cond delay="indefinite"/>
-                      </p:stCondLst>
-                      <p:childTnLst>
-                        <p:par>
-                          <p:cTn id="44" fill="hold">
-                            <p:stCondLst>
-                              <p:cond delay="0"/>
-                            </p:stCondLst>
-                            <p:childTnLst>
-                              <p:par>
-                                <p:cTn id="45" presetID="10" presetClass="entr" presetSubtype="0" fill="hold" nodeType="clickEffect">
-                                  <p:stCondLst>
-                                    <p:cond delay="0"/>
-                                  </p:stCondLst>
-                                  <p:childTnLst>
-                                    <p:set>
-                                      <p:cBhvr>
-                                        <p:cTn id="46" dur="1" fill="hold">
-                                          <p:stCondLst>
-                                            <p:cond delay="0"/>
-                                          </p:stCondLst>
-                                        </p:cTn>
-                                        <p:tgtEl>
-                                          <p:spTgt spid="4">
-                                            <p:txEl>
-                                              <p:pRg st="8" end="8"/>
-                                            </p:txEl>
-                                          </p:spTgt>
-                                        </p:tgtEl>
-                                        <p:attrNameLst>
-                                          <p:attrName>style.visibility</p:attrName>
-                                        </p:attrNameLst>
-                                      </p:cBhvr>
-                                      <p:to>
-                                        <p:strVal val="visible"/>
-                                      </p:to>
-                                    </p:set>
-                                    <p:animEffect transition="in" filter="fade">
-                                      <p:cBhvr>
-                                        <p:cTn id="47" dur="500"/>
-                                        <p:tgtEl>
-                                          <p:spTgt spid="4">
-                                            <p:txEl>
-                                              <p:pRg st="8" end="8"/>
-                                            </p:txEl>
-                                          </p:spTgt>
-                                        </p:tgtEl>
-                                      </p:cBhvr>
-                                    </p:animEffect>
-                                  </p:childTnLst>
-                                </p:cTn>
-                              </p:par>
-                            </p:childTnLst>
-                          </p:cTn>
-                        </p:par>
-                      </p:childTnLst>
-                    </p:cTn>
-                  </p:par>
-                  <p:par>
-                    <p:cTn id="48" fill="hold">
-                      <p:stCondLst>
-                        <p:cond delay="indefinite"/>
-                      </p:stCondLst>
-                      <p:childTnLst>
-                        <p:par>
-                          <p:cTn id="49" fill="hold">
-                            <p:stCondLst>
-                              <p:cond delay="0"/>
-                            </p:stCondLst>
-                            <p:childTnLst>
-                              <p:par>
-                                <p:cTn id="50" presetID="10" presetClass="entr" presetSubtype="0" fill="hold" nodeType="clickEffect">
-                                  <p:stCondLst>
-                                    <p:cond delay="0"/>
-                                  </p:stCondLst>
-                                  <p:childTnLst>
-                                    <p:set>
-                                      <p:cBhvr>
-                                        <p:cTn id="51" dur="1" fill="hold">
-                                          <p:stCondLst>
-                                            <p:cond delay="0"/>
-                                          </p:stCondLst>
-                                        </p:cTn>
-                                        <p:tgtEl>
-                                          <p:spTgt spid="4">
-                                            <p:txEl>
-                                              <p:pRg st="9" end="9"/>
-                                            </p:txEl>
-                                          </p:spTgt>
-                                        </p:tgtEl>
-                                        <p:attrNameLst>
-                                          <p:attrName>style.visibility</p:attrName>
-                                        </p:attrNameLst>
-                                      </p:cBhvr>
-                                      <p:to>
-                                        <p:strVal val="visible"/>
-                                      </p:to>
-                                    </p:set>
-                                    <p:animEffect transition="in" filter="fade">
-                                      <p:cBhvr>
-                                        <p:cTn id="52" dur="500"/>
-                                        <p:tgtEl>
-                                          <p:spTgt spid="4">
-                                            <p:txEl>
-                                              <p:pRg st="9" end="9"/>
-                                            </p:txEl>
-                                          </p:spTgt>
-                                        </p:tgtEl>
-                                      </p:cBhvr>
-                                    </p:animEffect>
-                                  </p:childTnLst>
-                                </p:cTn>
-                              </p:par>
-                            </p:childTnLst>
-                          </p:cTn>
-                        </p:par>
-                      </p:childTnLst>
-                    </p:cTn>
-                  </p:par>
-                  <p:par>
-                    <p:cTn id="53" fill="hold">
-                      <p:stCondLst>
-                        <p:cond delay="indefinite"/>
-                      </p:stCondLst>
-                      <p:childTnLst>
-                        <p:par>
-                          <p:cTn id="54" fill="hold">
-                            <p:stCondLst>
-                              <p:cond delay="0"/>
-                            </p:stCondLst>
-                            <p:childTnLst>
-                              <p:par>
-                                <p:cTn id="55" presetID="10" presetClass="entr" presetSubtype="0" fill="hold" nodeType="clickEffect">
-                                  <p:stCondLst>
-                                    <p:cond delay="0"/>
-                                  </p:stCondLst>
-                                  <p:childTnLst>
-                                    <p:set>
-                                      <p:cBhvr>
-                                        <p:cTn id="56" dur="1" fill="hold">
-                                          <p:stCondLst>
-                                            <p:cond delay="0"/>
-                                          </p:stCondLst>
-                                        </p:cTn>
-                                        <p:tgtEl>
-                                          <p:spTgt spid="4">
-                                            <p:txEl>
-                                              <p:pRg st="10" end="10"/>
-                                            </p:txEl>
-                                          </p:spTgt>
-                                        </p:tgtEl>
-                                        <p:attrNameLst>
-                                          <p:attrName>style.visibility</p:attrName>
-                                        </p:attrNameLst>
-                                      </p:cBhvr>
-                                      <p:to>
-                                        <p:strVal val="visible"/>
-                                      </p:to>
-                                    </p:set>
-                                    <p:animEffect transition="in" filter="fade">
-                                      <p:cBhvr>
-                                        <p:cTn id="57" dur="500"/>
-                                        <p:tgtEl>
-                                          <p:spTgt spid="4">
-                                            <p:txEl>
-                                              <p:pRg st="10" end="10"/>
-                                            </p:txEl>
-                                          </p:spTgt>
-                                        </p:tgtEl>
-                                      </p:cBhvr>
-                                    </p:animEffect>
-                                  </p:childTnLst>
-                                </p:cTn>
-                              </p:par>
-                            </p:childTnLst>
-                          </p:cTn>
-                        </p:par>
-                      </p:childTnLst>
-                    </p:cTn>
-                  </p:par>
-                  <p:par>
-                    <p:cTn id="58" fill="hold">
-                      <p:stCondLst>
-                        <p:cond delay="indefinite"/>
-                      </p:stCondLst>
-                      <p:childTnLst>
-                        <p:par>
-                          <p:cTn id="59" fill="hold">
-                            <p:stCondLst>
-                              <p:cond delay="0"/>
-                            </p:stCondLst>
-                            <p:childTnLst>
-                              <p:par>
-                                <p:cTn id="60" presetID="10" presetClass="entr" presetSubtype="0" fill="hold" nodeType="clickEffect">
-                                  <p:stCondLst>
-                                    <p:cond delay="0"/>
-                                  </p:stCondLst>
-                                  <p:childTnLst>
-                                    <p:set>
-                                      <p:cBhvr>
-                                        <p:cTn id="61" dur="1" fill="hold">
-                                          <p:stCondLst>
-                                            <p:cond delay="0"/>
-                                          </p:stCondLst>
-                                        </p:cTn>
-                                        <p:tgtEl>
-                                          <p:spTgt spid="4">
-                                            <p:txEl>
-                                              <p:pRg st="11" end="11"/>
-                                            </p:txEl>
-                                          </p:spTgt>
-                                        </p:tgtEl>
-                                        <p:attrNameLst>
-                                          <p:attrName>style.visibility</p:attrName>
-                                        </p:attrNameLst>
-                                      </p:cBhvr>
-                                      <p:to>
-                                        <p:strVal val="visible"/>
-                                      </p:to>
-                                    </p:set>
-                                    <p:animEffect transition="in" filter="fade">
-                                      <p:cBhvr>
-                                        <p:cTn id="62" dur="500"/>
-                                        <p:tgtEl>
-                                          <p:spTgt spid="4">
-                                            <p:txEl>
-                                              <p:pRg st="11" end="11"/>
-                                            </p:txEl>
-                                          </p:spTgt>
-                                        </p:tgtEl>
-                                      </p:cBhvr>
-                                    </p:animEffect>
-                                  </p:childTnLst>
-                                </p:cTn>
-                              </p:par>
-                              <p:par>
-                                <p:cTn id="63" presetID="10" presetClass="entr" presetSubtype="0" fill="hold" nodeType="withEffect">
-                                  <p:stCondLst>
-                                    <p:cond delay="0"/>
-                                  </p:stCondLst>
-                                  <p:childTnLst>
-                                    <p:set>
-                                      <p:cBhvr>
-                                        <p:cTn id="64" dur="1" fill="hold">
-                                          <p:stCondLst>
-                                            <p:cond delay="0"/>
-                                          </p:stCondLst>
-                                        </p:cTn>
-                                        <p:tgtEl>
-                                          <p:spTgt spid="1026"/>
-                                        </p:tgtEl>
-                                        <p:attrNameLst>
-                                          <p:attrName>style.visibility</p:attrName>
-                                        </p:attrNameLst>
-                                      </p:cBhvr>
-                                      <p:to>
-                                        <p:strVal val="visible"/>
-                                      </p:to>
-                                    </p:set>
-                                    <p:animEffect transition="in" filter="fade">
-                                      <p:cBhvr>
-                                        <p:cTn id="65" dur="500"/>
-                                        <p:tgtEl>
-                                          <p:spTgt spid="1026"/>
-                                        </p:tgtEl>
-                                      </p:cBhvr>
-                                    </p:animEffect>
-                                  </p:childTnLst>
-                                </p:cTn>
-                              </p:par>
-                            </p:childTnLst>
-                          </p:cTn>
-                        </p:par>
-                      </p:childTnLst>
-                    </p:cTn>
-                  </p:par>
-                </p:childTnLst>
-              </p:cTn>
-              <p:prevCondLst>
-                <p:cond evt="onPrev" delay="0">
-                  <p:tgtEl>
-                    <p:sldTgt/>
-                  </p:tgtEl>
-                </p:cond>
-              </p:prevCondLst>
-              <p:nextCondLst>
-                <p:cond evt="onNext" delay="0">
-                  <p:tgtEl>
-                    <p:sldTgt/>
-                  </p:tgtEl>
-                </p:cond>
-              </p:nextCondLst>
-            </p:seq>
-          </p:childTnLst>
-        </p:cTn>
-      </p:par>
-    </p:tnLst>
-    <p:bldLst>
-      <p:bldP spid="2" grpId="0"/>
-    </p:bldLst>
-  </p:timing>
-</p:sld>
-</file>
-
-<file path=ppt/slides/slide6.xml><?xml version="1.0" encoding="utf-8"?>
-<p:sld xmlns:a="http://schemas.openxmlformats.org/drawingml/2006/main" xmlns:r="http://schemas.openxmlformats.org/officeDocument/2006/relationships" xmlns:p="http://schemas.openxmlformats.org/presentationml/2006/main">
-  <p:cSld>
-    <p:bg>
-      <p:bgPr>
-        <a:solidFill>
-          <a:schemeClr val="bg1"/>
-        </a:solidFill>
-        <a:effectLst/>
-      </p:bgPr>
-    </p:bg>
-    <p:spTree>
-      <p:nvGrpSpPr>
-        <p:cNvPr id="1" name=""/>
-        <p:cNvGrpSpPr/>
-        <p:nvPr/>
-      </p:nvGrpSpPr>
-      <p:grpSpPr>
-        <a:xfrm>
-          <a:off x="0" y="0"/>
-          <a:ext cx="0" cy="0"/>
-          <a:chOff x="0" y="0"/>
-          <a:chExt cx="0" cy="0"/>
-        </a:xfrm>
-      </p:grpSpPr>
-      <p:sp useBgFill="1">
-        <p:nvSpPr>
-          <p:cNvPr id="61" name="Rectangle 60">
-            <a:extLst>
-              <a:ext uri="{FF2B5EF4-FFF2-40B4-BE49-F238E27FC236}">
-                <a16:creationId xmlns:a16="http://schemas.microsoft.com/office/drawing/2014/main" id="{1FD5705B-63E0-4364-B909-EC902FEAAC07}"/>
-              </a:ext>
-              <a:ext uri="{C183D7F6-B498-43B3-948B-1728B52AA6E4}">
-                <adec:decorative xmlns:adec="http://schemas.microsoft.com/office/drawing/2017/decorative" val="1"/>
-              </a:ext>
-            </a:extLst>
-          </p:cNvPr>
-          <p:cNvSpPr>
-            <a:spLocks noGrp="1" noRot="1" noChangeAspect="1" noMove="1" noResize="1" noEditPoints="1" noAdjustHandles="1" noChangeArrowheads="1" noChangeShapeType="1" noTextEdit="1"/>
-          </p:cNvSpPr>
-          <p:nvPr>
-            <p:extLst>
-              <p:ext uri="{386F3935-93C4-4BCD-93E2-E3B085C9AB24}">
-                <p16:designElem xmlns:p16="http://schemas.microsoft.com/office/powerpoint/2015/main" val="1"/>
-              </p:ext>
-            </p:extLst>
-          </p:nvPr>
-        </p:nvSpPr>
-        <p:spPr>
-          <a:xfrm>
-            <a:off x="1524" y="0"/>
-            <a:ext cx="12188952" cy="6858000"/>
-          </a:xfrm>
-          <a:prstGeom prst="rect">
-            <a:avLst/>
-          </a:prstGeom>
-          <a:ln>
-            <a:noFill/>
-          </a:ln>
-        </p:spPr>
-        <p:style>
-          <a:lnRef idx="2">
-            <a:schemeClr val="accent1">
-              <a:shade val="50000"/>
-            </a:schemeClr>
-          </a:lnRef>
-          <a:fillRef idx="1">
-            <a:schemeClr val="accent1"/>
-          </a:fillRef>
-          <a:effectRef idx="0">
-            <a:schemeClr val="accent1"/>
-          </a:effectRef>
-          <a:fontRef idx="minor">
-            <a:schemeClr val="lt1"/>
-          </a:fontRef>
-        </p:style>
-        <p:txBody>
-          <a:bodyPr rtlCol="0" anchor="ctr"/>
-          <a:lstStyle/>
-          <a:p>
-            <a:pPr algn="ctr"/>
-            <a:endParaRPr lang="en-US"/>
-          </a:p>
-        </p:txBody>
-      </p:sp>
-      <p:sp>
-        <p:nvSpPr>
-          <p:cNvPr id="63" name="Rectangle 62">
-            <a:extLst>
-              <a:ext uri="{FF2B5EF4-FFF2-40B4-BE49-F238E27FC236}">
-                <a16:creationId xmlns:a16="http://schemas.microsoft.com/office/drawing/2014/main" id="{0B7E355D-DAEA-4421-B67A-FA13C0FBDCE8}"/>
-              </a:ext>
-              <a:ext uri="{C183D7F6-B498-43B3-948B-1728B52AA6E4}">
-                <adec:decorative xmlns:adec="http://schemas.microsoft.com/office/drawing/2017/decorative" val="1"/>
-              </a:ext>
-            </a:extLst>
-          </p:cNvPr>
-          <p:cNvSpPr>
-            <a:spLocks noGrp="1" noRot="1" noChangeAspect="1" noMove="1" noResize="1" noEditPoints="1" noAdjustHandles="1" noChangeArrowheads="1" noChangeShapeType="1" noTextEdit="1"/>
-          </p:cNvSpPr>
-          <p:nvPr>
-            <p:extLst>
-              <p:ext uri="{386F3935-93C4-4BCD-93E2-E3B085C9AB24}">
-                <p16:designElem xmlns:p16="http://schemas.microsoft.com/office/powerpoint/2015/main" val="1"/>
-              </p:ext>
-            </p:extLst>
-          </p:nvPr>
-        </p:nvSpPr>
-        <p:spPr>
-          <a:xfrm>
-            <a:off x="1524" y="0"/>
-            <a:ext cx="12188952" cy="6858000"/>
-          </a:xfrm>
-          <a:prstGeom prst="rect">
-            <a:avLst/>
-          </a:prstGeom>
-          <a:solidFill>
-            <a:schemeClr val="bg2">
-              <a:lumMod val="90000"/>
-              <a:alpha val="30000"/>
-            </a:schemeClr>
-          </a:solidFill>
-          <a:ln>
-            <a:noFill/>
-          </a:ln>
-        </p:spPr>
-        <p:style>
-          <a:lnRef idx="2">
-            <a:schemeClr val="accent1">
-              <a:shade val="50000"/>
-            </a:schemeClr>
-          </a:lnRef>
-          <a:fillRef idx="1">
-            <a:schemeClr val="accent1"/>
-          </a:fillRef>
-          <a:effectRef idx="0">
-            <a:schemeClr val="accent1"/>
-          </a:effectRef>
-          <a:fontRef idx="minor">
-            <a:schemeClr val="lt1"/>
-          </a:fontRef>
-        </p:style>
-        <p:txBody>
-          <a:bodyPr rtlCol="0" anchor="ctr"/>
-          <a:lstStyle/>
-          <a:p>
-            <a:pPr algn="ctr"/>
-            <a:endParaRPr lang="en-US" sz="900">
-              <a:solidFill>
-                <a:schemeClr val="bg1"/>
-              </a:solidFill>
-              <a:latin typeface="+mj-lt"/>
-            </a:endParaRPr>
-          </a:p>
-        </p:txBody>
-      </p:sp>
-      <p:sp>
-        <p:nvSpPr>
-          <p:cNvPr id="2" name="Titre 1">
-            <a:extLst>
-              <a:ext uri="{FF2B5EF4-FFF2-40B4-BE49-F238E27FC236}">
-                <a16:creationId xmlns:a16="http://schemas.microsoft.com/office/drawing/2014/main" id="{F1CB848B-7D97-4DB5-A6B4-0F990D5A8959}"/>
-              </a:ext>
-            </a:extLst>
-          </p:cNvPr>
-          <p:cNvSpPr>
-            <a:spLocks noGrp="1"/>
-          </p:cNvSpPr>
-          <p:nvPr>
-            <p:ph type="ctrTitle"/>
-          </p:nvPr>
-        </p:nvSpPr>
-        <p:spPr>
-          <a:xfrm>
-            <a:off x="1939637" y="2968064"/>
-            <a:ext cx="8312726" cy="921871"/>
-          </a:xfrm>
-        </p:spPr>
-        <p:txBody>
-          <a:bodyPr>
-            <a:normAutofit fontScale="90000"/>
-          </a:bodyPr>
-          <a:lstStyle/>
-          <a:p>
-            <a:r>
-              <a:rPr lang="fr-CH" dirty="0" err="1"/>
-              <a:t>Thank</a:t>
-            </a:r>
-            <a:r>
-              <a:rPr lang="fr-CH" dirty="0"/>
-              <a:t> </a:t>
-            </a:r>
-            <a:r>
-              <a:rPr lang="fr-CH" dirty="0" err="1"/>
-              <a:t>you</a:t>
-            </a:r>
-            <a:r>
-              <a:rPr lang="fr-CH" dirty="0"/>
-              <a:t> for </a:t>
-            </a:r>
-            <a:r>
-              <a:rPr lang="fr-CH" dirty="0" err="1"/>
-              <a:t>your</a:t>
-            </a:r>
-            <a:r>
-              <a:rPr lang="fr-CH" dirty="0"/>
-              <a:t> attention!</a:t>
-            </a:r>
-            <a:endParaRPr lang="fr-FR" dirty="0"/>
+              <a:rPr lang="fr-CH" sz="8000" dirty="0" err="1"/>
+              <a:t>Demonstration</a:t>
+            </a:r>
+            <a:endParaRPr lang="fr-FR" sz="8000" dirty="0"/>
           </a:p>
         </p:txBody>
       </p:sp>
@@ -16133,7 +16129,7 @@
     </p:spTree>
     <p:extLst>
       <p:ext uri="{BB962C8B-B14F-4D97-AF65-F5344CB8AC3E}">
-        <p14:creationId xmlns:p14="http://schemas.microsoft.com/office/powerpoint/2010/main" val="4195608624"/>
+        <p14:creationId xmlns:p14="http://schemas.microsoft.com/office/powerpoint/2010/main" val="341653113"/>
       </p:ext>
     </p:extLst>
   </p:cSld>
@@ -16242,6 +16238,985 @@
     </p:tnLst>
     <p:bldLst>
       <p:bldP spid="2" grpId="0"/>
+    </p:bldLst>
+  </p:timing>
+</p:sld>
+</file>
+
+<file path=ppt/slides/slide8.xml><?xml version="1.0" encoding="utf-8"?>
+<p:sld xmlns:a="http://schemas.openxmlformats.org/drawingml/2006/main" xmlns:r="http://schemas.openxmlformats.org/officeDocument/2006/relationships" xmlns:p="http://schemas.openxmlformats.org/presentationml/2006/main">
+  <p:cSld>
+    <p:bg>
+      <p:bgPr>
+        <a:solidFill>
+          <a:schemeClr val="bg1"/>
+        </a:solidFill>
+        <a:effectLst/>
+      </p:bgPr>
+    </p:bg>
+    <p:spTree>
+      <p:nvGrpSpPr>
+        <p:cNvPr id="1" name=""/>
+        <p:cNvGrpSpPr/>
+        <p:nvPr/>
+      </p:nvGrpSpPr>
+      <p:grpSpPr>
+        <a:xfrm>
+          <a:off x="0" y="0"/>
+          <a:ext cx="0" cy="0"/>
+          <a:chOff x="0" y="0"/>
+          <a:chExt cx="0" cy="0"/>
+        </a:xfrm>
+      </p:grpSpPr>
+      <p:sp useBgFill="1">
+        <p:nvSpPr>
+          <p:cNvPr id="61" name="Rectangle 60">
+            <a:extLst>
+              <a:ext uri="{FF2B5EF4-FFF2-40B4-BE49-F238E27FC236}">
+                <a16:creationId xmlns:a16="http://schemas.microsoft.com/office/drawing/2014/main" id="{1FD5705B-63E0-4364-B909-EC902FEAAC07}"/>
+              </a:ext>
+              <a:ext uri="{C183D7F6-B498-43B3-948B-1728B52AA6E4}">
+                <adec:decorative xmlns:adec="http://schemas.microsoft.com/office/drawing/2017/decorative" val="1"/>
+              </a:ext>
+            </a:extLst>
+          </p:cNvPr>
+          <p:cNvSpPr>
+            <a:spLocks noGrp="1" noRot="1" noChangeAspect="1" noMove="1" noResize="1" noEditPoints="1" noAdjustHandles="1" noChangeArrowheads="1" noChangeShapeType="1" noTextEdit="1"/>
+          </p:cNvSpPr>
+          <p:nvPr>
+            <p:extLst>
+              <p:ext uri="{386F3935-93C4-4BCD-93E2-E3B085C9AB24}">
+                <p16:designElem xmlns:p16="http://schemas.microsoft.com/office/powerpoint/2015/main" val="1"/>
+              </p:ext>
+            </p:extLst>
+          </p:nvPr>
+        </p:nvSpPr>
+        <p:spPr>
+          <a:xfrm>
+            <a:off x="1524" y="0"/>
+            <a:ext cx="12188952" cy="6858000"/>
+          </a:xfrm>
+          <a:prstGeom prst="rect">
+            <a:avLst/>
+          </a:prstGeom>
+          <a:ln>
+            <a:noFill/>
+          </a:ln>
+        </p:spPr>
+        <p:style>
+          <a:lnRef idx="2">
+            <a:schemeClr val="accent1">
+              <a:shade val="50000"/>
+            </a:schemeClr>
+          </a:lnRef>
+          <a:fillRef idx="1">
+            <a:schemeClr val="accent1"/>
+          </a:fillRef>
+          <a:effectRef idx="0">
+            <a:schemeClr val="accent1"/>
+          </a:effectRef>
+          <a:fontRef idx="minor">
+            <a:schemeClr val="lt1"/>
+          </a:fontRef>
+        </p:style>
+        <p:txBody>
+          <a:bodyPr rtlCol="0" anchor="ctr"/>
+          <a:lstStyle/>
+          <a:p>
+            <a:pPr algn="ctr"/>
+            <a:endParaRPr lang="en-US"/>
+          </a:p>
+        </p:txBody>
+      </p:sp>
+      <p:sp>
+        <p:nvSpPr>
+          <p:cNvPr id="63" name="Rectangle 62">
+            <a:extLst>
+              <a:ext uri="{FF2B5EF4-FFF2-40B4-BE49-F238E27FC236}">
+                <a16:creationId xmlns:a16="http://schemas.microsoft.com/office/drawing/2014/main" id="{0B7E355D-DAEA-4421-B67A-FA13C0FBDCE8}"/>
+              </a:ext>
+              <a:ext uri="{C183D7F6-B498-43B3-948B-1728B52AA6E4}">
+                <adec:decorative xmlns:adec="http://schemas.microsoft.com/office/drawing/2017/decorative" val="1"/>
+              </a:ext>
+            </a:extLst>
+          </p:cNvPr>
+          <p:cNvSpPr>
+            <a:spLocks noGrp="1" noRot="1" noChangeAspect="1" noMove="1" noResize="1" noEditPoints="1" noAdjustHandles="1" noChangeArrowheads="1" noChangeShapeType="1" noTextEdit="1"/>
+          </p:cNvSpPr>
+          <p:nvPr>
+            <p:extLst>
+              <p:ext uri="{386F3935-93C4-4BCD-93E2-E3B085C9AB24}">
+                <p16:designElem xmlns:p16="http://schemas.microsoft.com/office/powerpoint/2015/main" val="1"/>
+              </p:ext>
+            </p:extLst>
+          </p:nvPr>
+        </p:nvSpPr>
+        <p:spPr>
+          <a:xfrm>
+            <a:off x="1524" y="0"/>
+            <a:ext cx="12188952" cy="6858000"/>
+          </a:xfrm>
+          <a:prstGeom prst="rect">
+            <a:avLst/>
+          </a:prstGeom>
+          <a:solidFill>
+            <a:schemeClr val="bg2">
+              <a:lumMod val="90000"/>
+              <a:alpha val="30000"/>
+            </a:schemeClr>
+          </a:solidFill>
+          <a:ln>
+            <a:noFill/>
+          </a:ln>
+        </p:spPr>
+        <p:style>
+          <a:lnRef idx="2">
+            <a:schemeClr val="accent1">
+              <a:shade val="50000"/>
+            </a:schemeClr>
+          </a:lnRef>
+          <a:fillRef idx="1">
+            <a:schemeClr val="accent1"/>
+          </a:fillRef>
+          <a:effectRef idx="0">
+            <a:schemeClr val="accent1"/>
+          </a:effectRef>
+          <a:fontRef idx="minor">
+            <a:schemeClr val="lt1"/>
+          </a:fontRef>
+        </p:style>
+        <p:txBody>
+          <a:bodyPr rtlCol="0" anchor="ctr"/>
+          <a:lstStyle/>
+          <a:p>
+            <a:pPr algn="ctr"/>
+            <a:endParaRPr lang="en-US" sz="900">
+              <a:solidFill>
+                <a:schemeClr val="bg1"/>
+              </a:solidFill>
+              <a:latin typeface="+mj-lt"/>
+            </a:endParaRPr>
+          </a:p>
+        </p:txBody>
+      </p:sp>
+      <p:sp>
+        <p:nvSpPr>
+          <p:cNvPr id="2" name="Titre 1">
+            <a:extLst>
+              <a:ext uri="{FF2B5EF4-FFF2-40B4-BE49-F238E27FC236}">
+                <a16:creationId xmlns:a16="http://schemas.microsoft.com/office/drawing/2014/main" id="{F1CB848B-7D97-4DB5-A6B4-0F990D5A8959}"/>
+              </a:ext>
+            </a:extLst>
+          </p:cNvPr>
+          <p:cNvSpPr>
+            <a:spLocks noGrp="1"/>
+          </p:cNvSpPr>
+          <p:nvPr>
+            <p:ph type="ctrTitle"/>
+          </p:nvPr>
+        </p:nvSpPr>
+        <p:spPr>
+          <a:xfrm>
+            <a:off x="1939637" y="1678351"/>
+            <a:ext cx="8312726" cy="921871"/>
+          </a:xfrm>
+        </p:spPr>
+        <p:txBody>
+          <a:bodyPr>
+            <a:normAutofit/>
+          </a:bodyPr>
+          <a:lstStyle/>
+          <a:p>
+            <a:r>
+              <a:rPr lang="fr-CH" dirty="0" err="1"/>
+              <a:t>Thank</a:t>
+            </a:r>
+            <a:r>
+              <a:rPr lang="fr-CH" dirty="0"/>
+              <a:t> </a:t>
+            </a:r>
+            <a:r>
+              <a:rPr lang="fr-CH" dirty="0" err="1"/>
+              <a:t>you</a:t>
+            </a:r>
+            <a:r>
+              <a:rPr lang="fr-CH" dirty="0"/>
+              <a:t> for </a:t>
+            </a:r>
+            <a:r>
+              <a:rPr lang="fr-CH" dirty="0" err="1"/>
+              <a:t>your</a:t>
+            </a:r>
+            <a:r>
+              <a:rPr lang="fr-CH" dirty="0"/>
+              <a:t> attention</a:t>
+            </a:r>
+            <a:endParaRPr lang="fr-FR" dirty="0"/>
+          </a:p>
+        </p:txBody>
+      </p:sp>
+      <p:grpSp>
+        <p:nvGrpSpPr>
+          <p:cNvPr id="65" name="decorative circles">
+            <a:extLst>
+              <a:ext uri="{FF2B5EF4-FFF2-40B4-BE49-F238E27FC236}">
+                <a16:creationId xmlns:a16="http://schemas.microsoft.com/office/drawing/2014/main" id="{61D9147E-6246-4344-B99C-7E58532D8CB5}"/>
+              </a:ext>
+              <a:ext uri="{C183D7F6-B498-43B3-948B-1728B52AA6E4}">
+                <adec:decorative xmlns:adec="http://schemas.microsoft.com/office/drawing/2017/decorative" val="1"/>
+              </a:ext>
+            </a:extLst>
+          </p:cNvPr>
+          <p:cNvGrpSpPr>
+            <a:grpSpLocks noGrp="1" noUngrp="1" noRot="1" noChangeAspect="1" noMove="1" noResize="1"/>
+          </p:cNvGrpSpPr>
+          <p:nvPr>
+            <p:extLst>
+              <p:ext uri="{386F3935-93C4-4BCD-93E2-E3B085C9AB24}">
+                <p16:designElem xmlns:p16="http://schemas.microsoft.com/office/powerpoint/2015/main" val="1"/>
+              </p:ext>
+            </p:extLst>
+          </p:nvPr>
+        </p:nvGrpSpPr>
+        <p:grpSpPr>
+          <a:xfrm>
+            <a:off x="6870062" y="289695"/>
+            <a:ext cx="4971115" cy="6138399"/>
+            <a:chOff x="6870062" y="289695"/>
+            <a:chExt cx="4971115" cy="6138399"/>
+          </a:xfrm>
+        </p:grpSpPr>
+        <p:sp>
+          <p:nvSpPr>
+            <p:cNvPr id="66" name="Oval 65">
+              <a:extLst>
+                <a:ext uri="{FF2B5EF4-FFF2-40B4-BE49-F238E27FC236}">
+                  <a16:creationId xmlns:a16="http://schemas.microsoft.com/office/drawing/2014/main" id="{B9D06285-CD49-4308-BDD4-0AF48D39BE4D}"/>
+                </a:ext>
+                <a:ext uri="{C183D7F6-B498-43B3-948B-1728B52AA6E4}">
+                  <adec:decorative xmlns:adec="http://schemas.microsoft.com/office/drawing/2017/decorative" val="1"/>
+                </a:ext>
+              </a:extLst>
+            </p:cNvPr>
+            <p:cNvSpPr/>
+            <p:nvPr>
+              <p:extLst>
+                <p:ext uri="{386F3935-93C4-4BCD-93E2-E3B085C9AB24}">
+                  <p16:designElem xmlns:p16="http://schemas.microsoft.com/office/powerpoint/2015/main" val="1"/>
+                </p:ext>
+              </p:extLst>
+            </p:nvPr>
+          </p:nvSpPr>
+          <p:spPr>
+            <a:xfrm>
+              <a:off x="10543605" y="289695"/>
+              <a:ext cx="226735" cy="226735"/>
+            </a:xfrm>
+            <a:prstGeom prst="ellipse">
+              <a:avLst/>
+            </a:prstGeom>
+            <a:solidFill>
+              <a:srgbClr val="97446E"/>
+            </a:solidFill>
+            <a:ln>
+              <a:noFill/>
+            </a:ln>
+          </p:spPr>
+          <p:style>
+            <a:lnRef idx="2">
+              <a:schemeClr val="accent1">
+                <a:shade val="50000"/>
+              </a:schemeClr>
+            </a:lnRef>
+            <a:fillRef idx="1">
+              <a:schemeClr val="accent1"/>
+            </a:fillRef>
+            <a:effectRef idx="0">
+              <a:schemeClr val="accent1"/>
+            </a:effectRef>
+            <a:fontRef idx="minor">
+              <a:schemeClr val="lt1"/>
+            </a:fontRef>
+          </p:style>
+          <p:txBody>
+            <a:bodyPr rtlCol="0" anchor="ctr"/>
+            <a:lstStyle/>
+            <a:p>
+              <a:pPr algn="ctr"/>
+              <a:endParaRPr lang="en-US"/>
+            </a:p>
+          </p:txBody>
+        </p:sp>
+        <p:sp>
+          <p:nvSpPr>
+            <p:cNvPr id="67" name="Oval 66">
+              <a:extLst>
+                <a:ext uri="{FF2B5EF4-FFF2-40B4-BE49-F238E27FC236}">
+                  <a16:creationId xmlns:a16="http://schemas.microsoft.com/office/drawing/2014/main" id="{1D4A3886-A465-4577-99CE-251AA7B923AA}"/>
+                </a:ext>
+                <a:ext uri="{C183D7F6-B498-43B3-948B-1728B52AA6E4}">
+                  <adec:decorative xmlns:adec="http://schemas.microsoft.com/office/drawing/2017/decorative" val="1"/>
+                </a:ext>
+              </a:extLst>
+            </p:cNvPr>
+            <p:cNvSpPr/>
+            <p:nvPr>
+              <p:extLst>
+                <p:ext uri="{386F3935-93C4-4BCD-93E2-E3B085C9AB24}">
+                  <p16:designElem xmlns:p16="http://schemas.microsoft.com/office/powerpoint/2015/main" val="1"/>
+                </p:ext>
+              </p:extLst>
+            </p:nvPr>
+          </p:nvSpPr>
+          <p:spPr>
+            <a:xfrm>
+              <a:off x="11374736" y="5667686"/>
+              <a:ext cx="466441" cy="466441"/>
+            </a:xfrm>
+            <a:prstGeom prst="ellipse">
+              <a:avLst/>
+            </a:prstGeom>
+            <a:solidFill>
+              <a:schemeClr val="accent2">
+                <a:lumMod val="60000"/>
+                <a:lumOff val="40000"/>
+              </a:schemeClr>
+            </a:solidFill>
+            <a:ln>
+              <a:noFill/>
+            </a:ln>
+          </p:spPr>
+          <p:style>
+            <a:lnRef idx="2">
+              <a:schemeClr val="accent1">
+                <a:shade val="50000"/>
+              </a:schemeClr>
+            </a:lnRef>
+            <a:fillRef idx="1">
+              <a:schemeClr val="accent1"/>
+            </a:fillRef>
+            <a:effectRef idx="0">
+              <a:schemeClr val="accent1"/>
+            </a:effectRef>
+            <a:fontRef idx="minor">
+              <a:schemeClr val="lt1"/>
+            </a:fontRef>
+          </p:style>
+          <p:txBody>
+            <a:bodyPr rtlCol="0" anchor="ctr"/>
+            <a:lstStyle/>
+            <a:p>
+              <a:pPr algn="ctr"/>
+              <a:endParaRPr lang="en-US"/>
+            </a:p>
+          </p:txBody>
+        </p:sp>
+        <p:sp>
+          <p:nvSpPr>
+            <p:cNvPr id="68" name="Oval 67">
+              <a:extLst>
+                <a:ext uri="{FF2B5EF4-FFF2-40B4-BE49-F238E27FC236}">
+                  <a16:creationId xmlns:a16="http://schemas.microsoft.com/office/drawing/2014/main" id="{6B4A1D21-7CBB-44D9-A528-DB74C3107EBE}"/>
+                </a:ext>
+                <a:ext uri="{C183D7F6-B498-43B3-948B-1728B52AA6E4}">
+                  <adec:decorative xmlns:adec="http://schemas.microsoft.com/office/drawing/2017/decorative" val="1"/>
+                </a:ext>
+              </a:extLst>
+            </p:cNvPr>
+            <p:cNvSpPr/>
+            <p:nvPr>
+              <p:extLst>
+                <p:ext uri="{386F3935-93C4-4BCD-93E2-E3B085C9AB24}">
+                  <p16:designElem xmlns:p16="http://schemas.microsoft.com/office/powerpoint/2015/main" val="1"/>
+                </p:ext>
+              </p:extLst>
+            </p:nvPr>
+          </p:nvSpPr>
+          <p:spPr>
+            <a:xfrm>
+              <a:off x="11427805" y="5275653"/>
+              <a:ext cx="113367" cy="113367"/>
+            </a:xfrm>
+            <a:prstGeom prst="ellipse">
+              <a:avLst/>
+            </a:prstGeom>
+            <a:solidFill>
+              <a:srgbClr val="F39E29"/>
+            </a:solidFill>
+            <a:ln>
+              <a:noFill/>
+            </a:ln>
+          </p:spPr>
+          <p:style>
+            <a:lnRef idx="2">
+              <a:schemeClr val="accent1">
+                <a:shade val="50000"/>
+              </a:schemeClr>
+            </a:lnRef>
+            <a:fillRef idx="1">
+              <a:schemeClr val="accent1"/>
+            </a:fillRef>
+            <a:effectRef idx="0">
+              <a:schemeClr val="accent1"/>
+            </a:effectRef>
+            <a:fontRef idx="minor">
+              <a:schemeClr val="lt1"/>
+            </a:fontRef>
+          </p:style>
+          <p:txBody>
+            <a:bodyPr rtlCol="0" anchor="ctr"/>
+            <a:lstStyle/>
+            <a:p>
+              <a:pPr algn="ctr"/>
+              <a:endParaRPr lang="en-US"/>
+            </a:p>
+          </p:txBody>
+        </p:sp>
+        <p:sp>
+          <p:nvSpPr>
+            <p:cNvPr id="69" name="Oval 68">
+              <a:extLst>
+                <a:ext uri="{FF2B5EF4-FFF2-40B4-BE49-F238E27FC236}">
+                  <a16:creationId xmlns:a16="http://schemas.microsoft.com/office/drawing/2014/main" id="{73600DE0-90F9-4BD7-A084-ECB65A27BBDF}"/>
+                </a:ext>
+                <a:ext uri="{C183D7F6-B498-43B3-948B-1728B52AA6E4}">
+                  <adec:decorative xmlns:adec="http://schemas.microsoft.com/office/drawing/2017/decorative" val="1"/>
+                </a:ext>
+              </a:extLst>
+            </p:cNvPr>
+            <p:cNvSpPr/>
+            <p:nvPr>
+              <p:extLst>
+                <p:ext uri="{386F3935-93C4-4BCD-93E2-E3B085C9AB24}">
+                  <p16:designElem xmlns:p16="http://schemas.microsoft.com/office/powerpoint/2015/main" val="1"/>
+                </p:ext>
+              </p:extLst>
+            </p:nvPr>
+          </p:nvSpPr>
+          <p:spPr>
+            <a:xfrm>
+              <a:off x="11069847" y="5942894"/>
+              <a:ext cx="94160" cy="94160"/>
+            </a:xfrm>
+            <a:prstGeom prst="ellipse">
+              <a:avLst/>
+            </a:prstGeom>
+            <a:solidFill>
+              <a:srgbClr val="E3BEBE">
+                <a:alpha val="28000"/>
+              </a:srgbClr>
+            </a:solidFill>
+            <a:ln>
+              <a:noFill/>
+            </a:ln>
+          </p:spPr>
+          <p:style>
+            <a:lnRef idx="2">
+              <a:schemeClr val="accent1">
+                <a:shade val="50000"/>
+              </a:schemeClr>
+            </a:lnRef>
+            <a:fillRef idx="1">
+              <a:schemeClr val="accent1"/>
+            </a:fillRef>
+            <a:effectRef idx="0">
+              <a:schemeClr val="accent1"/>
+            </a:effectRef>
+            <a:fontRef idx="minor">
+              <a:schemeClr val="lt1"/>
+            </a:fontRef>
+          </p:style>
+          <p:txBody>
+            <a:bodyPr rtlCol="0" anchor="ctr"/>
+            <a:lstStyle/>
+            <a:p>
+              <a:pPr algn="ctr"/>
+              <a:endParaRPr lang="en-US"/>
+            </a:p>
+          </p:txBody>
+        </p:sp>
+        <p:sp>
+          <p:nvSpPr>
+            <p:cNvPr id="70" name="Oval 69">
+              <a:extLst>
+                <a:ext uri="{FF2B5EF4-FFF2-40B4-BE49-F238E27FC236}">
+                  <a16:creationId xmlns:a16="http://schemas.microsoft.com/office/drawing/2014/main" id="{EC243907-3995-49EB-94E9-35C68C13CFE5}"/>
+                </a:ext>
+                <a:ext uri="{C183D7F6-B498-43B3-948B-1728B52AA6E4}">
+                  <adec:decorative xmlns:adec="http://schemas.microsoft.com/office/drawing/2017/decorative" val="1"/>
+                </a:ext>
+              </a:extLst>
+            </p:cNvPr>
+            <p:cNvSpPr/>
+            <p:nvPr>
+              <p:extLst>
+                <p:ext uri="{386F3935-93C4-4BCD-93E2-E3B085C9AB24}">
+                  <p16:designElem xmlns:p16="http://schemas.microsoft.com/office/powerpoint/2015/main" val="1"/>
+                </p:ext>
+              </p:extLst>
+            </p:nvPr>
+          </p:nvSpPr>
+          <p:spPr>
+            <a:xfrm>
+              <a:off x="11181540" y="655922"/>
+              <a:ext cx="466441" cy="466441"/>
+            </a:xfrm>
+            <a:prstGeom prst="ellipse">
+              <a:avLst/>
+            </a:prstGeom>
+            <a:solidFill>
+              <a:schemeClr val="accent2">
+                <a:lumMod val="20000"/>
+                <a:lumOff val="80000"/>
+              </a:schemeClr>
+            </a:solidFill>
+            <a:ln>
+              <a:noFill/>
+            </a:ln>
+          </p:spPr>
+          <p:style>
+            <a:lnRef idx="2">
+              <a:schemeClr val="accent1">
+                <a:shade val="50000"/>
+              </a:schemeClr>
+            </a:lnRef>
+            <a:fillRef idx="1">
+              <a:schemeClr val="accent1"/>
+            </a:fillRef>
+            <a:effectRef idx="0">
+              <a:schemeClr val="accent1"/>
+            </a:effectRef>
+            <a:fontRef idx="minor">
+              <a:schemeClr val="lt1"/>
+            </a:fontRef>
+          </p:style>
+          <p:txBody>
+            <a:bodyPr rtlCol="0" anchor="ctr"/>
+            <a:lstStyle/>
+            <a:p>
+              <a:pPr algn="ctr"/>
+              <a:endParaRPr lang="en-US"/>
+            </a:p>
+          </p:txBody>
+        </p:sp>
+        <p:sp>
+          <p:nvSpPr>
+            <p:cNvPr id="71" name="Oval 70">
+              <a:extLst>
+                <a:ext uri="{FF2B5EF4-FFF2-40B4-BE49-F238E27FC236}">
+                  <a16:creationId xmlns:a16="http://schemas.microsoft.com/office/drawing/2014/main" id="{4629A2DC-7066-4487-A307-68F210722CB8}"/>
+                </a:ext>
+                <a:ext uri="{C183D7F6-B498-43B3-948B-1728B52AA6E4}">
+                  <adec:decorative xmlns:adec="http://schemas.microsoft.com/office/drawing/2017/decorative" val="1"/>
+                </a:ext>
+              </a:extLst>
+            </p:cNvPr>
+            <p:cNvSpPr/>
+            <p:nvPr>
+              <p:extLst>
+                <p:ext uri="{386F3935-93C4-4BCD-93E2-E3B085C9AB24}">
+                  <p16:designElem xmlns:p16="http://schemas.microsoft.com/office/powerpoint/2015/main" val="1"/>
+                </p:ext>
+              </p:extLst>
+            </p:nvPr>
+          </p:nvSpPr>
+          <p:spPr>
+            <a:xfrm>
+              <a:off x="11003560" y="387281"/>
+              <a:ext cx="113367" cy="113367"/>
+            </a:xfrm>
+            <a:prstGeom prst="ellipse">
+              <a:avLst/>
+            </a:prstGeom>
+            <a:solidFill>
+              <a:schemeClr val="accent3"/>
+            </a:solidFill>
+            <a:ln>
+              <a:noFill/>
+            </a:ln>
+          </p:spPr>
+          <p:style>
+            <a:lnRef idx="2">
+              <a:schemeClr val="accent1">
+                <a:shade val="50000"/>
+              </a:schemeClr>
+            </a:lnRef>
+            <a:fillRef idx="1">
+              <a:schemeClr val="accent1"/>
+            </a:fillRef>
+            <a:effectRef idx="0">
+              <a:schemeClr val="accent1"/>
+            </a:effectRef>
+            <a:fontRef idx="minor">
+              <a:schemeClr val="lt1"/>
+            </a:fontRef>
+          </p:style>
+          <p:txBody>
+            <a:bodyPr rtlCol="0" anchor="ctr"/>
+            <a:lstStyle/>
+            <a:p>
+              <a:pPr algn="ctr"/>
+              <a:endParaRPr lang="en-US"/>
+            </a:p>
+          </p:txBody>
+        </p:sp>
+        <p:sp>
+          <p:nvSpPr>
+            <p:cNvPr id="72" name="Oval 71">
+              <a:extLst>
+                <a:ext uri="{FF2B5EF4-FFF2-40B4-BE49-F238E27FC236}">
+                  <a16:creationId xmlns:a16="http://schemas.microsoft.com/office/drawing/2014/main" id="{D0508B2B-067E-421A-9C09-522CFF39FBA4}"/>
+                </a:ext>
+                <a:ext uri="{C183D7F6-B498-43B3-948B-1728B52AA6E4}">
+                  <adec:decorative xmlns:adec="http://schemas.microsoft.com/office/drawing/2017/decorative" val="1"/>
+                </a:ext>
+              </a:extLst>
+            </p:cNvPr>
+            <p:cNvSpPr/>
+            <p:nvPr>
+              <p:extLst>
+                <p:ext uri="{386F3935-93C4-4BCD-93E2-E3B085C9AB24}">
+                  <p16:designElem xmlns:p16="http://schemas.microsoft.com/office/powerpoint/2015/main" val="1"/>
+                </p:ext>
+              </p:extLst>
+            </p:nvPr>
+          </p:nvSpPr>
+          <p:spPr>
+            <a:xfrm>
+              <a:off x="7163367" y="6122314"/>
+              <a:ext cx="305780" cy="305780"/>
+            </a:xfrm>
+            <a:prstGeom prst="ellipse">
+              <a:avLst/>
+            </a:prstGeom>
+            <a:solidFill>
+              <a:schemeClr val="accent3"/>
+            </a:solidFill>
+            <a:ln>
+              <a:noFill/>
+            </a:ln>
+          </p:spPr>
+          <p:style>
+            <a:lnRef idx="2">
+              <a:schemeClr val="accent1">
+                <a:shade val="50000"/>
+              </a:schemeClr>
+            </a:lnRef>
+            <a:fillRef idx="1">
+              <a:schemeClr val="accent1"/>
+            </a:fillRef>
+            <a:effectRef idx="0">
+              <a:schemeClr val="accent1"/>
+            </a:effectRef>
+            <a:fontRef idx="minor">
+              <a:schemeClr val="lt1"/>
+            </a:fontRef>
+          </p:style>
+          <p:txBody>
+            <a:bodyPr rtlCol="0" anchor="ctr"/>
+            <a:lstStyle/>
+            <a:p>
+              <a:pPr algn="ctr"/>
+              <a:endParaRPr lang="en-US"/>
+            </a:p>
+          </p:txBody>
+        </p:sp>
+        <p:sp>
+          <p:nvSpPr>
+            <p:cNvPr id="73" name="Oval 72">
+              <a:extLst>
+                <a:ext uri="{FF2B5EF4-FFF2-40B4-BE49-F238E27FC236}">
+                  <a16:creationId xmlns:a16="http://schemas.microsoft.com/office/drawing/2014/main" id="{889BA730-4DAE-4702-A5C5-013F9CEB09F1}"/>
+                </a:ext>
+                <a:ext uri="{C183D7F6-B498-43B3-948B-1728B52AA6E4}">
+                  <adec:decorative xmlns:adec="http://schemas.microsoft.com/office/drawing/2017/decorative" val="1"/>
+                </a:ext>
+              </a:extLst>
+            </p:cNvPr>
+            <p:cNvSpPr/>
+            <p:nvPr>
+              <p:extLst>
+                <p:ext uri="{386F3935-93C4-4BCD-93E2-E3B085C9AB24}">
+                  <p16:designElem xmlns:p16="http://schemas.microsoft.com/office/powerpoint/2015/main" val="1"/>
+                </p:ext>
+              </p:extLst>
+            </p:nvPr>
+          </p:nvSpPr>
+          <p:spPr>
+            <a:xfrm>
+              <a:off x="6870062" y="5959435"/>
+              <a:ext cx="113367" cy="113367"/>
+            </a:xfrm>
+            <a:prstGeom prst="ellipse">
+              <a:avLst/>
+            </a:prstGeom>
+            <a:solidFill>
+              <a:schemeClr val="accent5"/>
+            </a:solidFill>
+            <a:ln>
+              <a:noFill/>
+            </a:ln>
+          </p:spPr>
+          <p:style>
+            <a:lnRef idx="2">
+              <a:schemeClr val="accent1">
+                <a:shade val="50000"/>
+              </a:schemeClr>
+            </a:lnRef>
+            <a:fillRef idx="1">
+              <a:schemeClr val="accent1"/>
+            </a:fillRef>
+            <a:effectRef idx="0">
+              <a:schemeClr val="accent1"/>
+            </a:effectRef>
+            <a:fontRef idx="minor">
+              <a:schemeClr val="lt1"/>
+            </a:fontRef>
+          </p:style>
+          <p:txBody>
+            <a:bodyPr rtlCol="0" anchor="ctr"/>
+            <a:lstStyle/>
+            <a:p>
+              <a:pPr algn="ctr"/>
+              <a:endParaRPr lang="en-US"/>
+            </a:p>
+          </p:txBody>
+        </p:sp>
+      </p:grpSp>
+      <p:sp>
+        <p:nvSpPr>
+          <p:cNvPr id="14" name="Titre 1">
+            <a:extLst>
+              <a:ext uri="{FF2B5EF4-FFF2-40B4-BE49-F238E27FC236}">
+                <a16:creationId xmlns:a16="http://schemas.microsoft.com/office/drawing/2014/main" id="{483FD2FE-96D2-EEBE-38B0-B22D02B99595}"/>
+              </a:ext>
+            </a:extLst>
+          </p:cNvPr>
+          <p:cNvSpPr txBox="1">
+            <a:spLocks/>
+          </p:cNvSpPr>
+          <p:nvPr/>
+        </p:nvSpPr>
+        <p:spPr>
+          <a:xfrm>
+            <a:off x="2038927" y="3026594"/>
+            <a:ext cx="8114145" cy="921871"/>
+          </a:xfrm>
+          <a:prstGeom prst="rect">
+            <a:avLst/>
+          </a:prstGeom>
+        </p:spPr>
+        <p:txBody>
+          <a:bodyPr vert="horz" lIns="91440" tIns="45720" rIns="91440" bIns="45720" rtlCol="0" anchor="b">
+            <a:normAutofit fontScale="62500" lnSpcReduction="20000"/>
+          </a:bodyPr>
+          <a:lstStyle>
+            <a:lvl1pPr algn="ctr" defTabSz="914400" rtl="0" eaLnBrk="1" latinLnBrk="0" hangingPunct="1">
+              <a:lnSpc>
+                <a:spcPct val="90000"/>
+              </a:lnSpc>
+              <a:spcBef>
+                <a:spcPct val="0"/>
+              </a:spcBef>
+              <a:buNone/>
+              <a:defRPr sz="5400" kern="1200">
+                <a:solidFill>
+                  <a:schemeClr val="tx2"/>
+                </a:solidFill>
+                <a:latin typeface="+mj-lt"/>
+                <a:ea typeface="+mj-ea"/>
+                <a:cs typeface="+mj-cs"/>
+              </a:defRPr>
+            </a:lvl1pPr>
+          </a:lstStyle>
+          <a:p>
+            <a:r>
+              <a:rPr lang="fr-CH" dirty="0" err="1"/>
+              <a:t>Special</a:t>
+            </a:r>
+            <a:r>
+              <a:rPr lang="fr-CH" dirty="0"/>
+              <a:t> </a:t>
+            </a:r>
+            <a:r>
+              <a:rPr lang="fr-CH" dirty="0" err="1"/>
+              <a:t>thanks</a:t>
+            </a:r>
+            <a:r>
+              <a:rPr lang="fr-CH" dirty="0"/>
+              <a:t> to </a:t>
+            </a:r>
+            <a:r>
+              <a:rPr lang="fr-CH" dirty="0" err="1"/>
+              <a:t>my</a:t>
+            </a:r>
+            <a:r>
+              <a:rPr lang="fr-CH" dirty="0"/>
+              <a:t> </a:t>
+            </a:r>
+            <a:r>
+              <a:rPr lang="fr-CH" dirty="0" err="1"/>
+              <a:t>supervisor</a:t>
+            </a:r>
+            <a:r>
+              <a:rPr lang="fr-CH" dirty="0"/>
+              <a:t> Pr. Kévin Huguenin</a:t>
+            </a:r>
+            <a:endParaRPr lang="fr-FR" dirty="0"/>
+          </a:p>
+        </p:txBody>
+      </p:sp>
+    </p:spTree>
+    <p:extLst>
+      <p:ext uri="{BB962C8B-B14F-4D97-AF65-F5344CB8AC3E}">
+        <p14:creationId xmlns:p14="http://schemas.microsoft.com/office/powerpoint/2010/main" val="4195608624"/>
+      </p:ext>
+    </p:extLst>
+  </p:cSld>
+  <p:clrMapOvr>
+    <a:masterClrMapping/>
+  </p:clrMapOvr>
+  <mc:AlternateContent xmlns:mc="http://schemas.openxmlformats.org/markup-compatibility/2006" xmlns:p14="http://schemas.microsoft.com/office/powerpoint/2010/main">
+    <mc:Choice Requires="p14">
+      <p:transition spd="med" p14:dur="700">
+        <p:fade/>
+      </p:transition>
+    </mc:Choice>
+    <mc:Fallback xmlns="">
+      <p:transition spd="med">
+        <p:fade/>
+      </p:transition>
+    </mc:Fallback>
+  </mc:AlternateContent>
+  <p:timing>
+    <p:tnLst>
+      <p:par>
+        <p:cTn id="1" dur="indefinite" restart="never" nodeType="tmRoot">
+          <p:childTnLst>
+            <p:seq concurrent="1" nextAc="seek">
+              <p:cTn id="2" dur="indefinite" nodeType="mainSeq">
+                <p:childTnLst>
+                  <p:par>
+                    <p:cTn id="3" fill="hold">
+                      <p:stCondLst>
+                        <p:cond delay="indefinite"/>
+                        <p:cond evt="onBegin" delay="0">
+                          <p:tn val="2"/>
+                        </p:cond>
+                      </p:stCondLst>
+                      <p:childTnLst>
+                        <p:par>
+                          <p:cTn id="4" fill="hold">
+                            <p:stCondLst>
+                              <p:cond delay="0"/>
+                            </p:stCondLst>
+                            <p:childTnLst>
+                              <p:par>
+                                <p:cTn id="5" presetID="10" presetClass="entr" presetSubtype="0" fill="hold" grpId="0" nodeType="withEffect">
+                                  <p:stCondLst>
+                                    <p:cond delay="0"/>
+                                  </p:stCondLst>
+                                  <p:iterate>
+                                    <p:tmPct val="10000"/>
+                                  </p:iterate>
+                                  <p:childTnLst>
+                                    <p:set>
+                                      <p:cBhvr>
+                                        <p:cTn id="6" dur="1" fill="hold">
+                                          <p:stCondLst>
+                                            <p:cond delay="0"/>
+                                          </p:stCondLst>
+                                        </p:cTn>
+                                        <p:tgtEl>
+                                          <p:spTgt spid="2"/>
+                                        </p:tgtEl>
+                                        <p:attrNameLst>
+                                          <p:attrName>style.visibility</p:attrName>
+                                        </p:attrNameLst>
+                                      </p:cBhvr>
+                                      <p:to>
+                                        <p:strVal val="visible"/>
+                                      </p:to>
+                                    </p:set>
+                                    <p:animEffect transition="in" filter="fade">
+                                      <p:cBhvr>
+                                        <p:cTn id="7" dur="700"/>
+                                        <p:tgtEl>
+                                          <p:spTgt spid="2"/>
+                                        </p:tgtEl>
+                                      </p:cBhvr>
+                                    </p:animEffect>
+                                  </p:childTnLst>
+                                </p:cTn>
+                              </p:par>
+                              <p:par>
+                                <p:cTn id="8" presetID="10" presetClass="entr" presetSubtype="0" fill="hold" grpId="0" nodeType="withEffect">
+                                  <p:stCondLst>
+                                    <p:cond delay="0"/>
+                                  </p:stCondLst>
+                                  <p:iterate>
+                                    <p:tmPct val="10000"/>
+                                  </p:iterate>
+                                  <p:childTnLst>
+                                    <p:set>
+                                      <p:cBhvr>
+                                        <p:cTn id="9" dur="1" fill="hold">
+                                          <p:stCondLst>
+                                            <p:cond delay="0"/>
+                                          </p:stCondLst>
+                                        </p:cTn>
+                                        <p:tgtEl>
+                                          <p:spTgt spid="14"/>
+                                        </p:tgtEl>
+                                        <p:attrNameLst>
+                                          <p:attrName>style.visibility</p:attrName>
+                                        </p:attrNameLst>
+                                      </p:cBhvr>
+                                      <p:to>
+                                        <p:strVal val="visible"/>
+                                      </p:to>
+                                    </p:set>
+                                    <p:animEffect transition="in" filter="fade">
+                                      <p:cBhvr>
+                                        <p:cTn id="10" dur="700"/>
+                                        <p:tgtEl>
+                                          <p:spTgt spid="14"/>
+                                        </p:tgtEl>
+                                      </p:cBhvr>
+                                    </p:animEffect>
+                                  </p:childTnLst>
+                                </p:cTn>
+                              </p:par>
+                            </p:childTnLst>
+                          </p:cTn>
+                        </p:par>
+                      </p:childTnLst>
+                    </p:cTn>
+                  </p:par>
+                </p:childTnLst>
+              </p:cTn>
+              <p:prevCondLst>
+                <p:cond evt="onPrev" delay="0">
+                  <p:tgtEl>
+                    <p:sldTgt/>
+                  </p:tgtEl>
+                </p:cond>
+              </p:prevCondLst>
+              <p:nextCondLst>
+                <p:cond evt="onNext" delay="0">
+                  <p:tgtEl>
+                    <p:sldTgt/>
+                  </p:tgtEl>
+                </p:cond>
+              </p:nextCondLst>
+            </p:seq>
+          </p:childTnLst>
+        </p:cTn>
+      </p:par>
+    </p:tnLst>
+    <p:bldLst>
+      <p:bldP spid="2" grpId="0"/>
+      <p:bldP spid="14" grpId="0"/>
     </p:bldLst>
   </p:timing>
 </p:sld>
